--- a/presentaciones/Selenium, session 1.pptx
+++ b/presentaciones/Selenium, session 1.pptx
@@ -5,7 +5,7 @@
     <p:sldMasterId id="2147483664" r:id="rId1"/>
   </p:sldMasterIdLst>
   <p:notesMasterIdLst>
-    <p:notesMasterId r:id="rId27"/>
+    <p:notesMasterId r:id="rId28"/>
   </p:notesMasterIdLst>
   <p:sldIdLst>
     <p:sldId id="256" r:id="rId2"/>
@@ -16,23 +16,24 @@
     <p:sldId id="261" r:id="rId7"/>
     <p:sldId id="262" r:id="rId8"/>
     <p:sldId id="263" r:id="rId9"/>
-    <p:sldId id="264" r:id="rId10"/>
-    <p:sldId id="265" r:id="rId11"/>
-    <p:sldId id="266" r:id="rId12"/>
-    <p:sldId id="267" r:id="rId13"/>
-    <p:sldId id="268" r:id="rId14"/>
-    <p:sldId id="269" r:id="rId15"/>
-    <p:sldId id="270" r:id="rId16"/>
-    <p:sldId id="271" r:id="rId17"/>
-    <p:sldId id="272" r:id="rId18"/>
-    <p:sldId id="273" r:id="rId19"/>
-    <p:sldId id="274" r:id="rId20"/>
-    <p:sldId id="275" r:id="rId21"/>
-    <p:sldId id="276" r:id="rId22"/>
-    <p:sldId id="278" r:id="rId23"/>
-    <p:sldId id="277" r:id="rId24"/>
-    <p:sldId id="279" r:id="rId25"/>
-    <p:sldId id="280" r:id="rId26"/>
+    <p:sldId id="281" r:id="rId10"/>
+    <p:sldId id="264" r:id="rId11"/>
+    <p:sldId id="265" r:id="rId12"/>
+    <p:sldId id="266" r:id="rId13"/>
+    <p:sldId id="282" r:id="rId14"/>
+    <p:sldId id="267" r:id="rId15"/>
+    <p:sldId id="268" r:id="rId16"/>
+    <p:sldId id="269" r:id="rId17"/>
+    <p:sldId id="270" r:id="rId18"/>
+    <p:sldId id="271" r:id="rId19"/>
+    <p:sldId id="272" r:id="rId20"/>
+    <p:sldId id="273" r:id="rId21"/>
+    <p:sldId id="283" r:id="rId22"/>
+    <p:sldId id="276" r:id="rId23"/>
+    <p:sldId id="278" r:id="rId24"/>
+    <p:sldId id="277" r:id="rId25"/>
+    <p:sldId id="279" r:id="rId26"/>
+    <p:sldId id="280" r:id="rId27"/>
   </p:sldIdLst>
   <p:sldSz cx="12192000" cy="6858000"/>
   <p:notesSz cx="6858000" cy="9144000"/>
@@ -265,6 +266,11 @@
       </a:defRPr>
     </a:lvl9pPr>
   </p:defaultTextStyle>
+  <p:extLst>
+    <p:ext uri="{EFAFB233-063F-42B5-8137-9DF3F51BA10A}">
+      <p15:sldGuideLst xmlns:p15="http://schemas.microsoft.com/office/powerpoint/2012/main"/>
+    </p:ext>
+  </p:extLst>
 </p:presentation>
 </file>
 
@@ -844,8 +850,8 @@
         </p:nvSpPr>
         <p:spPr>
           <a:xfrm>
-            <a:off x="1143225" y="685800"/>
-            <a:ext cx="4572300" cy="3429000"/>
+            <a:off x="381000" y="685800"/>
+            <a:ext cx="6096000" cy="3429000"/>
           </a:xfrm>
           <a:custGeom>
             <a:avLst/>
@@ -948,8 +954,8 @@
         </p:nvSpPr>
         <p:spPr>
           <a:xfrm>
-            <a:off x="1143225" y="685800"/>
-            <a:ext cx="4572300" cy="3429000"/>
+            <a:off x="381000" y="685800"/>
+            <a:ext cx="6096000" cy="3429000"/>
           </a:xfrm>
           <a:custGeom>
             <a:avLst/>
@@ -1879,8 +1885,8 @@
         </p:nvSpPr>
         <p:spPr>
           <a:xfrm>
-            <a:off x="1143225" y="685800"/>
-            <a:ext cx="4572225" cy="3429000"/>
+            <a:off x="381000" y="685800"/>
+            <a:ext cx="6096000" cy="3429000"/>
           </a:xfrm>
           <a:custGeom>
             <a:avLst/>
@@ -1987,116 +1993,8 @@
         </p:nvSpPr>
         <p:spPr>
           <a:xfrm>
-            <a:off x="1143225" y="685800"/>
-            <a:ext cx="4572225" cy="3429000"/>
-          </a:xfrm>
-          <a:custGeom>
-            <a:avLst/>
-            <a:gdLst/>
-            <a:ahLst/>
-            <a:cxnLst/>
-            <a:rect l="0" t="0" r="0" b="0"/>
-            <a:pathLst>
-              <a:path w="120000" h="120000" extrusionOk="0">
-                <a:moveTo>
-                  <a:pt x="0" y="0"/>
-                </a:moveTo>
-                <a:lnTo>
-                  <a:pt x="120000" y="0"/>
-                </a:lnTo>
-                <a:lnTo>
-                  <a:pt x="120000" y="120000"/>
-                </a:lnTo>
-                <a:lnTo>
-                  <a:pt x="0" y="120000"/>
-                </a:lnTo>
-                <a:close/>
-              </a:path>
-            </a:pathLst>
-          </a:custGeom>
-        </p:spPr>
-      </p:sp>
-    </p:spTree>
-  </p:cSld>
-  <p:clrMapOvr>
-    <a:masterClrMapping/>
-  </p:clrMapOvr>
-</p:notes>
-</file>
-
-<file path=ppt/notesSlides/notesSlide19.xml><?xml version="1.0" encoding="utf-8"?>
-<p:notes xmlns:a="http://schemas.openxmlformats.org/drawingml/2006/main" xmlns:r="http://schemas.openxmlformats.org/officeDocument/2006/relationships" xmlns:p="http://schemas.openxmlformats.org/presentationml/2006/main" showMasterSp="0" showMasterPhAnim="0">
-  <p:cSld>
-    <p:spTree>
-      <p:nvGrpSpPr>
-        <p:cNvPr id="1" name="Shape 320"/>
-        <p:cNvGrpSpPr/>
-        <p:nvPr/>
-      </p:nvGrpSpPr>
-      <p:grpSpPr>
-        <a:xfrm>
-          <a:off x="0" y="0"/>
-          <a:ext cx="0" cy="0"/>
-          <a:chOff x="0" y="0"/>
-          <a:chExt cx="0" cy="0"/>
-        </a:xfrm>
-      </p:grpSpPr>
-      <p:sp>
-        <p:nvSpPr>
-          <p:cNvPr id="321" name="Shape 321"/>
-          <p:cNvSpPr txBox="1">
-            <a:spLocks noGrp="1"/>
-          </p:cNvSpPr>
-          <p:nvPr>
-            <p:ph type="body" idx="1"/>
-          </p:nvPr>
-        </p:nvSpPr>
-        <p:spPr>
-          <a:xfrm>
-            <a:off x="685800" y="4343400"/>
-            <a:ext cx="5486400" cy="4114800"/>
-          </a:xfrm>
-          <a:prstGeom prst="rect">
-            <a:avLst/>
-          </a:prstGeom>
-          <a:noFill/>
-          <a:ln>
-            <a:noFill/>
-          </a:ln>
-        </p:spPr>
-        <p:txBody>
-          <a:bodyPr spcFirstLastPara="1" wrap="square" lIns="91425" tIns="91425" rIns="91425" bIns="91425" anchor="ctr" anchorCtr="0">
-            <a:noAutofit/>
-          </a:bodyPr>
-          <a:lstStyle/>
-          <a:p>
-            <a:pPr marL="0" lvl="0" indent="0">
-              <a:spcBef>
-                <a:spcPts val="0"/>
-              </a:spcBef>
-              <a:spcAft>
-                <a:spcPts val="0"/>
-              </a:spcAft>
-              <a:buNone/>
-            </a:pPr>
-            <a:endParaRPr/>
-          </a:p>
-        </p:txBody>
-      </p:sp>
-      <p:sp>
-        <p:nvSpPr>
-          <p:cNvPr id="322" name="Shape 322"/>
-          <p:cNvSpPr>
-            <a:spLocks noGrp="1" noRot="1" noChangeAspect="1"/>
-          </p:cNvSpPr>
-          <p:nvPr>
-            <p:ph type="sldImg" idx="2"/>
-          </p:nvPr>
-        </p:nvSpPr>
-        <p:spPr>
-          <a:xfrm>
-            <a:off x="1143225" y="685800"/>
-            <a:ext cx="4572225" cy="3429000"/>
+            <a:off x="381000" y="685800"/>
+            <a:ext cx="6096000" cy="3429000"/>
           </a:xfrm>
           <a:custGeom>
             <a:avLst/>
@@ -2205,114 +2103,6 @@
           <a:xfrm>
             <a:off x="381000" y="685800"/>
             <a:ext cx="6096000" cy="3429000"/>
-          </a:xfrm>
-          <a:custGeom>
-            <a:avLst/>
-            <a:gdLst/>
-            <a:ahLst/>
-            <a:cxnLst/>
-            <a:rect l="0" t="0" r="0" b="0"/>
-            <a:pathLst>
-              <a:path w="120000" h="120000" extrusionOk="0">
-                <a:moveTo>
-                  <a:pt x="0" y="0"/>
-                </a:moveTo>
-                <a:lnTo>
-                  <a:pt x="120000" y="0"/>
-                </a:lnTo>
-                <a:lnTo>
-                  <a:pt x="120000" y="120000"/>
-                </a:lnTo>
-                <a:lnTo>
-                  <a:pt x="0" y="120000"/>
-                </a:lnTo>
-                <a:close/>
-              </a:path>
-            </a:pathLst>
-          </a:custGeom>
-        </p:spPr>
-      </p:sp>
-    </p:spTree>
-  </p:cSld>
-  <p:clrMapOvr>
-    <a:masterClrMapping/>
-  </p:clrMapOvr>
-</p:notes>
-</file>
-
-<file path=ppt/notesSlides/notesSlide20.xml><?xml version="1.0" encoding="utf-8"?>
-<p:notes xmlns:a="http://schemas.openxmlformats.org/drawingml/2006/main" xmlns:r="http://schemas.openxmlformats.org/officeDocument/2006/relationships" xmlns:p="http://schemas.openxmlformats.org/presentationml/2006/main" showMasterSp="0" showMasterPhAnim="0">
-  <p:cSld>
-    <p:spTree>
-      <p:nvGrpSpPr>
-        <p:cNvPr id="1" name="Shape 356"/>
-        <p:cNvGrpSpPr/>
-        <p:nvPr/>
-      </p:nvGrpSpPr>
-      <p:grpSpPr>
-        <a:xfrm>
-          <a:off x="0" y="0"/>
-          <a:ext cx="0" cy="0"/>
-          <a:chOff x="0" y="0"/>
-          <a:chExt cx="0" cy="0"/>
-        </a:xfrm>
-      </p:grpSpPr>
-      <p:sp>
-        <p:nvSpPr>
-          <p:cNvPr id="357" name="Shape 357"/>
-          <p:cNvSpPr txBox="1">
-            <a:spLocks noGrp="1"/>
-          </p:cNvSpPr>
-          <p:nvPr>
-            <p:ph type="body" idx="1"/>
-          </p:nvPr>
-        </p:nvSpPr>
-        <p:spPr>
-          <a:xfrm>
-            <a:off x="685800" y="4343400"/>
-            <a:ext cx="5486400" cy="4114800"/>
-          </a:xfrm>
-          <a:prstGeom prst="rect">
-            <a:avLst/>
-          </a:prstGeom>
-          <a:noFill/>
-          <a:ln>
-            <a:noFill/>
-          </a:ln>
-        </p:spPr>
-        <p:txBody>
-          <a:bodyPr spcFirstLastPara="1" wrap="square" lIns="91425" tIns="91425" rIns="91425" bIns="91425" anchor="ctr" anchorCtr="0">
-            <a:noAutofit/>
-          </a:bodyPr>
-          <a:lstStyle/>
-          <a:p>
-            <a:pPr marL="0" lvl="0" indent="0">
-              <a:spcBef>
-                <a:spcPts val="0"/>
-              </a:spcBef>
-              <a:spcAft>
-                <a:spcPts val="0"/>
-              </a:spcAft>
-              <a:buNone/>
-            </a:pPr>
-            <a:endParaRPr/>
-          </a:p>
-        </p:txBody>
-      </p:sp>
-      <p:sp>
-        <p:nvSpPr>
-          <p:cNvPr id="358" name="Shape 358"/>
-          <p:cNvSpPr>
-            <a:spLocks noGrp="1" noRot="1" noChangeAspect="1"/>
-          </p:cNvSpPr>
-          <p:nvPr>
-            <p:ph type="sldImg" idx="2"/>
-          </p:nvPr>
-        </p:nvSpPr>
-        <p:spPr>
-          <a:xfrm>
-            <a:off x="1143225" y="685800"/>
-            <a:ext cx="4572225" cy="3429000"/>
           </a:xfrm>
           <a:custGeom>
             <a:avLst/>
@@ -2527,8 +2317,8 @@
         </p:nvSpPr>
         <p:spPr>
           <a:xfrm>
-            <a:off x="1143225" y="685800"/>
-            <a:ext cx="4572225" cy="3429000"/>
+            <a:off x="381000" y="685800"/>
+            <a:ext cx="6096000" cy="3429000"/>
           </a:xfrm>
           <a:custGeom>
             <a:avLst/>
@@ -2635,8 +2425,8 @@
         </p:nvSpPr>
         <p:spPr>
           <a:xfrm>
-            <a:off x="1143225" y="685800"/>
-            <a:ext cx="4572225" cy="3429000"/>
+            <a:off x="381000" y="685800"/>
+            <a:ext cx="6096000" cy="3429000"/>
           </a:xfrm>
           <a:custGeom>
             <a:avLst/>
@@ -2917,8 +2707,8 @@
         </p:nvSpPr>
         <p:spPr>
           <a:xfrm>
-            <a:off x="1143225" y="685800"/>
-            <a:ext cx="4572300" cy="3429000"/>
+            <a:off x="381000" y="685800"/>
+            <a:ext cx="6096000" cy="3429000"/>
           </a:xfrm>
           <a:custGeom>
             <a:avLst/>
@@ -3025,8 +2815,8 @@
         </p:nvSpPr>
         <p:spPr>
           <a:xfrm>
-            <a:off x="1143225" y="685800"/>
-            <a:ext cx="4572300" cy="3429000"/>
+            <a:off x="381000" y="685800"/>
+            <a:ext cx="6096000" cy="3429000"/>
           </a:xfrm>
           <a:custGeom>
             <a:avLst/>
@@ -24108,6 +23898,129 @@
   <p:cSld>
     <p:spTree>
       <p:nvGrpSpPr>
+        <p:cNvPr id="1" name="Shape 245"/>
+        <p:cNvGrpSpPr/>
+        <p:nvPr/>
+      </p:nvGrpSpPr>
+      <p:grpSpPr>
+        <a:xfrm>
+          <a:off x="0" y="0"/>
+          <a:ext cx="0" cy="0"/>
+          <a:chOff x="0" y="0"/>
+          <a:chExt cx="0" cy="0"/>
+        </a:xfrm>
+      </p:grpSpPr>
+      <p:sp>
+        <p:nvSpPr>
+          <p:cNvPr id="246" name="Shape 246"/>
+          <p:cNvSpPr txBox="1">
+            <a:spLocks noGrp="1"/>
+          </p:cNvSpPr>
+          <p:nvPr>
+            <p:ph type="title"/>
+          </p:nvPr>
+        </p:nvSpPr>
+        <p:spPr>
+          <a:xfrm>
+            <a:off x="677334" y="609600"/>
+            <a:ext cx="8596800" cy="1320900"/>
+          </a:xfrm>
+          <a:prstGeom prst="rect">
+            <a:avLst/>
+          </a:prstGeom>
+        </p:spPr>
+        <p:txBody>
+          <a:bodyPr spcFirstLastPara="1" wrap="square" lIns="91425" tIns="91425" rIns="91425" bIns="91425" anchor="t" anchorCtr="0">
+            <a:noAutofit/>
+          </a:bodyPr>
+          <a:lstStyle/>
+          <a:p>
+            <a:pPr marL="0" lvl="0" indent="0">
+              <a:spcBef>
+                <a:spcPts val="0"/>
+              </a:spcBef>
+              <a:spcAft>
+                <a:spcPts val="0"/>
+              </a:spcAft>
+              <a:buNone/>
+            </a:pPr>
+            <a:r>
+              <a:rPr lang="es-ES" dirty="0"/>
+              <a:t>Ejercicio: Creación de casos de prueba</a:t>
+            </a:r>
+            <a:endParaRPr dirty="0"/>
+          </a:p>
+        </p:txBody>
+      </p:sp>
+      <p:pic>
+        <p:nvPicPr>
+          <p:cNvPr id="247" name="Shape 247"/>
+          <p:cNvPicPr preferRelativeResize="0"/>
+          <p:nvPr/>
+        </p:nvPicPr>
+        <p:blipFill>
+          <a:blip r:embed="rId3">
+            <a:alphaModFix/>
+          </a:blip>
+          <a:stretch>
+            <a:fillRect/>
+          </a:stretch>
+        </p:blipFill>
+        <p:spPr>
+          <a:xfrm>
+            <a:off x="569825" y="1752450"/>
+            <a:ext cx="4975800" cy="4160926"/>
+          </a:xfrm>
+          <a:prstGeom prst="rect">
+            <a:avLst/>
+          </a:prstGeom>
+          <a:noFill/>
+          <a:ln>
+            <a:noFill/>
+          </a:ln>
+        </p:spPr>
+      </p:pic>
+      <p:pic>
+        <p:nvPicPr>
+          <p:cNvPr id="248" name="Shape 248"/>
+          <p:cNvPicPr preferRelativeResize="0"/>
+          <p:nvPr/>
+        </p:nvPicPr>
+        <p:blipFill>
+          <a:blip r:embed="rId4">
+            <a:alphaModFix/>
+          </a:blip>
+          <a:stretch>
+            <a:fillRect/>
+          </a:stretch>
+        </p:blipFill>
+        <p:spPr>
+          <a:xfrm>
+            <a:off x="4493621" y="1752450"/>
+            <a:ext cx="8019527" cy="4282674"/>
+          </a:xfrm>
+          <a:prstGeom prst="rect">
+            <a:avLst/>
+          </a:prstGeom>
+          <a:noFill/>
+          <a:ln>
+            <a:noFill/>
+          </a:ln>
+        </p:spPr>
+      </p:pic>
+    </p:spTree>
+  </p:cSld>
+  <p:clrMapOvr>
+    <a:masterClrMapping/>
+  </p:clrMapOvr>
+</p:sld>
+</file>
+
+<file path=ppt/slides/slide11.xml><?xml version="1.0" encoding="utf-8"?>
+<p:sld xmlns:a="http://schemas.openxmlformats.org/drawingml/2006/main" xmlns:r="http://schemas.openxmlformats.org/officeDocument/2006/relationships" xmlns:p="http://schemas.openxmlformats.org/presentationml/2006/main">
+  <p:cSld>
+    <p:spTree>
+      <p:nvGrpSpPr>
         <p:cNvPr id="1" name="Shape 252"/>
         <p:cNvGrpSpPr/>
         <p:nvPr/>
@@ -24155,10 +24068,10 @@
               <a:buNone/>
             </a:pPr>
             <a:r>
-              <a:rPr lang="es-ES"/>
-              <a:t>Localizacion de Elementos de la Pagina</a:t>
+              <a:rPr lang="es-ES" dirty="0"/>
+              <a:t>Localización de Elementos de la Pagina </a:t>
             </a:r>
-            <a:endParaRPr/>
+            <a:endParaRPr dirty="0"/>
           </a:p>
         </p:txBody>
       </p:sp>
@@ -24198,7 +24111,7 @@
 </p:sld>
 </file>
 
-<file path=ppt/slides/slide11.xml><?xml version="1.0" encoding="utf-8"?>
+<file path=ppt/slides/slide12.xml><?xml version="1.0" encoding="utf-8"?>
 <p:sld xmlns:a="http://schemas.openxmlformats.org/drawingml/2006/main" xmlns:r="http://schemas.openxmlformats.org/officeDocument/2006/relationships" xmlns:p="http://schemas.openxmlformats.org/presentationml/2006/main">
   <p:cSld>
     <p:spTree>
@@ -24250,10 +24163,34 @@
               <a:buNone/>
             </a:pPr>
             <a:r>
-              <a:rPr lang="es-ES"/>
-              <a:t>DOM (Document Object Model)</a:t>
+              <a:rPr lang="es-ES" sz="3200" dirty="0"/>
+              <a:t>Repaso HTML: DOM (</a:t>
             </a:r>
-            <a:endParaRPr/>
+            <a:r>
+              <a:rPr lang="es-ES" sz="3200" dirty="0" err="1"/>
+              <a:t>Document</a:t>
+            </a:r>
+            <a:r>
+              <a:rPr lang="es-ES" sz="3200" dirty="0"/>
+              <a:t> </a:t>
+            </a:r>
+            <a:r>
+              <a:rPr lang="es-ES" sz="3200" dirty="0" err="1"/>
+              <a:t>Object</a:t>
+            </a:r>
+            <a:r>
+              <a:rPr lang="es-ES" sz="3200" dirty="0"/>
+              <a:t> </a:t>
+            </a:r>
+            <a:r>
+              <a:rPr lang="es-ES" sz="3200" dirty="0" err="1"/>
+              <a:t>Model</a:t>
+            </a:r>
+            <a:r>
+              <a:rPr lang="es-ES" sz="3200" dirty="0"/>
+              <a:t>)</a:t>
+            </a:r>
+            <a:endParaRPr sz="3200" dirty="0"/>
           </a:p>
         </p:txBody>
       </p:sp>
@@ -24272,7 +24209,7 @@
         </p:blipFill>
         <p:spPr>
           <a:xfrm>
-            <a:off x="1171600" y="1338500"/>
+            <a:off x="677334" y="1124276"/>
             <a:ext cx="8345100" cy="5256000"/>
           </a:xfrm>
           <a:prstGeom prst="rect">
@@ -24292,7 +24229,267 @@
 </p:sld>
 </file>
 
-<file path=ppt/slides/slide12.xml><?xml version="1.0" encoding="utf-8"?>
+<file path=ppt/slides/slide13.xml><?xml version="1.0" encoding="utf-8"?>
+<p:sld xmlns:a="http://schemas.openxmlformats.org/drawingml/2006/main" xmlns:r="http://schemas.openxmlformats.org/officeDocument/2006/relationships" xmlns:p="http://schemas.openxmlformats.org/presentationml/2006/main">
+  <p:cSld>
+    <p:spTree>
+      <p:nvGrpSpPr>
+        <p:cNvPr id="1" name=""/>
+        <p:cNvGrpSpPr/>
+        <p:nvPr/>
+      </p:nvGrpSpPr>
+      <p:grpSpPr>
+        <a:xfrm>
+          <a:off x="0" y="0"/>
+          <a:ext cx="0" cy="0"/>
+          <a:chOff x="0" y="0"/>
+          <a:chExt cx="0" cy="0"/>
+        </a:xfrm>
+      </p:grpSpPr>
+      <p:sp>
+        <p:nvSpPr>
+          <p:cNvPr id="2" name="Título 1">
+            <a:extLst>
+              <a:ext uri="{FF2B5EF4-FFF2-40B4-BE49-F238E27FC236}">
+                <a16:creationId xmlns:a16="http://schemas.microsoft.com/office/drawing/2014/main" id="{A8AACB70-A0D6-47E3-92FA-535EE3E7680A}"/>
+              </a:ext>
+            </a:extLst>
+          </p:cNvPr>
+          <p:cNvSpPr>
+            <a:spLocks noGrp="1"/>
+          </p:cNvSpPr>
+          <p:nvPr>
+            <p:ph type="title"/>
+          </p:nvPr>
+        </p:nvSpPr>
+        <p:spPr/>
+        <p:txBody>
+          <a:bodyPr/>
+          <a:lstStyle/>
+          <a:p>
+            <a:r>
+              <a:rPr lang="en-US" dirty="0" err="1"/>
+              <a:t>Estructura</a:t>
+            </a:r>
+            <a:r>
+              <a:rPr lang="en-US" dirty="0"/>
+              <a:t> </a:t>
+            </a:r>
+            <a:r>
+              <a:rPr lang="en-US" dirty="0" err="1"/>
+              <a:t>archivos</a:t>
+            </a:r>
+            <a:r>
+              <a:rPr lang="en-US" dirty="0"/>
+              <a:t> HTML</a:t>
+            </a:r>
+          </a:p>
+        </p:txBody>
+      </p:sp>
+      <p:sp>
+        <p:nvSpPr>
+          <p:cNvPr id="3" name="Marcador de texto 2">
+            <a:extLst>
+              <a:ext uri="{FF2B5EF4-FFF2-40B4-BE49-F238E27FC236}">
+                <a16:creationId xmlns:a16="http://schemas.microsoft.com/office/drawing/2014/main" id="{69B66EE5-1D93-4E5C-9591-EE11FA42D98D}"/>
+              </a:ext>
+            </a:extLst>
+          </p:cNvPr>
+          <p:cNvSpPr>
+            <a:spLocks noGrp="1"/>
+          </p:cNvSpPr>
+          <p:nvPr>
+            <p:ph type="body" idx="1"/>
+          </p:nvPr>
+        </p:nvSpPr>
+        <p:spPr/>
+        <p:txBody>
+          <a:bodyPr/>
+          <a:lstStyle/>
+          <a:p>
+            <a:r>
+              <a:rPr lang="en-US" dirty="0"/>
+              <a:t>Similar a la </a:t>
+            </a:r>
+            <a:r>
+              <a:rPr lang="en-US" dirty="0" err="1"/>
+              <a:t>ruta</a:t>
+            </a:r>
+            <a:r>
+              <a:rPr lang="en-US" dirty="0"/>
+              <a:t> de </a:t>
+            </a:r>
+            <a:r>
+              <a:rPr lang="en-US" dirty="0" err="1"/>
+              <a:t>directorios</a:t>
+            </a:r>
+            <a:r>
+              <a:rPr lang="en-US" dirty="0"/>
+              <a:t> </a:t>
+            </a:r>
+            <a:r>
+              <a:rPr lang="en-US" dirty="0" err="1"/>
+              <a:t>en</a:t>
+            </a:r>
+            <a:r>
+              <a:rPr lang="en-US" dirty="0"/>
+              <a:t> </a:t>
+            </a:r>
+            <a:r>
+              <a:rPr lang="en-US" dirty="0" err="1"/>
+              <a:t>tu</a:t>
+            </a:r>
+            <a:r>
+              <a:rPr lang="en-US" dirty="0"/>
+              <a:t> </a:t>
+            </a:r>
+            <a:r>
+              <a:rPr lang="en-US" dirty="0" err="1"/>
+              <a:t>computadora</a:t>
+            </a:r>
+            <a:endParaRPr lang="en-US" dirty="0"/>
+          </a:p>
+          <a:p>
+            <a:r>
+              <a:rPr lang="en-US" dirty="0" err="1"/>
+              <a:t>Estructura</a:t>
+            </a:r>
+            <a:r>
+              <a:rPr lang="en-US" dirty="0"/>
+              <a:t> de arbol</a:t>
+            </a:r>
+          </a:p>
+          <a:p>
+            <a:r>
+              <a:rPr lang="en-US" dirty="0"/>
+              <a:t>C es la </a:t>
+            </a:r>
+            <a:r>
+              <a:rPr lang="en-US" dirty="0" err="1"/>
+              <a:t>raiz</a:t>
+            </a:r>
+            <a:r>
+              <a:rPr lang="en-US" dirty="0"/>
+              <a:t>, o ‘/’</a:t>
+            </a:r>
+          </a:p>
+          <a:p>
+            <a:r>
+              <a:rPr lang="en-US" dirty="0" err="1"/>
+              <a:t>Cada</a:t>
+            </a:r>
+            <a:r>
+              <a:rPr lang="en-US" dirty="0"/>
+              <a:t> </a:t>
+            </a:r>
+            <a:r>
+              <a:rPr lang="en-US" dirty="0" err="1"/>
+              <a:t>carpeta</a:t>
+            </a:r>
+            <a:r>
+              <a:rPr lang="en-US" dirty="0"/>
+              <a:t> un </a:t>
+            </a:r>
+            <a:r>
+              <a:rPr lang="en-US" dirty="0" err="1"/>
+              <a:t>nodo</a:t>
+            </a:r>
+            <a:endParaRPr lang="en-US" dirty="0"/>
+          </a:p>
+          <a:p>
+            <a:r>
+              <a:rPr lang="en-US" dirty="0" err="1"/>
+              <a:t>Cada</a:t>
+            </a:r>
+            <a:r>
+              <a:rPr lang="en-US" dirty="0"/>
+              <a:t> </a:t>
+            </a:r>
+            <a:r>
+              <a:rPr lang="en-US" dirty="0" err="1"/>
+              <a:t>archivo</a:t>
+            </a:r>
+            <a:r>
+              <a:rPr lang="en-US" dirty="0"/>
+              <a:t> una hoja</a:t>
+            </a:r>
+          </a:p>
+        </p:txBody>
+      </p:sp>
+      <p:pic>
+        <p:nvPicPr>
+          <p:cNvPr id="4" name="Imagen 3">
+            <a:extLst>
+              <a:ext uri="{FF2B5EF4-FFF2-40B4-BE49-F238E27FC236}">
+                <a16:creationId xmlns:a16="http://schemas.microsoft.com/office/drawing/2014/main" id="{8E1CEBA1-D59B-4BEE-989F-8DE260E0F4F4}"/>
+              </a:ext>
+            </a:extLst>
+          </p:cNvPr>
+          <p:cNvPicPr>
+            <a:picLocks noChangeAspect="1"/>
+          </p:cNvPicPr>
+          <p:nvPr/>
+        </p:nvPicPr>
+        <p:blipFill>
+          <a:blip r:embed="rId2"/>
+          <a:stretch>
+            <a:fillRect/>
+          </a:stretch>
+        </p:blipFill>
+        <p:spPr>
+          <a:xfrm>
+            <a:off x="7005613" y="782116"/>
+            <a:ext cx="3920860" cy="3318859"/>
+          </a:xfrm>
+          <a:prstGeom prst="rect">
+            <a:avLst/>
+          </a:prstGeom>
+        </p:spPr>
+      </p:pic>
+      <p:pic>
+        <p:nvPicPr>
+          <p:cNvPr id="5" name="Imagen 4">
+            <a:extLst>
+              <a:ext uri="{FF2B5EF4-FFF2-40B4-BE49-F238E27FC236}">
+                <a16:creationId xmlns:a16="http://schemas.microsoft.com/office/drawing/2014/main" id="{425CA2F8-13D7-4C69-B32E-1D3D0F828D99}"/>
+              </a:ext>
+            </a:extLst>
+          </p:cNvPr>
+          <p:cNvPicPr>
+            <a:picLocks noChangeAspect="1"/>
+          </p:cNvPicPr>
+          <p:nvPr/>
+        </p:nvPicPr>
+        <p:blipFill>
+          <a:blip r:embed="rId3"/>
+          <a:stretch>
+            <a:fillRect/>
+          </a:stretch>
+        </p:blipFill>
+        <p:spPr>
+          <a:xfrm>
+            <a:off x="4028365" y="3187976"/>
+            <a:ext cx="5534025" cy="3524250"/>
+          </a:xfrm>
+          <a:prstGeom prst="rect">
+            <a:avLst/>
+          </a:prstGeom>
+        </p:spPr>
+      </p:pic>
+    </p:spTree>
+    <p:extLst>
+      <p:ext uri="{BB962C8B-B14F-4D97-AF65-F5344CB8AC3E}">
+        <p14:creationId xmlns:p14="http://schemas.microsoft.com/office/powerpoint/2010/main" val="3631164342"/>
+      </p:ext>
+    </p:extLst>
+  </p:cSld>
+  <p:clrMapOvr>
+    <a:masterClrMapping/>
+  </p:clrMapOvr>
+</p:sld>
+</file>
+
+<file path=ppt/slides/slide14.xml><?xml version="1.0" encoding="utf-8"?>
 <p:sld xmlns:a="http://schemas.openxmlformats.org/drawingml/2006/main" xmlns:r="http://schemas.openxmlformats.org/officeDocument/2006/relationships" xmlns:p="http://schemas.openxmlformats.org/presentationml/2006/main">
   <p:cSld>
     <p:spTree>
@@ -24637,7 +24834,7 @@
 </p:sld>
 </file>
 
-<file path=ppt/slides/slide13.xml><?xml version="1.0" encoding="utf-8"?>
+<file path=ppt/slides/slide15.xml><?xml version="1.0" encoding="utf-8"?>
 <p:sld xmlns:a="http://schemas.openxmlformats.org/drawingml/2006/main" xmlns:r="http://schemas.openxmlformats.org/officeDocument/2006/relationships" xmlns:p="http://schemas.openxmlformats.org/presentationml/2006/main">
   <p:cSld>
     <p:spTree>
@@ -25321,7 +25518,7 @@
 </p:sld>
 </file>
 
-<file path=ppt/slides/slide14.xml><?xml version="1.0" encoding="utf-8"?>
+<file path=ppt/slides/slide16.xml><?xml version="1.0" encoding="utf-8"?>
 <p:sld xmlns:a="http://schemas.openxmlformats.org/drawingml/2006/main" xmlns:r="http://schemas.openxmlformats.org/officeDocument/2006/relationships" xmlns:p="http://schemas.openxmlformats.org/presentationml/2006/main">
   <p:cSld>
     <p:spTree>
@@ -25476,7 +25673,7 @@
 </p:sld>
 </file>
 
-<file path=ppt/slides/slide15.xml><?xml version="1.0" encoding="utf-8"?>
+<file path=ppt/slides/slide17.xml><?xml version="1.0" encoding="utf-8"?>
 <p:sld xmlns:a="http://schemas.openxmlformats.org/drawingml/2006/main" xmlns:r="http://schemas.openxmlformats.org/officeDocument/2006/relationships" xmlns:p="http://schemas.openxmlformats.org/presentationml/2006/main">
   <p:cSld>
     <p:spTree>
@@ -25800,7 +25997,7 @@
 </p:sld>
 </file>
 
-<file path=ppt/slides/slide16.xml><?xml version="1.0" encoding="utf-8"?>
+<file path=ppt/slides/slide18.xml><?xml version="1.0" encoding="utf-8"?>
 <p:sld xmlns:a="http://schemas.openxmlformats.org/drawingml/2006/main" xmlns:r="http://schemas.openxmlformats.org/officeDocument/2006/relationships" xmlns:p="http://schemas.openxmlformats.org/presentationml/2006/main">
   <p:cSld>
     <p:spTree>
@@ -26334,7 +26531,7 @@
 </p:sld>
 </file>
 
-<file path=ppt/slides/slide17.xml><?xml version="1.0" encoding="utf-8"?>
+<file path=ppt/slides/slide19.xml><?xml version="1.0" encoding="utf-8"?>
 <p:sld xmlns:a="http://schemas.openxmlformats.org/drawingml/2006/main" xmlns:r="http://schemas.openxmlformats.org/officeDocument/2006/relationships" xmlns:p="http://schemas.openxmlformats.org/presentationml/2006/main">
   <p:cSld>
     <p:spTree>
@@ -26676,1845 +26873,34 @@
       </p:sp>
       <p:pic>
         <p:nvPicPr>
-          <p:cNvPr id="313" name="Shape 313"/>
-          <p:cNvPicPr preferRelativeResize="0"/>
+          <p:cNvPr id="2" name="Imagen 1">
+            <a:extLst>
+              <a:ext uri="{FF2B5EF4-FFF2-40B4-BE49-F238E27FC236}">
+                <a16:creationId xmlns:a16="http://schemas.microsoft.com/office/drawing/2014/main" id="{16A51992-1509-4B77-9D65-A58709107394}"/>
+              </a:ext>
+            </a:extLst>
+          </p:cNvPr>
+          <p:cNvPicPr>
+            <a:picLocks noChangeAspect="1"/>
+          </p:cNvPicPr>
           <p:nvPr/>
         </p:nvPicPr>
-        <p:blipFill rotWithShape="1">
-          <a:blip r:embed="rId3">
-            <a:alphaModFix/>
-          </a:blip>
-          <a:srcRect/>
-          <a:stretch/>
+        <p:blipFill>
+          <a:blip r:embed="rId3"/>
+          <a:stretch>
+            <a:fillRect/>
+          </a:stretch>
         </p:blipFill>
         <p:spPr>
           <a:xfrm>
-            <a:off x="7797084" y="609600"/>
-            <a:ext cx="3810000" cy="4981575"/>
+            <a:off x="7456279" y="609600"/>
+            <a:ext cx="4058387" cy="4684644"/>
           </a:xfrm>
           <a:prstGeom prst="rect">
             <a:avLst/>
           </a:prstGeom>
-          <a:noFill/>
-          <a:ln>
-            <a:noFill/>
-          </a:ln>
         </p:spPr>
       </p:pic>
-    </p:spTree>
-  </p:cSld>
-  <p:clrMapOvr>
-    <a:masterClrMapping/>
-  </p:clrMapOvr>
-</p:sld>
-</file>
-
-<file path=ppt/slides/slide18.xml><?xml version="1.0" encoding="utf-8"?>
-<p:sld xmlns:a="http://schemas.openxmlformats.org/drawingml/2006/main" xmlns:r="http://schemas.openxmlformats.org/officeDocument/2006/relationships" xmlns:p="http://schemas.openxmlformats.org/presentationml/2006/main">
-  <p:cSld>
-    <p:spTree>
-      <p:nvGrpSpPr>
-        <p:cNvPr id="1" name="Shape 317"/>
-        <p:cNvGrpSpPr/>
-        <p:nvPr/>
-      </p:nvGrpSpPr>
-      <p:grpSpPr>
-        <a:xfrm>
-          <a:off x="0" y="0"/>
-          <a:ext cx="0" cy="0"/>
-          <a:chOff x="0" y="0"/>
-          <a:chExt cx="0" cy="0"/>
-        </a:xfrm>
-      </p:grpSpPr>
-      <p:sp>
-        <p:nvSpPr>
-          <p:cNvPr id="318" name="Shape 318"/>
-          <p:cNvSpPr txBox="1">
-            <a:spLocks noGrp="1"/>
-          </p:cNvSpPr>
-          <p:nvPr>
-            <p:ph type="title"/>
-          </p:nvPr>
-        </p:nvSpPr>
-        <p:spPr>
-          <a:xfrm>
-            <a:off x="677334" y="609600"/>
-            <a:ext cx="8596668" cy="1320800"/>
-          </a:xfrm>
-          <a:prstGeom prst="rect">
-            <a:avLst/>
-          </a:prstGeom>
-          <a:noFill/>
-          <a:ln>
-            <a:noFill/>
-          </a:ln>
-        </p:spPr>
-        <p:txBody>
-          <a:bodyPr spcFirstLastPara="1" wrap="square" lIns="91425" tIns="45700" rIns="91425" bIns="45700" anchor="t" anchorCtr="0">
-            <a:noAutofit/>
-          </a:bodyPr>
-          <a:lstStyle/>
-          <a:p>
-            <a:pPr marL="0" marR="0" lvl="0" indent="0" algn="l" rtl="0">
-              <a:spcBef>
-                <a:spcPts val="0"/>
-              </a:spcBef>
-              <a:spcAft>
-                <a:spcPts val="0"/>
-              </a:spcAft>
-              <a:buClr>
-                <a:schemeClr val="accent1"/>
-              </a:buClr>
-              <a:buFont typeface="Trebuchet MS"/>
-              <a:buNone/>
-            </a:pPr>
-            <a:r>
-              <a:rPr lang="es-ES" sz="3600" b="0" i="0" u="none" strike="noStrike" cap="none">
-                <a:solidFill>
-                  <a:schemeClr val="accent1"/>
-                </a:solidFill>
-                <a:latin typeface="Trebuchet MS"/>
-                <a:ea typeface="Trebuchet MS"/>
-                <a:cs typeface="Trebuchet MS"/>
-                <a:sym typeface="Trebuchet MS"/>
-              </a:rPr>
-              <a:t>Comandos de Selenium o “Selenio”</a:t>
-            </a:r>
-            <a:endParaRPr sz="3600" b="0" i="0" u="none" strike="noStrike" cap="none">
-              <a:solidFill>
-                <a:schemeClr val="accent1"/>
-              </a:solidFill>
-              <a:latin typeface="Trebuchet MS"/>
-              <a:ea typeface="Trebuchet MS"/>
-              <a:cs typeface="Trebuchet MS"/>
-              <a:sym typeface="Trebuchet MS"/>
-            </a:endParaRPr>
-          </a:p>
-        </p:txBody>
-      </p:sp>
-      <p:sp>
-        <p:nvSpPr>
-          <p:cNvPr id="319" name="Shape 319"/>
-          <p:cNvSpPr txBox="1">
-            <a:spLocks noGrp="1"/>
-          </p:cNvSpPr>
-          <p:nvPr>
-            <p:ph type="body" idx="1"/>
-          </p:nvPr>
-        </p:nvSpPr>
-        <p:spPr>
-          <a:xfrm>
-            <a:off x="677334" y="2160589"/>
-            <a:ext cx="8596668" cy="3880773"/>
-          </a:xfrm>
-          <a:prstGeom prst="rect">
-            <a:avLst/>
-          </a:prstGeom>
-          <a:noFill/>
-          <a:ln>
-            <a:noFill/>
-          </a:ln>
-        </p:spPr>
-        <p:txBody>
-          <a:bodyPr spcFirstLastPara="1" wrap="square" lIns="91425" tIns="45700" rIns="91425" bIns="45700" anchor="t" anchorCtr="0">
-            <a:noAutofit/>
-          </a:bodyPr>
-          <a:lstStyle/>
-          <a:p>
-            <a:pPr marL="342900" marR="0" lvl="0" indent="-342900" algn="l" rtl="0">
-              <a:spcBef>
-                <a:spcPts val="0"/>
-              </a:spcBef>
-              <a:spcAft>
-                <a:spcPts val="0"/>
-              </a:spcAft>
-              <a:buClr>
-                <a:schemeClr val="accent1"/>
-              </a:buClr>
-              <a:buSzPts val="1920"/>
-              <a:buFont typeface="Noto Sans Symbols"/>
-              <a:buChar char="▶"/>
-            </a:pPr>
-            <a:r>
-              <a:rPr lang="es-ES" sz="2400" b="0" i="0" u="none" strike="noStrike" cap="none">
-                <a:solidFill>
-                  <a:srgbClr val="3F3F3F"/>
-                </a:solidFill>
-                <a:latin typeface="Trebuchet MS"/>
-                <a:ea typeface="Trebuchet MS"/>
-                <a:cs typeface="Trebuchet MS"/>
-                <a:sym typeface="Trebuchet MS"/>
-              </a:rPr>
-              <a:t>Componentes de un comando:</a:t>
-            </a:r>
-            <a:endParaRPr/>
-          </a:p>
-          <a:p>
-            <a:pPr marL="742950" marR="0" lvl="1" indent="-285750" algn="l" rtl="0">
-              <a:spcBef>
-                <a:spcPts val="1000"/>
-              </a:spcBef>
-              <a:spcAft>
-                <a:spcPts val="0"/>
-              </a:spcAft>
-              <a:buClr>
-                <a:schemeClr val="accent1"/>
-              </a:buClr>
-              <a:buSzPts val="1920"/>
-              <a:buFont typeface="Noto Sans Symbols"/>
-              <a:buChar char="▶"/>
-            </a:pPr>
-            <a:r>
-              <a:rPr lang="es-ES" sz="2400" b="0" i="0" u="none" strike="noStrike" cap="none">
-                <a:solidFill>
-                  <a:srgbClr val="3F3F3F"/>
-                </a:solidFill>
-                <a:latin typeface="Trebuchet MS"/>
-                <a:ea typeface="Trebuchet MS"/>
-                <a:cs typeface="Trebuchet MS"/>
-                <a:sym typeface="Trebuchet MS"/>
-              </a:rPr>
-              <a:t>Instrucción</a:t>
-            </a:r>
-            <a:endParaRPr/>
-          </a:p>
-          <a:p>
-            <a:pPr marL="742950" marR="0" lvl="1" indent="-285750" algn="l" rtl="0">
-              <a:spcBef>
-                <a:spcPts val="1000"/>
-              </a:spcBef>
-              <a:spcAft>
-                <a:spcPts val="0"/>
-              </a:spcAft>
-              <a:buClr>
-                <a:schemeClr val="accent1"/>
-              </a:buClr>
-              <a:buSzPts val="1920"/>
-              <a:buFont typeface="Noto Sans Symbols"/>
-              <a:buChar char="▶"/>
-            </a:pPr>
-            <a:r>
-              <a:rPr lang="es-ES" sz="2400" b="0" i="0" u="none" strike="noStrike" cap="none">
-                <a:solidFill>
-                  <a:srgbClr val="3F3F3F"/>
-                </a:solidFill>
-                <a:latin typeface="Trebuchet MS"/>
-                <a:ea typeface="Trebuchet MS"/>
-                <a:cs typeface="Trebuchet MS"/>
-                <a:sym typeface="Trebuchet MS"/>
-              </a:rPr>
-              <a:t>Localizador</a:t>
-            </a:r>
-            <a:endParaRPr/>
-          </a:p>
-          <a:p>
-            <a:pPr marL="742950" marR="0" lvl="1" indent="-285750" algn="l" rtl="0">
-              <a:spcBef>
-                <a:spcPts val="1000"/>
-              </a:spcBef>
-              <a:spcAft>
-                <a:spcPts val="0"/>
-              </a:spcAft>
-              <a:buClr>
-                <a:schemeClr val="accent1"/>
-              </a:buClr>
-              <a:buSzPts val="1920"/>
-              <a:buFont typeface="Noto Sans Symbols"/>
-              <a:buChar char="▶"/>
-            </a:pPr>
-            <a:r>
-              <a:rPr lang="es-ES" sz="2400" b="0" i="0" u="none" strike="noStrike" cap="none">
-                <a:solidFill>
-                  <a:srgbClr val="3F3F3F"/>
-                </a:solidFill>
-                <a:latin typeface="Trebuchet MS"/>
-                <a:ea typeface="Trebuchet MS"/>
-                <a:cs typeface="Trebuchet MS"/>
-                <a:sym typeface="Trebuchet MS"/>
-              </a:rPr>
-              <a:t>Parámetro de entrada (no siempre requerido)</a:t>
-            </a:r>
-            <a:endParaRPr/>
-          </a:p>
-          <a:p>
-            <a:pPr marL="342900" marR="0" lvl="0" indent="-342900" algn="l" rtl="0">
-              <a:spcBef>
-                <a:spcPts val="1000"/>
-              </a:spcBef>
-              <a:spcAft>
-                <a:spcPts val="0"/>
-              </a:spcAft>
-              <a:buClr>
-                <a:schemeClr val="accent1"/>
-              </a:buClr>
-              <a:buSzPts val="1920"/>
-              <a:buFont typeface="Noto Sans Symbols"/>
-              <a:buChar char="▶"/>
-            </a:pPr>
-            <a:r>
-              <a:rPr lang="es-ES" sz="2400" b="0" i="0" u="none" strike="noStrike" cap="none">
-                <a:solidFill>
-                  <a:srgbClr val="3F3F3F"/>
-                </a:solidFill>
-                <a:latin typeface="Trebuchet MS"/>
-                <a:ea typeface="Trebuchet MS"/>
-                <a:cs typeface="Trebuchet MS"/>
-                <a:sym typeface="Trebuchet MS"/>
-              </a:rPr>
-              <a:t>Tipos de comandos:</a:t>
-            </a:r>
-            <a:endParaRPr/>
-          </a:p>
-          <a:p>
-            <a:pPr marL="742950" marR="0" lvl="1" indent="-285750" algn="l" rtl="0">
-              <a:spcBef>
-                <a:spcPts val="1000"/>
-              </a:spcBef>
-              <a:spcAft>
-                <a:spcPts val="0"/>
-              </a:spcAft>
-              <a:buClr>
-                <a:schemeClr val="accent1"/>
-              </a:buClr>
-              <a:buSzPts val="1920"/>
-              <a:buFont typeface="Noto Sans Symbols"/>
-              <a:buChar char="▶"/>
-            </a:pPr>
-            <a:r>
-              <a:rPr lang="es-ES" sz="2400" b="0" i="0" u="none" strike="noStrike" cap="none">
-                <a:solidFill>
-                  <a:srgbClr val="3F3F3F"/>
-                </a:solidFill>
-                <a:latin typeface="Trebuchet MS"/>
-                <a:ea typeface="Trebuchet MS"/>
-                <a:cs typeface="Trebuchet MS"/>
-                <a:sym typeface="Trebuchet MS"/>
-              </a:rPr>
-              <a:t>Acciones,</a:t>
-            </a:r>
-            <a:endParaRPr/>
-          </a:p>
-          <a:p>
-            <a:pPr marL="742950" marR="0" lvl="1" indent="-285750" algn="l" rtl="0">
-              <a:spcBef>
-                <a:spcPts val="1000"/>
-              </a:spcBef>
-              <a:spcAft>
-                <a:spcPts val="0"/>
-              </a:spcAft>
-              <a:buClr>
-                <a:schemeClr val="accent1"/>
-              </a:buClr>
-              <a:buSzPts val="1920"/>
-              <a:buFont typeface="Noto Sans Symbols"/>
-              <a:buChar char="▶"/>
-            </a:pPr>
-            <a:r>
-              <a:rPr lang="es-ES" sz="2400" b="0" i="1" u="none" strike="noStrike" cap="none">
-                <a:solidFill>
-                  <a:srgbClr val="3F3F3F"/>
-                </a:solidFill>
-                <a:latin typeface="Trebuchet MS"/>
-                <a:ea typeface="Trebuchet MS"/>
-                <a:cs typeface="Trebuchet MS"/>
-                <a:sym typeface="Trebuchet MS"/>
-              </a:rPr>
-              <a:t>Accesors</a:t>
-            </a:r>
-            <a:endParaRPr sz="2400" b="0" i="1" u="none" strike="noStrike" cap="none">
-              <a:solidFill>
-                <a:srgbClr val="3F3F3F"/>
-              </a:solidFill>
-              <a:latin typeface="Trebuchet MS"/>
-              <a:ea typeface="Trebuchet MS"/>
-              <a:cs typeface="Trebuchet MS"/>
-              <a:sym typeface="Trebuchet MS"/>
-            </a:endParaRPr>
-          </a:p>
-          <a:p>
-            <a:pPr marL="742950" marR="0" lvl="1" indent="-285750" algn="l" rtl="0">
-              <a:spcBef>
-                <a:spcPts val="1000"/>
-              </a:spcBef>
-              <a:spcAft>
-                <a:spcPts val="0"/>
-              </a:spcAft>
-              <a:buClr>
-                <a:schemeClr val="accent1"/>
-              </a:buClr>
-              <a:buSzPts val="1920"/>
-              <a:buFont typeface="Noto Sans Symbols"/>
-              <a:buChar char="▶"/>
-            </a:pPr>
-            <a:r>
-              <a:rPr lang="es-ES" sz="2400" b="0" i="0" u="none" strike="noStrike" cap="none">
-                <a:solidFill>
-                  <a:srgbClr val="3F3F3F"/>
-                </a:solidFill>
-                <a:latin typeface="Trebuchet MS"/>
-                <a:ea typeface="Trebuchet MS"/>
-                <a:cs typeface="Trebuchet MS"/>
-                <a:sym typeface="Trebuchet MS"/>
-              </a:rPr>
-              <a:t>Aserciones</a:t>
-            </a:r>
-            <a:endParaRPr/>
-          </a:p>
-        </p:txBody>
-      </p:sp>
-    </p:spTree>
-  </p:cSld>
-  <p:clrMapOvr>
-    <a:masterClrMapping/>
-  </p:clrMapOvr>
-</p:sld>
-</file>
-
-<file path=ppt/slides/slide19.xml><?xml version="1.0" encoding="utf-8"?>
-<p:sld xmlns:a="http://schemas.openxmlformats.org/drawingml/2006/main" xmlns:r="http://schemas.openxmlformats.org/officeDocument/2006/relationships" xmlns:p="http://schemas.openxmlformats.org/presentationml/2006/main">
-  <p:cSld>
-    <p:spTree>
-      <p:nvGrpSpPr>
-        <p:cNvPr id="1" name="Shape 323"/>
-        <p:cNvGrpSpPr/>
-        <p:nvPr/>
-      </p:nvGrpSpPr>
-      <p:grpSpPr>
-        <a:xfrm>
-          <a:off x="0" y="0"/>
-          <a:ext cx="0" cy="0"/>
-          <a:chOff x="0" y="0"/>
-          <a:chExt cx="0" cy="0"/>
-        </a:xfrm>
-      </p:grpSpPr>
-      <p:sp>
-        <p:nvSpPr>
-          <p:cNvPr id="324" name="Shape 324"/>
-          <p:cNvSpPr txBox="1">
-            <a:spLocks noGrp="1"/>
-          </p:cNvSpPr>
-          <p:nvPr>
-            <p:ph type="title"/>
-          </p:nvPr>
-        </p:nvSpPr>
-        <p:spPr>
-          <a:xfrm>
-            <a:off x="677334" y="609600"/>
-            <a:ext cx="8596668" cy="1320800"/>
-          </a:xfrm>
-          <a:prstGeom prst="rect">
-            <a:avLst/>
-          </a:prstGeom>
-          <a:noFill/>
-          <a:ln>
-            <a:noFill/>
-          </a:ln>
-        </p:spPr>
-        <p:txBody>
-          <a:bodyPr spcFirstLastPara="1" wrap="square" lIns="91425" tIns="45700" rIns="91425" bIns="45700" anchor="t" anchorCtr="0">
-            <a:noAutofit/>
-          </a:bodyPr>
-          <a:lstStyle/>
-          <a:p>
-            <a:pPr marL="0" marR="0" lvl="0" indent="0" algn="l" rtl="0">
-              <a:spcBef>
-                <a:spcPts val="0"/>
-              </a:spcBef>
-              <a:spcAft>
-                <a:spcPts val="0"/>
-              </a:spcAft>
-              <a:buClr>
-                <a:schemeClr val="accent1"/>
-              </a:buClr>
-              <a:buFont typeface="Trebuchet MS"/>
-              <a:buNone/>
-            </a:pPr>
-            <a:r>
-              <a:rPr lang="es-ES" sz="3600" b="0" i="0" u="none" strike="noStrike" cap="none">
-                <a:solidFill>
-                  <a:schemeClr val="accent1"/>
-                </a:solidFill>
-                <a:latin typeface="Trebuchet MS"/>
-                <a:ea typeface="Trebuchet MS"/>
-                <a:cs typeface="Trebuchet MS"/>
-                <a:sym typeface="Trebuchet MS"/>
-              </a:rPr>
-              <a:t>Comandos más comunes</a:t>
-            </a:r>
-            <a:endParaRPr sz="3600" b="0" i="0" u="none" strike="noStrike" cap="none">
-              <a:solidFill>
-                <a:schemeClr val="accent1"/>
-              </a:solidFill>
-              <a:latin typeface="Trebuchet MS"/>
-              <a:ea typeface="Trebuchet MS"/>
-              <a:cs typeface="Trebuchet MS"/>
-              <a:sym typeface="Trebuchet MS"/>
-            </a:endParaRPr>
-          </a:p>
-        </p:txBody>
-      </p:sp>
-      <p:grpSp>
-        <p:nvGrpSpPr>
-          <p:cNvPr id="325" name="Shape 325"/>
-          <p:cNvGrpSpPr/>
-          <p:nvPr/>
-        </p:nvGrpSpPr>
-        <p:grpSpPr>
-          <a:xfrm>
-            <a:off x="677862" y="1340019"/>
-            <a:ext cx="9612356" cy="5047283"/>
-            <a:chOff x="0" y="616"/>
-            <a:chExt cx="9612356" cy="5047283"/>
-          </a:xfrm>
-        </p:grpSpPr>
-        <p:cxnSp>
-          <p:nvCxnSpPr>
-            <p:cNvPr id="326" name="Shape 326"/>
-            <p:cNvCxnSpPr/>
-            <p:nvPr/>
-          </p:nvCxnSpPr>
-          <p:spPr>
-            <a:xfrm>
-              <a:off x="0" y="616"/>
-              <a:ext cx="9612356" cy="0"/>
-            </a:xfrm>
-            <a:prstGeom prst="straightConnector1">
-              <a:avLst/>
-            </a:prstGeom>
-            <a:solidFill>
-              <a:srgbClr val="90C223"/>
-            </a:solidFill>
-            <a:ln w="19050" cap="rnd" cmpd="sng">
-              <a:solidFill>
-                <a:srgbClr val="90C223"/>
-              </a:solidFill>
-              <a:prstDash val="solid"/>
-              <a:round/>
-              <a:headEnd type="none" w="sm" len="sm"/>
-              <a:tailEnd type="none" w="sm" len="sm"/>
-            </a:ln>
-          </p:spPr>
-        </p:cxnSp>
-        <p:sp>
-          <p:nvSpPr>
-            <p:cNvPr id="327" name="Shape 327"/>
-            <p:cNvSpPr/>
-            <p:nvPr/>
-          </p:nvSpPr>
-          <p:spPr>
-            <a:xfrm>
-              <a:off x="0" y="616"/>
-              <a:ext cx="1922471" cy="1009456"/>
-            </a:xfrm>
-            <a:prstGeom prst="rect">
-              <a:avLst/>
-            </a:prstGeom>
-            <a:noFill/>
-            <a:ln>
-              <a:noFill/>
-            </a:ln>
-          </p:spPr>
-          <p:txBody>
-            <a:bodyPr spcFirstLastPara="1" wrap="square" lIns="91425" tIns="91425" rIns="91425" bIns="91425" anchor="ctr" anchorCtr="0">
-              <a:noAutofit/>
-            </a:bodyPr>
-            <a:lstStyle/>
-            <a:p>
-              <a:pPr marL="0" lvl="0" indent="0">
-                <a:spcBef>
-                  <a:spcPts val="0"/>
-                </a:spcBef>
-                <a:spcAft>
-                  <a:spcPts val="0"/>
-                </a:spcAft>
-                <a:buNone/>
-              </a:pPr>
-              <a:endParaRPr/>
-            </a:p>
-          </p:txBody>
-        </p:sp>
-        <p:sp>
-          <p:nvSpPr>
-            <p:cNvPr id="328" name="Shape 328"/>
-            <p:cNvSpPr txBox="1"/>
-            <p:nvPr/>
-          </p:nvSpPr>
-          <p:spPr>
-            <a:xfrm>
-              <a:off x="0" y="616"/>
-              <a:ext cx="1922471" cy="1009456"/>
-            </a:xfrm>
-            <a:prstGeom prst="rect">
-              <a:avLst/>
-            </a:prstGeom>
-            <a:noFill/>
-            <a:ln>
-              <a:noFill/>
-            </a:ln>
-          </p:spPr>
-          <p:txBody>
-            <a:bodyPr spcFirstLastPara="1" wrap="square" lIns="53325" tIns="53325" rIns="53325" bIns="53325" anchor="t" anchorCtr="0">
-              <a:noAutofit/>
-            </a:bodyPr>
-            <a:lstStyle/>
-            <a:p>
-              <a:pPr marL="0" marR="0" lvl="0" indent="0" algn="l" rtl="0">
-                <a:lnSpc>
-                  <a:spcPct val="90000"/>
-                </a:lnSpc>
-                <a:spcBef>
-                  <a:spcPts val="0"/>
-                </a:spcBef>
-                <a:spcAft>
-                  <a:spcPts val="0"/>
-                </a:spcAft>
-                <a:buNone/>
-              </a:pPr>
-              <a:r>
-                <a:rPr lang="es-ES" sz="1400" b="0" i="0" u="none" strike="noStrike" cap="none">
-                  <a:solidFill>
-                    <a:schemeClr val="dk1"/>
-                  </a:solidFill>
-                  <a:latin typeface="Trebuchet MS"/>
-                  <a:ea typeface="Trebuchet MS"/>
-                  <a:cs typeface="Trebuchet MS"/>
-                  <a:sym typeface="Trebuchet MS"/>
-                </a:rPr>
-                <a:t>open</a:t>
-              </a:r>
-              <a:endParaRPr sz="1400" b="0" i="0" u="none" strike="noStrike" cap="none">
-                <a:solidFill>
-                  <a:schemeClr val="dk1"/>
-                </a:solidFill>
-                <a:latin typeface="Trebuchet MS"/>
-                <a:ea typeface="Trebuchet MS"/>
-                <a:cs typeface="Trebuchet MS"/>
-                <a:sym typeface="Trebuchet MS"/>
-              </a:endParaRPr>
-            </a:p>
-          </p:txBody>
-        </p:sp>
-        <p:sp>
-          <p:nvSpPr>
-            <p:cNvPr id="329" name="Shape 329"/>
-            <p:cNvSpPr/>
-            <p:nvPr/>
-          </p:nvSpPr>
-          <p:spPr>
-            <a:xfrm>
-              <a:off x="2066656" y="46455"/>
-              <a:ext cx="7545700" cy="916791"/>
-            </a:xfrm>
-            <a:prstGeom prst="rect">
-              <a:avLst/>
-            </a:prstGeom>
-            <a:noFill/>
-            <a:ln>
-              <a:noFill/>
-            </a:ln>
-          </p:spPr>
-          <p:txBody>
-            <a:bodyPr spcFirstLastPara="1" wrap="square" lIns="91425" tIns="91425" rIns="91425" bIns="91425" anchor="ctr" anchorCtr="0">
-              <a:noAutofit/>
-            </a:bodyPr>
-            <a:lstStyle/>
-            <a:p>
-              <a:pPr marL="0" lvl="0" indent="0">
-                <a:spcBef>
-                  <a:spcPts val="0"/>
-                </a:spcBef>
-                <a:spcAft>
-                  <a:spcPts val="0"/>
-                </a:spcAft>
-                <a:buNone/>
-              </a:pPr>
-              <a:endParaRPr/>
-            </a:p>
-          </p:txBody>
-        </p:sp>
-        <p:sp>
-          <p:nvSpPr>
-            <p:cNvPr id="330" name="Shape 330"/>
-            <p:cNvSpPr txBox="1"/>
-            <p:nvPr/>
-          </p:nvSpPr>
-          <p:spPr>
-            <a:xfrm>
-              <a:off x="2066656" y="46455"/>
-              <a:ext cx="7545700" cy="916791"/>
-            </a:xfrm>
-            <a:prstGeom prst="rect">
-              <a:avLst/>
-            </a:prstGeom>
-            <a:noFill/>
-            <a:ln>
-              <a:noFill/>
-            </a:ln>
-          </p:spPr>
-          <p:txBody>
-            <a:bodyPr spcFirstLastPara="1" wrap="square" lIns="45700" tIns="45700" rIns="45700" bIns="45700" anchor="t" anchorCtr="0">
-              <a:noAutofit/>
-            </a:bodyPr>
-            <a:lstStyle/>
-            <a:p>
-              <a:pPr marL="0" marR="0" lvl="0" indent="0" algn="l" rtl="0">
-                <a:lnSpc>
-                  <a:spcPct val="90000"/>
-                </a:lnSpc>
-                <a:spcBef>
-                  <a:spcPts val="0"/>
-                </a:spcBef>
-                <a:spcAft>
-                  <a:spcPts val="0"/>
-                </a:spcAft>
-                <a:buNone/>
-              </a:pPr>
-              <a:r>
-                <a:rPr lang="es-ES" sz="1200" b="0" i="0" u="none" strike="noStrike" cap="none">
-                  <a:solidFill>
-                    <a:schemeClr val="dk1"/>
-                  </a:solidFill>
-                  <a:latin typeface="Trebuchet MS"/>
-                  <a:ea typeface="Trebuchet MS"/>
-                  <a:cs typeface="Trebuchet MS"/>
-                  <a:sym typeface="Trebuchet MS"/>
-                </a:rPr>
-                <a:t>Navega hacia una página</a:t>
-              </a:r>
-              <a:endParaRPr sz="1200" b="0" i="0" u="none" strike="noStrike" cap="none">
-                <a:solidFill>
-                  <a:schemeClr val="dk1"/>
-                </a:solidFill>
-                <a:latin typeface="Trebuchet MS"/>
-                <a:ea typeface="Trebuchet MS"/>
-                <a:cs typeface="Trebuchet MS"/>
-                <a:sym typeface="Trebuchet MS"/>
-              </a:endParaRPr>
-            </a:p>
-          </p:txBody>
-        </p:sp>
-        <p:cxnSp>
-          <p:nvCxnSpPr>
-            <p:cNvPr id="331" name="Shape 331"/>
-            <p:cNvCxnSpPr/>
-            <p:nvPr/>
-          </p:nvCxnSpPr>
-          <p:spPr>
-            <a:xfrm>
-              <a:off x="1922471" y="963247"/>
-              <a:ext cx="7689885" cy="0"/>
-            </a:xfrm>
-            <a:prstGeom prst="straightConnector1">
-              <a:avLst/>
-            </a:prstGeom>
-            <a:solidFill>
-              <a:srgbClr val="90C223"/>
-            </a:solidFill>
-            <a:ln w="19050" cap="rnd" cmpd="sng">
-              <a:solidFill>
-                <a:srgbClr val="D1E3BB"/>
-              </a:solidFill>
-              <a:prstDash val="solid"/>
-              <a:round/>
-              <a:headEnd type="none" w="sm" len="sm"/>
-              <a:tailEnd type="none" w="sm" len="sm"/>
-            </a:ln>
-          </p:spPr>
-        </p:cxnSp>
-        <p:cxnSp>
-          <p:nvCxnSpPr>
-            <p:cNvPr id="332" name="Shape 332"/>
-            <p:cNvCxnSpPr/>
-            <p:nvPr/>
-          </p:nvCxnSpPr>
-          <p:spPr>
-            <a:xfrm>
-              <a:off x="0" y="1010073"/>
-              <a:ext cx="9612356" cy="0"/>
-            </a:xfrm>
-            <a:prstGeom prst="straightConnector1">
-              <a:avLst/>
-            </a:prstGeom>
-            <a:solidFill>
-              <a:srgbClr val="90C223"/>
-            </a:solidFill>
-            <a:ln w="19050" cap="rnd" cmpd="sng">
-              <a:solidFill>
-                <a:srgbClr val="90C223"/>
-              </a:solidFill>
-              <a:prstDash val="solid"/>
-              <a:round/>
-              <a:headEnd type="none" w="sm" len="sm"/>
-              <a:tailEnd type="none" w="sm" len="sm"/>
-            </a:ln>
-          </p:spPr>
-        </p:cxnSp>
-        <p:sp>
-          <p:nvSpPr>
-            <p:cNvPr id="333" name="Shape 333"/>
-            <p:cNvSpPr/>
-            <p:nvPr/>
-          </p:nvSpPr>
-          <p:spPr>
-            <a:xfrm>
-              <a:off x="0" y="1010073"/>
-              <a:ext cx="1922471" cy="1009456"/>
-            </a:xfrm>
-            <a:prstGeom prst="rect">
-              <a:avLst/>
-            </a:prstGeom>
-            <a:noFill/>
-            <a:ln>
-              <a:noFill/>
-            </a:ln>
-          </p:spPr>
-          <p:txBody>
-            <a:bodyPr spcFirstLastPara="1" wrap="square" lIns="91425" tIns="91425" rIns="91425" bIns="91425" anchor="ctr" anchorCtr="0">
-              <a:noAutofit/>
-            </a:bodyPr>
-            <a:lstStyle/>
-            <a:p>
-              <a:pPr marL="0" lvl="0" indent="0">
-                <a:spcBef>
-                  <a:spcPts val="0"/>
-                </a:spcBef>
-                <a:spcAft>
-                  <a:spcPts val="0"/>
-                </a:spcAft>
-                <a:buNone/>
-              </a:pPr>
-              <a:endParaRPr/>
-            </a:p>
-          </p:txBody>
-        </p:sp>
-        <p:sp>
-          <p:nvSpPr>
-            <p:cNvPr id="334" name="Shape 334"/>
-            <p:cNvSpPr txBox="1"/>
-            <p:nvPr/>
-          </p:nvSpPr>
-          <p:spPr>
-            <a:xfrm>
-              <a:off x="0" y="1010073"/>
-              <a:ext cx="1922471" cy="1009456"/>
-            </a:xfrm>
-            <a:prstGeom prst="rect">
-              <a:avLst/>
-            </a:prstGeom>
-            <a:noFill/>
-            <a:ln>
-              <a:noFill/>
-            </a:ln>
-          </p:spPr>
-          <p:txBody>
-            <a:bodyPr spcFirstLastPara="1" wrap="square" lIns="53325" tIns="53325" rIns="53325" bIns="53325" anchor="t" anchorCtr="0">
-              <a:noAutofit/>
-            </a:bodyPr>
-            <a:lstStyle/>
-            <a:p>
-              <a:pPr marL="0" marR="0" lvl="0" indent="0" algn="l" rtl="0">
-                <a:lnSpc>
-                  <a:spcPct val="90000"/>
-                </a:lnSpc>
-                <a:spcBef>
-                  <a:spcPts val="0"/>
-                </a:spcBef>
-                <a:spcAft>
-                  <a:spcPts val="0"/>
-                </a:spcAft>
-                <a:buNone/>
-              </a:pPr>
-              <a:r>
-                <a:rPr lang="es-ES" sz="1400" b="0" i="0" u="none" strike="noStrike" cap="none">
-                  <a:solidFill>
-                    <a:schemeClr val="dk1"/>
-                  </a:solidFill>
-                  <a:latin typeface="Trebuchet MS"/>
-                  <a:ea typeface="Trebuchet MS"/>
-                  <a:cs typeface="Trebuchet MS"/>
-                  <a:sym typeface="Trebuchet MS"/>
-                </a:rPr>
-                <a:t>click/clickAndWait</a:t>
-              </a:r>
-              <a:endParaRPr sz="1400" b="0" i="0" u="none" strike="noStrike" cap="none">
-                <a:solidFill>
-                  <a:schemeClr val="dk1"/>
-                </a:solidFill>
-                <a:latin typeface="Trebuchet MS"/>
-                <a:ea typeface="Trebuchet MS"/>
-                <a:cs typeface="Trebuchet MS"/>
-                <a:sym typeface="Trebuchet MS"/>
-              </a:endParaRPr>
-            </a:p>
-          </p:txBody>
-        </p:sp>
-        <p:sp>
-          <p:nvSpPr>
-            <p:cNvPr id="335" name="Shape 335"/>
-            <p:cNvSpPr/>
-            <p:nvPr/>
-          </p:nvSpPr>
-          <p:spPr>
-            <a:xfrm>
-              <a:off x="2066656" y="1055912"/>
-              <a:ext cx="7545700" cy="916791"/>
-            </a:xfrm>
-            <a:prstGeom prst="rect">
-              <a:avLst/>
-            </a:prstGeom>
-            <a:noFill/>
-            <a:ln>
-              <a:noFill/>
-            </a:ln>
-          </p:spPr>
-          <p:txBody>
-            <a:bodyPr spcFirstLastPara="1" wrap="square" lIns="91425" tIns="91425" rIns="91425" bIns="91425" anchor="ctr" anchorCtr="0">
-              <a:noAutofit/>
-            </a:bodyPr>
-            <a:lstStyle/>
-            <a:p>
-              <a:pPr marL="0" lvl="0" indent="0">
-                <a:spcBef>
-                  <a:spcPts val="0"/>
-                </a:spcBef>
-                <a:spcAft>
-                  <a:spcPts val="0"/>
-                </a:spcAft>
-                <a:buNone/>
-              </a:pPr>
-              <a:endParaRPr/>
-            </a:p>
-          </p:txBody>
-        </p:sp>
-        <p:sp>
-          <p:nvSpPr>
-            <p:cNvPr id="336" name="Shape 336"/>
-            <p:cNvSpPr txBox="1"/>
-            <p:nvPr/>
-          </p:nvSpPr>
-          <p:spPr>
-            <a:xfrm>
-              <a:off x="2066656" y="1055912"/>
-              <a:ext cx="7545700" cy="916791"/>
-            </a:xfrm>
-            <a:prstGeom prst="rect">
-              <a:avLst/>
-            </a:prstGeom>
-            <a:noFill/>
-            <a:ln>
-              <a:noFill/>
-            </a:ln>
-          </p:spPr>
-          <p:txBody>
-            <a:bodyPr spcFirstLastPara="1" wrap="square" lIns="45700" tIns="45700" rIns="45700" bIns="45700" anchor="t" anchorCtr="0">
-              <a:noAutofit/>
-            </a:bodyPr>
-            <a:lstStyle/>
-            <a:p>
-              <a:pPr marL="0" marR="0" lvl="0" indent="0" algn="l" rtl="0">
-                <a:lnSpc>
-                  <a:spcPct val="90000"/>
-                </a:lnSpc>
-                <a:spcBef>
-                  <a:spcPts val="0"/>
-                </a:spcBef>
-                <a:spcAft>
-                  <a:spcPts val="0"/>
-                </a:spcAft>
-                <a:buNone/>
-              </a:pPr>
-              <a:r>
-                <a:rPr lang="es-ES" sz="1200" b="0" i="0" u="none" strike="noStrike" cap="none">
-                  <a:solidFill>
-                    <a:schemeClr val="dk1"/>
-                  </a:solidFill>
-                  <a:latin typeface="Trebuchet MS"/>
-                  <a:ea typeface="Trebuchet MS"/>
-                  <a:cs typeface="Trebuchet MS"/>
-                  <a:sym typeface="Trebuchet MS"/>
-                </a:rPr>
-                <a:t>Da clic en links o botones, y espera a que se cargue una página</a:t>
-              </a:r>
-              <a:endParaRPr sz="1200" b="0" i="0" u="none" strike="noStrike" cap="none">
-                <a:solidFill>
-                  <a:schemeClr val="dk1"/>
-                </a:solidFill>
-                <a:latin typeface="Trebuchet MS"/>
-                <a:ea typeface="Trebuchet MS"/>
-                <a:cs typeface="Trebuchet MS"/>
-                <a:sym typeface="Trebuchet MS"/>
-              </a:endParaRPr>
-            </a:p>
-          </p:txBody>
-        </p:sp>
-        <p:cxnSp>
-          <p:nvCxnSpPr>
-            <p:cNvPr id="337" name="Shape 337"/>
-            <p:cNvCxnSpPr/>
-            <p:nvPr/>
-          </p:nvCxnSpPr>
-          <p:spPr>
-            <a:xfrm>
-              <a:off x="1922471" y="1972704"/>
-              <a:ext cx="7689885" cy="0"/>
-            </a:xfrm>
-            <a:prstGeom prst="straightConnector1">
-              <a:avLst/>
-            </a:prstGeom>
-            <a:solidFill>
-              <a:srgbClr val="90C223"/>
-            </a:solidFill>
-            <a:ln w="19050" cap="rnd" cmpd="sng">
-              <a:solidFill>
-                <a:srgbClr val="D1E3BB"/>
-              </a:solidFill>
-              <a:prstDash val="solid"/>
-              <a:round/>
-              <a:headEnd type="none" w="sm" len="sm"/>
-              <a:tailEnd type="none" w="sm" len="sm"/>
-            </a:ln>
-          </p:spPr>
-        </p:cxnSp>
-        <p:cxnSp>
-          <p:nvCxnSpPr>
-            <p:cNvPr id="338" name="Shape 338"/>
-            <p:cNvCxnSpPr/>
-            <p:nvPr/>
-          </p:nvCxnSpPr>
-          <p:spPr>
-            <a:xfrm>
-              <a:off x="0" y="2019530"/>
-              <a:ext cx="9612356" cy="0"/>
-            </a:xfrm>
-            <a:prstGeom prst="straightConnector1">
-              <a:avLst/>
-            </a:prstGeom>
-            <a:solidFill>
-              <a:srgbClr val="90C223"/>
-            </a:solidFill>
-            <a:ln w="19050" cap="rnd" cmpd="sng">
-              <a:solidFill>
-                <a:srgbClr val="90C223"/>
-              </a:solidFill>
-              <a:prstDash val="solid"/>
-              <a:round/>
-              <a:headEnd type="none" w="sm" len="sm"/>
-              <a:tailEnd type="none" w="sm" len="sm"/>
-            </a:ln>
-          </p:spPr>
-        </p:cxnSp>
-        <p:sp>
-          <p:nvSpPr>
-            <p:cNvPr id="339" name="Shape 339"/>
-            <p:cNvSpPr/>
-            <p:nvPr/>
-          </p:nvSpPr>
-          <p:spPr>
-            <a:xfrm>
-              <a:off x="0" y="2019530"/>
-              <a:ext cx="1922471" cy="1009456"/>
-            </a:xfrm>
-            <a:prstGeom prst="rect">
-              <a:avLst/>
-            </a:prstGeom>
-            <a:noFill/>
-            <a:ln>
-              <a:noFill/>
-            </a:ln>
-          </p:spPr>
-          <p:txBody>
-            <a:bodyPr spcFirstLastPara="1" wrap="square" lIns="91425" tIns="91425" rIns="91425" bIns="91425" anchor="ctr" anchorCtr="0">
-              <a:noAutofit/>
-            </a:bodyPr>
-            <a:lstStyle/>
-            <a:p>
-              <a:pPr marL="0" lvl="0" indent="0">
-                <a:spcBef>
-                  <a:spcPts val="0"/>
-                </a:spcBef>
-                <a:spcAft>
-                  <a:spcPts val="0"/>
-                </a:spcAft>
-                <a:buNone/>
-              </a:pPr>
-              <a:endParaRPr/>
-            </a:p>
-          </p:txBody>
-        </p:sp>
-        <p:sp>
-          <p:nvSpPr>
-            <p:cNvPr id="340" name="Shape 340"/>
-            <p:cNvSpPr txBox="1"/>
-            <p:nvPr/>
-          </p:nvSpPr>
-          <p:spPr>
-            <a:xfrm>
-              <a:off x="0" y="2019530"/>
-              <a:ext cx="1922471" cy="1009456"/>
-            </a:xfrm>
-            <a:prstGeom prst="rect">
-              <a:avLst/>
-            </a:prstGeom>
-            <a:noFill/>
-            <a:ln>
-              <a:noFill/>
-            </a:ln>
-          </p:spPr>
-          <p:txBody>
-            <a:bodyPr spcFirstLastPara="1" wrap="square" lIns="53325" tIns="53325" rIns="53325" bIns="53325" anchor="t" anchorCtr="0">
-              <a:noAutofit/>
-            </a:bodyPr>
-            <a:lstStyle/>
-            <a:p>
-              <a:pPr marL="0" marR="0" lvl="0" indent="0" algn="l" rtl="0">
-                <a:lnSpc>
-                  <a:spcPct val="90000"/>
-                </a:lnSpc>
-                <a:spcBef>
-                  <a:spcPts val="0"/>
-                </a:spcBef>
-                <a:spcAft>
-                  <a:spcPts val="0"/>
-                </a:spcAft>
-                <a:buNone/>
-              </a:pPr>
-              <a:r>
-                <a:rPr lang="es-ES" sz="1400" b="0" i="0" u="none" strike="noStrike" cap="none">
-                  <a:solidFill>
-                    <a:schemeClr val="dk1"/>
-                  </a:solidFill>
-                  <a:latin typeface="Trebuchet MS"/>
-                  <a:ea typeface="Trebuchet MS"/>
-                  <a:cs typeface="Trebuchet MS"/>
-                  <a:sym typeface="Trebuchet MS"/>
-                </a:rPr>
-                <a:t>verifyTitle/assertTitle</a:t>
-              </a:r>
-              <a:endParaRPr sz="1400" b="0" i="0" u="none" strike="noStrike" cap="none">
-                <a:solidFill>
-                  <a:schemeClr val="dk1"/>
-                </a:solidFill>
-                <a:latin typeface="Trebuchet MS"/>
-                <a:ea typeface="Trebuchet MS"/>
-                <a:cs typeface="Trebuchet MS"/>
-                <a:sym typeface="Trebuchet MS"/>
-              </a:endParaRPr>
-            </a:p>
-          </p:txBody>
-        </p:sp>
-        <p:sp>
-          <p:nvSpPr>
-            <p:cNvPr id="341" name="Shape 341"/>
-            <p:cNvSpPr/>
-            <p:nvPr/>
-          </p:nvSpPr>
-          <p:spPr>
-            <a:xfrm>
-              <a:off x="2066656" y="2065369"/>
-              <a:ext cx="7545700" cy="916791"/>
-            </a:xfrm>
-            <a:prstGeom prst="rect">
-              <a:avLst/>
-            </a:prstGeom>
-            <a:noFill/>
-            <a:ln>
-              <a:noFill/>
-            </a:ln>
-          </p:spPr>
-          <p:txBody>
-            <a:bodyPr spcFirstLastPara="1" wrap="square" lIns="91425" tIns="91425" rIns="91425" bIns="91425" anchor="ctr" anchorCtr="0">
-              <a:noAutofit/>
-            </a:bodyPr>
-            <a:lstStyle/>
-            <a:p>
-              <a:pPr marL="0" lvl="0" indent="0">
-                <a:spcBef>
-                  <a:spcPts val="0"/>
-                </a:spcBef>
-                <a:spcAft>
-                  <a:spcPts val="0"/>
-                </a:spcAft>
-                <a:buNone/>
-              </a:pPr>
-              <a:endParaRPr/>
-            </a:p>
-          </p:txBody>
-        </p:sp>
-        <p:sp>
-          <p:nvSpPr>
-            <p:cNvPr id="342" name="Shape 342"/>
-            <p:cNvSpPr txBox="1"/>
-            <p:nvPr/>
-          </p:nvSpPr>
-          <p:spPr>
-            <a:xfrm>
-              <a:off x="2066656" y="2065369"/>
-              <a:ext cx="7545700" cy="916791"/>
-            </a:xfrm>
-            <a:prstGeom prst="rect">
-              <a:avLst/>
-            </a:prstGeom>
-            <a:noFill/>
-            <a:ln>
-              <a:noFill/>
-            </a:ln>
-          </p:spPr>
-          <p:txBody>
-            <a:bodyPr spcFirstLastPara="1" wrap="square" lIns="45700" tIns="45700" rIns="45700" bIns="45700" anchor="t" anchorCtr="0">
-              <a:noAutofit/>
-            </a:bodyPr>
-            <a:lstStyle/>
-            <a:p>
-              <a:pPr marL="0" marR="0" lvl="0" indent="0" algn="l" rtl="0">
-                <a:lnSpc>
-                  <a:spcPct val="90000"/>
-                </a:lnSpc>
-                <a:spcBef>
-                  <a:spcPts val="0"/>
-                </a:spcBef>
-                <a:spcAft>
-                  <a:spcPts val="0"/>
-                </a:spcAft>
-                <a:buNone/>
-              </a:pPr>
-              <a:r>
-                <a:rPr lang="es-ES" sz="1200" b="0" i="0" u="none" strike="noStrike" cap="none">
-                  <a:solidFill>
-                    <a:schemeClr val="dk1"/>
-                  </a:solidFill>
-                  <a:latin typeface="Trebuchet MS"/>
-                  <a:ea typeface="Trebuchet MS"/>
-                  <a:cs typeface="Trebuchet MS"/>
-                  <a:sym typeface="Trebuchet MS"/>
-                </a:rPr>
-                <a:t>Verifica que el título de la página sea el correcto</a:t>
-              </a:r>
-              <a:endParaRPr sz="1200" b="0" i="0" u="none" strike="noStrike" cap="none">
-                <a:solidFill>
-                  <a:schemeClr val="dk1"/>
-                </a:solidFill>
-                <a:latin typeface="Trebuchet MS"/>
-                <a:ea typeface="Trebuchet MS"/>
-                <a:cs typeface="Trebuchet MS"/>
-                <a:sym typeface="Trebuchet MS"/>
-              </a:endParaRPr>
-            </a:p>
-          </p:txBody>
-        </p:sp>
-        <p:cxnSp>
-          <p:nvCxnSpPr>
-            <p:cNvPr id="343" name="Shape 343"/>
-            <p:cNvCxnSpPr/>
-            <p:nvPr/>
-          </p:nvCxnSpPr>
-          <p:spPr>
-            <a:xfrm>
-              <a:off x="1922471" y="2982161"/>
-              <a:ext cx="7689885" cy="0"/>
-            </a:xfrm>
-            <a:prstGeom prst="straightConnector1">
-              <a:avLst/>
-            </a:prstGeom>
-            <a:solidFill>
-              <a:srgbClr val="90C223"/>
-            </a:solidFill>
-            <a:ln w="19050" cap="rnd" cmpd="sng">
-              <a:solidFill>
-                <a:srgbClr val="D1E3BB"/>
-              </a:solidFill>
-              <a:prstDash val="solid"/>
-              <a:round/>
-              <a:headEnd type="none" w="sm" len="sm"/>
-              <a:tailEnd type="none" w="sm" len="sm"/>
-            </a:ln>
-          </p:spPr>
-        </p:cxnSp>
-        <p:cxnSp>
-          <p:nvCxnSpPr>
-            <p:cNvPr id="344" name="Shape 344"/>
-            <p:cNvCxnSpPr/>
-            <p:nvPr/>
-          </p:nvCxnSpPr>
-          <p:spPr>
-            <a:xfrm>
-              <a:off x="0" y="3028986"/>
-              <a:ext cx="9612356" cy="0"/>
-            </a:xfrm>
-            <a:prstGeom prst="straightConnector1">
-              <a:avLst/>
-            </a:prstGeom>
-            <a:solidFill>
-              <a:srgbClr val="90C223"/>
-            </a:solidFill>
-            <a:ln w="19050" cap="rnd" cmpd="sng">
-              <a:solidFill>
-                <a:srgbClr val="90C223"/>
-              </a:solidFill>
-              <a:prstDash val="solid"/>
-              <a:round/>
-              <a:headEnd type="none" w="sm" len="sm"/>
-              <a:tailEnd type="none" w="sm" len="sm"/>
-            </a:ln>
-          </p:spPr>
-        </p:cxnSp>
-        <p:sp>
-          <p:nvSpPr>
-            <p:cNvPr id="345" name="Shape 345"/>
-            <p:cNvSpPr/>
-            <p:nvPr/>
-          </p:nvSpPr>
-          <p:spPr>
-            <a:xfrm>
-              <a:off x="0" y="3028986"/>
-              <a:ext cx="1922471" cy="1009456"/>
-            </a:xfrm>
-            <a:prstGeom prst="rect">
-              <a:avLst/>
-            </a:prstGeom>
-            <a:noFill/>
-            <a:ln>
-              <a:noFill/>
-            </a:ln>
-          </p:spPr>
-          <p:txBody>
-            <a:bodyPr spcFirstLastPara="1" wrap="square" lIns="91425" tIns="91425" rIns="91425" bIns="91425" anchor="ctr" anchorCtr="0">
-              <a:noAutofit/>
-            </a:bodyPr>
-            <a:lstStyle/>
-            <a:p>
-              <a:pPr marL="0" lvl="0" indent="0">
-                <a:spcBef>
-                  <a:spcPts val="0"/>
-                </a:spcBef>
-                <a:spcAft>
-                  <a:spcPts val="0"/>
-                </a:spcAft>
-                <a:buNone/>
-              </a:pPr>
-              <a:endParaRPr/>
-            </a:p>
-          </p:txBody>
-        </p:sp>
-        <p:sp>
-          <p:nvSpPr>
-            <p:cNvPr id="346" name="Shape 346"/>
-            <p:cNvSpPr txBox="1"/>
-            <p:nvPr/>
-          </p:nvSpPr>
-          <p:spPr>
-            <a:xfrm>
-              <a:off x="0" y="3028986"/>
-              <a:ext cx="1922471" cy="1009456"/>
-            </a:xfrm>
-            <a:prstGeom prst="rect">
-              <a:avLst/>
-            </a:prstGeom>
-            <a:noFill/>
-            <a:ln>
-              <a:noFill/>
-            </a:ln>
-          </p:spPr>
-          <p:txBody>
-            <a:bodyPr spcFirstLastPara="1" wrap="square" lIns="53325" tIns="53325" rIns="53325" bIns="53325" anchor="t" anchorCtr="0">
-              <a:noAutofit/>
-            </a:bodyPr>
-            <a:lstStyle/>
-            <a:p>
-              <a:pPr marL="0" marR="0" lvl="0" indent="0" algn="l" rtl="0">
-                <a:lnSpc>
-                  <a:spcPct val="90000"/>
-                </a:lnSpc>
-                <a:spcBef>
-                  <a:spcPts val="0"/>
-                </a:spcBef>
-                <a:spcAft>
-                  <a:spcPts val="0"/>
-                </a:spcAft>
-                <a:buNone/>
-              </a:pPr>
-              <a:r>
-                <a:rPr lang="es-ES" sz="1400" b="0" i="0" u="none" strike="noStrike" cap="none">
-                  <a:solidFill>
-                    <a:schemeClr val="dk1"/>
-                  </a:solidFill>
-                  <a:latin typeface="Trebuchet MS"/>
-                  <a:ea typeface="Trebuchet MS"/>
-                  <a:cs typeface="Trebuchet MS"/>
-                  <a:sym typeface="Trebuchet MS"/>
-                </a:rPr>
-                <a:t>verifyTextPresent</a:t>
-              </a:r>
-              <a:endParaRPr sz="1400" b="0" i="0" u="none" strike="noStrike" cap="none">
-                <a:solidFill>
-                  <a:schemeClr val="dk1"/>
-                </a:solidFill>
-                <a:latin typeface="Trebuchet MS"/>
-                <a:ea typeface="Trebuchet MS"/>
-                <a:cs typeface="Trebuchet MS"/>
-                <a:sym typeface="Trebuchet MS"/>
-              </a:endParaRPr>
-            </a:p>
-          </p:txBody>
-        </p:sp>
-        <p:sp>
-          <p:nvSpPr>
-            <p:cNvPr id="347" name="Shape 347"/>
-            <p:cNvSpPr/>
-            <p:nvPr/>
-          </p:nvSpPr>
-          <p:spPr>
-            <a:xfrm>
-              <a:off x="2066656" y="3074826"/>
-              <a:ext cx="7545700" cy="916791"/>
-            </a:xfrm>
-            <a:prstGeom prst="rect">
-              <a:avLst/>
-            </a:prstGeom>
-            <a:noFill/>
-            <a:ln>
-              <a:noFill/>
-            </a:ln>
-          </p:spPr>
-          <p:txBody>
-            <a:bodyPr spcFirstLastPara="1" wrap="square" lIns="91425" tIns="91425" rIns="91425" bIns="91425" anchor="ctr" anchorCtr="0">
-              <a:noAutofit/>
-            </a:bodyPr>
-            <a:lstStyle/>
-            <a:p>
-              <a:pPr marL="0" lvl="0" indent="0">
-                <a:spcBef>
-                  <a:spcPts val="0"/>
-                </a:spcBef>
-                <a:spcAft>
-                  <a:spcPts val="0"/>
-                </a:spcAft>
-                <a:buNone/>
-              </a:pPr>
-              <a:endParaRPr/>
-            </a:p>
-          </p:txBody>
-        </p:sp>
-        <p:sp>
-          <p:nvSpPr>
-            <p:cNvPr id="348" name="Shape 348"/>
-            <p:cNvSpPr txBox="1"/>
-            <p:nvPr/>
-          </p:nvSpPr>
-          <p:spPr>
-            <a:xfrm>
-              <a:off x="2066656" y="3074826"/>
-              <a:ext cx="7545700" cy="916791"/>
-            </a:xfrm>
-            <a:prstGeom prst="rect">
-              <a:avLst/>
-            </a:prstGeom>
-            <a:noFill/>
-            <a:ln>
-              <a:noFill/>
-            </a:ln>
-          </p:spPr>
-          <p:txBody>
-            <a:bodyPr spcFirstLastPara="1" wrap="square" lIns="45700" tIns="45700" rIns="45700" bIns="45700" anchor="t" anchorCtr="0">
-              <a:noAutofit/>
-            </a:bodyPr>
-            <a:lstStyle/>
-            <a:p>
-              <a:pPr marL="0" marR="0" lvl="0" indent="0" algn="l" rtl="0">
-                <a:lnSpc>
-                  <a:spcPct val="90000"/>
-                </a:lnSpc>
-                <a:spcBef>
-                  <a:spcPts val="0"/>
-                </a:spcBef>
-                <a:spcAft>
-                  <a:spcPts val="0"/>
-                </a:spcAft>
-                <a:buNone/>
-              </a:pPr>
-              <a:r>
-                <a:rPr lang="es-ES" sz="1200" b="0" i="0" u="none" strike="noStrike" cap="none">
-                  <a:solidFill>
-                    <a:schemeClr val="dk1"/>
-                  </a:solidFill>
-                  <a:latin typeface="Trebuchet MS"/>
-                  <a:ea typeface="Trebuchet MS"/>
-                  <a:cs typeface="Trebuchet MS"/>
-                  <a:sym typeface="Trebuchet MS"/>
-                </a:rPr>
-                <a:t>Verifica que cierto texto se despliegue en la página</a:t>
-              </a:r>
-              <a:endParaRPr sz="1200" b="0" i="0" u="none" strike="noStrike" cap="none">
-                <a:solidFill>
-                  <a:schemeClr val="dk1"/>
-                </a:solidFill>
-                <a:latin typeface="Trebuchet MS"/>
-                <a:ea typeface="Trebuchet MS"/>
-                <a:cs typeface="Trebuchet MS"/>
-                <a:sym typeface="Trebuchet MS"/>
-              </a:endParaRPr>
-            </a:p>
-          </p:txBody>
-        </p:sp>
-        <p:cxnSp>
-          <p:nvCxnSpPr>
-            <p:cNvPr id="349" name="Shape 349"/>
-            <p:cNvCxnSpPr/>
-            <p:nvPr/>
-          </p:nvCxnSpPr>
-          <p:spPr>
-            <a:xfrm>
-              <a:off x="1922471" y="3991618"/>
-              <a:ext cx="7689885" cy="0"/>
-            </a:xfrm>
-            <a:prstGeom prst="straightConnector1">
-              <a:avLst/>
-            </a:prstGeom>
-            <a:solidFill>
-              <a:srgbClr val="90C223"/>
-            </a:solidFill>
-            <a:ln w="19050" cap="rnd" cmpd="sng">
-              <a:solidFill>
-                <a:srgbClr val="D1E3BB"/>
-              </a:solidFill>
-              <a:prstDash val="solid"/>
-              <a:round/>
-              <a:headEnd type="none" w="sm" len="sm"/>
-              <a:tailEnd type="none" w="sm" len="sm"/>
-            </a:ln>
-          </p:spPr>
-        </p:cxnSp>
-        <p:cxnSp>
-          <p:nvCxnSpPr>
-            <p:cNvPr id="350" name="Shape 350"/>
-            <p:cNvCxnSpPr/>
-            <p:nvPr/>
-          </p:nvCxnSpPr>
-          <p:spPr>
-            <a:xfrm>
-              <a:off x="0" y="4038443"/>
-              <a:ext cx="9612356" cy="0"/>
-            </a:xfrm>
-            <a:prstGeom prst="straightConnector1">
-              <a:avLst/>
-            </a:prstGeom>
-            <a:solidFill>
-              <a:srgbClr val="90C223"/>
-            </a:solidFill>
-            <a:ln w="19050" cap="rnd" cmpd="sng">
-              <a:solidFill>
-                <a:srgbClr val="90C223"/>
-              </a:solidFill>
-              <a:prstDash val="solid"/>
-              <a:round/>
-              <a:headEnd type="none" w="sm" len="sm"/>
-              <a:tailEnd type="none" w="sm" len="sm"/>
-            </a:ln>
-          </p:spPr>
-        </p:cxnSp>
-        <p:sp>
-          <p:nvSpPr>
-            <p:cNvPr id="351" name="Shape 351"/>
-            <p:cNvSpPr/>
-            <p:nvPr/>
-          </p:nvSpPr>
-          <p:spPr>
-            <a:xfrm>
-              <a:off x="0" y="4038443"/>
-              <a:ext cx="1922471" cy="1009456"/>
-            </a:xfrm>
-            <a:prstGeom prst="rect">
-              <a:avLst/>
-            </a:prstGeom>
-            <a:noFill/>
-            <a:ln>
-              <a:noFill/>
-            </a:ln>
-          </p:spPr>
-          <p:txBody>
-            <a:bodyPr spcFirstLastPara="1" wrap="square" lIns="91425" tIns="91425" rIns="91425" bIns="91425" anchor="ctr" anchorCtr="0">
-              <a:noAutofit/>
-            </a:bodyPr>
-            <a:lstStyle/>
-            <a:p>
-              <a:pPr marL="0" lvl="0" indent="0">
-                <a:spcBef>
-                  <a:spcPts val="0"/>
-                </a:spcBef>
-                <a:spcAft>
-                  <a:spcPts val="0"/>
-                </a:spcAft>
-                <a:buNone/>
-              </a:pPr>
-              <a:endParaRPr/>
-            </a:p>
-          </p:txBody>
-        </p:sp>
-        <p:sp>
-          <p:nvSpPr>
-            <p:cNvPr id="352" name="Shape 352"/>
-            <p:cNvSpPr txBox="1"/>
-            <p:nvPr/>
-          </p:nvSpPr>
-          <p:spPr>
-            <a:xfrm>
-              <a:off x="0" y="4038443"/>
-              <a:ext cx="1922471" cy="1009456"/>
-            </a:xfrm>
-            <a:prstGeom prst="rect">
-              <a:avLst/>
-            </a:prstGeom>
-            <a:noFill/>
-            <a:ln>
-              <a:noFill/>
-            </a:ln>
-          </p:spPr>
-          <p:txBody>
-            <a:bodyPr spcFirstLastPara="1" wrap="square" lIns="53325" tIns="53325" rIns="53325" bIns="53325" anchor="t" anchorCtr="0">
-              <a:noAutofit/>
-            </a:bodyPr>
-            <a:lstStyle/>
-            <a:p>
-              <a:pPr marL="0" marR="0" lvl="0" indent="0" algn="l" rtl="0">
-                <a:lnSpc>
-                  <a:spcPct val="90000"/>
-                </a:lnSpc>
-                <a:spcBef>
-                  <a:spcPts val="0"/>
-                </a:spcBef>
-                <a:spcAft>
-                  <a:spcPts val="0"/>
-                </a:spcAft>
-                <a:buNone/>
-              </a:pPr>
-              <a:r>
-                <a:rPr lang="es-ES" sz="1400" b="0" i="0" u="none" strike="noStrike" cap="none">
-                  <a:solidFill>
-                    <a:schemeClr val="dk1"/>
-                  </a:solidFill>
-                  <a:latin typeface="Trebuchet MS"/>
-                  <a:ea typeface="Trebuchet MS"/>
-                  <a:cs typeface="Trebuchet MS"/>
-                  <a:sym typeface="Trebuchet MS"/>
-                </a:rPr>
-                <a:t>verifyElementPresent</a:t>
-              </a:r>
-              <a:endParaRPr sz="1400" b="0" i="0" u="none" strike="noStrike" cap="none">
-                <a:solidFill>
-                  <a:schemeClr val="dk1"/>
-                </a:solidFill>
-                <a:latin typeface="Trebuchet MS"/>
-                <a:ea typeface="Trebuchet MS"/>
-                <a:cs typeface="Trebuchet MS"/>
-                <a:sym typeface="Trebuchet MS"/>
-              </a:endParaRPr>
-            </a:p>
-          </p:txBody>
-        </p:sp>
-        <p:sp>
-          <p:nvSpPr>
-            <p:cNvPr id="353" name="Shape 353"/>
-            <p:cNvSpPr/>
-            <p:nvPr/>
-          </p:nvSpPr>
-          <p:spPr>
-            <a:xfrm>
-              <a:off x="2066656" y="4084283"/>
-              <a:ext cx="7545700" cy="916791"/>
-            </a:xfrm>
-            <a:prstGeom prst="rect">
-              <a:avLst/>
-            </a:prstGeom>
-            <a:noFill/>
-            <a:ln>
-              <a:noFill/>
-            </a:ln>
-          </p:spPr>
-          <p:txBody>
-            <a:bodyPr spcFirstLastPara="1" wrap="square" lIns="91425" tIns="91425" rIns="91425" bIns="91425" anchor="ctr" anchorCtr="0">
-              <a:noAutofit/>
-            </a:bodyPr>
-            <a:lstStyle/>
-            <a:p>
-              <a:pPr marL="0" lvl="0" indent="0">
-                <a:spcBef>
-                  <a:spcPts val="0"/>
-                </a:spcBef>
-                <a:spcAft>
-                  <a:spcPts val="0"/>
-                </a:spcAft>
-                <a:buNone/>
-              </a:pPr>
-              <a:endParaRPr/>
-            </a:p>
-          </p:txBody>
-        </p:sp>
-        <p:sp>
-          <p:nvSpPr>
-            <p:cNvPr id="354" name="Shape 354"/>
-            <p:cNvSpPr txBox="1"/>
-            <p:nvPr/>
-          </p:nvSpPr>
-          <p:spPr>
-            <a:xfrm>
-              <a:off x="2066656" y="4084283"/>
-              <a:ext cx="7545700" cy="916791"/>
-            </a:xfrm>
-            <a:prstGeom prst="rect">
-              <a:avLst/>
-            </a:prstGeom>
-            <a:noFill/>
-            <a:ln>
-              <a:noFill/>
-            </a:ln>
-          </p:spPr>
-          <p:txBody>
-            <a:bodyPr spcFirstLastPara="1" wrap="square" lIns="45700" tIns="45700" rIns="45700" bIns="45700" anchor="t" anchorCtr="0">
-              <a:noAutofit/>
-            </a:bodyPr>
-            <a:lstStyle/>
-            <a:p>
-              <a:pPr marL="0" marR="0" lvl="0" indent="0" algn="l" rtl="0">
-                <a:lnSpc>
-                  <a:spcPct val="90000"/>
-                </a:lnSpc>
-                <a:spcBef>
-                  <a:spcPts val="0"/>
-                </a:spcBef>
-                <a:spcAft>
-                  <a:spcPts val="0"/>
-                </a:spcAft>
-                <a:buNone/>
-              </a:pPr>
-              <a:r>
-                <a:rPr lang="es-ES" sz="1200" b="0" i="0" u="none" strike="noStrike" cap="none">
-                  <a:solidFill>
-                    <a:schemeClr val="dk1"/>
-                  </a:solidFill>
-                  <a:latin typeface="Trebuchet MS"/>
-                  <a:ea typeface="Trebuchet MS"/>
-                  <a:cs typeface="Trebuchet MS"/>
-                  <a:sym typeface="Trebuchet MS"/>
-                </a:rPr>
-                <a:t>Verifica que un elemento se despliegue en la página</a:t>
-              </a:r>
-              <a:endParaRPr/>
-            </a:p>
-            <a:p>
-              <a:pPr marL="0" marR="0" lvl="0" indent="0" algn="l" rtl="0">
-                <a:lnSpc>
-                  <a:spcPct val="90000"/>
-                </a:lnSpc>
-                <a:spcBef>
-                  <a:spcPts val="420"/>
-                </a:spcBef>
-                <a:spcAft>
-                  <a:spcPts val="0"/>
-                </a:spcAft>
-                <a:buNone/>
-              </a:pPr>
-              <a:endParaRPr sz="1200" b="0" i="0" u="none" strike="noStrike" cap="none">
-                <a:solidFill>
-                  <a:schemeClr val="dk1"/>
-                </a:solidFill>
-                <a:latin typeface="Trebuchet MS"/>
-                <a:ea typeface="Trebuchet MS"/>
-                <a:cs typeface="Trebuchet MS"/>
-                <a:sym typeface="Trebuchet MS"/>
-              </a:endParaRPr>
-            </a:p>
-            <a:p>
-              <a:pPr marL="0" marR="0" lvl="0" indent="0" algn="l" rtl="0">
-                <a:lnSpc>
-                  <a:spcPct val="90000"/>
-                </a:lnSpc>
-                <a:spcBef>
-                  <a:spcPts val="420"/>
-                </a:spcBef>
-                <a:spcAft>
-                  <a:spcPts val="0"/>
-                </a:spcAft>
-                <a:buNone/>
-              </a:pPr>
-              <a:r>
-                <a:rPr lang="es-ES" sz="1200" b="0" i="0" u="none" strike="noStrike" cap="none">
-                  <a:solidFill>
-                    <a:schemeClr val="dk1"/>
-                  </a:solidFill>
-                  <a:latin typeface="Trebuchet MS"/>
-                  <a:ea typeface="Trebuchet MS"/>
-                  <a:cs typeface="Trebuchet MS"/>
-                  <a:sym typeface="Trebuchet MS"/>
-                </a:rPr>
-                <a:t>	</a:t>
-              </a:r>
-              <a:endParaRPr/>
-            </a:p>
-            <a:p>
-              <a:pPr marL="0" marR="0" lvl="0" indent="0" algn="l" rtl="0">
-                <a:lnSpc>
-                  <a:spcPct val="90000"/>
-                </a:lnSpc>
-                <a:spcBef>
-                  <a:spcPts val="420"/>
-                </a:spcBef>
-                <a:spcAft>
-                  <a:spcPts val="0"/>
-                </a:spcAft>
-                <a:buNone/>
-              </a:pPr>
-              <a:r>
-                <a:rPr lang="es-ES" sz="1200" b="0" i="0" u="none" strike="noStrike" cap="none">
-                  <a:solidFill>
-                    <a:schemeClr val="dk1"/>
-                  </a:solidFill>
-                  <a:latin typeface="Trebuchet MS"/>
-                  <a:ea typeface="Trebuchet MS"/>
-                  <a:cs typeface="Trebuchet MS"/>
-                  <a:sym typeface="Trebuchet MS"/>
-                </a:rPr>
-                <a:t>	</a:t>
-              </a:r>
-              <a:endParaRPr sz="1200" b="0" i="0" u="none" strike="noStrike" cap="none">
-                <a:solidFill>
-                  <a:schemeClr val="dk1"/>
-                </a:solidFill>
-                <a:latin typeface="Trebuchet MS"/>
-                <a:ea typeface="Trebuchet MS"/>
-                <a:cs typeface="Trebuchet MS"/>
-                <a:sym typeface="Trebuchet MS"/>
-              </a:endParaRPr>
-            </a:p>
-          </p:txBody>
-        </p:sp>
-        <p:cxnSp>
-          <p:nvCxnSpPr>
-            <p:cNvPr id="355" name="Shape 355"/>
-            <p:cNvCxnSpPr/>
-            <p:nvPr/>
-          </p:nvCxnSpPr>
-          <p:spPr>
-            <a:xfrm>
-              <a:off x="1922471" y="5001075"/>
-              <a:ext cx="7689885" cy="0"/>
-            </a:xfrm>
-            <a:prstGeom prst="straightConnector1">
-              <a:avLst/>
-            </a:prstGeom>
-            <a:solidFill>
-              <a:srgbClr val="90C223"/>
-            </a:solidFill>
-            <a:ln w="19050" cap="rnd" cmpd="sng">
-              <a:solidFill>
-                <a:srgbClr val="D1E3BB"/>
-              </a:solidFill>
-              <a:prstDash val="solid"/>
-              <a:round/>
-              <a:headEnd type="none" w="sm" len="sm"/>
-              <a:tailEnd type="none" w="sm" len="sm"/>
-            </a:ln>
-          </p:spPr>
-        </p:cxnSp>
-      </p:grpSp>
     </p:spTree>
   </p:cSld>
   <p:clrMapOvr>
@@ -28704,7 +27090,7 @@
                 <a:buNone/>
               </a:pPr>
               <a:r>
-                <a:rPr lang="es-ES" sz="2500" b="0" i="0" u="none" strike="noStrike" cap="none">
+                <a:rPr lang="es-ES" sz="2500" b="0" i="0" u="none" strike="noStrike" cap="none" dirty="0">
                   <a:solidFill>
                     <a:schemeClr val="lt1"/>
                   </a:solidFill>
@@ -28715,7 +27101,7 @@
                 </a:rPr>
                 <a:t>Visión general de Automatización</a:t>
               </a:r>
-              <a:endParaRPr sz="2500" b="0" i="0" u="none" strike="noStrike" cap="none">
+              <a:endParaRPr sz="2500" b="0" i="0" u="none" strike="noStrike" cap="none" dirty="0">
                 <a:solidFill>
                   <a:schemeClr val="lt1"/>
                 </a:solidFill>
@@ -28811,7 +27197,7 @@
                 <a:buNone/>
               </a:pPr>
               <a:r>
-                <a:rPr lang="es-ES" sz="2500" b="0" i="0" u="none" strike="noStrike" cap="none">
+                <a:rPr lang="es-ES" sz="2500" b="0" i="0" u="none" strike="noStrike" cap="none" dirty="0">
                   <a:solidFill>
                     <a:schemeClr val="lt1"/>
                   </a:solidFill>
@@ -28820,9 +27206,21 @@
                   <a:cs typeface="Calibri"/>
                   <a:sym typeface="Calibri"/>
                 </a:rPr>
-                <a:t>Visión general de Selenium</a:t>
+                <a:t>Visión general de </a:t>
               </a:r>
-              <a:endParaRPr sz="2500" b="0" i="0" u="none" strike="noStrike" cap="none">
+              <a:r>
+                <a:rPr lang="es-ES" sz="2500" b="0" i="0" u="none" strike="noStrike" cap="none" dirty="0" err="1">
+                  <a:solidFill>
+                    <a:schemeClr val="lt1"/>
+                  </a:solidFill>
+                  <a:latin typeface="Calibri"/>
+                  <a:ea typeface="Calibri"/>
+                  <a:cs typeface="Calibri"/>
+                  <a:sym typeface="Calibri"/>
+                </a:rPr>
+                <a:t>Selenium</a:t>
+              </a:r>
+              <a:endParaRPr sz="2500" b="0" i="0" u="none" strike="noStrike" cap="none" dirty="0">
                 <a:solidFill>
                   <a:schemeClr val="lt1"/>
                 </a:solidFill>
@@ -28918,7 +27316,7 @@
                 <a:buNone/>
               </a:pPr>
               <a:r>
-                <a:rPr lang="es-ES" sz="2500" b="0" i="0" u="none" strike="noStrike" cap="none">
+                <a:rPr lang="es-ES" sz="2500" b="0" i="0" u="none" strike="noStrike" cap="none" dirty="0">
                   <a:solidFill>
                     <a:schemeClr val="lt1"/>
                   </a:solidFill>
@@ -28927,9 +27325,9 @@
                   <a:cs typeface="Calibri"/>
                   <a:sym typeface="Calibri"/>
                 </a:rPr>
-                <a:t>Selenium IDE</a:t>
+                <a:t>Aplicación de prueba</a:t>
               </a:r>
-              <a:endParaRPr sz="2500" b="0" i="0" u="none" strike="noStrike" cap="none">
+              <a:endParaRPr sz="2500" b="0" i="0" u="none" strike="noStrike" cap="none" dirty="0">
                 <a:solidFill>
                   <a:schemeClr val="lt1"/>
                 </a:solidFill>
@@ -29025,7 +27423,7 @@
                 <a:buNone/>
               </a:pPr>
               <a:r>
-                <a:rPr lang="es-ES" sz="2500" b="0" i="0" u="none" strike="noStrike" cap="none">
+                <a:rPr lang="es-ES" sz="2500" b="0" i="0" u="none" strike="noStrike" cap="none" dirty="0">
                   <a:solidFill>
                     <a:schemeClr val="lt1"/>
                   </a:solidFill>
@@ -29034,9 +27432,21 @@
                   <a:cs typeface="Calibri"/>
                   <a:sym typeface="Calibri"/>
                 </a:rPr>
-                <a:t>Selenese</a:t>
+                <a:t>HTML </a:t>
               </a:r>
-              <a:endParaRPr sz="2500" b="0" i="0" u="none" strike="noStrike" cap="none">
+              <a:r>
+                <a:rPr lang="es-ES" sz="2500" b="0" i="0" u="none" strike="noStrike" cap="none" dirty="0" err="1">
+                  <a:solidFill>
+                    <a:schemeClr val="lt1"/>
+                  </a:solidFill>
+                  <a:latin typeface="Calibri"/>
+                  <a:ea typeface="Calibri"/>
+                  <a:cs typeface="Calibri"/>
+                  <a:sym typeface="Calibri"/>
+                </a:rPr>
+                <a:t>Basico</a:t>
+              </a:r>
+              <a:endParaRPr sz="2500" b="0" i="0" u="none" strike="noStrike" cap="none" dirty="0">
                 <a:solidFill>
                   <a:schemeClr val="lt1"/>
                 </a:solidFill>
@@ -29132,7 +27542,7 @@
                 <a:buNone/>
               </a:pPr>
               <a:r>
-                <a:rPr lang="es-ES" sz="2500" b="0" i="0" u="none" strike="noStrike" cap="none">
+                <a:rPr lang="es-ES" sz="2500" b="0" i="0" u="none" strike="noStrike" cap="none" dirty="0" err="1">
                   <a:solidFill>
                     <a:schemeClr val="lt1"/>
                   </a:solidFill>
@@ -29141,9 +27551,21 @@
                   <a:cs typeface="Calibri"/>
                   <a:sym typeface="Calibri"/>
                 </a:rPr>
-                <a:t>Comandos</a:t>
+                <a:t>Selenium</a:t>
               </a:r>
-              <a:endParaRPr sz="2500" b="0" i="0" u="none" strike="noStrike" cap="none">
+              <a:r>
+                <a:rPr lang="es-ES" sz="2500" b="0" i="0" u="none" strike="noStrike" cap="none" dirty="0">
+                  <a:solidFill>
+                    <a:schemeClr val="lt1"/>
+                  </a:solidFill>
+                  <a:latin typeface="Calibri"/>
+                  <a:ea typeface="Calibri"/>
+                  <a:cs typeface="Calibri"/>
+                  <a:sym typeface="Calibri"/>
+                </a:rPr>
+                <a:t> IDE</a:t>
+              </a:r>
+              <a:endParaRPr sz="2500" b="0" i="0" u="none" strike="noStrike" cap="none" dirty="0">
                 <a:solidFill>
                   <a:schemeClr val="lt1"/>
                 </a:solidFill>
@@ -29239,7 +27661,7 @@
                 <a:buNone/>
               </a:pPr>
               <a:r>
-                <a:rPr lang="es-ES" sz="2500" b="0" i="0" u="none" strike="noStrike" cap="none">
+                <a:rPr lang="es-ES" sz="2500" dirty="0">
                   <a:solidFill>
                     <a:schemeClr val="lt1"/>
                   </a:solidFill>
@@ -29248,17 +27670,8 @@
                   <a:cs typeface="Calibri"/>
                   <a:sym typeface="Calibri"/>
                 </a:rPr>
-                <a:t>Puntos de verificación y aserción</a:t>
+                <a:t>Comandos</a:t>
               </a:r>
-              <a:endParaRPr sz="2500" b="0" i="0" u="none" strike="noStrike" cap="none">
-                <a:solidFill>
-                  <a:schemeClr val="lt1"/>
-                </a:solidFill>
-                <a:latin typeface="Calibri"/>
-                <a:ea typeface="Calibri"/>
-                <a:cs typeface="Calibri"/>
-                <a:sym typeface="Calibri"/>
-              </a:endParaRPr>
             </a:p>
           </p:txBody>
         </p:sp>
@@ -29346,7 +27759,7 @@
                 <a:buNone/>
               </a:pPr>
               <a:r>
-                <a:rPr lang="es-ES" sz="2500" b="0" i="0" u="none" strike="noStrike" cap="none">
+                <a:rPr lang="es-ES" sz="2500" b="0" i="0" u="none" strike="noStrike" cap="none" dirty="0">
                   <a:solidFill>
                     <a:schemeClr val="lt1"/>
                   </a:solidFill>
@@ -29355,9 +27768,9 @@
                   <a:cs typeface="Calibri"/>
                   <a:sym typeface="Calibri"/>
                 </a:rPr>
-                <a:t>Esperas</a:t>
+                <a:t>Git</a:t>
               </a:r>
-              <a:endParaRPr sz="2500" b="0" i="0" u="none" strike="noStrike" cap="none">
+              <a:endParaRPr sz="2500" b="0" i="0" u="none" strike="noStrike" cap="none" dirty="0">
                 <a:solidFill>
                   <a:schemeClr val="lt1"/>
                 </a:solidFill>
@@ -29453,7 +27866,7 @@
                 <a:buNone/>
               </a:pPr>
               <a:r>
-                <a:rPr lang="es-ES" sz="2500" b="0" i="0" u="none" strike="noStrike" cap="none">
+                <a:rPr lang="es-ES" sz="2500" b="0" i="0" u="none" strike="noStrike" cap="none" dirty="0" err="1">
                   <a:solidFill>
                     <a:schemeClr val="lt1"/>
                   </a:solidFill>
@@ -29462,9 +27875,9 @@
                   <a:cs typeface="Calibri"/>
                   <a:sym typeface="Calibri"/>
                 </a:rPr>
-                <a:t>Identificadores</a:t>
+                <a:t>Github</a:t>
               </a:r>
-              <a:endParaRPr sz="2500" b="0" i="0" u="none" strike="noStrike" cap="none">
+              <a:endParaRPr sz="2500" b="0" i="0" u="none" strike="noStrike" cap="none" dirty="0">
                 <a:solidFill>
                   <a:schemeClr val="lt1"/>
                 </a:solidFill>
@@ -29569,31 +27982,7 @@
                   <a:cs typeface="Calibri"/>
                   <a:sym typeface="Calibri"/>
                 </a:rPr>
-                <a:t>Git/</a:t>
-              </a:r>
-              <a:r>
-                <a:rPr lang="en-US" sz="2500" b="0" i="0" u="none" strike="noStrike" cap="none" dirty="0" err="1">
-                  <a:solidFill>
-                    <a:schemeClr val="lt1"/>
-                  </a:solidFill>
-                  <a:latin typeface="Calibri"/>
-                  <a:ea typeface="Calibri"/>
-                  <a:cs typeface="Calibri"/>
-                  <a:sym typeface="Calibri"/>
-                </a:rPr>
-                <a:t>Github</a:t>
-              </a:r>
-              <a:r>
-                <a:rPr lang="en-US" sz="2500" b="0" i="0" u="none" strike="noStrike" cap="none" dirty="0">
-                  <a:solidFill>
-                    <a:schemeClr val="lt1"/>
-                  </a:solidFill>
-                  <a:latin typeface="Calibri"/>
-                  <a:ea typeface="Calibri"/>
-                  <a:cs typeface="Calibri"/>
-                  <a:sym typeface="Calibri"/>
-                </a:rPr>
-                <a:t>/Trello</a:t>
+                <a:t>        Trello</a:t>
               </a:r>
               <a:endParaRPr sz="2500" b="0" i="0" u="none" strike="noStrike" cap="none" dirty="0">
                 <a:solidFill>
@@ -29621,7 +28010,7 @@
   <p:cSld>
     <p:spTree>
       <p:nvGrpSpPr>
-        <p:cNvPr id="1" name="Shape 359"/>
+        <p:cNvPr id="1" name="Shape 317"/>
         <p:cNvGrpSpPr/>
         <p:nvPr/>
       </p:nvGrpSpPr>
@@ -29635,7 +28024,7 @@
       </p:grpSpPr>
       <p:sp>
         <p:nvSpPr>
-          <p:cNvPr id="360" name="Shape 360"/>
+          <p:cNvPr id="318" name="Shape 318"/>
           <p:cNvSpPr txBox="1">
             <a:spLocks noGrp="1"/>
           </p:cNvSpPr>
@@ -29685,7 +28074,7 @@
                 <a:cs typeface="Trebuchet MS"/>
                 <a:sym typeface="Trebuchet MS"/>
               </a:rPr>
-              <a:t>Comandos más comunes</a:t>
+              <a:t>Comandos de Selenium o “Selenio”</a:t>
             </a:r>
             <a:endParaRPr sz="3600" b="0" i="0" u="none" strike="noStrike" cap="none">
               <a:solidFill>
@@ -29699,1099 +28088,276 @@
           </a:p>
         </p:txBody>
       </p:sp>
-      <p:grpSp>
-        <p:nvGrpSpPr>
-          <p:cNvPr id="361" name="Shape 361"/>
-          <p:cNvGrpSpPr/>
-          <p:nvPr/>
-        </p:nvGrpSpPr>
-        <p:grpSpPr>
+      <p:sp>
+        <p:nvSpPr>
+          <p:cNvPr id="319" name="Shape 319"/>
+          <p:cNvSpPr txBox="1">
+            <a:spLocks noGrp="1"/>
+          </p:cNvSpPr>
+          <p:nvPr>
+            <p:ph type="body" idx="1"/>
+          </p:nvPr>
+        </p:nvSpPr>
+        <p:spPr>
           <a:xfrm>
-            <a:off x="677862" y="1339403"/>
-            <a:ext cx="9612356" cy="5048516"/>
-            <a:chOff x="0" y="0"/>
-            <a:chExt cx="9612356" cy="5048516"/>
+            <a:off x="677334" y="1727452"/>
+            <a:ext cx="8596668" cy="3880773"/>
           </a:xfrm>
-        </p:grpSpPr>
-        <p:cxnSp>
-          <p:nvCxnSpPr>
-            <p:cNvPr id="362" name="Shape 362"/>
-            <p:cNvCxnSpPr/>
-            <p:nvPr/>
-          </p:nvCxnSpPr>
-          <p:spPr>
-            <a:xfrm>
-              <a:off x="0" y="0"/>
-              <a:ext cx="9612356" cy="0"/>
-            </a:xfrm>
-            <a:prstGeom prst="straightConnector1">
-              <a:avLst/>
-            </a:prstGeom>
-            <a:solidFill>
-              <a:srgbClr val="90C223"/>
-            </a:solidFill>
-            <a:ln w="19050" cap="rnd" cmpd="sng">
+          <a:prstGeom prst="rect">
+            <a:avLst/>
+          </a:prstGeom>
+          <a:noFill/>
+          <a:ln>
+            <a:noFill/>
+          </a:ln>
+        </p:spPr>
+        <p:txBody>
+          <a:bodyPr spcFirstLastPara="1" wrap="square" lIns="91425" tIns="45700" rIns="91425" bIns="45700" anchor="t" anchorCtr="0">
+            <a:noAutofit/>
+          </a:bodyPr>
+          <a:lstStyle/>
+          <a:p>
+            <a:pPr marL="342900" marR="0" lvl="0" indent="-342900" algn="l" rtl="0">
+              <a:spcBef>
+                <a:spcPts val="0"/>
+              </a:spcBef>
+              <a:spcAft>
+                <a:spcPts val="0"/>
+              </a:spcAft>
+              <a:buClr>
+                <a:schemeClr val="accent1"/>
+              </a:buClr>
+              <a:buSzPts val="1920"/>
+              <a:buFont typeface="Noto Sans Symbols"/>
+              <a:buChar char="▶"/>
+            </a:pPr>
+            <a:r>
+              <a:rPr lang="es-ES" sz="2400" b="0" i="0" u="none" strike="noStrike" cap="none" dirty="0">
+                <a:solidFill>
+                  <a:srgbClr val="3F3F3F"/>
+                </a:solidFill>
+                <a:latin typeface="Trebuchet MS"/>
+                <a:ea typeface="Trebuchet MS"/>
+                <a:cs typeface="Trebuchet MS"/>
+                <a:sym typeface="Trebuchet MS"/>
+              </a:rPr>
+              <a:t>Componentes de un comando:</a:t>
+            </a:r>
+            <a:endParaRPr dirty="0"/>
+          </a:p>
+          <a:p>
+            <a:pPr marL="742950" marR="0" lvl="1" indent="-285750" algn="l" rtl="0">
+              <a:spcBef>
+                <a:spcPts val="1000"/>
+              </a:spcBef>
+              <a:spcAft>
+                <a:spcPts val="0"/>
+              </a:spcAft>
+              <a:buClr>
+                <a:schemeClr val="accent1"/>
+              </a:buClr>
+              <a:buSzPts val="1920"/>
+              <a:buFont typeface="Noto Sans Symbols"/>
+              <a:buChar char="▶"/>
+            </a:pPr>
+            <a:r>
+              <a:rPr lang="es-ES" sz="2400" b="0" i="0" u="none" strike="noStrike" cap="none" dirty="0">
+                <a:solidFill>
+                  <a:srgbClr val="3F3F3F"/>
+                </a:solidFill>
+                <a:latin typeface="Trebuchet MS"/>
+                <a:ea typeface="Trebuchet MS"/>
+                <a:cs typeface="Trebuchet MS"/>
+                <a:sym typeface="Trebuchet MS"/>
+              </a:rPr>
+              <a:t>Instrucción</a:t>
+            </a:r>
+            <a:endParaRPr dirty="0"/>
+          </a:p>
+          <a:p>
+            <a:pPr marL="742950" marR="0" lvl="1" indent="-285750" algn="l" rtl="0">
+              <a:spcBef>
+                <a:spcPts val="1000"/>
+              </a:spcBef>
+              <a:spcAft>
+                <a:spcPts val="0"/>
+              </a:spcAft>
+              <a:buClr>
+                <a:schemeClr val="accent1"/>
+              </a:buClr>
+              <a:buSzPts val="1920"/>
+              <a:buFont typeface="Noto Sans Symbols"/>
+              <a:buChar char="▶"/>
+            </a:pPr>
+            <a:r>
+              <a:rPr lang="es-ES" sz="2400" b="0" i="0" u="none" strike="noStrike" cap="none" dirty="0">
+                <a:solidFill>
+                  <a:srgbClr val="3F3F3F"/>
+                </a:solidFill>
+                <a:latin typeface="Trebuchet MS"/>
+                <a:ea typeface="Trebuchet MS"/>
+                <a:cs typeface="Trebuchet MS"/>
+                <a:sym typeface="Trebuchet MS"/>
+              </a:rPr>
+              <a:t>Localizador</a:t>
+            </a:r>
+            <a:endParaRPr dirty="0"/>
+          </a:p>
+          <a:p>
+            <a:pPr marL="742950" marR="0" lvl="1" indent="-285750" algn="l" rtl="0">
+              <a:spcBef>
+                <a:spcPts val="1000"/>
+              </a:spcBef>
+              <a:spcAft>
+                <a:spcPts val="0"/>
+              </a:spcAft>
+              <a:buClr>
+                <a:schemeClr val="accent1"/>
+              </a:buClr>
+              <a:buSzPts val="1920"/>
+              <a:buFont typeface="Noto Sans Symbols"/>
+              <a:buChar char="▶"/>
+            </a:pPr>
+            <a:r>
+              <a:rPr lang="es-ES" sz="2400" b="0" i="0" u="none" strike="noStrike" cap="none" dirty="0">
+                <a:solidFill>
+                  <a:srgbClr val="3F3F3F"/>
+                </a:solidFill>
+                <a:latin typeface="Trebuchet MS"/>
+                <a:ea typeface="Trebuchet MS"/>
+                <a:cs typeface="Trebuchet MS"/>
+                <a:sym typeface="Trebuchet MS"/>
+              </a:rPr>
+              <a:t>Parámetro de entrada (no siempre requerido)</a:t>
+            </a:r>
+            <a:endParaRPr dirty="0"/>
+          </a:p>
+          <a:p>
+            <a:pPr marL="342900" marR="0" lvl="0" indent="-342900" algn="l" rtl="0">
+              <a:spcBef>
+                <a:spcPts val="1000"/>
+              </a:spcBef>
+              <a:spcAft>
+                <a:spcPts val="0"/>
+              </a:spcAft>
+              <a:buClr>
+                <a:schemeClr val="accent1"/>
+              </a:buClr>
+              <a:buSzPts val="1920"/>
+              <a:buFont typeface="Noto Sans Symbols"/>
+              <a:buChar char="▶"/>
+            </a:pPr>
+            <a:r>
+              <a:rPr lang="es-ES" sz="2400" b="0" i="0" u="none" strike="noStrike" cap="none" dirty="0">
+                <a:solidFill>
+                  <a:srgbClr val="3F3F3F"/>
+                </a:solidFill>
+                <a:latin typeface="Trebuchet MS"/>
+                <a:ea typeface="Trebuchet MS"/>
+                <a:cs typeface="Trebuchet MS"/>
+                <a:sym typeface="Trebuchet MS"/>
+              </a:rPr>
+              <a:t>Tipos de comandos:</a:t>
+            </a:r>
+            <a:endParaRPr dirty="0"/>
+          </a:p>
+          <a:p>
+            <a:pPr marL="742950" marR="0" lvl="1" indent="-285750" algn="l" rtl="0">
+              <a:spcBef>
+                <a:spcPts val="1000"/>
+              </a:spcBef>
+              <a:spcAft>
+                <a:spcPts val="0"/>
+              </a:spcAft>
+              <a:buClr>
+                <a:schemeClr val="accent1"/>
+              </a:buClr>
+              <a:buSzPts val="1920"/>
+              <a:buFont typeface="Noto Sans Symbols"/>
+              <a:buChar char="▶"/>
+            </a:pPr>
+            <a:r>
+              <a:rPr lang="es-ES" sz="2400" b="0" i="0" u="none" strike="noStrike" cap="none" dirty="0">
+                <a:solidFill>
+                  <a:srgbClr val="3F3F3F"/>
+                </a:solidFill>
+                <a:latin typeface="Trebuchet MS"/>
+                <a:ea typeface="Trebuchet MS"/>
+                <a:cs typeface="Trebuchet MS"/>
+                <a:sym typeface="Trebuchet MS"/>
+              </a:rPr>
+              <a:t>Acciones,</a:t>
+            </a:r>
+            <a:endParaRPr dirty="0"/>
+          </a:p>
+          <a:p>
+            <a:pPr marL="742950" marR="0" lvl="1" indent="-285750" algn="l" rtl="0">
+              <a:spcBef>
+                <a:spcPts val="1000"/>
+              </a:spcBef>
+              <a:spcAft>
+                <a:spcPts val="0"/>
+              </a:spcAft>
+              <a:buClr>
+                <a:schemeClr val="accent1"/>
+              </a:buClr>
+              <a:buSzPts val="1920"/>
+              <a:buFont typeface="Noto Sans Symbols"/>
+              <a:buChar char="▶"/>
+            </a:pPr>
+            <a:r>
+              <a:rPr lang="es-ES" sz="2400" b="0" i="1" u="none" strike="noStrike" cap="none" dirty="0" err="1">
+                <a:solidFill>
+                  <a:srgbClr val="3F3F3F"/>
+                </a:solidFill>
+                <a:latin typeface="Trebuchet MS"/>
+                <a:ea typeface="Trebuchet MS"/>
+                <a:cs typeface="Trebuchet MS"/>
+                <a:sym typeface="Trebuchet MS"/>
+              </a:rPr>
+              <a:t>Accesors</a:t>
+            </a:r>
+            <a:endParaRPr sz="2400" b="0" i="1" u="none" strike="noStrike" cap="none" dirty="0">
               <a:solidFill>
-                <a:srgbClr val="90C223"/>
+                <a:srgbClr val="3F3F3F"/>
               </a:solidFill>
-              <a:prstDash val="solid"/>
-              <a:round/>
-              <a:headEnd type="none" w="sm" len="sm"/>
-              <a:tailEnd type="none" w="sm" len="sm"/>
-            </a:ln>
-          </p:spPr>
-        </p:cxnSp>
-        <p:sp>
-          <p:nvSpPr>
-            <p:cNvPr id="363" name="Shape 363"/>
-            <p:cNvSpPr/>
-            <p:nvPr/>
-          </p:nvSpPr>
-          <p:spPr>
-            <a:xfrm>
-              <a:off x="0" y="0"/>
-              <a:ext cx="1922471" cy="1262129"/>
-            </a:xfrm>
-            <a:prstGeom prst="rect">
-              <a:avLst/>
-            </a:prstGeom>
-            <a:noFill/>
-            <a:ln>
-              <a:noFill/>
-            </a:ln>
-          </p:spPr>
-          <p:txBody>
-            <a:bodyPr spcFirstLastPara="1" wrap="square" lIns="91425" tIns="91425" rIns="91425" bIns="91425" anchor="ctr" anchorCtr="0">
-              <a:noAutofit/>
-            </a:bodyPr>
-            <a:lstStyle/>
-            <a:p>
-              <a:pPr marL="0" lvl="0" indent="0">
-                <a:spcBef>
-                  <a:spcPts val="0"/>
-                </a:spcBef>
-                <a:spcAft>
-                  <a:spcPts val="0"/>
-                </a:spcAft>
-                <a:buNone/>
-              </a:pPr>
-              <a:endParaRPr/>
-            </a:p>
-          </p:txBody>
-        </p:sp>
-        <p:sp>
-          <p:nvSpPr>
-            <p:cNvPr id="364" name="Shape 364"/>
-            <p:cNvSpPr txBox="1"/>
-            <p:nvPr/>
-          </p:nvSpPr>
-          <p:spPr>
-            <a:xfrm>
-              <a:off x="0" y="0"/>
-              <a:ext cx="1922471" cy="1262129"/>
-            </a:xfrm>
-            <a:prstGeom prst="rect">
-              <a:avLst/>
-            </a:prstGeom>
-            <a:noFill/>
-            <a:ln>
-              <a:noFill/>
-            </a:ln>
-          </p:spPr>
-          <p:txBody>
-            <a:bodyPr spcFirstLastPara="1" wrap="square" lIns="49525" tIns="49525" rIns="49525" bIns="49525" anchor="t" anchorCtr="0">
-              <a:noAutofit/>
-            </a:bodyPr>
-            <a:lstStyle/>
-            <a:p>
-              <a:pPr marL="0" marR="0" lvl="0" indent="0" algn="l" rtl="0">
-                <a:lnSpc>
-                  <a:spcPct val="90000"/>
-                </a:lnSpc>
-                <a:spcBef>
-                  <a:spcPts val="0"/>
-                </a:spcBef>
-                <a:spcAft>
-                  <a:spcPts val="0"/>
-                </a:spcAft>
-                <a:buNone/>
-              </a:pPr>
-              <a:r>
-                <a:rPr lang="es-ES" sz="1300" b="0" i="0" u="none" strike="noStrike" cap="none">
-                  <a:solidFill>
-                    <a:schemeClr val="dk1"/>
-                  </a:solidFill>
-                  <a:latin typeface="Trebuchet MS"/>
-                  <a:ea typeface="Trebuchet MS"/>
-                  <a:cs typeface="Trebuchet MS"/>
-                  <a:sym typeface="Trebuchet MS"/>
-                </a:rPr>
-                <a:t>verifyText</a:t>
-              </a:r>
-              <a:endParaRPr sz="1300" b="0" i="0" u="none" strike="noStrike" cap="none">
-                <a:solidFill>
-                  <a:schemeClr val="dk1"/>
-                </a:solidFill>
-                <a:latin typeface="Trebuchet MS"/>
-                <a:ea typeface="Trebuchet MS"/>
-                <a:cs typeface="Trebuchet MS"/>
-                <a:sym typeface="Trebuchet MS"/>
-              </a:endParaRPr>
-            </a:p>
-          </p:txBody>
-        </p:sp>
-        <p:sp>
-          <p:nvSpPr>
-            <p:cNvPr id="365" name="Shape 365"/>
-            <p:cNvSpPr/>
-            <p:nvPr/>
-          </p:nvSpPr>
-          <p:spPr>
-            <a:xfrm>
-              <a:off x="2066656" y="57313"/>
-              <a:ext cx="7545700" cy="1146269"/>
-            </a:xfrm>
-            <a:prstGeom prst="rect">
-              <a:avLst/>
-            </a:prstGeom>
-            <a:noFill/>
-            <a:ln>
-              <a:noFill/>
-            </a:ln>
-          </p:spPr>
-          <p:txBody>
-            <a:bodyPr spcFirstLastPara="1" wrap="square" lIns="91425" tIns="91425" rIns="91425" bIns="91425" anchor="ctr" anchorCtr="0">
-              <a:noAutofit/>
-            </a:bodyPr>
-            <a:lstStyle/>
-            <a:p>
-              <a:pPr marL="0" lvl="0" indent="0">
-                <a:spcBef>
-                  <a:spcPts val="0"/>
-                </a:spcBef>
-                <a:spcAft>
-                  <a:spcPts val="0"/>
-                </a:spcAft>
-                <a:buNone/>
-              </a:pPr>
-              <a:endParaRPr/>
-            </a:p>
-          </p:txBody>
-        </p:sp>
-        <p:sp>
-          <p:nvSpPr>
-            <p:cNvPr id="366" name="Shape 366"/>
-            <p:cNvSpPr txBox="1"/>
-            <p:nvPr/>
-          </p:nvSpPr>
-          <p:spPr>
-            <a:xfrm>
-              <a:off x="2066656" y="57313"/>
-              <a:ext cx="7545700" cy="1146269"/>
-            </a:xfrm>
-            <a:prstGeom prst="rect">
-              <a:avLst/>
-            </a:prstGeom>
-            <a:noFill/>
-            <a:ln>
-              <a:noFill/>
-            </a:ln>
-          </p:spPr>
-          <p:txBody>
-            <a:bodyPr spcFirstLastPara="1" wrap="square" lIns="72375" tIns="72375" rIns="72375" bIns="72375" anchor="t" anchorCtr="0">
-              <a:noAutofit/>
-            </a:bodyPr>
-            <a:lstStyle/>
-            <a:p>
-              <a:pPr marL="0" marR="0" lvl="0" indent="0" algn="l" rtl="0">
-                <a:lnSpc>
-                  <a:spcPct val="90000"/>
-                </a:lnSpc>
-                <a:spcBef>
-                  <a:spcPts val="0"/>
-                </a:spcBef>
-                <a:spcAft>
-                  <a:spcPts val="0"/>
-                </a:spcAft>
-                <a:buNone/>
-              </a:pPr>
-              <a:r>
-                <a:rPr lang="es-ES" sz="1900" b="0" i="0" u="none" strike="noStrike" cap="none">
-                  <a:solidFill>
-                    <a:schemeClr val="dk1"/>
-                  </a:solidFill>
-                  <a:latin typeface="Trebuchet MS"/>
-                  <a:ea typeface="Trebuchet MS"/>
-                  <a:cs typeface="Trebuchet MS"/>
-                  <a:sym typeface="Trebuchet MS"/>
-                </a:rPr>
-                <a:t>Verifica que un elemento html se despliegue con cierto texto en la pantalla</a:t>
-              </a:r>
-              <a:endParaRPr sz="1900" b="0" i="0" u="none" strike="noStrike" cap="none">
-                <a:solidFill>
-                  <a:schemeClr val="dk1"/>
-                </a:solidFill>
-                <a:latin typeface="Trebuchet MS"/>
-                <a:ea typeface="Trebuchet MS"/>
-                <a:cs typeface="Trebuchet MS"/>
-                <a:sym typeface="Trebuchet MS"/>
-              </a:endParaRPr>
-            </a:p>
-          </p:txBody>
-        </p:sp>
-        <p:cxnSp>
-          <p:nvCxnSpPr>
-            <p:cNvPr id="367" name="Shape 367"/>
-            <p:cNvCxnSpPr/>
-            <p:nvPr/>
-          </p:nvCxnSpPr>
-          <p:spPr>
-            <a:xfrm>
-              <a:off x="1922471" y="1203583"/>
-              <a:ext cx="7689885" cy="0"/>
-            </a:xfrm>
-            <a:prstGeom prst="straightConnector1">
-              <a:avLst/>
-            </a:prstGeom>
-            <a:solidFill>
-              <a:srgbClr val="90C223"/>
-            </a:solidFill>
-            <a:ln w="19050" cap="rnd" cmpd="sng">
-              <a:solidFill>
-                <a:srgbClr val="D1E3BB"/>
-              </a:solidFill>
-              <a:prstDash val="solid"/>
-              <a:round/>
-              <a:headEnd type="none" w="sm" len="sm"/>
-              <a:tailEnd type="none" w="sm" len="sm"/>
-            </a:ln>
-          </p:spPr>
-        </p:cxnSp>
-        <p:cxnSp>
-          <p:nvCxnSpPr>
-            <p:cNvPr id="368" name="Shape 368"/>
-            <p:cNvCxnSpPr/>
-            <p:nvPr/>
-          </p:nvCxnSpPr>
-          <p:spPr>
-            <a:xfrm>
-              <a:off x="0" y="1262129"/>
-              <a:ext cx="9612356" cy="0"/>
-            </a:xfrm>
-            <a:prstGeom prst="straightConnector1">
-              <a:avLst/>
-            </a:prstGeom>
-            <a:solidFill>
-              <a:srgbClr val="90C223"/>
-            </a:solidFill>
-            <a:ln w="19050" cap="rnd" cmpd="sng">
-              <a:solidFill>
-                <a:srgbClr val="90C223"/>
-              </a:solidFill>
-              <a:prstDash val="solid"/>
-              <a:round/>
-              <a:headEnd type="none" w="sm" len="sm"/>
-              <a:tailEnd type="none" w="sm" len="sm"/>
-            </a:ln>
-          </p:spPr>
-        </p:cxnSp>
-        <p:sp>
-          <p:nvSpPr>
-            <p:cNvPr id="369" name="Shape 369"/>
-            <p:cNvSpPr/>
-            <p:nvPr/>
-          </p:nvSpPr>
-          <p:spPr>
-            <a:xfrm>
-              <a:off x="0" y="1262129"/>
-              <a:ext cx="1922471" cy="1262129"/>
-            </a:xfrm>
-            <a:prstGeom prst="rect">
-              <a:avLst/>
-            </a:prstGeom>
-            <a:noFill/>
-            <a:ln>
-              <a:noFill/>
-            </a:ln>
-          </p:spPr>
-          <p:txBody>
-            <a:bodyPr spcFirstLastPara="1" wrap="square" lIns="91425" tIns="91425" rIns="91425" bIns="91425" anchor="ctr" anchorCtr="0">
-              <a:noAutofit/>
-            </a:bodyPr>
-            <a:lstStyle/>
-            <a:p>
-              <a:pPr marL="0" lvl="0" indent="0">
-                <a:spcBef>
-                  <a:spcPts val="0"/>
-                </a:spcBef>
-                <a:spcAft>
-                  <a:spcPts val="0"/>
-                </a:spcAft>
-                <a:buNone/>
-              </a:pPr>
-              <a:endParaRPr/>
-            </a:p>
-          </p:txBody>
-        </p:sp>
-        <p:sp>
-          <p:nvSpPr>
-            <p:cNvPr id="370" name="Shape 370"/>
-            <p:cNvSpPr txBox="1"/>
-            <p:nvPr/>
-          </p:nvSpPr>
-          <p:spPr>
-            <a:xfrm>
-              <a:off x="0" y="1262129"/>
-              <a:ext cx="1922471" cy="1262129"/>
-            </a:xfrm>
-            <a:prstGeom prst="rect">
-              <a:avLst/>
-            </a:prstGeom>
-            <a:noFill/>
-            <a:ln>
-              <a:noFill/>
-            </a:ln>
-          </p:spPr>
-          <p:txBody>
-            <a:bodyPr spcFirstLastPara="1" wrap="square" lIns="49525" tIns="49525" rIns="49525" bIns="49525" anchor="t" anchorCtr="0">
-              <a:noAutofit/>
-            </a:bodyPr>
-            <a:lstStyle/>
-            <a:p>
-              <a:pPr marL="0" marR="0" lvl="0" indent="0" algn="l" rtl="0">
-                <a:lnSpc>
-                  <a:spcPct val="90000"/>
-                </a:lnSpc>
-                <a:spcBef>
-                  <a:spcPts val="0"/>
-                </a:spcBef>
-                <a:spcAft>
-                  <a:spcPts val="0"/>
-                </a:spcAft>
-                <a:buNone/>
-              </a:pPr>
-              <a:r>
-                <a:rPr lang="es-ES" sz="1300" b="0" i="0" u="none" strike="noStrike" cap="none">
-                  <a:solidFill>
-                    <a:schemeClr val="dk1"/>
-                  </a:solidFill>
-                  <a:latin typeface="Trebuchet MS"/>
-                  <a:ea typeface="Trebuchet MS"/>
-                  <a:cs typeface="Trebuchet MS"/>
-                  <a:sym typeface="Trebuchet MS"/>
-                </a:rPr>
-                <a:t>verifyTable</a:t>
-              </a:r>
-              <a:endParaRPr sz="1300" b="0" i="0" u="none" strike="noStrike" cap="none">
-                <a:solidFill>
-                  <a:schemeClr val="dk1"/>
-                </a:solidFill>
-                <a:latin typeface="Trebuchet MS"/>
-                <a:ea typeface="Trebuchet MS"/>
-                <a:cs typeface="Trebuchet MS"/>
-                <a:sym typeface="Trebuchet MS"/>
-              </a:endParaRPr>
-            </a:p>
-          </p:txBody>
-        </p:sp>
-        <p:sp>
-          <p:nvSpPr>
-            <p:cNvPr id="371" name="Shape 371"/>
-            <p:cNvSpPr/>
-            <p:nvPr/>
-          </p:nvSpPr>
-          <p:spPr>
-            <a:xfrm>
-              <a:off x="2066656" y="1319442"/>
-              <a:ext cx="7545700" cy="1146269"/>
-            </a:xfrm>
-            <a:prstGeom prst="rect">
-              <a:avLst/>
-            </a:prstGeom>
-            <a:noFill/>
-            <a:ln>
-              <a:noFill/>
-            </a:ln>
-          </p:spPr>
-          <p:txBody>
-            <a:bodyPr spcFirstLastPara="1" wrap="square" lIns="91425" tIns="91425" rIns="91425" bIns="91425" anchor="ctr" anchorCtr="0">
-              <a:noAutofit/>
-            </a:bodyPr>
-            <a:lstStyle/>
-            <a:p>
-              <a:pPr marL="0" lvl="0" indent="0">
-                <a:spcBef>
-                  <a:spcPts val="0"/>
-                </a:spcBef>
-                <a:spcAft>
-                  <a:spcPts val="0"/>
-                </a:spcAft>
-                <a:buNone/>
-              </a:pPr>
-              <a:endParaRPr/>
-            </a:p>
-          </p:txBody>
-        </p:sp>
-        <p:sp>
-          <p:nvSpPr>
-            <p:cNvPr id="372" name="Shape 372"/>
-            <p:cNvSpPr txBox="1"/>
-            <p:nvPr/>
-          </p:nvSpPr>
-          <p:spPr>
-            <a:xfrm>
-              <a:off x="2066656" y="1319442"/>
-              <a:ext cx="7545700" cy="1146269"/>
-            </a:xfrm>
-            <a:prstGeom prst="rect">
-              <a:avLst/>
-            </a:prstGeom>
-            <a:noFill/>
-            <a:ln>
-              <a:noFill/>
-            </a:ln>
-          </p:spPr>
-          <p:txBody>
-            <a:bodyPr spcFirstLastPara="1" wrap="square" lIns="72375" tIns="72375" rIns="72375" bIns="72375" anchor="t" anchorCtr="0">
-              <a:noAutofit/>
-            </a:bodyPr>
-            <a:lstStyle/>
-            <a:p>
-              <a:pPr marL="0" marR="0" lvl="0" indent="0" algn="l" rtl="0">
-                <a:lnSpc>
-                  <a:spcPct val="90000"/>
-                </a:lnSpc>
-                <a:spcBef>
-                  <a:spcPts val="0"/>
-                </a:spcBef>
-                <a:spcAft>
-                  <a:spcPts val="0"/>
-                </a:spcAft>
-                <a:buNone/>
-              </a:pPr>
-              <a:r>
-                <a:rPr lang="es-ES" sz="1900" b="0" i="0" u="none" strike="noStrike" cap="none">
-                  <a:solidFill>
-                    <a:schemeClr val="dk1"/>
-                  </a:solidFill>
-                  <a:latin typeface="Trebuchet MS"/>
-                  <a:ea typeface="Trebuchet MS"/>
-                  <a:cs typeface="Trebuchet MS"/>
-                  <a:sym typeface="Trebuchet MS"/>
-                </a:rPr>
-                <a:t>Verifica que una tabla tenga la información esperada</a:t>
-              </a:r>
-              <a:endParaRPr sz="1900" b="0" i="0" u="none" strike="noStrike" cap="none">
-                <a:solidFill>
-                  <a:schemeClr val="dk1"/>
-                </a:solidFill>
-                <a:latin typeface="Trebuchet MS"/>
-                <a:ea typeface="Trebuchet MS"/>
-                <a:cs typeface="Trebuchet MS"/>
-                <a:sym typeface="Trebuchet MS"/>
-              </a:endParaRPr>
-            </a:p>
-          </p:txBody>
-        </p:sp>
-        <p:cxnSp>
-          <p:nvCxnSpPr>
-            <p:cNvPr id="373" name="Shape 373"/>
-            <p:cNvCxnSpPr/>
-            <p:nvPr/>
-          </p:nvCxnSpPr>
-          <p:spPr>
-            <a:xfrm>
-              <a:off x="1922471" y="2465712"/>
-              <a:ext cx="7689885" cy="0"/>
-            </a:xfrm>
-            <a:prstGeom prst="straightConnector1">
-              <a:avLst/>
-            </a:prstGeom>
-            <a:solidFill>
-              <a:srgbClr val="90C223"/>
-            </a:solidFill>
-            <a:ln w="19050" cap="rnd" cmpd="sng">
-              <a:solidFill>
-                <a:srgbClr val="D1E3BB"/>
-              </a:solidFill>
-              <a:prstDash val="solid"/>
-              <a:round/>
-              <a:headEnd type="none" w="sm" len="sm"/>
-              <a:tailEnd type="none" w="sm" len="sm"/>
-            </a:ln>
-          </p:spPr>
-        </p:cxnSp>
-        <p:cxnSp>
-          <p:nvCxnSpPr>
-            <p:cNvPr id="374" name="Shape 374"/>
-            <p:cNvCxnSpPr/>
-            <p:nvPr/>
-          </p:nvCxnSpPr>
-          <p:spPr>
-            <a:xfrm>
-              <a:off x="0" y="2524258"/>
-              <a:ext cx="9612356" cy="0"/>
-            </a:xfrm>
-            <a:prstGeom prst="straightConnector1">
-              <a:avLst/>
-            </a:prstGeom>
-            <a:solidFill>
-              <a:srgbClr val="90C223"/>
-            </a:solidFill>
-            <a:ln w="19050" cap="rnd" cmpd="sng">
-              <a:solidFill>
-                <a:srgbClr val="90C223"/>
-              </a:solidFill>
-              <a:prstDash val="solid"/>
-              <a:round/>
-              <a:headEnd type="none" w="sm" len="sm"/>
-              <a:tailEnd type="none" w="sm" len="sm"/>
-            </a:ln>
-          </p:spPr>
-        </p:cxnSp>
-        <p:sp>
-          <p:nvSpPr>
-            <p:cNvPr id="375" name="Shape 375"/>
-            <p:cNvSpPr/>
-            <p:nvPr/>
-          </p:nvSpPr>
-          <p:spPr>
-            <a:xfrm>
-              <a:off x="0" y="2524258"/>
-              <a:ext cx="1922471" cy="1262129"/>
-            </a:xfrm>
-            <a:prstGeom prst="rect">
-              <a:avLst/>
-            </a:prstGeom>
-            <a:noFill/>
-            <a:ln>
-              <a:noFill/>
-            </a:ln>
-          </p:spPr>
-          <p:txBody>
-            <a:bodyPr spcFirstLastPara="1" wrap="square" lIns="91425" tIns="91425" rIns="91425" bIns="91425" anchor="ctr" anchorCtr="0">
-              <a:noAutofit/>
-            </a:bodyPr>
-            <a:lstStyle/>
-            <a:p>
-              <a:pPr marL="0" lvl="0" indent="0">
-                <a:spcBef>
-                  <a:spcPts val="0"/>
-                </a:spcBef>
-                <a:spcAft>
-                  <a:spcPts val="0"/>
-                </a:spcAft>
-                <a:buNone/>
-              </a:pPr>
-              <a:endParaRPr/>
-            </a:p>
-          </p:txBody>
-        </p:sp>
-        <p:sp>
-          <p:nvSpPr>
-            <p:cNvPr id="376" name="Shape 376"/>
-            <p:cNvSpPr txBox="1"/>
-            <p:nvPr/>
-          </p:nvSpPr>
-          <p:spPr>
-            <a:xfrm>
-              <a:off x="0" y="2524258"/>
-              <a:ext cx="1922471" cy="1262129"/>
-            </a:xfrm>
-            <a:prstGeom prst="rect">
-              <a:avLst/>
-            </a:prstGeom>
-            <a:noFill/>
-            <a:ln>
-              <a:noFill/>
-            </a:ln>
-          </p:spPr>
-          <p:txBody>
-            <a:bodyPr spcFirstLastPara="1" wrap="square" lIns="49525" tIns="49525" rIns="49525" bIns="49525" anchor="t" anchorCtr="0">
-              <a:noAutofit/>
-            </a:bodyPr>
-            <a:lstStyle/>
-            <a:p>
-              <a:pPr marL="0" marR="0" lvl="0" indent="0" algn="l" rtl="0">
-                <a:lnSpc>
-                  <a:spcPct val="90000"/>
-                </a:lnSpc>
-                <a:spcBef>
-                  <a:spcPts val="0"/>
-                </a:spcBef>
-                <a:spcAft>
-                  <a:spcPts val="0"/>
-                </a:spcAft>
-                <a:buNone/>
-              </a:pPr>
-              <a:r>
-                <a:rPr lang="es-ES" sz="1300" b="0" i="0" u="none" strike="noStrike" cap="none">
-                  <a:solidFill>
-                    <a:schemeClr val="dk1"/>
-                  </a:solidFill>
-                  <a:latin typeface="Trebuchet MS"/>
-                  <a:ea typeface="Trebuchet MS"/>
-                  <a:cs typeface="Trebuchet MS"/>
-                  <a:sym typeface="Trebuchet MS"/>
-                </a:rPr>
-                <a:t>waitForPageToLoad</a:t>
-              </a:r>
-              <a:endParaRPr sz="1300" b="0" i="0" u="none" strike="noStrike" cap="none">
-                <a:solidFill>
-                  <a:schemeClr val="dk1"/>
-                </a:solidFill>
-                <a:latin typeface="Trebuchet MS"/>
-                <a:ea typeface="Trebuchet MS"/>
-                <a:cs typeface="Trebuchet MS"/>
-                <a:sym typeface="Trebuchet MS"/>
-              </a:endParaRPr>
-            </a:p>
-          </p:txBody>
-        </p:sp>
-        <p:sp>
-          <p:nvSpPr>
-            <p:cNvPr id="377" name="Shape 377"/>
-            <p:cNvSpPr/>
-            <p:nvPr/>
-          </p:nvSpPr>
-          <p:spPr>
-            <a:xfrm>
-              <a:off x="2066656" y="2581571"/>
-              <a:ext cx="7545700" cy="1146269"/>
-            </a:xfrm>
-            <a:prstGeom prst="rect">
-              <a:avLst/>
-            </a:prstGeom>
-            <a:noFill/>
-            <a:ln>
-              <a:noFill/>
-            </a:ln>
-          </p:spPr>
-          <p:txBody>
-            <a:bodyPr spcFirstLastPara="1" wrap="square" lIns="91425" tIns="91425" rIns="91425" bIns="91425" anchor="ctr" anchorCtr="0">
-              <a:noAutofit/>
-            </a:bodyPr>
-            <a:lstStyle/>
-            <a:p>
-              <a:pPr marL="0" lvl="0" indent="0">
-                <a:spcBef>
-                  <a:spcPts val="0"/>
-                </a:spcBef>
-                <a:spcAft>
-                  <a:spcPts val="0"/>
-                </a:spcAft>
-                <a:buNone/>
-              </a:pPr>
-              <a:endParaRPr/>
-            </a:p>
-          </p:txBody>
-        </p:sp>
-        <p:sp>
-          <p:nvSpPr>
-            <p:cNvPr id="378" name="Shape 378"/>
-            <p:cNvSpPr txBox="1"/>
-            <p:nvPr/>
-          </p:nvSpPr>
-          <p:spPr>
-            <a:xfrm>
-              <a:off x="2066656" y="2581571"/>
-              <a:ext cx="7545700" cy="1146269"/>
-            </a:xfrm>
-            <a:prstGeom prst="rect">
-              <a:avLst/>
-            </a:prstGeom>
-            <a:noFill/>
-            <a:ln>
-              <a:noFill/>
-            </a:ln>
-          </p:spPr>
-          <p:txBody>
-            <a:bodyPr spcFirstLastPara="1" wrap="square" lIns="72375" tIns="72375" rIns="72375" bIns="72375" anchor="t" anchorCtr="0">
-              <a:noAutofit/>
-            </a:bodyPr>
-            <a:lstStyle/>
-            <a:p>
-              <a:pPr marL="0" marR="0" lvl="0" indent="0" algn="l" rtl="0">
-                <a:lnSpc>
-                  <a:spcPct val="90000"/>
-                </a:lnSpc>
-                <a:spcBef>
-                  <a:spcPts val="0"/>
-                </a:spcBef>
-                <a:spcAft>
-                  <a:spcPts val="0"/>
-                </a:spcAft>
-                <a:buNone/>
-              </a:pPr>
-              <a:r>
-                <a:rPr lang="es-ES" sz="1900" b="0" i="0" u="none" strike="noStrike" cap="none">
-                  <a:solidFill>
-                    <a:schemeClr val="dk1"/>
-                  </a:solidFill>
-                  <a:latin typeface="Trebuchet MS"/>
-                  <a:ea typeface="Trebuchet MS"/>
-                  <a:cs typeface="Trebuchet MS"/>
-                  <a:sym typeface="Trebuchet MS"/>
-                </a:rPr>
-                <a:t>Pausa la ejecución hasta que una página se carga.  Se llama automáticamente al utilizar el comando clickAndWait</a:t>
-              </a:r>
-              <a:endParaRPr sz="1900" b="0" i="0" u="none" strike="noStrike" cap="none">
-                <a:solidFill>
-                  <a:schemeClr val="dk1"/>
-                </a:solidFill>
-                <a:latin typeface="Trebuchet MS"/>
-                <a:ea typeface="Trebuchet MS"/>
-                <a:cs typeface="Trebuchet MS"/>
-                <a:sym typeface="Trebuchet MS"/>
-              </a:endParaRPr>
-            </a:p>
-          </p:txBody>
-        </p:sp>
-        <p:cxnSp>
-          <p:nvCxnSpPr>
-            <p:cNvPr id="379" name="Shape 379"/>
-            <p:cNvCxnSpPr/>
-            <p:nvPr/>
-          </p:nvCxnSpPr>
-          <p:spPr>
-            <a:xfrm>
-              <a:off x="1922471" y="3727841"/>
-              <a:ext cx="7689885" cy="0"/>
-            </a:xfrm>
-            <a:prstGeom prst="straightConnector1">
-              <a:avLst/>
-            </a:prstGeom>
-            <a:solidFill>
-              <a:srgbClr val="90C223"/>
-            </a:solidFill>
-            <a:ln w="19050" cap="rnd" cmpd="sng">
-              <a:solidFill>
-                <a:srgbClr val="D1E3BB"/>
-              </a:solidFill>
-              <a:prstDash val="solid"/>
-              <a:round/>
-              <a:headEnd type="none" w="sm" len="sm"/>
-              <a:tailEnd type="none" w="sm" len="sm"/>
-            </a:ln>
-          </p:spPr>
-        </p:cxnSp>
-        <p:cxnSp>
-          <p:nvCxnSpPr>
-            <p:cNvPr id="380" name="Shape 380"/>
-            <p:cNvCxnSpPr/>
-            <p:nvPr/>
-          </p:nvCxnSpPr>
-          <p:spPr>
-            <a:xfrm>
-              <a:off x="0" y="3786387"/>
-              <a:ext cx="9612356" cy="0"/>
-            </a:xfrm>
-            <a:prstGeom prst="straightConnector1">
-              <a:avLst/>
-            </a:prstGeom>
-            <a:solidFill>
-              <a:srgbClr val="90C223"/>
-            </a:solidFill>
-            <a:ln w="19050" cap="rnd" cmpd="sng">
-              <a:solidFill>
-                <a:srgbClr val="90C223"/>
-              </a:solidFill>
-              <a:prstDash val="solid"/>
-              <a:round/>
-              <a:headEnd type="none" w="sm" len="sm"/>
-              <a:tailEnd type="none" w="sm" len="sm"/>
-            </a:ln>
-          </p:spPr>
-        </p:cxnSp>
-        <p:sp>
-          <p:nvSpPr>
-            <p:cNvPr id="381" name="Shape 381"/>
-            <p:cNvSpPr/>
-            <p:nvPr/>
-          </p:nvSpPr>
-          <p:spPr>
-            <a:xfrm>
-              <a:off x="0" y="3786387"/>
-              <a:ext cx="1922471" cy="1262129"/>
-            </a:xfrm>
-            <a:prstGeom prst="rect">
-              <a:avLst/>
-            </a:prstGeom>
-            <a:noFill/>
-            <a:ln>
-              <a:noFill/>
-            </a:ln>
-          </p:spPr>
-          <p:txBody>
-            <a:bodyPr spcFirstLastPara="1" wrap="square" lIns="91425" tIns="91425" rIns="91425" bIns="91425" anchor="ctr" anchorCtr="0">
-              <a:noAutofit/>
-            </a:bodyPr>
-            <a:lstStyle/>
-            <a:p>
-              <a:pPr marL="0" lvl="0" indent="0">
-                <a:spcBef>
-                  <a:spcPts val="0"/>
-                </a:spcBef>
-                <a:spcAft>
-                  <a:spcPts val="0"/>
-                </a:spcAft>
-                <a:buNone/>
-              </a:pPr>
-              <a:endParaRPr/>
-            </a:p>
-          </p:txBody>
-        </p:sp>
-        <p:sp>
-          <p:nvSpPr>
-            <p:cNvPr id="382" name="Shape 382"/>
-            <p:cNvSpPr txBox="1"/>
-            <p:nvPr/>
-          </p:nvSpPr>
-          <p:spPr>
-            <a:xfrm>
-              <a:off x="0" y="3786387"/>
-              <a:ext cx="1922471" cy="1262129"/>
-            </a:xfrm>
-            <a:prstGeom prst="rect">
-              <a:avLst/>
-            </a:prstGeom>
-            <a:noFill/>
-            <a:ln>
-              <a:noFill/>
-            </a:ln>
-          </p:spPr>
-          <p:txBody>
-            <a:bodyPr spcFirstLastPara="1" wrap="square" lIns="49525" tIns="49525" rIns="49525" bIns="49525" anchor="t" anchorCtr="0">
-              <a:noAutofit/>
-            </a:bodyPr>
-            <a:lstStyle/>
-            <a:p>
-              <a:pPr marL="0" marR="0" lvl="0" indent="0" algn="l" rtl="0">
-                <a:lnSpc>
-                  <a:spcPct val="90000"/>
-                </a:lnSpc>
-                <a:spcBef>
-                  <a:spcPts val="0"/>
-                </a:spcBef>
-                <a:spcAft>
-                  <a:spcPts val="0"/>
-                </a:spcAft>
-                <a:buNone/>
-              </a:pPr>
-              <a:r>
-                <a:rPr lang="es-ES" sz="1300" b="0" i="0" u="none" strike="noStrike" cap="none">
-                  <a:solidFill>
-                    <a:schemeClr val="dk1"/>
-                  </a:solidFill>
-                  <a:latin typeface="Trebuchet MS"/>
-                  <a:ea typeface="Trebuchet MS"/>
-                  <a:cs typeface="Trebuchet MS"/>
-                  <a:sym typeface="Trebuchet MS"/>
-                </a:rPr>
-                <a:t>waitForElementPresent</a:t>
-              </a:r>
-              <a:endParaRPr sz="1300" b="0" i="0" u="none" strike="noStrike" cap="none">
-                <a:solidFill>
-                  <a:schemeClr val="dk1"/>
-                </a:solidFill>
-                <a:latin typeface="Trebuchet MS"/>
-                <a:ea typeface="Trebuchet MS"/>
-                <a:cs typeface="Trebuchet MS"/>
-                <a:sym typeface="Trebuchet MS"/>
-              </a:endParaRPr>
-            </a:p>
-          </p:txBody>
-        </p:sp>
-        <p:sp>
-          <p:nvSpPr>
-            <p:cNvPr id="383" name="Shape 383"/>
-            <p:cNvSpPr/>
-            <p:nvPr/>
-          </p:nvSpPr>
-          <p:spPr>
-            <a:xfrm>
-              <a:off x="2066656" y="3843701"/>
-              <a:ext cx="7545700" cy="1146269"/>
-            </a:xfrm>
-            <a:prstGeom prst="rect">
-              <a:avLst/>
-            </a:prstGeom>
-            <a:noFill/>
-            <a:ln>
-              <a:noFill/>
-            </a:ln>
-          </p:spPr>
-          <p:txBody>
-            <a:bodyPr spcFirstLastPara="1" wrap="square" lIns="91425" tIns="91425" rIns="91425" bIns="91425" anchor="ctr" anchorCtr="0">
-              <a:noAutofit/>
-            </a:bodyPr>
-            <a:lstStyle/>
-            <a:p>
-              <a:pPr marL="0" lvl="0" indent="0">
-                <a:spcBef>
-                  <a:spcPts val="0"/>
-                </a:spcBef>
-                <a:spcAft>
-                  <a:spcPts val="0"/>
-                </a:spcAft>
-                <a:buNone/>
-              </a:pPr>
-              <a:endParaRPr/>
-            </a:p>
-          </p:txBody>
-        </p:sp>
-        <p:sp>
-          <p:nvSpPr>
-            <p:cNvPr id="384" name="Shape 384"/>
-            <p:cNvSpPr txBox="1"/>
-            <p:nvPr/>
-          </p:nvSpPr>
-          <p:spPr>
-            <a:xfrm>
-              <a:off x="2066656" y="3843701"/>
-              <a:ext cx="7545700" cy="1146269"/>
-            </a:xfrm>
-            <a:prstGeom prst="rect">
-              <a:avLst/>
-            </a:prstGeom>
-            <a:noFill/>
-            <a:ln>
-              <a:noFill/>
-            </a:ln>
-          </p:spPr>
-          <p:txBody>
-            <a:bodyPr spcFirstLastPara="1" wrap="square" lIns="72375" tIns="72375" rIns="72375" bIns="72375" anchor="t" anchorCtr="0">
-              <a:noAutofit/>
-            </a:bodyPr>
-            <a:lstStyle/>
-            <a:p>
-              <a:pPr marL="0" marR="0" lvl="0" indent="0" algn="l" rtl="0">
-                <a:lnSpc>
-                  <a:spcPct val="90000"/>
-                </a:lnSpc>
-                <a:spcBef>
-                  <a:spcPts val="0"/>
-                </a:spcBef>
-                <a:spcAft>
-                  <a:spcPts val="0"/>
-                </a:spcAft>
-                <a:buNone/>
-              </a:pPr>
-              <a:r>
-                <a:rPr lang="es-ES" sz="1900" b="0" i="0" u="none" strike="noStrike" cap="none">
-                  <a:solidFill>
-                    <a:schemeClr val="dk1"/>
-                  </a:solidFill>
-                  <a:latin typeface="Trebuchet MS"/>
-                  <a:ea typeface="Trebuchet MS"/>
-                  <a:cs typeface="Trebuchet MS"/>
-                  <a:sym typeface="Trebuchet MS"/>
-                </a:rPr>
-                <a:t>Pausa la ejecución hasta que un elemento html se carga.  </a:t>
-              </a:r>
-              <a:endParaRPr sz="1900" b="0" i="0" u="none" strike="noStrike" cap="none">
-                <a:solidFill>
-                  <a:schemeClr val="dk1"/>
-                </a:solidFill>
-                <a:latin typeface="Trebuchet MS"/>
-                <a:ea typeface="Trebuchet MS"/>
-                <a:cs typeface="Trebuchet MS"/>
-                <a:sym typeface="Trebuchet MS"/>
-              </a:endParaRPr>
-            </a:p>
-            <a:p>
-              <a:pPr marL="0" marR="0" lvl="0" indent="0" algn="l" rtl="0">
-                <a:lnSpc>
-                  <a:spcPct val="90000"/>
-                </a:lnSpc>
-                <a:spcBef>
-                  <a:spcPts val="665"/>
-                </a:spcBef>
-                <a:spcAft>
-                  <a:spcPts val="0"/>
-                </a:spcAft>
-                <a:buNone/>
-              </a:pPr>
-              <a:r>
-                <a:rPr lang="es-ES" sz="1900" b="0" i="0" u="none" strike="noStrike" cap="none">
-                  <a:solidFill>
-                    <a:schemeClr val="dk1"/>
-                  </a:solidFill>
-                  <a:latin typeface="Trebuchet MS"/>
-                  <a:ea typeface="Trebuchet MS"/>
-                  <a:cs typeface="Trebuchet MS"/>
-                  <a:sym typeface="Trebuchet MS"/>
-                </a:rPr>
-                <a:t>	</a:t>
-              </a:r>
-              <a:endParaRPr/>
-            </a:p>
-            <a:p>
-              <a:pPr marL="0" marR="0" lvl="0" indent="0" algn="l" rtl="0">
-                <a:lnSpc>
-                  <a:spcPct val="90000"/>
-                </a:lnSpc>
-                <a:spcBef>
-                  <a:spcPts val="665"/>
-                </a:spcBef>
-                <a:spcAft>
-                  <a:spcPts val="0"/>
-                </a:spcAft>
-                <a:buNone/>
-              </a:pPr>
-              <a:r>
-                <a:rPr lang="es-ES" sz="1900" b="0" i="0" u="none" strike="noStrike" cap="none">
-                  <a:solidFill>
-                    <a:schemeClr val="dk1"/>
-                  </a:solidFill>
-                  <a:latin typeface="Trebuchet MS"/>
-                  <a:ea typeface="Trebuchet MS"/>
-                  <a:cs typeface="Trebuchet MS"/>
-                  <a:sym typeface="Trebuchet MS"/>
-                </a:rPr>
-                <a:t>	</a:t>
-              </a:r>
-              <a:endParaRPr sz="1900" b="0" i="0" u="none" strike="noStrike" cap="none">
-                <a:solidFill>
-                  <a:schemeClr val="dk1"/>
-                </a:solidFill>
-                <a:latin typeface="Trebuchet MS"/>
-                <a:ea typeface="Trebuchet MS"/>
-                <a:cs typeface="Trebuchet MS"/>
-                <a:sym typeface="Trebuchet MS"/>
-              </a:endParaRPr>
-            </a:p>
-          </p:txBody>
-        </p:sp>
-        <p:cxnSp>
-          <p:nvCxnSpPr>
-            <p:cNvPr id="385" name="Shape 385"/>
-            <p:cNvCxnSpPr/>
-            <p:nvPr/>
-          </p:nvCxnSpPr>
-          <p:spPr>
-            <a:xfrm>
-              <a:off x="1922471" y="4989970"/>
-              <a:ext cx="7689885" cy="0"/>
-            </a:xfrm>
-            <a:prstGeom prst="straightConnector1">
-              <a:avLst/>
-            </a:prstGeom>
-            <a:solidFill>
-              <a:srgbClr val="90C223"/>
-            </a:solidFill>
-            <a:ln w="19050" cap="rnd" cmpd="sng">
-              <a:solidFill>
-                <a:srgbClr val="D1E3BB"/>
-              </a:solidFill>
-              <a:prstDash val="solid"/>
-              <a:round/>
-              <a:headEnd type="none" w="sm" len="sm"/>
-              <a:tailEnd type="none" w="sm" len="sm"/>
-            </a:ln>
-          </p:spPr>
-        </p:cxnSp>
-      </p:grpSp>
+              <a:latin typeface="Trebuchet MS"/>
+              <a:ea typeface="Trebuchet MS"/>
+              <a:cs typeface="Trebuchet MS"/>
+              <a:sym typeface="Trebuchet MS"/>
+            </a:endParaRPr>
+          </a:p>
+          <a:p>
+            <a:pPr marL="742950" marR="0" lvl="1" indent="-285750" algn="l" rtl="0">
+              <a:spcBef>
+                <a:spcPts val="1000"/>
+              </a:spcBef>
+              <a:spcAft>
+                <a:spcPts val="0"/>
+              </a:spcAft>
+              <a:buClr>
+                <a:schemeClr val="accent1"/>
+              </a:buClr>
+              <a:buSzPts val="1920"/>
+              <a:buFont typeface="Noto Sans Symbols"/>
+              <a:buChar char="▶"/>
+            </a:pPr>
+            <a:r>
+              <a:rPr lang="es-ES" sz="2400" b="0" i="0" u="none" strike="noStrike" cap="none" dirty="0">
+                <a:solidFill>
+                  <a:srgbClr val="3F3F3F"/>
+                </a:solidFill>
+                <a:latin typeface="Trebuchet MS"/>
+                <a:ea typeface="Trebuchet MS"/>
+                <a:cs typeface="Trebuchet MS"/>
+                <a:sym typeface="Trebuchet MS"/>
+              </a:rPr>
+              <a:t>Aserciones</a:t>
+            </a:r>
+            <a:endParaRPr dirty="0"/>
+          </a:p>
+        </p:txBody>
+      </p:sp>
     </p:spTree>
   </p:cSld>
   <p:clrMapOvr>
@@ -30801,6 +28367,159 @@
 </file>
 
 <file path=ppt/slides/slide21.xml><?xml version="1.0" encoding="utf-8"?>
+<p:sld xmlns:a="http://schemas.openxmlformats.org/drawingml/2006/main" xmlns:r="http://schemas.openxmlformats.org/officeDocument/2006/relationships" xmlns:p="http://schemas.openxmlformats.org/presentationml/2006/main">
+  <p:cSld>
+    <p:spTree>
+      <p:nvGrpSpPr>
+        <p:cNvPr id="1" name=""/>
+        <p:cNvGrpSpPr/>
+        <p:nvPr/>
+      </p:nvGrpSpPr>
+      <p:grpSpPr>
+        <a:xfrm>
+          <a:off x="0" y="0"/>
+          <a:ext cx="0" cy="0"/>
+          <a:chOff x="0" y="0"/>
+          <a:chExt cx="0" cy="0"/>
+        </a:xfrm>
+      </p:grpSpPr>
+      <p:sp>
+        <p:nvSpPr>
+          <p:cNvPr id="2" name="Título 1">
+            <a:extLst>
+              <a:ext uri="{FF2B5EF4-FFF2-40B4-BE49-F238E27FC236}">
+                <a16:creationId xmlns:a16="http://schemas.microsoft.com/office/drawing/2014/main" id="{95149664-78E0-4195-AFCE-8864F80AA529}"/>
+              </a:ext>
+            </a:extLst>
+          </p:cNvPr>
+          <p:cNvSpPr>
+            <a:spLocks noGrp="1"/>
+          </p:cNvSpPr>
+          <p:nvPr>
+            <p:ph type="title"/>
+          </p:nvPr>
+        </p:nvSpPr>
+        <p:spPr/>
+        <p:txBody>
+          <a:bodyPr/>
+          <a:lstStyle/>
+          <a:p>
+            <a:r>
+              <a:rPr lang="en-US" dirty="0" err="1"/>
+              <a:t>Comandos</a:t>
+            </a:r>
+            <a:r>
+              <a:rPr lang="en-US" dirty="0"/>
+              <a:t> mas </a:t>
+            </a:r>
+            <a:r>
+              <a:rPr lang="en-US" dirty="0" err="1"/>
+              <a:t>comunes</a:t>
+            </a:r>
+            <a:endParaRPr lang="en-US" dirty="0"/>
+          </a:p>
+        </p:txBody>
+      </p:sp>
+      <p:sp>
+        <p:nvSpPr>
+          <p:cNvPr id="3" name="Marcador de texto 2">
+            <a:extLst>
+              <a:ext uri="{FF2B5EF4-FFF2-40B4-BE49-F238E27FC236}">
+                <a16:creationId xmlns:a16="http://schemas.microsoft.com/office/drawing/2014/main" id="{0668F543-3298-4BF9-8D62-86FEAB1796B6}"/>
+              </a:ext>
+            </a:extLst>
+          </p:cNvPr>
+          <p:cNvSpPr>
+            <a:spLocks noGrp="1"/>
+          </p:cNvSpPr>
+          <p:nvPr>
+            <p:ph type="body" idx="1"/>
+          </p:nvPr>
+        </p:nvSpPr>
+        <p:spPr/>
+        <p:txBody>
+          <a:bodyPr/>
+          <a:lstStyle/>
+          <a:p>
+            <a:r>
+              <a:rPr lang="en-US" dirty="0"/>
+              <a:t>Open</a:t>
+            </a:r>
+          </a:p>
+          <a:p>
+            <a:r>
+              <a:rPr lang="en-US" dirty="0"/>
+              <a:t>Close</a:t>
+            </a:r>
+          </a:p>
+          <a:p>
+            <a:r>
+              <a:rPr lang="en-US" dirty="0"/>
+              <a:t>Click (at)</a:t>
+            </a:r>
+          </a:p>
+          <a:p>
+            <a:r>
+              <a:rPr lang="en-US" dirty="0"/>
+              <a:t>Select ( frame/window)</a:t>
+            </a:r>
+          </a:p>
+          <a:p>
+            <a:r>
+              <a:rPr lang="en-US" dirty="0"/>
+              <a:t>Type</a:t>
+            </a:r>
+          </a:p>
+          <a:p>
+            <a:r>
+              <a:rPr lang="en-US" dirty="0"/>
+              <a:t>Check (uncheck)</a:t>
+            </a:r>
+          </a:p>
+          <a:p>
+            <a:r>
+              <a:rPr lang="en-US" dirty="0"/>
+              <a:t>Verify/Assert (element present/not present/editable/not editable, </a:t>
+            </a:r>
+            <a:r>
+              <a:rPr lang="en-US" dirty="0" err="1"/>
+              <a:t>etc</a:t>
+            </a:r>
+            <a:r>
+              <a:rPr lang="en-US" dirty="0"/>
+              <a:t>)</a:t>
+            </a:r>
+          </a:p>
+          <a:p>
+            <a:r>
+              <a:rPr lang="en-US" dirty="0"/>
+              <a:t>Wait ( for element editable/not editable/present/not present/visible, </a:t>
+            </a:r>
+            <a:r>
+              <a:rPr lang="en-US" dirty="0" err="1"/>
+              <a:t>etc</a:t>
+            </a:r>
+            <a:r>
+              <a:rPr lang="en-US" dirty="0"/>
+              <a:t>)</a:t>
+            </a:r>
+          </a:p>
+        </p:txBody>
+      </p:sp>
+    </p:spTree>
+    <p:extLst>
+      <p:ext uri="{BB962C8B-B14F-4D97-AF65-F5344CB8AC3E}">
+        <p14:creationId xmlns:p14="http://schemas.microsoft.com/office/powerpoint/2010/main" val="3062358691"/>
+      </p:ext>
+    </p:extLst>
+  </p:cSld>
+  <p:clrMapOvr>
+    <a:masterClrMapping/>
+  </p:clrMapOvr>
+</p:sld>
+</file>
+
+<file path=ppt/slides/slide22.xml><?xml version="1.0" encoding="utf-8"?>
 <p:sld xmlns:a="http://schemas.openxmlformats.org/drawingml/2006/main" xmlns:r="http://schemas.openxmlformats.org/officeDocument/2006/relationships" xmlns:p="http://schemas.openxmlformats.org/presentationml/2006/main">
   <p:cSld>
     <p:spTree>
@@ -31019,7 +28738,7 @@
 </p:sld>
 </file>
 
-<file path=ppt/slides/slide22.xml><?xml version="1.0" encoding="utf-8"?>
+<file path=ppt/slides/slide23.xml><?xml version="1.0" encoding="utf-8"?>
 <p:sld xmlns:a="http://schemas.openxmlformats.org/drawingml/2006/main" xmlns:r="http://schemas.openxmlformats.org/officeDocument/2006/relationships" xmlns:p="http://schemas.openxmlformats.org/presentationml/2006/main">
   <p:cSld>
     <p:spTree>
@@ -31205,7 +28924,7 @@
 </p:sld>
 </file>
 
-<file path=ppt/slides/slide23.xml><?xml version="1.0" encoding="utf-8"?>
+<file path=ppt/slides/slide24.xml><?xml version="1.0" encoding="utf-8"?>
 <p:sld xmlns:a="http://schemas.openxmlformats.org/drawingml/2006/main" xmlns:r="http://schemas.openxmlformats.org/officeDocument/2006/relationships" xmlns:p="http://schemas.openxmlformats.org/presentationml/2006/main">
   <p:cSld>
     <p:spTree>
@@ -31319,7 +29038,7 @@
 </p:sld>
 </file>
 
-<file path=ppt/slides/slide24.xml><?xml version="1.0" encoding="utf-8"?>
+<file path=ppt/slides/slide25.xml><?xml version="1.0" encoding="utf-8"?>
 <p:sld xmlns:a="http://schemas.openxmlformats.org/drawingml/2006/main" xmlns:r="http://schemas.openxmlformats.org/officeDocument/2006/relationships" xmlns:p="http://schemas.openxmlformats.org/presentationml/2006/main">
   <p:cSld>
     <p:spTree>
@@ -31585,7 +29304,7 @@
 </p:sld>
 </file>
 
-<file path=ppt/slides/slide25.xml><?xml version="1.0" encoding="utf-8"?>
+<file path=ppt/slides/slide26.xml><?xml version="1.0" encoding="utf-8"?>
 <p:sld xmlns:a="http://schemas.openxmlformats.org/drawingml/2006/main" xmlns:r="http://schemas.openxmlformats.org/officeDocument/2006/relationships" xmlns:p="http://schemas.openxmlformats.org/presentationml/2006/main">
   <p:cSld>
     <p:spTree>
@@ -32542,7 +30261,7 @@
               <a:buChar char="▶"/>
             </a:pPr>
             <a:r>
-              <a:rPr lang="es-ES" sz="1800" b="0" i="0" u="none" strike="noStrike" cap="none">
+              <a:rPr lang="es-ES" sz="1800" b="0" i="0" u="none" strike="noStrike" cap="none" dirty="0">
                 <a:solidFill>
                   <a:srgbClr val="3F3F3F"/>
                 </a:solidFill>
@@ -32551,9 +30270,9 @@
                 <a:cs typeface="Trebuchet MS"/>
                 <a:sym typeface="Trebuchet MS"/>
               </a:rPr>
-              <a:t>La automatización de pruebas es el uso de software para:</a:t>
+              <a:t>Uso de un software/librería/script para:</a:t>
             </a:r>
-            <a:endParaRPr/>
+            <a:endParaRPr dirty="0"/>
           </a:p>
           <a:p>
             <a:pPr marL="742950" marR="0" lvl="1" indent="-285750" algn="l" rtl="0">
@@ -32571,7 +30290,7 @@
               <a:buChar char="▶"/>
             </a:pPr>
             <a:r>
-              <a:rPr lang="es-ES" sz="1600" b="0" i="0" u="none" strike="noStrike" cap="none">
+              <a:rPr lang="es-ES" sz="1600" b="0" i="0" u="none" strike="noStrike" cap="none" dirty="0">
                 <a:solidFill>
                   <a:srgbClr val="3F3F3F"/>
                 </a:solidFill>
@@ -32582,7 +30301,7 @@
               </a:rPr>
               <a:t>Configurar precondiciones,</a:t>
             </a:r>
-            <a:endParaRPr/>
+            <a:endParaRPr dirty="0"/>
           </a:p>
           <a:p>
             <a:pPr marL="742950" marR="0" lvl="1" indent="-285750" algn="l" rtl="0">
@@ -32600,7 +30319,7 @@
               <a:buChar char="▶"/>
             </a:pPr>
             <a:r>
-              <a:rPr lang="es-ES" sz="1600" b="0" i="0" u="none" strike="noStrike" cap="none">
+              <a:rPr lang="es-ES" sz="1600" b="0" i="0" u="none" strike="noStrike" cap="none" dirty="0">
                 <a:solidFill>
                   <a:srgbClr val="3F3F3F"/>
                 </a:solidFill>
@@ -32611,7 +30330,7 @@
               </a:rPr>
               <a:t>Controlar la ejecución de pruebas </a:t>
             </a:r>
-            <a:endParaRPr/>
+            <a:endParaRPr dirty="0"/>
           </a:p>
           <a:p>
             <a:pPr marL="742950" marR="0" lvl="1" indent="-285750" algn="l" rtl="0">
@@ -32629,7 +30348,7 @@
               <a:buChar char="▶"/>
             </a:pPr>
             <a:r>
-              <a:rPr lang="es-ES" sz="1600" b="0" i="0" u="none" strike="noStrike" cap="none">
+              <a:rPr lang="es-ES" sz="1600" b="0" i="0" u="none" strike="noStrike" cap="none" dirty="0">
                 <a:solidFill>
                   <a:srgbClr val="3F3F3F"/>
                 </a:solidFill>
@@ -32638,9 +30357,9 @@
                 <a:cs typeface="Trebuchet MS"/>
                 <a:sym typeface="Trebuchet MS"/>
               </a:rPr>
-              <a:t>Validar los resultados de la ejecución contra los resultados esperados,</a:t>
+              <a:t>Validar los resultados de la ejecución,</a:t>
             </a:r>
-            <a:endParaRPr/>
+            <a:endParaRPr dirty="0"/>
           </a:p>
           <a:p>
             <a:pPr marL="742950" marR="0" lvl="1" indent="-285750" algn="l" rtl="0">
@@ -32658,7 +30377,7 @@
               <a:buChar char="▶"/>
             </a:pPr>
             <a:r>
-              <a:rPr lang="es-ES" sz="1600" b="0" i="0" u="none" strike="noStrike" cap="none">
+              <a:rPr lang="es-ES" sz="1600" b="0" i="0" u="none" strike="noStrike" cap="none" dirty="0">
                 <a:solidFill>
                   <a:srgbClr val="3F3F3F"/>
                 </a:solidFill>
@@ -32667,9 +30386,9 @@
                 <a:cs typeface="Trebuchet MS"/>
                 <a:sym typeface="Trebuchet MS"/>
               </a:rPr>
-              <a:t>Reportar estatus de ejecución</a:t>
+              <a:t>Reportar estatus.</a:t>
             </a:r>
-            <a:endParaRPr/>
+            <a:endParaRPr lang="es-ES" dirty="0"/>
           </a:p>
           <a:p>
             <a:pPr marL="342900" marR="0" lvl="0" indent="-342900" algn="l" rtl="0">
@@ -32687,7 +30406,7 @@
               <a:buChar char="▶"/>
             </a:pPr>
             <a:r>
-              <a:rPr lang="es-ES" sz="2800" b="0" i="0" u="none" strike="noStrike" cap="none">
+              <a:rPr lang="es-ES" sz="2800" b="0" i="0" u="none" strike="noStrike" cap="none" dirty="0">
                 <a:solidFill>
                   <a:srgbClr val="3F3F3F"/>
                 </a:solidFill>
@@ -32696,17 +30415,8 @@
                 <a:cs typeface="Trebuchet MS"/>
                 <a:sym typeface="Trebuchet MS"/>
               </a:rPr>
-              <a:t>Por lo regular, la automatización de pruebas involucra la automatización de un proceso manual funcional en una organización que ya utiliza un proceso formal de pruebas.</a:t>
+              <a:t>Por lo regular involucra la automatización de un proceso manual funcional en una organización que ya utiliza un proceso formal de pruebas.</a:t>
             </a:r>
-            <a:endParaRPr sz="2800" b="0" i="0" u="none" strike="noStrike" cap="none">
-              <a:solidFill>
-                <a:srgbClr val="3F3F3F"/>
-              </a:solidFill>
-              <a:latin typeface="Trebuchet MS"/>
-              <a:ea typeface="Trebuchet MS"/>
-              <a:cs typeface="Trebuchet MS"/>
-              <a:sym typeface="Trebuchet MS"/>
-            </a:endParaRPr>
           </a:p>
         </p:txBody>
       </p:sp>
@@ -32845,7 +30555,7 @@
               <a:buChar char="▶"/>
             </a:pPr>
             <a:r>
-              <a:rPr lang="es-ES" sz="2400" b="0" i="0" u="none" strike="noStrike" cap="none">
+              <a:rPr lang="es-ES" sz="2400" b="0" i="0" u="none" strike="noStrike" cap="none" dirty="0">
                 <a:solidFill>
                   <a:srgbClr val="3F3F3F"/>
                 </a:solidFill>
@@ -32856,7 +30566,7 @@
               </a:rPr>
               <a:t>Las pruebas de regresión son frecuentes,</a:t>
             </a:r>
-            <a:endParaRPr/>
+            <a:endParaRPr dirty="0"/>
           </a:p>
           <a:p>
             <a:pPr marL="342900" marR="0" lvl="0" indent="-342900" algn="l" rtl="0">
@@ -32874,7 +30584,7 @@
               <a:buChar char="▶"/>
             </a:pPr>
             <a:r>
-              <a:rPr lang="es-ES" sz="2400" b="0" i="0" u="none" strike="noStrike" cap="none">
+              <a:rPr lang="es-ES" sz="2400" b="0" i="0" u="none" strike="noStrike" cap="none" dirty="0">
                 <a:solidFill>
                   <a:srgbClr val="3F3F3F"/>
                 </a:solidFill>
@@ -32885,7 +30595,7 @@
               </a:rPr>
               <a:t>Repetición de un mismo caso de prueba con variantes,</a:t>
             </a:r>
-            <a:endParaRPr/>
+            <a:endParaRPr dirty="0"/>
           </a:p>
           <a:p>
             <a:pPr marL="342900" marR="0" lvl="0" indent="-342900" algn="l" rtl="0">
@@ -32903,7 +30613,7 @@
               <a:buChar char="▶"/>
             </a:pPr>
             <a:r>
-              <a:rPr lang="es-ES" sz="2400" b="0" i="0" u="none" strike="noStrike" cap="none">
+              <a:rPr lang="es-ES" sz="2400" b="0" i="0" u="none" strike="noStrike" cap="none" dirty="0">
                 <a:solidFill>
                   <a:srgbClr val="3F3F3F"/>
                 </a:solidFill>
@@ -32914,7 +30624,7 @@
               </a:rPr>
               <a:t>Pruebas de aceptación de usuario,</a:t>
             </a:r>
-            <a:endParaRPr/>
+            <a:endParaRPr dirty="0"/>
           </a:p>
           <a:p>
             <a:pPr marL="342900" marR="0" lvl="0" indent="-342900" algn="l" rtl="0">
@@ -32932,7 +30642,7 @@
               <a:buChar char="▶"/>
             </a:pPr>
             <a:r>
-              <a:rPr lang="es-ES" sz="2400" b="0" i="0" u="none" strike="noStrike" cap="none">
+              <a:rPr lang="es-ES" sz="2400" b="0" i="0" u="none" strike="noStrike" cap="none" dirty="0">
                 <a:solidFill>
                   <a:srgbClr val="3F3F3F"/>
                 </a:solidFill>
@@ -32943,7 +30653,7 @@
               </a:rPr>
               <a:t>Proveer una retroalimentación más rápida a los desarrolladores,</a:t>
             </a:r>
-            <a:endParaRPr/>
+            <a:endParaRPr dirty="0"/>
           </a:p>
           <a:p>
             <a:pPr marL="342900" marR="0" lvl="0" indent="-342900" algn="l" rtl="0">
@@ -32961,7 +30671,7 @@
               <a:buChar char="▶"/>
             </a:pPr>
             <a:r>
-              <a:rPr lang="es-ES" sz="2400" b="0" i="0" u="none" strike="noStrike" cap="none">
+              <a:rPr lang="es-ES" sz="2400" b="0" i="0" u="none" strike="noStrike" cap="none" dirty="0">
                 <a:solidFill>
                   <a:srgbClr val="3F3F3F"/>
                 </a:solidFill>
@@ -32972,7 +30682,7 @@
               </a:rPr>
               <a:t>Reducir el esfuerzo humano,</a:t>
             </a:r>
-            <a:endParaRPr/>
+            <a:endParaRPr dirty="0"/>
           </a:p>
           <a:p>
             <a:pPr marL="342900" marR="0" lvl="0" indent="-342900" algn="l" rtl="0">
@@ -32990,7 +30700,7 @@
               <a:buChar char="▶"/>
             </a:pPr>
             <a:r>
-              <a:rPr lang="es-ES" sz="2400" b="0" i="0" u="none" strike="noStrike" cap="none">
+              <a:rPr lang="es-ES" sz="2400" b="0" i="0" u="none" strike="noStrike" cap="none" dirty="0">
                 <a:solidFill>
                   <a:srgbClr val="3F3F3F"/>
                 </a:solidFill>
@@ -33001,7 +30711,7 @@
               </a:rPr>
               <a:t>Probar la aplicación en varios ambientes</a:t>
             </a:r>
-            <a:endParaRPr sz="2400" b="0" i="0" u="none" strike="noStrike" cap="none">
+            <a:endParaRPr sz="2400" b="0" i="0" u="none" strike="noStrike" cap="none" dirty="0">
               <a:solidFill>
                 <a:srgbClr val="3F3F3F"/>
               </a:solidFill>
@@ -34613,10 +32323,18 @@
               <a:buNone/>
             </a:pPr>
             <a:r>
-              <a:rPr lang="es-ES"/>
-              <a:t>Aplicacion de Prueba</a:t>
+              <a:rPr lang="es-ES" dirty="0"/>
+              <a:t>Análisis de la </a:t>
             </a:r>
-            <a:endParaRPr/>
+            <a:r>
+              <a:rPr lang="es-ES" dirty="0" err="1"/>
+              <a:t>Aplicacion</a:t>
+            </a:r>
+            <a:r>
+              <a:rPr lang="es-ES" dirty="0"/>
+              <a:t> de Prueba</a:t>
+            </a:r>
+            <a:endParaRPr dirty="0"/>
           </a:p>
         </p:txBody>
       </p:sp>
@@ -34674,7 +32392,7 @@
         </p:blipFill>
         <p:spPr>
           <a:xfrm>
-            <a:off x="2672375" y="1297049"/>
+            <a:off x="1532688" y="1270050"/>
             <a:ext cx="6069075" cy="5177551"/>
           </a:xfrm>
           <a:prstGeom prst="rect">
@@ -34699,7 +32417,7 @@
   <p:cSld>
     <p:spTree>
       <p:nvGrpSpPr>
-        <p:cNvPr id="1" name="Shape 245"/>
+        <p:cNvPr id="1" name=""/>
         <p:cNvGrpSpPr/>
         <p:nvPr/>
       </p:nvGrpSpPr>
@@ -34713,103 +32431,127 @@
       </p:grpSpPr>
       <p:sp>
         <p:nvSpPr>
-          <p:cNvPr id="246" name="Shape 246"/>
-          <p:cNvSpPr txBox="1">
+          <p:cNvPr id="2" name="Título 1">
+            <a:extLst>
+              <a:ext uri="{FF2B5EF4-FFF2-40B4-BE49-F238E27FC236}">
+                <a16:creationId xmlns:a16="http://schemas.microsoft.com/office/drawing/2014/main" id="{DC0ED71B-E913-4A3A-980A-A0BF91D140FF}"/>
+              </a:ext>
+            </a:extLst>
+          </p:cNvPr>
+          <p:cNvSpPr>
             <a:spLocks noGrp="1"/>
           </p:cNvSpPr>
           <p:nvPr>
             <p:ph type="title"/>
           </p:nvPr>
         </p:nvSpPr>
-        <p:spPr>
-          <a:xfrm>
-            <a:off x="677334" y="609600"/>
-            <a:ext cx="8596800" cy="1320900"/>
-          </a:xfrm>
-          <a:prstGeom prst="rect">
-            <a:avLst/>
-          </a:prstGeom>
-        </p:spPr>
+        <p:spPr/>
         <p:txBody>
-          <a:bodyPr spcFirstLastPara="1" wrap="square" lIns="91425" tIns="91425" rIns="91425" bIns="91425" anchor="t" anchorCtr="0">
-            <a:noAutofit/>
-          </a:bodyPr>
+          <a:bodyPr/>
           <a:lstStyle/>
           <a:p>
-            <a:pPr marL="0" lvl="0" indent="0">
-              <a:spcBef>
-                <a:spcPts val="0"/>
-              </a:spcBef>
-              <a:spcAft>
-                <a:spcPts val="0"/>
-              </a:spcAft>
-              <a:buNone/>
-            </a:pPr>
             <a:r>
-              <a:rPr lang="es-ES"/>
-              <a:t>Ejercicio:</a:t>
+              <a:rPr lang="en-US" dirty="0" err="1"/>
+              <a:t>Ejercicio</a:t>
             </a:r>
-            <a:endParaRPr/>
+            <a:r>
+              <a:rPr lang="en-US" dirty="0"/>
+              <a:t>:</a:t>
+            </a:r>
           </a:p>
         </p:txBody>
       </p:sp>
-      <p:pic>
-        <p:nvPicPr>
-          <p:cNvPr id="247" name="Shape 247"/>
-          <p:cNvPicPr preferRelativeResize="0"/>
-          <p:nvPr/>
-        </p:nvPicPr>
-        <p:blipFill>
-          <a:blip r:embed="rId3">
-            <a:alphaModFix/>
-          </a:blip>
-          <a:stretch>
-            <a:fillRect/>
-          </a:stretch>
-        </p:blipFill>
-        <p:spPr>
-          <a:xfrm>
-            <a:off x="569825" y="1752450"/>
-            <a:ext cx="4975800" cy="4160926"/>
-          </a:xfrm>
-          <a:prstGeom prst="rect">
-            <a:avLst/>
-          </a:prstGeom>
-          <a:noFill/>
-          <a:ln>
-            <a:noFill/>
-          </a:ln>
-        </p:spPr>
-      </p:pic>
-      <p:pic>
-        <p:nvPicPr>
-          <p:cNvPr id="248" name="Shape 248"/>
-          <p:cNvPicPr preferRelativeResize="0"/>
-          <p:nvPr/>
-        </p:nvPicPr>
-        <p:blipFill>
-          <a:blip r:embed="rId4">
-            <a:alphaModFix/>
-          </a:blip>
-          <a:stretch>
-            <a:fillRect/>
-          </a:stretch>
-        </p:blipFill>
-        <p:spPr>
-          <a:xfrm>
-            <a:off x="4493621" y="1752450"/>
-            <a:ext cx="8019527" cy="4282674"/>
-          </a:xfrm>
-          <a:prstGeom prst="rect">
-            <a:avLst/>
-          </a:prstGeom>
-          <a:noFill/>
-          <a:ln>
-            <a:noFill/>
-          </a:ln>
-        </p:spPr>
-      </p:pic>
+      <p:sp>
+        <p:nvSpPr>
+          <p:cNvPr id="3" name="Marcador de texto 2">
+            <a:extLst>
+              <a:ext uri="{FF2B5EF4-FFF2-40B4-BE49-F238E27FC236}">
+                <a16:creationId xmlns:a16="http://schemas.microsoft.com/office/drawing/2014/main" id="{00092898-4592-4BEB-B301-838960B791C9}"/>
+              </a:ext>
+            </a:extLst>
+          </p:cNvPr>
+          <p:cNvSpPr>
+            <a:spLocks noGrp="1"/>
+          </p:cNvSpPr>
+          <p:nvPr>
+            <p:ph type="body" idx="1"/>
+          </p:nvPr>
+        </p:nvSpPr>
+        <p:spPr/>
+        <p:txBody>
+          <a:bodyPr/>
+          <a:lstStyle/>
+          <a:p>
+            <a:r>
+              <a:rPr lang="en-US" sz="2800" dirty="0" err="1"/>
+              <a:t>Haga</a:t>
+            </a:r>
+            <a:r>
+              <a:rPr lang="en-US" sz="2800" dirty="0"/>
+              <a:t> un </a:t>
+            </a:r>
+            <a:r>
+              <a:rPr lang="en-US" sz="2800" dirty="0" err="1"/>
+              <a:t>listado</a:t>
+            </a:r>
+            <a:r>
+              <a:rPr lang="en-US" sz="2800" dirty="0"/>
+              <a:t> de los </a:t>
+            </a:r>
+            <a:r>
+              <a:rPr lang="en-US" sz="2800" dirty="0" err="1"/>
+              <a:t>procesos</a:t>
+            </a:r>
+            <a:r>
+              <a:rPr lang="en-US" sz="2800" dirty="0"/>
+              <a:t> de </a:t>
+            </a:r>
+            <a:r>
+              <a:rPr lang="en-US" sz="2800" dirty="0" err="1"/>
+              <a:t>negocio</a:t>
+            </a:r>
+            <a:r>
+              <a:rPr lang="en-US" sz="2800" dirty="0"/>
+              <a:t> de la </a:t>
+            </a:r>
+            <a:r>
+              <a:rPr lang="en-US" sz="2800" dirty="0" err="1"/>
+              <a:t>aplicacion</a:t>
+            </a:r>
+            <a:r>
+              <a:rPr lang="en-US" sz="2800" dirty="0"/>
+              <a:t>:</a:t>
+            </a:r>
+          </a:p>
+          <a:p>
+            <a:pPr lvl="1"/>
+            <a:r>
+              <a:rPr lang="en-US" sz="2800" dirty="0"/>
+              <a:t>Login</a:t>
+            </a:r>
+          </a:p>
+          <a:p>
+            <a:pPr lvl="1"/>
+            <a:r>
+              <a:rPr lang="en-US" sz="2800" dirty="0"/>
+              <a:t>Logout</a:t>
+            </a:r>
+          </a:p>
+          <a:p>
+            <a:pPr lvl="1"/>
+            <a:r>
+              <a:rPr lang="en-US" sz="2800" dirty="0"/>
+              <a:t>…</a:t>
+            </a:r>
+          </a:p>
+        </p:txBody>
+      </p:sp>
     </p:spTree>
+    <p:extLst>
+      <p:ext uri="{BB962C8B-B14F-4D97-AF65-F5344CB8AC3E}">
+        <p14:creationId xmlns:p14="http://schemas.microsoft.com/office/powerpoint/2010/main" val="1458535997"/>
+      </p:ext>
+    </p:extLst>
   </p:cSld>
   <p:clrMapOvr>
     <a:masterClrMapping/>

--- a/presentaciones/Selenium, session 1.pptx
+++ b/presentaciones/Selenium, session 1.pptx
@@ -5,7 +5,7 @@
     <p:sldMasterId id="2147483664" r:id="rId1"/>
   </p:sldMasterIdLst>
   <p:notesMasterIdLst>
-    <p:notesMasterId r:id="rId28"/>
+    <p:notesMasterId r:id="rId33"/>
   </p:notesMasterIdLst>
   <p:sldIdLst>
     <p:sldId id="256" r:id="rId2"/>
@@ -24,16 +24,21 @@
     <p:sldId id="267" r:id="rId15"/>
     <p:sldId id="268" r:id="rId16"/>
     <p:sldId id="269" r:id="rId17"/>
-    <p:sldId id="270" r:id="rId18"/>
-    <p:sldId id="271" r:id="rId19"/>
-    <p:sldId id="272" r:id="rId20"/>
-    <p:sldId id="273" r:id="rId21"/>
-    <p:sldId id="283" r:id="rId22"/>
-    <p:sldId id="276" r:id="rId23"/>
-    <p:sldId id="278" r:id="rId24"/>
-    <p:sldId id="277" r:id="rId25"/>
-    <p:sldId id="279" r:id="rId26"/>
-    <p:sldId id="280" r:id="rId27"/>
+    <p:sldId id="284" r:id="rId18"/>
+    <p:sldId id="270" r:id="rId19"/>
+    <p:sldId id="271" r:id="rId20"/>
+    <p:sldId id="272" r:id="rId21"/>
+    <p:sldId id="273" r:id="rId22"/>
+    <p:sldId id="283" r:id="rId23"/>
+    <p:sldId id="285" r:id="rId24"/>
+    <p:sldId id="286" r:id="rId25"/>
+    <p:sldId id="287" r:id="rId26"/>
+    <p:sldId id="288" r:id="rId27"/>
+    <p:sldId id="276" r:id="rId28"/>
+    <p:sldId id="278" r:id="rId29"/>
+    <p:sldId id="277" r:id="rId30"/>
+    <p:sldId id="279" r:id="rId31"/>
+    <p:sldId id="280" r:id="rId32"/>
   </p:sldIdLst>
   <p:sldSz cx="12192000" cy="6858000"/>
   <p:notesSz cx="6858000" cy="9144000"/>
@@ -2641,8 +2646,8 @@
         </p:nvSpPr>
         <p:spPr>
           <a:xfrm>
-            <a:off x="1143225" y="685800"/>
-            <a:ext cx="4572225" cy="3429000"/>
+            <a:off x="381000" y="685800"/>
+            <a:ext cx="6096000" cy="3429000"/>
           </a:xfrm>
           <a:custGeom>
             <a:avLst/>
@@ -23769,7 +23774,7 @@
               <a:buNone/>
             </a:pPr>
             <a:r>
-              <a:rPr lang="es-ES" sz="5400" b="0" i="0" u="none" strike="noStrike" cap="none">
+              <a:rPr lang="es-ES" sz="5400" b="0" i="0" u="none" strike="noStrike" cap="none" dirty="0">
                 <a:solidFill>
                   <a:schemeClr val="accent1"/>
                 </a:solidFill>
@@ -23780,7 +23785,7 @@
               </a:rPr>
               <a:t>Selenium </a:t>
             </a:r>
-            <a:endParaRPr sz="5400" b="0" i="0" u="none" strike="noStrike" cap="none">
+            <a:endParaRPr sz="5400" b="0" i="0" u="none" strike="noStrike" cap="none" dirty="0">
               <a:solidFill>
                 <a:schemeClr val="accent1"/>
               </a:solidFill>
@@ -24069,7 +24074,7 @@
             </a:pPr>
             <a:r>
               <a:rPr lang="es-ES" dirty="0"/>
-              <a:t>Localización de Elementos de la Pagina </a:t>
+              <a:t>Localización de Elementos de la pagina </a:t>
             </a:r>
             <a:endParaRPr dirty="0"/>
           </a:p>
@@ -24164,31 +24169,7 @@
             </a:pPr>
             <a:r>
               <a:rPr lang="es-ES" sz="3200" dirty="0"/>
-              <a:t>Repaso HTML: DOM (</a:t>
-            </a:r>
-            <a:r>
-              <a:rPr lang="es-ES" sz="3200" dirty="0" err="1"/>
-              <a:t>Document</a:t>
-            </a:r>
-            <a:r>
-              <a:rPr lang="es-ES" sz="3200" dirty="0"/>
-              <a:t> </a:t>
-            </a:r>
-            <a:r>
-              <a:rPr lang="es-ES" sz="3200" dirty="0" err="1"/>
-              <a:t>Object</a:t>
-            </a:r>
-            <a:r>
-              <a:rPr lang="es-ES" sz="3200" dirty="0"/>
-              <a:t> </a:t>
-            </a:r>
-            <a:r>
-              <a:rPr lang="es-ES" sz="3200" dirty="0" err="1"/>
-              <a:t>Model</a:t>
-            </a:r>
-            <a:r>
-              <a:rPr lang="es-ES" sz="3200" dirty="0"/>
-              <a:t>)</a:t>
+              <a:t>Repaso HTML: DOM (Document Object Model)</a:t>
             </a:r>
             <a:endParaRPr sz="3200" dirty="0"/>
           </a:p>
@@ -24209,7 +24190,7 @@
         </p:blipFill>
         <p:spPr>
           <a:xfrm>
-            <a:off x="677334" y="1124276"/>
+            <a:off x="1094429" y="1429076"/>
             <a:ext cx="8345100" cy="5256000"/>
           </a:xfrm>
           <a:prstGeom prst="rect">
@@ -24268,20 +24249,8 @@
           <a:lstStyle/>
           <a:p>
             <a:r>
-              <a:rPr lang="en-US" dirty="0" err="1"/>
-              <a:t>Estructura</a:t>
-            </a:r>
-            <a:r>
               <a:rPr lang="en-US" dirty="0"/>
-              <a:t> </a:t>
-            </a:r>
-            <a:r>
-              <a:rPr lang="en-US" dirty="0" err="1"/>
-              <a:t>archivos</a:t>
-            </a:r>
-            <a:r>
-              <a:rPr lang="en-US" dirty="0"/>
-              <a:t> HTML</a:t>
+              <a:t>Estructura archivos HTML</a:t>
             </a:r>
           </a:p>
         </p:txBody>
@@ -24351,26 +24320,14 @@
           </a:p>
           <a:p>
             <a:r>
-              <a:rPr lang="en-US" dirty="0" err="1"/>
-              <a:t>Estructura</a:t>
-            </a:r>
-            <a:r>
               <a:rPr lang="en-US" dirty="0"/>
-              <a:t> de arbol</a:t>
+              <a:t>Estructura de arbol</a:t>
             </a:r>
           </a:p>
           <a:p>
             <a:r>
               <a:rPr lang="en-US" dirty="0"/>
-              <a:t>C es la </a:t>
-            </a:r>
-            <a:r>
-              <a:rPr lang="en-US" dirty="0" err="1"/>
-              <a:t>raiz</a:t>
-            </a:r>
-            <a:r>
-              <a:rPr lang="en-US" dirty="0"/>
-              <a:t>, o ‘/’</a:t>
+              <a:t>C es la raiz, o ‘/’</a:t>
             </a:r>
           </a:p>
           <a:p>
@@ -25678,6 +25635,111 @@
   <p:cSld>
     <p:spTree>
       <p:nvGrpSpPr>
+        <p:cNvPr id="1" name=""/>
+        <p:cNvGrpSpPr/>
+        <p:nvPr/>
+      </p:nvGrpSpPr>
+      <p:grpSpPr>
+        <a:xfrm>
+          <a:off x="0" y="0"/>
+          <a:ext cx="0" cy="0"/>
+          <a:chOff x="0" y="0"/>
+          <a:chExt cx="0" cy="0"/>
+        </a:xfrm>
+      </p:grpSpPr>
+      <p:sp>
+        <p:nvSpPr>
+          <p:cNvPr id="2" name="Título 1">
+            <a:extLst>
+              <a:ext uri="{FF2B5EF4-FFF2-40B4-BE49-F238E27FC236}">
+                <a16:creationId xmlns:a16="http://schemas.microsoft.com/office/drawing/2014/main" id="{C203BA8D-90B7-45B7-B21F-58E5EC3BD6B6}"/>
+              </a:ext>
+            </a:extLst>
+          </p:cNvPr>
+          <p:cNvSpPr>
+            <a:spLocks noGrp="1"/>
+          </p:cNvSpPr>
+          <p:nvPr>
+            <p:ph type="title"/>
+          </p:nvPr>
+        </p:nvSpPr>
+        <p:spPr/>
+        <p:txBody>
+          <a:bodyPr/>
+          <a:lstStyle/>
+          <a:p>
+            <a:r>
+              <a:rPr lang="en-US" dirty="0" err="1"/>
+              <a:t>Ejercicio</a:t>
+            </a:r>
+            <a:r>
+              <a:rPr lang="en-US" dirty="0"/>
+              <a:t>: </a:t>
+            </a:r>
+            <a:r>
+              <a:rPr lang="en-US" dirty="0" err="1"/>
+              <a:t>Identificar</a:t>
+            </a:r>
+            <a:r>
+              <a:rPr lang="en-US" dirty="0"/>
+              <a:t> </a:t>
+            </a:r>
+            <a:r>
+              <a:rPr lang="en-US" dirty="0" err="1"/>
+              <a:t>elementos</a:t>
+            </a:r>
+            <a:endParaRPr lang="en-US" dirty="0"/>
+          </a:p>
+        </p:txBody>
+      </p:sp>
+      <p:pic>
+        <p:nvPicPr>
+          <p:cNvPr id="4" name="Imagen 3">
+            <a:extLst>
+              <a:ext uri="{FF2B5EF4-FFF2-40B4-BE49-F238E27FC236}">
+                <a16:creationId xmlns:a16="http://schemas.microsoft.com/office/drawing/2014/main" id="{FB6C498A-3576-48B0-842C-A07B8C18674E}"/>
+              </a:ext>
+            </a:extLst>
+          </p:cNvPr>
+          <p:cNvPicPr>
+            <a:picLocks noChangeAspect="1"/>
+          </p:cNvPicPr>
+          <p:nvPr/>
+        </p:nvPicPr>
+        <p:blipFill>
+          <a:blip r:embed="rId2"/>
+          <a:stretch>
+            <a:fillRect/>
+          </a:stretch>
+        </p:blipFill>
+        <p:spPr>
+          <a:xfrm>
+            <a:off x="1112135" y="1401010"/>
+            <a:ext cx="9106685" cy="5223267"/>
+          </a:xfrm>
+          <a:prstGeom prst="rect">
+            <a:avLst/>
+          </a:prstGeom>
+        </p:spPr>
+      </p:pic>
+    </p:spTree>
+    <p:extLst>
+      <p:ext uri="{BB962C8B-B14F-4D97-AF65-F5344CB8AC3E}">
+        <p14:creationId xmlns:p14="http://schemas.microsoft.com/office/powerpoint/2010/main" val="371701704"/>
+      </p:ext>
+    </p:extLst>
+  </p:cSld>
+  <p:clrMapOvr>
+    <a:masterClrMapping/>
+  </p:clrMapOvr>
+</p:sld>
+</file>
+
+<file path=ppt/slides/slide18.xml><?xml version="1.0" encoding="utf-8"?>
+<p:sld xmlns:a="http://schemas.openxmlformats.org/drawingml/2006/main" xmlns:r="http://schemas.openxmlformats.org/officeDocument/2006/relationships" xmlns:p="http://schemas.openxmlformats.org/presentationml/2006/main">
+  <p:cSld>
+    <p:spTree>
+      <p:nvGrpSpPr>
         <p:cNvPr id="1" name="Shape 290"/>
         <p:cNvGrpSpPr/>
         <p:nvPr/>
@@ -25733,7 +25795,7 @@
               <a:buNone/>
             </a:pPr>
             <a:r>
-              <a:rPr lang="es-ES" sz="3600" b="0" i="0" u="none" strike="noStrike" cap="none">
+              <a:rPr lang="es-ES" sz="3600" b="0" i="0" u="none" strike="noStrike" cap="none" dirty="0">
                 <a:solidFill>
                   <a:schemeClr val="accent1"/>
                 </a:solidFill>
@@ -25744,7 +25806,7 @@
               </a:rPr>
               <a:t>Visión general de Selenium</a:t>
             </a:r>
-            <a:endParaRPr sz="3600" b="0" i="0" u="none" strike="noStrike" cap="none">
+            <a:endParaRPr sz="3600" b="0" i="0" u="none" strike="noStrike" cap="none" dirty="0">
               <a:solidFill>
                 <a:schemeClr val="accent1"/>
               </a:solidFill>
@@ -25997,7 +26059,7 @@
 </p:sld>
 </file>
 
-<file path=ppt/slides/slide18.xml><?xml version="1.0" encoding="utf-8"?>
+<file path=ppt/slides/slide19.xml><?xml version="1.0" encoding="utf-8"?>
 <p:sld xmlns:a="http://schemas.openxmlformats.org/drawingml/2006/main" xmlns:r="http://schemas.openxmlformats.org/officeDocument/2006/relationships" xmlns:p="http://schemas.openxmlformats.org/presentationml/2006/main">
   <p:cSld>
     <p:spTree>
@@ -26057,7 +26119,7 @@
               <a:buNone/>
             </a:pPr>
             <a:r>
-              <a:rPr lang="es-ES" sz="3600" b="0" i="0" u="none" strike="noStrike" cap="none">
+              <a:rPr lang="es-ES" sz="3600" b="0" i="0" u="none" strike="noStrike" cap="none" dirty="0">
                 <a:solidFill>
                   <a:schemeClr val="accent1"/>
                 </a:solidFill>
@@ -26068,7 +26130,7 @@
               </a:rPr>
               <a:t>Componentes de Selenium</a:t>
             </a:r>
-            <a:endParaRPr sz="3600" b="0" i="0" u="none" strike="noStrike" cap="none">
+            <a:endParaRPr sz="3600" b="0" i="0" u="none" strike="noStrike" cap="none" dirty="0">
               <a:solidFill>
                 <a:schemeClr val="accent1"/>
               </a:solidFill>
@@ -26178,7 +26240,7 @@
                 <a:buNone/>
               </a:pPr>
               <a:r>
-                <a:rPr lang="es-ES" sz="4500" b="0" i="0" u="none" strike="noStrike" cap="none">
+                <a:rPr lang="es-ES" sz="4500" b="0" i="0" u="none" strike="noStrike" cap="none" dirty="0">
                   <a:solidFill>
                     <a:schemeClr val="lt1"/>
                   </a:solidFill>
@@ -26189,7 +26251,7 @@
                 </a:rPr>
                 <a:t>Selenium IDE</a:t>
               </a:r>
-              <a:endParaRPr sz="4500" b="0" i="0" u="none" strike="noStrike" cap="none">
+              <a:endParaRPr sz="4500" b="0" i="0" u="none" strike="noStrike" cap="none" dirty="0">
                 <a:solidFill>
                   <a:schemeClr val="lt1"/>
                 </a:solidFill>
@@ -26285,7 +26347,7 @@
                 <a:buNone/>
               </a:pPr>
               <a:r>
-                <a:rPr lang="es-ES" sz="4500" b="0" i="0" u="none" strike="noStrike" cap="none">
+                <a:rPr lang="es-ES" sz="4500" b="0" i="0" u="none" strike="noStrike" cap="none" dirty="0">
                   <a:solidFill>
                     <a:schemeClr val="lt1"/>
                   </a:solidFill>
@@ -26296,7 +26358,7 @@
                 </a:rPr>
                 <a:t>Selenium RC</a:t>
               </a:r>
-              <a:endParaRPr sz="4500" b="0" i="0" u="none" strike="noStrike" cap="none">
+              <a:endParaRPr sz="4500" b="0" i="0" u="none" strike="noStrike" cap="none" dirty="0">
                 <a:solidFill>
                   <a:schemeClr val="lt1"/>
                 </a:solidFill>
@@ -26392,7 +26454,7 @@
                 <a:buNone/>
               </a:pPr>
               <a:r>
-                <a:rPr lang="es-ES" sz="4500" b="0" i="0" u="none" strike="noStrike" cap="none">
+                <a:rPr lang="es-ES" sz="4500" b="0" i="0" u="none" strike="noStrike" cap="none" dirty="0">
                   <a:solidFill>
                     <a:schemeClr val="lt1"/>
                   </a:solidFill>
@@ -26401,9 +26463,21 @@
                   <a:cs typeface="Trebuchet MS"/>
                   <a:sym typeface="Trebuchet MS"/>
                 </a:rPr>
-                <a:t>Selenium WebDriver</a:t>
+                <a:t>Selenium </a:t>
               </a:r>
-              <a:endParaRPr sz="4500" b="0" i="0" u="none" strike="noStrike" cap="none">
+              <a:r>
+                <a:rPr lang="es-ES" sz="4500" b="0" i="0" u="none" strike="noStrike" cap="none" dirty="0" err="1">
+                  <a:solidFill>
+                    <a:schemeClr val="lt1"/>
+                  </a:solidFill>
+                  <a:latin typeface="Trebuchet MS"/>
+                  <a:ea typeface="Trebuchet MS"/>
+                  <a:cs typeface="Trebuchet MS"/>
+                  <a:sym typeface="Trebuchet MS"/>
+                </a:rPr>
+                <a:t>WebDriver</a:t>
+              </a:r>
+              <a:endParaRPr sz="4500" b="0" i="0" u="none" strike="noStrike" cap="none" dirty="0">
                 <a:solidFill>
                   <a:schemeClr val="lt1"/>
                 </a:solidFill>
@@ -26499,7 +26573,7 @@
                 <a:buNone/>
               </a:pPr>
               <a:r>
-                <a:rPr lang="es-ES" sz="4500" b="0" i="0" u="none" strike="noStrike" cap="none">
+                <a:rPr lang="es-ES" sz="4500" b="0" i="0" u="none" strike="noStrike" cap="none" dirty="0">
                   <a:solidFill>
                     <a:schemeClr val="lt1"/>
                   </a:solidFill>
@@ -26510,7 +26584,7 @@
                 </a:rPr>
                 <a:t>Selenium GRID</a:t>
               </a:r>
-              <a:endParaRPr sz="4500" b="0" i="0" u="none" strike="noStrike" cap="none">
+              <a:endParaRPr sz="4500" b="0" i="0" u="none" strike="noStrike" cap="none" dirty="0">
                 <a:solidFill>
                   <a:schemeClr val="lt1"/>
                 </a:solidFill>
@@ -26523,384 +26597,6 @@
           </p:txBody>
         </p:sp>
       </p:grpSp>
-    </p:spTree>
-  </p:cSld>
-  <p:clrMapOvr>
-    <a:masterClrMapping/>
-  </p:clrMapOvr>
-</p:sld>
-</file>
-
-<file path=ppt/slides/slide19.xml><?xml version="1.0" encoding="utf-8"?>
-<p:sld xmlns:a="http://schemas.openxmlformats.org/drawingml/2006/main" xmlns:r="http://schemas.openxmlformats.org/officeDocument/2006/relationships" xmlns:p="http://schemas.openxmlformats.org/presentationml/2006/main">
-  <p:cSld>
-    <p:spTree>
-      <p:nvGrpSpPr>
-        <p:cNvPr id="1" name="Shape 310"/>
-        <p:cNvGrpSpPr/>
-        <p:nvPr/>
-      </p:nvGrpSpPr>
-      <p:grpSpPr>
-        <a:xfrm>
-          <a:off x="0" y="0"/>
-          <a:ext cx="0" cy="0"/>
-          <a:chOff x="0" y="0"/>
-          <a:chExt cx="0" cy="0"/>
-        </a:xfrm>
-      </p:grpSpPr>
-      <p:sp>
-        <p:nvSpPr>
-          <p:cNvPr id="311" name="Shape 311"/>
-          <p:cNvSpPr txBox="1">
-            <a:spLocks noGrp="1"/>
-          </p:cNvSpPr>
-          <p:nvPr>
-            <p:ph type="title"/>
-          </p:nvPr>
-        </p:nvSpPr>
-        <p:spPr>
-          <a:xfrm>
-            <a:off x="677334" y="609600"/>
-            <a:ext cx="8596668" cy="1320800"/>
-          </a:xfrm>
-          <a:prstGeom prst="rect">
-            <a:avLst/>
-          </a:prstGeom>
-          <a:noFill/>
-          <a:ln>
-            <a:noFill/>
-          </a:ln>
-        </p:spPr>
-        <p:txBody>
-          <a:bodyPr spcFirstLastPara="1" wrap="square" lIns="91425" tIns="45700" rIns="91425" bIns="45700" anchor="t" anchorCtr="0">
-            <a:noAutofit/>
-          </a:bodyPr>
-          <a:lstStyle/>
-          <a:p>
-            <a:pPr marL="0" marR="0" lvl="0" indent="0" algn="l" rtl="0">
-              <a:spcBef>
-                <a:spcPts val="0"/>
-              </a:spcBef>
-              <a:spcAft>
-                <a:spcPts val="0"/>
-              </a:spcAft>
-              <a:buClr>
-                <a:schemeClr val="accent1"/>
-              </a:buClr>
-              <a:buFont typeface="Trebuchet MS"/>
-              <a:buNone/>
-            </a:pPr>
-            <a:r>
-              <a:rPr lang="es-ES" sz="3600" b="0" i="0" u="none" strike="noStrike" cap="none">
-                <a:solidFill>
-                  <a:schemeClr val="accent1"/>
-                </a:solidFill>
-                <a:latin typeface="Trebuchet MS"/>
-                <a:ea typeface="Trebuchet MS"/>
-                <a:cs typeface="Trebuchet MS"/>
-                <a:sym typeface="Trebuchet MS"/>
-              </a:rPr>
-              <a:t>Selenium IDE </a:t>
-            </a:r>
-            <a:endParaRPr sz="3600" b="0" i="0" u="none" strike="noStrike" cap="none">
-              <a:solidFill>
-                <a:schemeClr val="accent1"/>
-              </a:solidFill>
-              <a:latin typeface="Trebuchet MS"/>
-              <a:ea typeface="Trebuchet MS"/>
-              <a:cs typeface="Trebuchet MS"/>
-              <a:sym typeface="Trebuchet MS"/>
-            </a:endParaRPr>
-          </a:p>
-        </p:txBody>
-      </p:sp>
-      <p:sp>
-        <p:nvSpPr>
-          <p:cNvPr id="312" name="Shape 312"/>
-          <p:cNvSpPr txBox="1">
-            <a:spLocks noGrp="1"/>
-          </p:cNvSpPr>
-          <p:nvPr>
-            <p:ph type="body" idx="1"/>
-          </p:nvPr>
-        </p:nvSpPr>
-        <p:spPr>
-          <a:xfrm>
-            <a:off x="971808" y="1504540"/>
-            <a:ext cx="6530802" cy="4110962"/>
-          </a:xfrm>
-          <a:prstGeom prst="rect">
-            <a:avLst/>
-          </a:prstGeom>
-          <a:noFill/>
-          <a:ln>
-            <a:noFill/>
-          </a:ln>
-        </p:spPr>
-        <p:txBody>
-          <a:bodyPr spcFirstLastPara="1" wrap="square" lIns="91425" tIns="45700" rIns="91425" bIns="45700" anchor="t" anchorCtr="0">
-            <a:noAutofit/>
-          </a:bodyPr>
-          <a:lstStyle/>
-          <a:p>
-            <a:pPr marL="342900" marR="0" lvl="0" indent="-342900" algn="l" rtl="0">
-              <a:spcBef>
-                <a:spcPts val="0"/>
-              </a:spcBef>
-              <a:spcAft>
-                <a:spcPts val="0"/>
-              </a:spcAft>
-              <a:buClr>
-                <a:schemeClr val="accent1"/>
-              </a:buClr>
-              <a:buSzPts val="1920"/>
-              <a:buFont typeface="Noto Sans Symbols"/>
-              <a:buChar char="▶"/>
-            </a:pPr>
-            <a:r>
-              <a:rPr lang="es-ES" sz="2400"/>
-              <a:t>Antiguamente un </a:t>
-            </a:r>
-            <a:r>
-              <a:rPr lang="es-ES" sz="2400" b="0" i="0" u="none" strike="noStrike" cap="none">
-                <a:solidFill>
-                  <a:srgbClr val="3F3F3F"/>
-                </a:solidFill>
-                <a:latin typeface="Trebuchet MS"/>
-                <a:ea typeface="Trebuchet MS"/>
-                <a:cs typeface="Trebuchet MS"/>
-                <a:sym typeface="Trebuchet MS"/>
-              </a:rPr>
-              <a:t>Plug in de Firefox ahora obsoleto</a:t>
-            </a:r>
-            <a:r>
-              <a:rPr lang="es-ES" sz="2400"/>
-              <a:t>.</a:t>
-            </a:r>
-            <a:endParaRPr sz="2400"/>
-          </a:p>
-          <a:p>
-            <a:pPr marL="342900" marR="0" lvl="0" indent="-373380" algn="l" rtl="0">
-              <a:spcBef>
-                <a:spcPts val="0"/>
-              </a:spcBef>
-              <a:spcAft>
-                <a:spcPts val="0"/>
-              </a:spcAft>
-              <a:buClr>
-                <a:schemeClr val="accent1"/>
-              </a:buClr>
-              <a:buSzPts val="2400"/>
-              <a:buFont typeface="Noto Sans Symbols"/>
-              <a:buChar char="▶"/>
-            </a:pPr>
-            <a:r>
-              <a:rPr lang="es-ES" sz="2400"/>
-              <a:t>Existen nuevas versiones para Chrome y Firefox: Selenium IDE y Kantu</a:t>
-            </a:r>
-            <a:endParaRPr sz="2400"/>
-          </a:p>
-          <a:p>
-            <a:pPr marL="342900" marR="0" lvl="0" indent="-342900" algn="l" rtl="0">
-              <a:spcBef>
-                <a:spcPts val="1000"/>
-              </a:spcBef>
-              <a:spcAft>
-                <a:spcPts val="0"/>
-              </a:spcAft>
-              <a:buClr>
-                <a:schemeClr val="accent1"/>
-              </a:buClr>
-              <a:buSzPts val="1920"/>
-              <a:buFont typeface="Noto Sans Symbols"/>
-              <a:buChar char="▶"/>
-            </a:pPr>
-            <a:r>
-              <a:rPr lang="es-ES" sz="2400" b="0" i="0" u="none" strike="noStrike" cap="none">
-                <a:solidFill>
-                  <a:srgbClr val="3F3F3F"/>
-                </a:solidFill>
-                <a:latin typeface="Trebuchet MS"/>
-                <a:ea typeface="Trebuchet MS"/>
-                <a:cs typeface="Trebuchet MS"/>
-                <a:sym typeface="Trebuchet MS"/>
-              </a:rPr>
-              <a:t>Permiten crear casos de prueba por medio de grabación</a:t>
-            </a:r>
-            <a:endParaRPr/>
-          </a:p>
-          <a:p>
-            <a:pPr marL="342900" marR="0" lvl="0" indent="-342900" algn="l" rtl="0">
-              <a:spcBef>
-                <a:spcPts val="1000"/>
-              </a:spcBef>
-              <a:spcAft>
-                <a:spcPts val="0"/>
-              </a:spcAft>
-              <a:buClr>
-                <a:schemeClr val="accent1"/>
-              </a:buClr>
-              <a:buSzPts val="1920"/>
-              <a:buFont typeface="Noto Sans Symbols"/>
-              <a:buChar char="▶"/>
-            </a:pPr>
-            <a:r>
-              <a:rPr lang="es-ES" sz="2400" b="0" i="0" u="none" strike="noStrike" cap="none">
-                <a:solidFill>
-                  <a:srgbClr val="3F3F3F"/>
-                </a:solidFill>
-                <a:latin typeface="Trebuchet MS"/>
-                <a:ea typeface="Trebuchet MS"/>
-                <a:cs typeface="Trebuchet MS"/>
-                <a:sym typeface="Trebuchet MS"/>
-              </a:rPr>
-              <a:t>Tiene capacidad de añadir verificaciones y </a:t>
-            </a:r>
-            <a:endParaRPr/>
-          </a:p>
-          <a:p>
-            <a:pPr marL="0" marR="0" lvl="0" indent="0" algn="l" rtl="0">
-              <a:spcBef>
-                <a:spcPts val="1000"/>
-              </a:spcBef>
-              <a:spcAft>
-                <a:spcPts val="0"/>
-              </a:spcAft>
-              <a:buClr>
-                <a:schemeClr val="accent1"/>
-              </a:buClr>
-              <a:buFont typeface="Noto Sans Symbols"/>
-              <a:buNone/>
-            </a:pPr>
-            <a:r>
-              <a:rPr lang="es-ES" sz="2400" b="0" i="0" u="none" strike="noStrike" cap="none">
-                <a:solidFill>
-                  <a:srgbClr val="3F3F3F"/>
-                </a:solidFill>
-                <a:latin typeface="Trebuchet MS"/>
-                <a:ea typeface="Trebuchet MS"/>
-                <a:cs typeface="Trebuchet MS"/>
-                <a:sym typeface="Trebuchet MS"/>
-              </a:rPr>
-              <a:t>aserciones</a:t>
-            </a:r>
-            <a:endParaRPr/>
-          </a:p>
-          <a:p>
-            <a:pPr marL="342900" marR="0" lvl="0" indent="-342900" algn="l" rtl="0">
-              <a:spcBef>
-                <a:spcPts val="1000"/>
-              </a:spcBef>
-              <a:spcAft>
-                <a:spcPts val="0"/>
-              </a:spcAft>
-              <a:buClr>
-                <a:schemeClr val="accent1"/>
-              </a:buClr>
-              <a:buSzPts val="1920"/>
-              <a:buFont typeface="Noto Sans Symbols"/>
-              <a:buChar char="▶"/>
-            </a:pPr>
-            <a:r>
-              <a:rPr lang="es-ES" sz="2400" b="0" i="0" u="none" strike="noStrike" cap="none">
-                <a:solidFill>
-                  <a:srgbClr val="3F3F3F"/>
-                </a:solidFill>
-                <a:latin typeface="Trebuchet MS"/>
-                <a:ea typeface="Trebuchet MS"/>
-                <a:cs typeface="Trebuchet MS"/>
-                <a:sym typeface="Trebuchet MS"/>
-              </a:rPr>
-              <a:t>Permite crear suites de prueba</a:t>
-            </a:r>
-            <a:endParaRPr/>
-          </a:p>
-          <a:p>
-            <a:pPr marL="342900" marR="0" lvl="0" indent="-342900" algn="l" rtl="0">
-              <a:spcBef>
-                <a:spcPts val="1000"/>
-              </a:spcBef>
-              <a:spcAft>
-                <a:spcPts val="0"/>
-              </a:spcAft>
-              <a:buClr>
-                <a:schemeClr val="accent1"/>
-              </a:buClr>
-              <a:buSzPts val="1920"/>
-              <a:buFont typeface="Noto Sans Symbols"/>
-              <a:buChar char="▶"/>
-            </a:pPr>
-            <a:r>
-              <a:rPr lang="es-ES" sz="2400" b="0" i="0" u="none" strike="noStrike" cap="none">
-                <a:solidFill>
-                  <a:srgbClr val="3F3F3F"/>
-                </a:solidFill>
-                <a:latin typeface="Trebuchet MS"/>
-                <a:ea typeface="Trebuchet MS"/>
-                <a:cs typeface="Trebuchet MS"/>
-                <a:sym typeface="Trebuchet MS"/>
-              </a:rPr>
-              <a:t>Permite la depuración de scripts</a:t>
-            </a:r>
-            <a:endParaRPr/>
-          </a:p>
-          <a:p>
-            <a:pPr marL="342900" marR="0" lvl="0" indent="-251459" algn="l" rtl="0">
-              <a:spcBef>
-                <a:spcPts val="1000"/>
-              </a:spcBef>
-              <a:spcAft>
-                <a:spcPts val="0"/>
-              </a:spcAft>
-              <a:buClr>
-                <a:schemeClr val="accent1"/>
-              </a:buClr>
-              <a:buSzPts val="1440"/>
-              <a:buFont typeface="Noto Sans Symbols"/>
-              <a:buNone/>
-            </a:pPr>
-            <a:endParaRPr sz="1800" b="0" i="0" u="none" strike="noStrike" cap="none">
-              <a:solidFill>
-                <a:srgbClr val="3F3F3F"/>
-              </a:solidFill>
-              <a:latin typeface="Trebuchet MS"/>
-              <a:ea typeface="Trebuchet MS"/>
-              <a:cs typeface="Trebuchet MS"/>
-              <a:sym typeface="Trebuchet MS"/>
-            </a:endParaRPr>
-          </a:p>
-        </p:txBody>
-      </p:sp>
-      <p:pic>
-        <p:nvPicPr>
-          <p:cNvPr id="2" name="Imagen 1">
-            <a:extLst>
-              <a:ext uri="{FF2B5EF4-FFF2-40B4-BE49-F238E27FC236}">
-                <a16:creationId xmlns:a16="http://schemas.microsoft.com/office/drawing/2014/main" id="{16A51992-1509-4B77-9D65-A58709107394}"/>
-              </a:ext>
-            </a:extLst>
-          </p:cNvPr>
-          <p:cNvPicPr>
-            <a:picLocks noChangeAspect="1"/>
-          </p:cNvPicPr>
-          <p:nvPr/>
-        </p:nvPicPr>
-        <p:blipFill>
-          <a:blip r:embed="rId3"/>
-          <a:stretch>
-            <a:fillRect/>
-          </a:stretch>
-        </p:blipFill>
-        <p:spPr>
-          <a:xfrm>
-            <a:off x="7456279" y="609600"/>
-            <a:ext cx="4058387" cy="4684644"/>
-          </a:xfrm>
-          <a:prstGeom prst="rect">
-            <a:avLst/>
-          </a:prstGeom>
-        </p:spPr>
-      </p:pic>
     </p:spTree>
   </p:cSld>
   <p:clrMapOvr>
@@ -27206,19 +26902,7 @@
                   <a:cs typeface="Calibri"/>
                   <a:sym typeface="Calibri"/>
                 </a:rPr>
-                <a:t>Visión general de </a:t>
-              </a:r>
-              <a:r>
-                <a:rPr lang="es-ES" sz="2500" b="0" i="0" u="none" strike="noStrike" cap="none" dirty="0" err="1">
-                  <a:solidFill>
-                    <a:schemeClr val="lt1"/>
-                  </a:solidFill>
-                  <a:latin typeface="Calibri"/>
-                  <a:ea typeface="Calibri"/>
-                  <a:cs typeface="Calibri"/>
-                  <a:sym typeface="Calibri"/>
-                </a:rPr>
-                <a:t>Selenium</a:t>
+                <a:t>Visión general de Selenium</a:t>
               </a:r>
               <a:endParaRPr sz="2500" b="0" i="0" u="none" strike="noStrike" cap="none" dirty="0">
                 <a:solidFill>
@@ -27432,19 +27116,7 @@
                   <a:cs typeface="Calibri"/>
                   <a:sym typeface="Calibri"/>
                 </a:rPr>
-                <a:t>HTML </a:t>
-              </a:r>
-              <a:r>
-                <a:rPr lang="es-ES" sz="2500" b="0" i="0" u="none" strike="noStrike" cap="none" dirty="0" err="1">
-                  <a:solidFill>
-                    <a:schemeClr val="lt1"/>
-                  </a:solidFill>
-                  <a:latin typeface="Calibri"/>
-                  <a:ea typeface="Calibri"/>
-                  <a:cs typeface="Calibri"/>
-                  <a:sym typeface="Calibri"/>
-                </a:rPr>
-                <a:t>Basico</a:t>
+                <a:t>HTML Básico</a:t>
               </a:r>
               <a:endParaRPr sz="2500" b="0" i="0" u="none" strike="noStrike" cap="none" dirty="0">
                 <a:solidFill>
@@ -27542,18 +27214,6 @@
                 <a:buNone/>
               </a:pPr>
               <a:r>
-                <a:rPr lang="es-ES" sz="2500" b="0" i="0" u="none" strike="noStrike" cap="none" dirty="0" err="1">
-                  <a:solidFill>
-                    <a:schemeClr val="lt1"/>
-                  </a:solidFill>
-                  <a:latin typeface="Calibri"/>
-                  <a:ea typeface="Calibri"/>
-                  <a:cs typeface="Calibri"/>
-                  <a:sym typeface="Calibri"/>
-                </a:rPr>
-                <a:t>Selenium</a:t>
-              </a:r>
-              <a:r>
                 <a:rPr lang="es-ES" sz="2500" b="0" i="0" u="none" strike="noStrike" cap="none" dirty="0">
                   <a:solidFill>
                     <a:schemeClr val="lt1"/>
@@ -27563,7 +27223,7 @@
                   <a:cs typeface="Calibri"/>
                   <a:sym typeface="Calibri"/>
                 </a:rPr>
-                <a:t> IDE</a:t>
+                <a:t>Selenium IDE</a:t>
               </a:r>
               <a:endParaRPr sz="2500" b="0" i="0" u="none" strike="noStrike" cap="none" dirty="0">
                 <a:solidFill>
@@ -27866,7 +27526,7 @@
                 <a:buNone/>
               </a:pPr>
               <a:r>
-                <a:rPr lang="es-ES" sz="2500" b="0" i="0" u="none" strike="noStrike" cap="none" dirty="0" err="1">
+                <a:rPr lang="es-ES" sz="2500" b="0" i="0" u="none" strike="noStrike" cap="none" dirty="0">
                   <a:solidFill>
                     <a:schemeClr val="lt1"/>
                   </a:solidFill>
@@ -27875,7 +27535,7 @@
                   <a:cs typeface="Calibri"/>
                   <a:sym typeface="Calibri"/>
                 </a:rPr>
-                <a:t>Github</a:t>
+                <a:t>GitHub</a:t>
               </a:r>
               <a:endParaRPr sz="2500" b="0" i="0" u="none" strike="noStrike" cap="none" dirty="0">
                 <a:solidFill>
@@ -28010,6 +27670,388 @@
   <p:cSld>
     <p:spTree>
       <p:nvGrpSpPr>
+        <p:cNvPr id="1" name="Shape 310"/>
+        <p:cNvGrpSpPr/>
+        <p:nvPr/>
+      </p:nvGrpSpPr>
+      <p:grpSpPr>
+        <a:xfrm>
+          <a:off x="0" y="0"/>
+          <a:ext cx="0" cy="0"/>
+          <a:chOff x="0" y="0"/>
+          <a:chExt cx="0" cy="0"/>
+        </a:xfrm>
+      </p:grpSpPr>
+      <p:sp>
+        <p:nvSpPr>
+          <p:cNvPr id="311" name="Shape 311"/>
+          <p:cNvSpPr txBox="1">
+            <a:spLocks noGrp="1"/>
+          </p:cNvSpPr>
+          <p:nvPr>
+            <p:ph type="title"/>
+          </p:nvPr>
+        </p:nvSpPr>
+        <p:spPr>
+          <a:xfrm>
+            <a:off x="677334" y="609600"/>
+            <a:ext cx="8596668" cy="1320800"/>
+          </a:xfrm>
+          <a:prstGeom prst="rect">
+            <a:avLst/>
+          </a:prstGeom>
+          <a:noFill/>
+          <a:ln>
+            <a:noFill/>
+          </a:ln>
+        </p:spPr>
+        <p:txBody>
+          <a:bodyPr spcFirstLastPara="1" wrap="square" lIns="91425" tIns="45700" rIns="91425" bIns="45700" anchor="t" anchorCtr="0">
+            <a:noAutofit/>
+          </a:bodyPr>
+          <a:lstStyle/>
+          <a:p>
+            <a:pPr marL="0" marR="0" lvl="0" indent="0" algn="l" rtl="0">
+              <a:spcBef>
+                <a:spcPts val="0"/>
+              </a:spcBef>
+              <a:spcAft>
+                <a:spcPts val="0"/>
+              </a:spcAft>
+              <a:buClr>
+                <a:schemeClr val="accent1"/>
+              </a:buClr>
+              <a:buFont typeface="Trebuchet MS"/>
+              <a:buNone/>
+            </a:pPr>
+            <a:r>
+              <a:rPr lang="es-ES" sz="3600" b="0" i="0" u="none" strike="noStrike" cap="none" dirty="0">
+                <a:solidFill>
+                  <a:schemeClr val="accent1"/>
+                </a:solidFill>
+                <a:latin typeface="Trebuchet MS"/>
+                <a:ea typeface="Trebuchet MS"/>
+                <a:cs typeface="Trebuchet MS"/>
+                <a:sym typeface="Trebuchet MS"/>
+              </a:rPr>
+              <a:t>Selenium IDE </a:t>
+            </a:r>
+            <a:endParaRPr sz="3600" b="0" i="0" u="none" strike="noStrike" cap="none" dirty="0">
+              <a:solidFill>
+                <a:schemeClr val="accent1"/>
+              </a:solidFill>
+              <a:latin typeface="Trebuchet MS"/>
+              <a:ea typeface="Trebuchet MS"/>
+              <a:cs typeface="Trebuchet MS"/>
+              <a:sym typeface="Trebuchet MS"/>
+            </a:endParaRPr>
+          </a:p>
+        </p:txBody>
+      </p:sp>
+      <p:sp>
+        <p:nvSpPr>
+          <p:cNvPr id="312" name="Shape 312"/>
+          <p:cNvSpPr txBox="1">
+            <a:spLocks noGrp="1"/>
+          </p:cNvSpPr>
+          <p:nvPr>
+            <p:ph type="body" idx="1"/>
+          </p:nvPr>
+        </p:nvSpPr>
+        <p:spPr>
+          <a:xfrm>
+            <a:off x="971808" y="1504540"/>
+            <a:ext cx="6530802" cy="4110962"/>
+          </a:xfrm>
+          <a:prstGeom prst="rect">
+            <a:avLst/>
+          </a:prstGeom>
+          <a:noFill/>
+          <a:ln>
+            <a:noFill/>
+          </a:ln>
+        </p:spPr>
+        <p:txBody>
+          <a:bodyPr spcFirstLastPara="1" wrap="square" lIns="91425" tIns="45700" rIns="91425" bIns="45700" anchor="t" anchorCtr="0">
+            <a:noAutofit/>
+          </a:bodyPr>
+          <a:lstStyle/>
+          <a:p>
+            <a:pPr marL="342900" marR="0" lvl="0" indent="-342900" algn="l" rtl="0">
+              <a:spcBef>
+                <a:spcPts val="0"/>
+              </a:spcBef>
+              <a:spcAft>
+                <a:spcPts val="0"/>
+              </a:spcAft>
+              <a:buClr>
+                <a:schemeClr val="accent1"/>
+              </a:buClr>
+              <a:buSzPts val="1920"/>
+              <a:buFont typeface="Noto Sans Symbols"/>
+              <a:buChar char="▶"/>
+            </a:pPr>
+            <a:r>
+              <a:rPr lang="es-ES" sz="2400" dirty="0"/>
+              <a:t>Antiguamente un </a:t>
+            </a:r>
+            <a:r>
+              <a:rPr lang="es-ES" sz="2400" b="0" i="0" u="none" strike="noStrike" cap="none" dirty="0">
+                <a:solidFill>
+                  <a:srgbClr val="3F3F3F"/>
+                </a:solidFill>
+                <a:latin typeface="Trebuchet MS"/>
+                <a:ea typeface="Trebuchet MS"/>
+                <a:cs typeface="Trebuchet MS"/>
+                <a:sym typeface="Trebuchet MS"/>
+              </a:rPr>
+              <a:t>Plug in de Firefox ahora obsoleto</a:t>
+            </a:r>
+            <a:r>
+              <a:rPr lang="es-ES" sz="2400" dirty="0"/>
+              <a:t>.</a:t>
+            </a:r>
+            <a:endParaRPr sz="2400" dirty="0"/>
+          </a:p>
+          <a:p>
+            <a:pPr marL="342900" marR="0" lvl="0" indent="-373380" algn="l" rtl="0">
+              <a:spcBef>
+                <a:spcPts val="0"/>
+              </a:spcBef>
+              <a:spcAft>
+                <a:spcPts val="0"/>
+              </a:spcAft>
+              <a:buClr>
+                <a:schemeClr val="accent1"/>
+              </a:buClr>
+              <a:buSzPts val="2400"/>
+              <a:buFont typeface="Noto Sans Symbols"/>
+              <a:buChar char="▶"/>
+            </a:pPr>
+            <a:r>
+              <a:rPr lang="es-ES" sz="2400" dirty="0"/>
+              <a:t>Existen nuevas versiones para Chrome y Firefox: Selenium IDE y </a:t>
+            </a:r>
+            <a:r>
+              <a:rPr lang="es-ES" sz="2400" dirty="0" err="1"/>
+              <a:t>Kantu</a:t>
+            </a:r>
+            <a:endParaRPr sz="2400" dirty="0"/>
+          </a:p>
+          <a:p>
+            <a:pPr marL="342900" marR="0" lvl="0" indent="-342900" algn="l" rtl="0">
+              <a:spcBef>
+                <a:spcPts val="1000"/>
+              </a:spcBef>
+              <a:spcAft>
+                <a:spcPts val="0"/>
+              </a:spcAft>
+              <a:buClr>
+                <a:schemeClr val="accent1"/>
+              </a:buClr>
+              <a:buSzPts val="1920"/>
+              <a:buFont typeface="Noto Sans Symbols"/>
+              <a:buChar char="▶"/>
+            </a:pPr>
+            <a:r>
+              <a:rPr lang="es-ES" sz="2400" b="0" i="0" u="none" strike="noStrike" cap="none" dirty="0">
+                <a:solidFill>
+                  <a:srgbClr val="3F3F3F"/>
+                </a:solidFill>
+                <a:latin typeface="Trebuchet MS"/>
+                <a:ea typeface="Trebuchet MS"/>
+                <a:cs typeface="Trebuchet MS"/>
+                <a:sym typeface="Trebuchet MS"/>
+              </a:rPr>
+              <a:t>Permiten crear casos de prueba por medio de grabación</a:t>
+            </a:r>
+            <a:endParaRPr dirty="0"/>
+          </a:p>
+          <a:p>
+            <a:pPr marL="342900" marR="0" lvl="0" indent="-342900" algn="l" rtl="0">
+              <a:spcBef>
+                <a:spcPts val="1000"/>
+              </a:spcBef>
+              <a:spcAft>
+                <a:spcPts val="0"/>
+              </a:spcAft>
+              <a:buClr>
+                <a:schemeClr val="accent1"/>
+              </a:buClr>
+              <a:buSzPts val="1920"/>
+              <a:buFont typeface="Noto Sans Symbols"/>
+              <a:buChar char="▶"/>
+            </a:pPr>
+            <a:r>
+              <a:rPr lang="es-ES" sz="2400" b="0" i="0" u="none" strike="noStrike" cap="none" dirty="0">
+                <a:solidFill>
+                  <a:srgbClr val="3F3F3F"/>
+                </a:solidFill>
+                <a:latin typeface="Trebuchet MS"/>
+                <a:ea typeface="Trebuchet MS"/>
+                <a:cs typeface="Trebuchet MS"/>
+                <a:sym typeface="Trebuchet MS"/>
+              </a:rPr>
+              <a:t>Tiene capacidad de añadir verificaciones y </a:t>
+            </a:r>
+            <a:endParaRPr dirty="0"/>
+          </a:p>
+          <a:p>
+            <a:pPr marL="0" marR="0" lvl="0" indent="0" algn="l" rtl="0">
+              <a:spcBef>
+                <a:spcPts val="1000"/>
+              </a:spcBef>
+              <a:spcAft>
+                <a:spcPts val="0"/>
+              </a:spcAft>
+              <a:buClr>
+                <a:schemeClr val="accent1"/>
+              </a:buClr>
+              <a:buFont typeface="Noto Sans Symbols"/>
+              <a:buNone/>
+            </a:pPr>
+            <a:r>
+              <a:rPr lang="es-ES" sz="2400" b="0" i="0" u="none" strike="noStrike" cap="none" dirty="0">
+                <a:solidFill>
+                  <a:srgbClr val="3F3F3F"/>
+                </a:solidFill>
+                <a:latin typeface="Trebuchet MS"/>
+                <a:ea typeface="Trebuchet MS"/>
+                <a:cs typeface="Trebuchet MS"/>
+                <a:sym typeface="Trebuchet MS"/>
+              </a:rPr>
+              <a:t>aserciones</a:t>
+            </a:r>
+            <a:endParaRPr dirty="0"/>
+          </a:p>
+          <a:p>
+            <a:pPr marL="342900" marR="0" lvl="0" indent="-342900" algn="l" rtl="0">
+              <a:spcBef>
+                <a:spcPts val="1000"/>
+              </a:spcBef>
+              <a:spcAft>
+                <a:spcPts val="0"/>
+              </a:spcAft>
+              <a:buClr>
+                <a:schemeClr val="accent1"/>
+              </a:buClr>
+              <a:buSzPts val="1920"/>
+              <a:buFont typeface="Noto Sans Symbols"/>
+              <a:buChar char="▶"/>
+            </a:pPr>
+            <a:r>
+              <a:rPr lang="es-ES" sz="2400" b="0" i="0" u="none" strike="noStrike" cap="none" dirty="0">
+                <a:solidFill>
+                  <a:srgbClr val="3F3F3F"/>
+                </a:solidFill>
+                <a:latin typeface="Trebuchet MS"/>
+                <a:ea typeface="Trebuchet MS"/>
+                <a:cs typeface="Trebuchet MS"/>
+                <a:sym typeface="Trebuchet MS"/>
+              </a:rPr>
+              <a:t>Permite crear suites de prueba</a:t>
+            </a:r>
+            <a:endParaRPr dirty="0"/>
+          </a:p>
+          <a:p>
+            <a:pPr marL="342900" marR="0" lvl="0" indent="-342900" algn="l" rtl="0">
+              <a:spcBef>
+                <a:spcPts val="1000"/>
+              </a:spcBef>
+              <a:spcAft>
+                <a:spcPts val="0"/>
+              </a:spcAft>
+              <a:buClr>
+                <a:schemeClr val="accent1"/>
+              </a:buClr>
+              <a:buSzPts val="1920"/>
+              <a:buFont typeface="Noto Sans Symbols"/>
+              <a:buChar char="▶"/>
+            </a:pPr>
+            <a:r>
+              <a:rPr lang="es-ES" sz="2400" b="0" i="0" u="none" strike="noStrike" cap="none" dirty="0">
+                <a:solidFill>
+                  <a:srgbClr val="3F3F3F"/>
+                </a:solidFill>
+                <a:latin typeface="Trebuchet MS"/>
+                <a:ea typeface="Trebuchet MS"/>
+                <a:cs typeface="Trebuchet MS"/>
+                <a:sym typeface="Trebuchet MS"/>
+              </a:rPr>
+              <a:t>Permite la depuración de scripts</a:t>
+            </a:r>
+            <a:endParaRPr dirty="0"/>
+          </a:p>
+          <a:p>
+            <a:pPr marL="342900" marR="0" lvl="0" indent="-251459" algn="l" rtl="0">
+              <a:spcBef>
+                <a:spcPts val="1000"/>
+              </a:spcBef>
+              <a:spcAft>
+                <a:spcPts val="0"/>
+              </a:spcAft>
+              <a:buClr>
+                <a:schemeClr val="accent1"/>
+              </a:buClr>
+              <a:buSzPts val="1440"/>
+              <a:buFont typeface="Noto Sans Symbols"/>
+              <a:buNone/>
+            </a:pPr>
+            <a:endParaRPr sz="1800" b="0" i="0" u="none" strike="noStrike" cap="none" dirty="0">
+              <a:solidFill>
+                <a:srgbClr val="3F3F3F"/>
+              </a:solidFill>
+              <a:latin typeface="Trebuchet MS"/>
+              <a:ea typeface="Trebuchet MS"/>
+              <a:cs typeface="Trebuchet MS"/>
+              <a:sym typeface="Trebuchet MS"/>
+            </a:endParaRPr>
+          </a:p>
+        </p:txBody>
+      </p:sp>
+      <p:pic>
+        <p:nvPicPr>
+          <p:cNvPr id="2" name="Imagen 1">
+            <a:extLst>
+              <a:ext uri="{FF2B5EF4-FFF2-40B4-BE49-F238E27FC236}">
+                <a16:creationId xmlns:a16="http://schemas.microsoft.com/office/drawing/2014/main" id="{16A51992-1509-4B77-9D65-A58709107394}"/>
+              </a:ext>
+            </a:extLst>
+          </p:cNvPr>
+          <p:cNvPicPr>
+            <a:picLocks noChangeAspect="1"/>
+          </p:cNvPicPr>
+          <p:nvPr/>
+        </p:nvPicPr>
+        <p:blipFill>
+          <a:blip r:embed="rId3"/>
+          <a:stretch>
+            <a:fillRect/>
+          </a:stretch>
+        </p:blipFill>
+        <p:spPr>
+          <a:xfrm>
+            <a:off x="7456279" y="609600"/>
+            <a:ext cx="4058387" cy="4684644"/>
+          </a:xfrm>
+          <a:prstGeom prst="rect">
+            <a:avLst/>
+          </a:prstGeom>
+        </p:spPr>
+      </p:pic>
+    </p:spTree>
+  </p:cSld>
+  <p:clrMapOvr>
+    <a:masterClrMapping/>
+  </p:clrMapOvr>
+</p:sld>
+</file>
+
+<file path=ppt/slides/slide21.xml><?xml version="1.0" encoding="utf-8"?>
+<p:sld xmlns:a="http://schemas.openxmlformats.org/drawingml/2006/main" xmlns:r="http://schemas.openxmlformats.org/officeDocument/2006/relationships" xmlns:p="http://schemas.openxmlformats.org/presentationml/2006/main">
+  <p:cSld>
+    <p:spTree>
+      <p:nvGrpSpPr>
         <p:cNvPr id="1" name="Shape 317"/>
         <p:cNvGrpSpPr/>
         <p:nvPr/>
@@ -28065,7 +28107,7 @@
               <a:buNone/>
             </a:pPr>
             <a:r>
-              <a:rPr lang="es-ES" sz="3600" b="0" i="0" u="none" strike="noStrike" cap="none">
+              <a:rPr lang="es-ES" sz="3600" b="0" i="0" u="none" strike="noStrike" cap="none" dirty="0">
                 <a:solidFill>
                   <a:schemeClr val="accent1"/>
                 </a:solidFill>
@@ -28076,7 +28118,7 @@
               </a:rPr>
               <a:t>Comandos de Selenium o “Selenio”</a:t>
             </a:r>
-            <a:endParaRPr sz="3600" b="0" i="0" u="none" strike="noStrike" cap="none">
+            <a:endParaRPr sz="3600" b="0" i="0" u="none" strike="noStrike" cap="none" dirty="0">
               <a:solidFill>
                 <a:schemeClr val="accent1"/>
               </a:solidFill>
@@ -28366,7 +28408,7 @@
 </p:sld>
 </file>
 
-<file path=ppt/slides/slide21.xml><?xml version="1.0" encoding="utf-8"?>
+<file path=ppt/slides/slide22.xml><?xml version="1.0" encoding="utf-8"?>
 <p:sld xmlns:a="http://schemas.openxmlformats.org/drawingml/2006/main" xmlns:r="http://schemas.openxmlformats.org/officeDocument/2006/relationships" xmlns:p="http://schemas.openxmlformats.org/presentationml/2006/main">
   <p:cSld>
     <p:spTree>
@@ -28519,7 +28561,419 @@
 </p:sld>
 </file>
 
-<file path=ppt/slides/slide22.xml><?xml version="1.0" encoding="utf-8"?>
+<file path=ppt/slides/slide23.xml><?xml version="1.0" encoding="utf-8"?>
+<p:sld xmlns:a="http://schemas.openxmlformats.org/drawingml/2006/main" xmlns:r="http://schemas.openxmlformats.org/officeDocument/2006/relationships" xmlns:p="http://schemas.openxmlformats.org/presentationml/2006/main">
+  <p:cSld>
+    <p:spTree>
+      <p:nvGrpSpPr>
+        <p:cNvPr id="1" name=""/>
+        <p:cNvGrpSpPr/>
+        <p:nvPr/>
+      </p:nvGrpSpPr>
+      <p:grpSpPr>
+        <a:xfrm>
+          <a:off x="0" y="0"/>
+          <a:ext cx="0" cy="0"/>
+          <a:chOff x="0" y="0"/>
+          <a:chExt cx="0" cy="0"/>
+        </a:xfrm>
+      </p:grpSpPr>
+      <p:sp>
+        <p:nvSpPr>
+          <p:cNvPr id="2" name="Título 1">
+            <a:extLst>
+              <a:ext uri="{FF2B5EF4-FFF2-40B4-BE49-F238E27FC236}">
+                <a16:creationId xmlns:a16="http://schemas.microsoft.com/office/drawing/2014/main" id="{841B74FB-9C84-4B5F-B87B-0CA46434B53F}"/>
+              </a:ext>
+            </a:extLst>
+          </p:cNvPr>
+          <p:cNvSpPr>
+            <a:spLocks noGrp="1"/>
+          </p:cNvSpPr>
+          <p:nvPr>
+            <p:ph type="title"/>
+          </p:nvPr>
+        </p:nvSpPr>
+        <p:spPr/>
+        <p:txBody>
+          <a:bodyPr/>
+          <a:lstStyle/>
+          <a:p>
+            <a:r>
+              <a:rPr lang="en-US" dirty="0"/>
+              <a:t>PA: </a:t>
+            </a:r>
+            <a:r>
+              <a:rPr lang="en-US" dirty="0" err="1"/>
+              <a:t>Crear</a:t>
+            </a:r>
+            <a:r>
+              <a:rPr lang="en-US" dirty="0"/>
+              <a:t> </a:t>
+            </a:r>
+            <a:r>
+              <a:rPr lang="en-US" dirty="0" err="1"/>
+              <a:t>pasos</a:t>
+            </a:r>
+            <a:r>
+              <a:rPr lang="en-US" dirty="0"/>
+              <a:t> de </a:t>
+            </a:r>
+            <a:r>
+              <a:rPr lang="en-US" dirty="0" err="1"/>
+              <a:t>prueba</a:t>
+            </a:r>
+            <a:endParaRPr lang="en-US" dirty="0"/>
+          </a:p>
+        </p:txBody>
+      </p:sp>
+      <p:pic>
+        <p:nvPicPr>
+          <p:cNvPr id="4" name="Imagen 3">
+            <a:extLst>
+              <a:ext uri="{FF2B5EF4-FFF2-40B4-BE49-F238E27FC236}">
+                <a16:creationId xmlns:a16="http://schemas.microsoft.com/office/drawing/2014/main" id="{4D0FB770-E55F-41C9-B761-FAB7C559D7F7}"/>
+              </a:ext>
+            </a:extLst>
+          </p:cNvPr>
+          <p:cNvPicPr>
+            <a:picLocks noChangeAspect="1"/>
+          </p:cNvPicPr>
+          <p:nvPr/>
+        </p:nvPicPr>
+        <p:blipFill>
+          <a:blip r:embed="rId2"/>
+          <a:stretch>
+            <a:fillRect/>
+          </a:stretch>
+        </p:blipFill>
+        <p:spPr>
+          <a:xfrm>
+            <a:off x="1599198" y="1409700"/>
+            <a:ext cx="6694570" cy="5091080"/>
+          </a:xfrm>
+          <a:prstGeom prst="rect">
+            <a:avLst/>
+          </a:prstGeom>
+        </p:spPr>
+      </p:pic>
+    </p:spTree>
+    <p:extLst>
+      <p:ext uri="{BB962C8B-B14F-4D97-AF65-F5344CB8AC3E}">
+        <p14:creationId xmlns:p14="http://schemas.microsoft.com/office/powerpoint/2010/main" val="3425456595"/>
+      </p:ext>
+    </p:extLst>
+  </p:cSld>
+  <p:clrMapOvr>
+    <a:masterClrMapping/>
+  </p:clrMapOvr>
+</p:sld>
+</file>
+
+<file path=ppt/slides/slide24.xml><?xml version="1.0" encoding="utf-8"?>
+<p:sld xmlns:a="http://schemas.openxmlformats.org/drawingml/2006/main" xmlns:r="http://schemas.openxmlformats.org/officeDocument/2006/relationships" xmlns:p="http://schemas.openxmlformats.org/presentationml/2006/main">
+  <p:cSld>
+    <p:spTree>
+      <p:nvGrpSpPr>
+        <p:cNvPr id="1" name=""/>
+        <p:cNvGrpSpPr/>
+        <p:nvPr/>
+      </p:nvGrpSpPr>
+      <p:grpSpPr>
+        <a:xfrm>
+          <a:off x="0" y="0"/>
+          <a:ext cx="0" cy="0"/>
+          <a:chOff x="0" y="0"/>
+          <a:chExt cx="0" cy="0"/>
+        </a:xfrm>
+      </p:grpSpPr>
+      <p:sp>
+        <p:nvSpPr>
+          <p:cNvPr id="2" name="Título 1">
+            <a:extLst>
+              <a:ext uri="{FF2B5EF4-FFF2-40B4-BE49-F238E27FC236}">
+                <a16:creationId xmlns:a16="http://schemas.microsoft.com/office/drawing/2014/main" id="{990B98E1-00C0-4345-B1F1-E38E3B3D93B5}"/>
+              </a:ext>
+            </a:extLst>
+          </p:cNvPr>
+          <p:cNvSpPr>
+            <a:spLocks noGrp="1"/>
+          </p:cNvSpPr>
+          <p:nvPr>
+            <p:ph type="title"/>
+          </p:nvPr>
+        </p:nvSpPr>
+        <p:spPr/>
+        <p:txBody>
+          <a:bodyPr/>
+          <a:lstStyle/>
+          <a:p>
+            <a:r>
+              <a:rPr lang="en-US" dirty="0"/>
+              <a:t>PA: </a:t>
+            </a:r>
+            <a:r>
+              <a:rPr lang="en-US" dirty="0" err="1"/>
+              <a:t>Complementacion</a:t>
+            </a:r>
+            <a:r>
+              <a:rPr lang="en-US" dirty="0"/>
+              <a:t> de las </a:t>
+            </a:r>
+            <a:r>
+              <a:rPr lang="en-US" dirty="0" err="1"/>
+              <a:t>pruebas</a:t>
+            </a:r>
+            <a:endParaRPr lang="en-US" dirty="0"/>
+          </a:p>
+        </p:txBody>
+      </p:sp>
+      <p:pic>
+        <p:nvPicPr>
+          <p:cNvPr id="4" name="Imagen 3">
+            <a:extLst>
+              <a:ext uri="{FF2B5EF4-FFF2-40B4-BE49-F238E27FC236}">
+                <a16:creationId xmlns:a16="http://schemas.microsoft.com/office/drawing/2014/main" id="{C092310D-1A1E-4270-9C4B-62F379510A7C}"/>
+              </a:ext>
+            </a:extLst>
+          </p:cNvPr>
+          <p:cNvPicPr>
+            <a:picLocks noChangeAspect="1"/>
+          </p:cNvPicPr>
+          <p:nvPr/>
+        </p:nvPicPr>
+        <p:blipFill>
+          <a:blip r:embed="rId2"/>
+          <a:stretch>
+            <a:fillRect/>
+          </a:stretch>
+        </p:blipFill>
+        <p:spPr>
+          <a:xfrm>
+            <a:off x="2539165" y="1390497"/>
+            <a:ext cx="5289383" cy="4971702"/>
+          </a:xfrm>
+          <a:prstGeom prst="rect">
+            <a:avLst/>
+          </a:prstGeom>
+        </p:spPr>
+      </p:pic>
+    </p:spTree>
+    <p:extLst>
+      <p:ext uri="{BB962C8B-B14F-4D97-AF65-F5344CB8AC3E}">
+        <p14:creationId xmlns:p14="http://schemas.microsoft.com/office/powerpoint/2010/main" val="3891586228"/>
+      </p:ext>
+    </p:extLst>
+  </p:cSld>
+  <p:clrMapOvr>
+    <a:masterClrMapping/>
+  </p:clrMapOvr>
+</p:sld>
+</file>
+
+<file path=ppt/slides/slide25.xml><?xml version="1.0" encoding="utf-8"?>
+<p:sld xmlns:a="http://schemas.openxmlformats.org/drawingml/2006/main" xmlns:r="http://schemas.openxmlformats.org/officeDocument/2006/relationships" xmlns:p="http://schemas.openxmlformats.org/presentationml/2006/main">
+  <p:cSld>
+    <p:spTree>
+      <p:nvGrpSpPr>
+        <p:cNvPr id="1" name=""/>
+        <p:cNvGrpSpPr/>
+        <p:nvPr/>
+      </p:nvGrpSpPr>
+      <p:grpSpPr>
+        <a:xfrm>
+          <a:off x="0" y="0"/>
+          <a:ext cx="0" cy="0"/>
+          <a:chOff x="0" y="0"/>
+          <a:chExt cx="0" cy="0"/>
+        </a:xfrm>
+      </p:grpSpPr>
+      <p:sp>
+        <p:nvSpPr>
+          <p:cNvPr id="2" name="Título 1">
+            <a:extLst>
+              <a:ext uri="{FF2B5EF4-FFF2-40B4-BE49-F238E27FC236}">
+                <a16:creationId xmlns:a16="http://schemas.microsoft.com/office/drawing/2014/main" id="{31614C91-B818-4B36-B860-F4631F195B0C}"/>
+              </a:ext>
+            </a:extLst>
+          </p:cNvPr>
+          <p:cNvSpPr>
+            <a:spLocks noGrp="1"/>
+          </p:cNvSpPr>
+          <p:nvPr>
+            <p:ph type="title"/>
+          </p:nvPr>
+        </p:nvSpPr>
+        <p:spPr/>
+        <p:txBody>
+          <a:bodyPr/>
+          <a:lstStyle/>
+          <a:p>
+            <a:r>
+              <a:rPr lang="en-US" dirty="0"/>
+              <a:t>PA: </a:t>
+            </a:r>
+            <a:r>
+              <a:rPr lang="en-US" dirty="0" err="1"/>
+              <a:t>Ejecucion</a:t>
+            </a:r>
+            <a:r>
+              <a:rPr lang="en-US" dirty="0"/>
+              <a:t> y </a:t>
+            </a:r>
+            <a:r>
+              <a:rPr lang="en-US" dirty="0" err="1"/>
+              <a:t>depuracion</a:t>
+            </a:r>
+            <a:endParaRPr lang="en-US" dirty="0"/>
+          </a:p>
+        </p:txBody>
+      </p:sp>
+      <p:pic>
+        <p:nvPicPr>
+          <p:cNvPr id="4" name="Imagen 3">
+            <a:extLst>
+              <a:ext uri="{FF2B5EF4-FFF2-40B4-BE49-F238E27FC236}">
+                <a16:creationId xmlns:a16="http://schemas.microsoft.com/office/drawing/2014/main" id="{A66C6594-52B1-4D23-BBB3-D14D07591901}"/>
+              </a:ext>
+            </a:extLst>
+          </p:cNvPr>
+          <p:cNvPicPr>
+            <a:picLocks noChangeAspect="1"/>
+          </p:cNvPicPr>
+          <p:nvPr/>
+        </p:nvPicPr>
+        <p:blipFill>
+          <a:blip r:embed="rId2"/>
+          <a:stretch>
+            <a:fillRect/>
+          </a:stretch>
+        </p:blipFill>
+        <p:spPr>
+          <a:xfrm>
+            <a:off x="2909887" y="1480686"/>
+            <a:ext cx="5271587" cy="4924876"/>
+          </a:xfrm>
+          <a:prstGeom prst="rect">
+            <a:avLst/>
+          </a:prstGeom>
+        </p:spPr>
+      </p:pic>
+    </p:spTree>
+    <p:extLst>
+      <p:ext uri="{BB962C8B-B14F-4D97-AF65-F5344CB8AC3E}">
+        <p14:creationId xmlns:p14="http://schemas.microsoft.com/office/powerpoint/2010/main" val="2648881788"/>
+      </p:ext>
+    </p:extLst>
+  </p:cSld>
+  <p:clrMapOvr>
+    <a:masterClrMapping/>
+  </p:clrMapOvr>
+</p:sld>
+</file>
+
+<file path=ppt/slides/slide26.xml><?xml version="1.0" encoding="utf-8"?>
+<p:sld xmlns:a="http://schemas.openxmlformats.org/drawingml/2006/main" xmlns:r="http://schemas.openxmlformats.org/officeDocument/2006/relationships" xmlns:p="http://schemas.openxmlformats.org/presentationml/2006/main">
+  <p:cSld>
+    <p:spTree>
+      <p:nvGrpSpPr>
+        <p:cNvPr id="1" name=""/>
+        <p:cNvGrpSpPr/>
+        <p:nvPr/>
+      </p:nvGrpSpPr>
+      <p:grpSpPr>
+        <a:xfrm>
+          <a:off x="0" y="0"/>
+          <a:ext cx="0" cy="0"/>
+          <a:chOff x="0" y="0"/>
+          <a:chExt cx="0" cy="0"/>
+        </a:xfrm>
+      </p:grpSpPr>
+      <p:sp>
+        <p:nvSpPr>
+          <p:cNvPr id="2" name="Título 1">
+            <a:extLst>
+              <a:ext uri="{FF2B5EF4-FFF2-40B4-BE49-F238E27FC236}">
+                <a16:creationId xmlns:a16="http://schemas.microsoft.com/office/drawing/2014/main" id="{4F4BF59A-309B-4D52-9271-732CC1142FAA}"/>
+              </a:ext>
+            </a:extLst>
+          </p:cNvPr>
+          <p:cNvSpPr>
+            <a:spLocks noGrp="1"/>
+          </p:cNvSpPr>
+          <p:nvPr>
+            <p:ph type="title"/>
+          </p:nvPr>
+        </p:nvSpPr>
+        <p:spPr/>
+        <p:txBody>
+          <a:bodyPr/>
+          <a:lstStyle/>
+          <a:p>
+            <a:r>
+              <a:rPr lang="en-US" dirty="0"/>
+              <a:t>PA: </a:t>
+            </a:r>
+            <a:r>
+              <a:rPr lang="en-US" dirty="0" err="1"/>
+              <a:t>Ejecucion</a:t>
+            </a:r>
+            <a:r>
+              <a:rPr lang="en-US" dirty="0"/>
+              <a:t> y </a:t>
+            </a:r>
+            <a:r>
+              <a:rPr lang="en-US" dirty="0" err="1"/>
+              <a:t>depuracion</a:t>
+            </a:r>
+            <a:endParaRPr lang="en-US" dirty="0"/>
+          </a:p>
+        </p:txBody>
+      </p:sp>
+      <p:pic>
+        <p:nvPicPr>
+          <p:cNvPr id="4" name="Imagen 3">
+            <a:extLst>
+              <a:ext uri="{FF2B5EF4-FFF2-40B4-BE49-F238E27FC236}">
+                <a16:creationId xmlns:a16="http://schemas.microsoft.com/office/drawing/2014/main" id="{86EFBCEA-26D2-45DF-975B-C6696A53AEF2}"/>
+              </a:ext>
+            </a:extLst>
+          </p:cNvPr>
+          <p:cNvPicPr>
+            <a:picLocks noChangeAspect="1"/>
+          </p:cNvPicPr>
+          <p:nvPr/>
+        </p:nvPicPr>
+        <p:blipFill>
+          <a:blip r:embed="rId2"/>
+          <a:stretch>
+            <a:fillRect/>
+          </a:stretch>
+        </p:blipFill>
+        <p:spPr>
+          <a:xfrm>
+            <a:off x="2717884" y="1514083"/>
+            <a:ext cx="5720264" cy="4995753"/>
+          </a:xfrm>
+          <a:prstGeom prst="rect">
+            <a:avLst/>
+          </a:prstGeom>
+        </p:spPr>
+      </p:pic>
+    </p:spTree>
+    <p:extLst>
+      <p:ext uri="{BB962C8B-B14F-4D97-AF65-F5344CB8AC3E}">
+        <p14:creationId xmlns:p14="http://schemas.microsoft.com/office/powerpoint/2010/main" val="2493520032"/>
+      </p:ext>
+    </p:extLst>
+  </p:cSld>
+  <p:clrMapOvr>
+    <a:masterClrMapping/>
+  </p:clrMapOvr>
+</p:sld>
+</file>
+
+<file path=ppt/slides/slide27.xml><?xml version="1.0" encoding="utf-8"?>
 <p:sld xmlns:a="http://schemas.openxmlformats.org/drawingml/2006/main" xmlns:r="http://schemas.openxmlformats.org/officeDocument/2006/relationships" xmlns:p="http://schemas.openxmlformats.org/presentationml/2006/main">
   <p:cSld>
     <p:spTree>
@@ -28629,15 +29083,7 @@
             </a:r>
             <a:r>
               <a:rPr lang="en-US" dirty="0"/>
-              <a:t> </a:t>
-            </a:r>
-            <a:r>
-              <a:rPr lang="en-US" dirty="0" err="1"/>
-              <a:t>archivos</a:t>
-            </a:r>
-            <a:r>
-              <a:rPr lang="en-US" dirty="0"/>
-              <a:t>.</a:t>
+              <a:t> archivos.</a:t>
             </a:r>
           </a:p>
           <a:p>
@@ -28738,7 +29184,7 @@
 </p:sld>
 </file>
 
-<file path=ppt/slides/slide23.xml><?xml version="1.0" encoding="utf-8"?>
+<file path=ppt/slides/slide28.xml><?xml version="1.0" encoding="utf-8"?>
 <p:sld xmlns:a="http://schemas.openxmlformats.org/drawingml/2006/main" xmlns:r="http://schemas.openxmlformats.org/officeDocument/2006/relationships" xmlns:p="http://schemas.openxmlformats.org/presentationml/2006/main">
   <p:cSld>
     <p:spTree>
@@ -28863,15 +29309,7 @@
           <a:p>
             <a:r>
               <a:rPr lang="en-US" dirty="0"/>
-              <a:t>Control de </a:t>
-            </a:r>
-            <a:r>
-              <a:rPr lang="en-US" dirty="0" err="1"/>
-              <a:t>archivos</a:t>
-            </a:r>
-            <a:r>
-              <a:rPr lang="en-US" dirty="0"/>
-              <a:t>:</a:t>
+              <a:t>Control de archivos:</a:t>
             </a:r>
           </a:p>
           <a:p>
@@ -28924,7 +29362,7 @@
 </p:sld>
 </file>
 
-<file path=ppt/slides/slide24.xml><?xml version="1.0" encoding="utf-8"?>
+<file path=ppt/slides/slide29.xml><?xml version="1.0" encoding="utf-8"?>
 <p:sld xmlns:a="http://schemas.openxmlformats.org/drawingml/2006/main" xmlns:r="http://schemas.openxmlformats.org/officeDocument/2006/relationships" xmlns:p="http://schemas.openxmlformats.org/presentationml/2006/main">
   <p:cSld>
     <p:spTree>
@@ -29038,7 +29476,621 @@
 </p:sld>
 </file>
 
-<file path=ppt/slides/slide25.xml><?xml version="1.0" encoding="utf-8"?>
+<file path=ppt/slides/slide3.xml><?xml version="1.0" encoding="utf-8"?>
+<p:sld xmlns:a="http://schemas.openxmlformats.org/drawingml/2006/main" xmlns:r="http://schemas.openxmlformats.org/officeDocument/2006/relationships" xmlns:p="http://schemas.openxmlformats.org/presentationml/2006/main">
+  <p:cSld>
+    <p:spTree>
+      <p:nvGrpSpPr>
+        <p:cNvPr id="1" name="Shape 173"/>
+        <p:cNvGrpSpPr/>
+        <p:nvPr/>
+      </p:nvGrpSpPr>
+      <p:grpSpPr>
+        <a:xfrm>
+          <a:off x="0" y="0"/>
+          <a:ext cx="0" cy="0"/>
+          <a:chOff x="0" y="0"/>
+          <a:chExt cx="0" cy="0"/>
+        </a:xfrm>
+      </p:grpSpPr>
+      <p:sp>
+        <p:nvSpPr>
+          <p:cNvPr id="174" name="Shape 174"/>
+          <p:cNvSpPr txBox="1">
+            <a:spLocks noGrp="1"/>
+          </p:cNvSpPr>
+          <p:nvPr>
+            <p:ph type="title"/>
+          </p:nvPr>
+        </p:nvSpPr>
+        <p:spPr>
+          <a:xfrm>
+            <a:off x="677334" y="609600"/>
+            <a:ext cx="8596668" cy="845713"/>
+          </a:xfrm>
+          <a:prstGeom prst="rect">
+            <a:avLst/>
+          </a:prstGeom>
+          <a:noFill/>
+          <a:ln>
+            <a:noFill/>
+          </a:ln>
+        </p:spPr>
+        <p:txBody>
+          <a:bodyPr spcFirstLastPara="1" wrap="square" lIns="91425" tIns="45700" rIns="91425" bIns="45700" anchor="t" anchorCtr="0">
+            <a:noAutofit/>
+          </a:bodyPr>
+          <a:lstStyle/>
+          <a:p>
+            <a:pPr marL="0" marR="0" lvl="0" indent="0" algn="l" rtl="0">
+              <a:spcBef>
+                <a:spcPts val="0"/>
+              </a:spcBef>
+              <a:spcAft>
+                <a:spcPts val="0"/>
+              </a:spcAft>
+              <a:buClr>
+                <a:schemeClr val="accent1"/>
+              </a:buClr>
+              <a:buFont typeface="Trebuchet MS"/>
+              <a:buNone/>
+            </a:pPr>
+            <a:r>
+              <a:rPr lang="es-ES" sz="3600" b="0" i="0" u="none" strike="noStrike" cap="none">
+                <a:solidFill>
+                  <a:schemeClr val="accent1"/>
+                </a:solidFill>
+                <a:latin typeface="Trebuchet MS"/>
+                <a:ea typeface="Trebuchet MS"/>
+                <a:cs typeface="Trebuchet MS"/>
+                <a:sym typeface="Trebuchet MS"/>
+              </a:rPr>
+              <a:t>Visión general de automatización</a:t>
+            </a:r>
+            <a:endParaRPr sz="3600" b="0" i="0" u="none" strike="noStrike" cap="none">
+              <a:solidFill>
+                <a:schemeClr val="accent1"/>
+              </a:solidFill>
+              <a:latin typeface="Trebuchet MS"/>
+              <a:ea typeface="Trebuchet MS"/>
+              <a:cs typeface="Trebuchet MS"/>
+              <a:sym typeface="Trebuchet MS"/>
+            </a:endParaRPr>
+          </a:p>
+        </p:txBody>
+      </p:sp>
+      <p:grpSp>
+        <p:nvGrpSpPr>
+          <p:cNvPr id="175" name="Shape 175"/>
+          <p:cNvGrpSpPr/>
+          <p:nvPr/>
+        </p:nvGrpSpPr>
+        <p:grpSpPr>
+          <a:xfrm>
+            <a:off x="677863" y="1700012"/>
+            <a:ext cx="8596312" cy="4342014"/>
+            <a:chOff x="0" y="0"/>
+            <a:chExt cx="8596312" cy="4342014"/>
+          </a:xfrm>
+        </p:grpSpPr>
+        <p:cxnSp>
+          <p:nvCxnSpPr>
+            <p:cNvPr id="176" name="Shape 176"/>
+            <p:cNvCxnSpPr/>
+            <p:nvPr/>
+          </p:nvCxnSpPr>
+          <p:spPr>
+            <a:xfrm>
+              <a:off x="0" y="0"/>
+              <a:ext cx="8596312" cy="0"/>
+            </a:xfrm>
+            <a:prstGeom prst="straightConnector1">
+              <a:avLst/>
+            </a:prstGeom>
+            <a:solidFill>
+              <a:srgbClr val="90C223"/>
+            </a:solidFill>
+            <a:ln w="19050" cap="rnd" cmpd="sng">
+              <a:solidFill>
+                <a:srgbClr val="90C223"/>
+              </a:solidFill>
+              <a:prstDash val="solid"/>
+              <a:round/>
+              <a:headEnd type="none" w="sm" len="sm"/>
+              <a:tailEnd type="none" w="sm" len="sm"/>
+            </a:ln>
+          </p:spPr>
+        </p:cxnSp>
+        <p:sp>
+          <p:nvSpPr>
+            <p:cNvPr id="177" name="Shape 177"/>
+            <p:cNvSpPr/>
+            <p:nvPr/>
+          </p:nvSpPr>
+          <p:spPr>
+            <a:xfrm>
+              <a:off x="0" y="0"/>
+              <a:ext cx="1719262" cy="4342014"/>
+            </a:xfrm>
+            <a:prstGeom prst="rect">
+              <a:avLst/>
+            </a:prstGeom>
+            <a:noFill/>
+            <a:ln>
+              <a:noFill/>
+            </a:ln>
+          </p:spPr>
+          <p:txBody>
+            <a:bodyPr spcFirstLastPara="1" wrap="square" lIns="91425" tIns="91425" rIns="91425" bIns="91425" anchor="ctr" anchorCtr="0">
+              <a:noAutofit/>
+            </a:bodyPr>
+            <a:lstStyle/>
+            <a:p>
+              <a:pPr marL="0" lvl="0" indent="0">
+                <a:spcBef>
+                  <a:spcPts val="0"/>
+                </a:spcBef>
+                <a:spcAft>
+                  <a:spcPts val="0"/>
+                </a:spcAft>
+                <a:buNone/>
+              </a:pPr>
+              <a:endParaRPr/>
+            </a:p>
+          </p:txBody>
+        </p:sp>
+        <p:sp>
+          <p:nvSpPr>
+            <p:cNvPr id="178" name="Shape 178"/>
+            <p:cNvSpPr txBox="1"/>
+            <p:nvPr/>
+          </p:nvSpPr>
+          <p:spPr>
+            <a:xfrm>
+              <a:off x="0" y="0"/>
+              <a:ext cx="1719262" cy="4342014"/>
+            </a:xfrm>
+            <a:prstGeom prst="rect">
+              <a:avLst/>
+            </a:prstGeom>
+            <a:noFill/>
+            <a:ln>
+              <a:noFill/>
+            </a:ln>
+          </p:spPr>
+          <p:txBody>
+            <a:bodyPr spcFirstLastPara="1" wrap="square" lIns="64750" tIns="64750" rIns="64750" bIns="64750" anchor="t" anchorCtr="0">
+              <a:noAutofit/>
+            </a:bodyPr>
+            <a:lstStyle/>
+            <a:p>
+              <a:pPr marL="0" marR="0" lvl="0" indent="0" algn="l" rtl="0">
+                <a:lnSpc>
+                  <a:spcPct val="90000"/>
+                </a:lnSpc>
+                <a:spcBef>
+                  <a:spcPts val="0"/>
+                </a:spcBef>
+                <a:spcAft>
+                  <a:spcPts val="0"/>
+                </a:spcAft>
+                <a:buNone/>
+              </a:pPr>
+              <a:r>
+                <a:rPr lang="es-ES" sz="1700" b="0" i="0" u="none" strike="noStrike" cap="none">
+                  <a:solidFill>
+                    <a:schemeClr val="dk1"/>
+                  </a:solidFill>
+                  <a:latin typeface="Trebuchet MS"/>
+                  <a:ea typeface="Trebuchet MS"/>
+                  <a:cs typeface="Trebuchet MS"/>
+                  <a:sym typeface="Trebuchet MS"/>
+                </a:rPr>
+                <a:t>Visión general de Automatización</a:t>
+              </a:r>
+              <a:endParaRPr sz="1700" b="0" i="0" u="none" strike="noStrike" cap="none">
+                <a:solidFill>
+                  <a:schemeClr val="dk1"/>
+                </a:solidFill>
+                <a:latin typeface="Trebuchet MS"/>
+                <a:ea typeface="Trebuchet MS"/>
+                <a:cs typeface="Trebuchet MS"/>
+                <a:sym typeface="Trebuchet MS"/>
+              </a:endParaRPr>
+            </a:p>
+          </p:txBody>
+        </p:sp>
+        <p:sp>
+          <p:nvSpPr>
+            <p:cNvPr id="179" name="Shape 179"/>
+            <p:cNvSpPr/>
+            <p:nvPr/>
+          </p:nvSpPr>
+          <p:spPr>
+            <a:xfrm>
+              <a:off x="1848207" y="67843"/>
+              <a:ext cx="6748104" cy="1356879"/>
+            </a:xfrm>
+            <a:prstGeom prst="rect">
+              <a:avLst/>
+            </a:prstGeom>
+            <a:noFill/>
+            <a:ln>
+              <a:noFill/>
+            </a:ln>
+          </p:spPr>
+          <p:txBody>
+            <a:bodyPr spcFirstLastPara="1" wrap="square" lIns="91425" tIns="91425" rIns="91425" bIns="91425" anchor="ctr" anchorCtr="0">
+              <a:noAutofit/>
+            </a:bodyPr>
+            <a:lstStyle/>
+            <a:p>
+              <a:pPr marL="0" lvl="0" indent="0">
+                <a:spcBef>
+                  <a:spcPts val="0"/>
+                </a:spcBef>
+                <a:spcAft>
+                  <a:spcPts val="0"/>
+                </a:spcAft>
+                <a:buNone/>
+              </a:pPr>
+              <a:endParaRPr/>
+            </a:p>
+          </p:txBody>
+        </p:sp>
+        <p:sp>
+          <p:nvSpPr>
+            <p:cNvPr id="180" name="Shape 180"/>
+            <p:cNvSpPr txBox="1"/>
+            <p:nvPr/>
+          </p:nvSpPr>
+          <p:spPr>
+            <a:xfrm>
+              <a:off x="1848207" y="67843"/>
+              <a:ext cx="6748104" cy="1356879"/>
+            </a:xfrm>
+            <a:prstGeom prst="rect">
+              <a:avLst/>
+            </a:prstGeom>
+            <a:noFill/>
+            <a:ln>
+              <a:noFill/>
+            </a:ln>
+          </p:spPr>
+          <p:txBody>
+            <a:bodyPr spcFirstLastPara="1" wrap="square" lIns="129525" tIns="129525" rIns="129525" bIns="129525" anchor="t" anchorCtr="0">
+              <a:noAutofit/>
+            </a:bodyPr>
+            <a:lstStyle/>
+            <a:p>
+              <a:pPr marL="0" marR="0" lvl="0" indent="0" algn="l" rtl="0">
+                <a:lnSpc>
+                  <a:spcPct val="90000"/>
+                </a:lnSpc>
+                <a:spcBef>
+                  <a:spcPts val="0"/>
+                </a:spcBef>
+                <a:spcAft>
+                  <a:spcPts val="0"/>
+                </a:spcAft>
+                <a:buNone/>
+              </a:pPr>
+              <a:r>
+                <a:rPr lang="es-ES" sz="3400" b="0" i="0" u="none" strike="noStrike" cap="none">
+                  <a:solidFill>
+                    <a:schemeClr val="dk1"/>
+                  </a:solidFill>
+                  <a:latin typeface="Trebuchet MS"/>
+                  <a:ea typeface="Trebuchet MS"/>
+                  <a:cs typeface="Trebuchet MS"/>
+                  <a:sym typeface="Trebuchet MS"/>
+                </a:rPr>
+                <a:t>* Beneficios</a:t>
+              </a:r>
+              <a:endParaRPr sz="3400" b="0" i="0" u="none" strike="noStrike" cap="none">
+                <a:solidFill>
+                  <a:schemeClr val="dk1"/>
+                </a:solidFill>
+                <a:latin typeface="Trebuchet MS"/>
+                <a:ea typeface="Trebuchet MS"/>
+                <a:cs typeface="Trebuchet MS"/>
+                <a:sym typeface="Trebuchet MS"/>
+              </a:endParaRPr>
+            </a:p>
+          </p:txBody>
+        </p:sp>
+        <p:cxnSp>
+          <p:nvCxnSpPr>
+            <p:cNvPr id="181" name="Shape 181"/>
+            <p:cNvCxnSpPr/>
+            <p:nvPr/>
+          </p:nvCxnSpPr>
+          <p:spPr>
+            <a:xfrm>
+              <a:off x="1719262" y="1424723"/>
+              <a:ext cx="6877049" cy="0"/>
+            </a:xfrm>
+            <a:prstGeom prst="straightConnector1">
+              <a:avLst/>
+            </a:prstGeom>
+            <a:solidFill>
+              <a:srgbClr val="90C223"/>
+            </a:solidFill>
+            <a:ln w="19050" cap="rnd" cmpd="sng">
+              <a:solidFill>
+                <a:srgbClr val="D1E3BB"/>
+              </a:solidFill>
+              <a:prstDash val="solid"/>
+              <a:round/>
+              <a:headEnd type="none" w="sm" len="sm"/>
+              <a:tailEnd type="none" w="sm" len="sm"/>
+            </a:ln>
+          </p:spPr>
+        </p:cxnSp>
+        <p:sp>
+          <p:nvSpPr>
+            <p:cNvPr id="182" name="Shape 182"/>
+            <p:cNvSpPr/>
+            <p:nvPr/>
+          </p:nvSpPr>
+          <p:spPr>
+            <a:xfrm>
+              <a:off x="1848207" y="1492567"/>
+              <a:ext cx="6748104" cy="1356879"/>
+            </a:xfrm>
+            <a:prstGeom prst="rect">
+              <a:avLst/>
+            </a:prstGeom>
+            <a:noFill/>
+            <a:ln>
+              <a:noFill/>
+            </a:ln>
+          </p:spPr>
+          <p:txBody>
+            <a:bodyPr spcFirstLastPara="1" wrap="square" lIns="91425" tIns="91425" rIns="91425" bIns="91425" anchor="ctr" anchorCtr="0">
+              <a:noAutofit/>
+            </a:bodyPr>
+            <a:lstStyle/>
+            <a:p>
+              <a:pPr marL="0" lvl="0" indent="0">
+                <a:spcBef>
+                  <a:spcPts val="0"/>
+                </a:spcBef>
+                <a:spcAft>
+                  <a:spcPts val="0"/>
+                </a:spcAft>
+                <a:buNone/>
+              </a:pPr>
+              <a:endParaRPr/>
+            </a:p>
+          </p:txBody>
+        </p:sp>
+        <p:sp>
+          <p:nvSpPr>
+            <p:cNvPr id="183" name="Shape 183"/>
+            <p:cNvSpPr txBox="1"/>
+            <p:nvPr/>
+          </p:nvSpPr>
+          <p:spPr>
+            <a:xfrm>
+              <a:off x="1848207" y="1492567"/>
+              <a:ext cx="6748104" cy="1356879"/>
+            </a:xfrm>
+            <a:prstGeom prst="rect">
+              <a:avLst/>
+            </a:prstGeom>
+            <a:noFill/>
+            <a:ln>
+              <a:noFill/>
+            </a:ln>
+          </p:spPr>
+          <p:txBody>
+            <a:bodyPr spcFirstLastPara="1" wrap="square" lIns="129525" tIns="129525" rIns="129525" bIns="129525" anchor="t" anchorCtr="0">
+              <a:noAutofit/>
+            </a:bodyPr>
+            <a:lstStyle/>
+            <a:p>
+              <a:pPr marL="0" marR="0" lvl="0" indent="0" algn="l" rtl="0">
+                <a:lnSpc>
+                  <a:spcPct val="90000"/>
+                </a:lnSpc>
+                <a:spcBef>
+                  <a:spcPts val="0"/>
+                </a:spcBef>
+                <a:spcAft>
+                  <a:spcPts val="0"/>
+                </a:spcAft>
+                <a:buNone/>
+              </a:pPr>
+              <a:r>
+                <a:rPr lang="es-ES" sz="3400" b="0" i="0" u="none" strike="noStrike" cap="none">
+                  <a:solidFill>
+                    <a:schemeClr val="dk1"/>
+                  </a:solidFill>
+                  <a:latin typeface="Trebuchet MS"/>
+                  <a:ea typeface="Trebuchet MS"/>
+                  <a:cs typeface="Trebuchet MS"/>
+                  <a:sym typeface="Trebuchet MS"/>
+                </a:rPr>
+                <a:t>* Proceso de la Automatización</a:t>
+              </a:r>
+              <a:endParaRPr sz="3400" b="0" i="0" u="none" strike="noStrike" cap="none">
+                <a:solidFill>
+                  <a:schemeClr val="dk1"/>
+                </a:solidFill>
+                <a:latin typeface="Trebuchet MS"/>
+                <a:ea typeface="Trebuchet MS"/>
+                <a:cs typeface="Trebuchet MS"/>
+                <a:sym typeface="Trebuchet MS"/>
+              </a:endParaRPr>
+            </a:p>
+          </p:txBody>
+        </p:sp>
+        <p:cxnSp>
+          <p:nvCxnSpPr>
+            <p:cNvPr id="184" name="Shape 184"/>
+            <p:cNvCxnSpPr/>
+            <p:nvPr/>
+          </p:nvCxnSpPr>
+          <p:spPr>
+            <a:xfrm>
+              <a:off x="1719262" y="2849446"/>
+              <a:ext cx="6877049" cy="0"/>
+            </a:xfrm>
+            <a:prstGeom prst="straightConnector1">
+              <a:avLst/>
+            </a:prstGeom>
+            <a:solidFill>
+              <a:srgbClr val="90C223"/>
+            </a:solidFill>
+            <a:ln w="19050" cap="rnd" cmpd="sng">
+              <a:solidFill>
+                <a:srgbClr val="D1E3BB"/>
+              </a:solidFill>
+              <a:prstDash val="solid"/>
+              <a:round/>
+              <a:headEnd type="none" w="sm" len="sm"/>
+              <a:tailEnd type="none" w="sm" len="sm"/>
+            </a:ln>
+          </p:spPr>
+        </p:cxnSp>
+        <p:sp>
+          <p:nvSpPr>
+            <p:cNvPr id="185" name="Shape 185"/>
+            <p:cNvSpPr/>
+            <p:nvPr/>
+          </p:nvSpPr>
+          <p:spPr>
+            <a:xfrm>
+              <a:off x="1848207" y="2917290"/>
+              <a:ext cx="6748104" cy="1356879"/>
+            </a:xfrm>
+            <a:prstGeom prst="rect">
+              <a:avLst/>
+            </a:prstGeom>
+            <a:noFill/>
+            <a:ln>
+              <a:noFill/>
+            </a:ln>
+          </p:spPr>
+          <p:txBody>
+            <a:bodyPr spcFirstLastPara="1" wrap="square" lIns="91425" tIns="91425" rIns="91425" bIns="91425" anchor="ctr" anchorCtr="0">
+              <a:noAutofit/>
+            </a:bodyPr>
+            <a:lstStyle/>
+            <a:p>
+              <a:pPr marL="0" lvl="0" indent="0">
+                <a:spcBef>
+                  <a:spcPts val="0"/>
+                </a:spcBef>
+                <a:spcAft>
+                  <a:spcPts val="0"/>
+                </a:spcAft>
+                <a:buNone/>
+              </a:pPr>
+              <a:endParaRPr/>
+            </a:p>
+          </p:txBody>
+        </p:sp>
+        <p:sp>
+          <p:nvSpPr>
+            <p:cNvPr id="186" name="Shape 186"/>
+            <p:cNvSpPr txBox="1"/>
+            <p:nvPr/>
+          </p:nvSpPr>
+          <p:spPr>
+            <a:xfrm>
+              <a:off x="1848207" y="2917290"/>
+              <a:ext cx="6748104" cy="1356879"/>
+            </a:xfrm>
+            <a:prstGeom prst="rect">
+              <a:avLst/>
+            </a:prstGeom>
+            <a:noFill/>
+            <a:ln>
+              <a:noFill/>
+            </a:ln>
+          </p:spPr>
+          <p:txBody>
+            <a:bodyPr spcFirstLastPara="1" wrap="square" lIns="129525" tIns="129525" rIns="129525" bIns="129525" anchor="t" anchorCtr="0">
+              <a:noAutofit/>
+            </a:bodyPr>
+            <a:lstStyle/>
+            <a:p>
+              <a:pPr marL="0" marR="0" lvl="0" indent="0" algn="l" rtl="0">
+                <a:lnSpc>
+                  <a:spcPct val="90000"/>
+                </a:lnSpc>
+                <a:spcBef>
+                  <a:spcPts val="0"/>
+                </a:spcBef>
+                <a:spcAft>
+                  <a:spcPts val="0"/>
+                </a:spcAft>
+                <a:buNone/>
+              </a:pPr>
+              <a:r>
+                <a:rPr lang="es-ES" sz="3400" b="0" i="0" u="none" strike="noStrike" cap="none">
+                  <a:solidFill>
+                    <a:schemeClr val="dk1"/>
+                  </a:solidFill>
+                  <a:latin typeface="Trebuchet MS"/>
+                  <a:ea typeface="Trebuchet MS"/>
+                  <a:cs typeface="Trebuchet MS"/>
+                  <a:sym typeface="Trebuchet MS"/>
+                </a:rPr>
+                <a:t>* Creación de una infraestructura de automatización.</a:t>
+              </a:r>
+              <a:endParaRPr sz="3400" b="0" i="0" u="none" strike="noStrike" cap="none">
+                <a:solidFill>
+                  <a:schemeClr val="dk1"/>
+                </a:solidFill>
+                <a:latin typeface="Trebuchet MS"/>
+                <a:ea typeface="Trebuchet MS"/>
+                <a:cs typeface="Trebuchet MS"/>
+                <a:sym typeface="Trebuchet MS"/>
+              </a:endParaRPr>
+            </a:p>
+          </p:txBody>
+        </p:sp>
+        <p:cxnSp>
+          <p:nvCxnSpPr>
+            <p:cNvPr id="187" name="Shape 187"/>
+            <p:cNvCxnSpPr/>
+            <p:nvPr/>
+          </p:nvCxnSpPr>
+          <p:spPr>
+            <a:xfrm>
+              <a:off x="1719262" y="4274170"/>
+              <a:ext cx="6877049" cy="0"/>
+            </a:xfrm>
+            <a:prstGeom prst="straightConnector1">
+              <a:avLst/>
+            </a:prstGeom>
+            <a:solidFill>
+              <a:srgbClr val="90C223"/>
+            </a:solidFill>
+            <a:ln w="19050" cap="rnd" cmpd="sng">
+              <a:solidFill>
+                <a:srgbClr val="D1E3BB"/>
+              </a:solidFill>
+              <a:prstDash val="solid"/>
+              <a:round/>
+              <a:headEnd type="none" w="sm" len="sm"/>
+              <a:tailEnd type="none" w="sm" len="sm"/>
+            </a:ln>
+          </p:spPr>
+        </p:cxnSp>
+      </p:grpSp>
+    </p:spTree>
+  </p:cSld>
+  <p:clrMapOvr>
+    <a:masterClrMapping/>
+  </p:clrMapOvr>
+</p:sld>
+</file>
+
+<file path=ppt/slides/slide30.xml><?xml version="1.0" encoding="utf-8"?>
 <p:sld xmlns:a="http://schemas.openxmlformats.org/drawingml/2006/main" xmlns:r="http://schemas.openxmlformats.org/officeDocument/2006/relationships" xmlns:p="http://schemas.openxmlformats.org/presentationml/2006/main">
   <p:cSld>
     <p:spTree>
@@ -29304,7 +30356,7 @@
 </p:sld>
 </file>
 
-<file path=ppt/slides/slide26.xml><?xml version="1.0" encoding="utf-8"?>
+<file path=ppt/slides/slide31.xml><?xml version="1.0" encoding="utf-8"?>
 <p:sld xmlns:a="http://schemas.openxmlformats.org/drawingml/2006/main" xmlns:r="http://schemas.openxmlformats.org/officeDocument/2006/relationships" xmlns:p="http://schemas.openxmlformats.org/presentationml/2006/main">
   <p:cSld>
     <p:spTree>
@@ -29520,620 +30572,6 @@
 </p:sld>
 </file>
 
-<file path=ppt/slides/slide3.xml><?xml version="1.0" encoding="utf-8"?>
-<p:sld xmlns:a="http://schemas.openxmlformats.org/drawingml/2006/main" xmlns:r="http://schemas.openxmlformats.org/officeDocument/2006/relationships" xmlns:p="http://schemas.openxmlformats.org/presentationml/2006/main">
-  <p:cSld>
-    <p:spTree>
-      <p:nvGrpSpPr>
-        <p:cNvPr id="1" name="Shape 173"/>
-        <p:cNvGrpSpPr/>
-        <p:nvPr/>
-      </p:nvGrpSpPr>
-      <p:grpSpPr>
-        <a:xfrm>
-          <a:off x="0" y="0"/>
-          <a:ext cx="0" cy="0"/>
-          <a:chOff x="0" y="0"/>
-          <a:chExt cx="0" cy="0"/>
-        </a:xfrm>
-      </p:grpSpPr>
-      <p:sp>
-        <p:nvSpPr>
-          <p:cNvPr id="174" name="Shape 174"/>
-          <p:cNvSpPr txBox="1">
-            <a:spLocks noGrp="1"/>
-          </p:cNvSpPr>
-          <p:nvPr>
-            <p:ph type="title"/>
-          </p:nvPr>
-        </p:nvSpPr>
-        <p:spPr>
-          <a:xfrm>
-            <a:off x="677334" y="609600"/>
-            <a:ext cx="8596668" cy="845713"/>
-          </a:xfrm>
-          <a:prstGeom prst="rect">
-            <a:avLst/>
-          </a:prstGeom>
-          <a:noFill/>
-          <a:ln>
-            <a:noFill/>
-          </a:ln>
-        </p:spPr>
-        <p:txBody>
-          <a:bodyPr spcFirstLastPara="1" wrap="square" lIns="91425" tIns="45700" rIns="91425" bIns="45700" anchor="t" anchorCtr="0">
-            <a:noAutofit/>
-          </a:bodyPr>
-          <a:lstStyle/>
-          <a:p>
-            <a:pPr marL="0" marR="0" lvl="0" indent="0" algn="l" rtl="0">
-              <a:spcBef>
-                <a:spcPts val="0"/>
-              </a:spcBef>
-              <a:spcAft>
-                <a:spcPts val="0"/>
-              </a:spcAft>
-              <a:buClr>
-                <a:schemeClr val="accent1"/>
-              </a:buClr>
-              <a:buFont typeface="Trebuchet MS"/>
-              <a:buNone/>
-            </a:pPr>
-            <a:r>
-              <a:rPr lang="es-ES" sz="3600" b="0" i="0" u="none" strike="noStrike" cap="none">
-                <a:solidFill>
-                  <a:schemeClr val="accent1"/>
-                </a:solidFill>
-                <a:latin typeface="Trebuchet MS"/>
-                <a:ea typeface="Trebuchet MS"/>
-                <a:cs typeface="Trebuchet MS"/>
-                <a:sym typeface="Trebuchet MS"/>
-              </a:rPr>
-              <a:t>Visión general de automatización</a:t>
-            </a:r>
-            <a:endParaRPr sz="3600" b="0" i="0" u="none" strike="noStrike" cap="none">
-              <a:solidFill>
-                <a:schemeClr val="accent1"/>
-              </a:solidFill>
-              <a:latin typeface="Trebuchet MS"/>
-              <a:ea typeface="Trebuchet MS"/>
-              <a:cs typeface="Trebuchet MS"/>
-              <a:sym typeface="Trebuchet MS"/>
-            </a:endParaRPr>
-          </a:p>
-        </p:txBody>
-      </p:sp>
-      <p:grpSp>
-        <p:nvGrpSpPr>
-          <p:cNvPr id="175" name="Shape 175"/>
-          <p:cNvGrpSpPr/>
-          <p:nvPr/>
-        </p:nvGrpSpPr>
-        <p:grpSpPr>
-          <a:xfrm>
-            <a:off x="677863" y="1700012"/>
-            <a:ext cx="8596312" cy="4342014"/>
-            <a:chOff x="0" y="0"/>
-            <a:chExt cx="8596312" cy="4342014"/>
-          </a:xfrm>
-        </p:grpSpPr>
-        <p:cxnSp>
-          <p:nvCxnSpPr>
-            <p:cNvPr id="176" name="Shape 176"/>
-            <p:cNvCxnSpPr/>
-            <p:nvPr/>
-          </p:nvCxnSpPr>
-          <p:spPr>
-            <a:xfrm>
-              <a:off x="0" y="0"/>
-              <a:ext cx="8596312" cy="0"/>
-            </a:xfrm>
-            <a:prstGeom prst="straightConnector1">
-              <a:avLst/>
-            </a:prstGeom>
-            <a:solidFill>
-              <a:srgbClr val="90C223"/>
-            </a:solidFill>
-            <a:ln w="19050" cap="rnd" cmpd="sng">
-              <a:solidFill>
-                <a:srgbClr val="90C223"/>
-              </a:solidFill>
-              <a:prstDash val="solid"/>
-              <a:round/>
-              <a:headEnd type="none" w="sm" len="sm"/>
-              <a:tailEnd type="none" w="sm" len="sm"/>
-            </a:ln>
-          </p:spPr>
-        </p:cxnSp>
-        <p:sp>
-          <p:nvSpPr>
-            <p:cNvPr id="177" name="Shape 177"/>
-            <p:cNvSpPr/>
-            <p:nvPr/>
-          </p:nvSpPr>
-          <p:spPr>
-            <a:xfrm>
-              <a:off x="0" y="0"/>
-              <a:ext cx="1719262" cy="4342014"/>
-            </a:xfrm>
-            <a:prstGeom prst="rect">
-              <a:avLst/>
-            </a:prstGeom>
-            <a:noFill/>
-            <a:ln>
-              <a:noFill/>
-            </a:ln>
-          </p:spPr>
-          <p:txBody>
-            <a:bodyPr spcFirstLastPara="1" wrap="square" lIns="91425" tIns="91425" rIns="91425" bIns="91425" anchor="ctr" anchorCtr="0">
-              <a:noAutofit/>
-            </a:bodyPr>
-            <a:lstStyle/>
-            <a:p>
-              <a:pPr marL="0" lvl="0" indent="0">
-                <a:spcBef>
-                  <a:spcPts val="0"/>
-                </a:spcBef>
-                <a:spcAft>
-                  <a:spcPts val="0"/>
-                </a:spcAft>
-                <a:buNone/>
-              </a:pPr>
-              <a:endParaRPr/>
-            </a:p>
-          </p:txBody>
-        </p:sp>
-        <p:sp>
-          <p:nvSpPr>
-            <p:cNvPr id="178" name="Shape 178"/>
-            <p:cNvSpPr txBox="1"/>
-            <p:nvPr/>
-          </p:nvSpPr>
-          <p:spPr>
-            <a:xfrm>
-              <a:off x="0" y="0"/>
-              <a:ext cx="1719262" cy="4342014"/>
-            </a:xfrm>
-            <a:prstGeom prst="rect">
-              <a:avLst/>
-            </a:prstGeom>
-            <a:noFill/>
-            <a:ln>
-              <a:noFill/>
-            </a:ln>
-          </p:spPr>
-          <p:txBody>
-            <a:bodyPr spcFirstLastPara="1" wrap="square" lIns="64750" tIns="64750" rIns="64750" bIns="64750" anchor="t" anchorCtr="0">
-              <a:noAutofit/>
-            </a:bodyPr>
-            <a:lstStyle/>
-            <a:p>
-              <a:pPr marL="0" marR="0" lvl="0" indent="0" algn="l" rtl="0">
-                <a:lnSpc>
-                  <a:spcPct val="90000"/>
-                </a:lnSpc>
-                <a:spcBef>
-                  <a:spcPts val="0"/>
-                </a:spcBef>
-                <a:spcAft>
-                  <a:spcPts val="0"/>
-                </a:spcAft>
-                <a:buNone/>
-              </a:pPr>
-              <a:r>
-                <a:rPr lang="es-ES" sz="1700" b="0" i="0" u="none" strike="noStrike" cap="none">
-                  <a:solidFill>
-                    <a:schemeClr val="dk1"/>
-                  </a:solidFill>
-                  <a:latin typeface="Trebuchet MS"/>
-                  <a:ea typeface="Trebuchet MS"/>
-                  <a:cs typeface="Trebuchet MS"/>
-                  <a:sym typeface="Trebuchet MS"/>
-                </a:rPr>
-                <a:t>Visión general de Automatización</a:t>
-              </a:r>
-              <a:endParaRPr sz="1700" b="0" i="0" u="none" strike="noStrike" cap="none">
-                <a:solidFill>
-                  <a:schemeClr val="dk1"/>
-                </a:solidFill>
-                <a:latin typeface="Trebuchet MS"/>
-                <a:ea typeface="Trebuchet MS"/>
-                <a:cs typeface="Trebuchet MS"/>
-                <a:sym typeface="Trebuchet MS"/>
-              </a:endParaRPr>
-            </a:p>
-          </p:txBody>
-        </p:sp>
-        <p:sp>
-          <p:nvSpPr>
-            <p:cNvPr id="179" name="Shape 179"/>
-            <p:cNvSpPr/>
-            <p:nvPr/>
-          </p:nvSpPr>
-          <p:spPr>
-            <a:xfrm>
-              <a:off x="1848207" y="67843"/>
-              <a:ext cx="6748104" cy="1356879"/>
-            </a:xfrm>
-            <a:prstGeom prst="rect">
-              <a:avLst/>
-            </a:prstGeom>
-            <a:noFill/>
-            <a:ln>
-              <a:noFill/>
-            </a:ln>
-          </p:spPr>
-          <p:txBody>
-            <a:bodyPr spcFirstLastPara="1" wrap="square" lIns="91425" tIns="91425" rIns="91425" bIns="91425" anchor="ctr" anchorCtr="0">
-              <a:noAutofit/>
-            </a:bodyPr>
-            <a:lstStyle/>
-            <a:p>
-              <a:pPr marL="0" lvl="0" indent="0">
-                <a:spcBef>
-                  <a:spcPts val="0"/>
-                </a:spcBef>
-                <a:spcAft>
-                  <a:spcPts val="0"/>
-                </a:spcAft>
-                <a:buNone/>
-              </a:pPr>
-              <a:endParaRPr/>
-            </a:p>
-          </p:txBody>
-        </p:sp>
-        <p:sp>
-          <p:nvSpPr>
-            <p:cNvPr id="180" name="Shape 180"/>
-            <p:cNvSpPr txBox="1"/>
-            <p:nvPr/>
-          </p:nvSpPr>
-          <p:spPr>
-            <a:xfrm>
-              <a:off x="1848207" y="67843"/>
-              <a:ext cx="6748104" cy="1356879"/>
-            </a:xfrm>
-            <a:prstGeom prst="rect">
-              <a:avLst/>
-            </a:prstGeom>
-            <a:noFill/>
-            <a:ln>
-              <a:noFill/>
-            </a:ln>
-          </p:spPr>
-          <p:txBody>
-            <a:bodyPr spcFirstLastPara="1" wrap="square" lIns="129525" tIns="129525" rIns="129525" bIns="129525" anchor="t" anchorCtr="0">
-              <a:noAutofit/>
-            </a:bodyPr>
-            <a:lstStyle/>
-            <a:p>
-              <a:pPr marL="0" marR="0" lvl="0" indent="0" algn="l" rtl="0">
-                <a:lnSpc>
-                  <a:spcPct val="90000"/>
-                </a:lnSpc>
-                <a:spcBef>
-                  <a:spcPts val="0"/>
-                </a:spcBef>
-                <a:spcAft>
-                  <a:spcPts val="0"/>
-                </a:spcAft>
-                <a:buNone/>
-              </a:pPr>
-              <a:r>
-                <a:rPr lang="es-ES" sz="3400" b="0" i="0" u="none" strike="noStrike" cap="none">
-                  <a:solidFill>
-                    <a:schemeClr val="dk1"/>
-                  </a:solidFill>
-                  <a:latin typeface="Trebuchet MS"/>
-                  <a:ea typeface="Trebuchet MS"/>
-                  <a:cs typeface="Trebuchet MS"/>
-                  <a:sym typeface="Trebuchet MS"/>
-                </a:rPr>
-                <a:t>* Beneficios</a:t>
-              </a:r>
-              <a:endParaRPr sz="3400" b="0" i="0" u="none" strike="noStrike" cap="none">
-                <a:solidFill>
-                  <a:schemeClr val="dk1"/>
-                </a:solidFill>
-                <a:latin typeface="Trebuchet MS"/>
-                <a:ea typeface="Trebuchet MS"/>
-                <a:cs typeface="Trebuchet MS"/>
-                <a:sym typeface="Trebuchet MS"/>
-              </a:endParaRPr>
-            </a:p>
-          </p:txBody>
-        </p:sp>
-        <p:cxnSp>
-          <p:nvCxnSpPr>
-            <p:cNvPr id="181" name="Shape 181"/>
-            <p:cNvCxnSpPr/>
-            <p:nvPr/>
-          </p:nvCxnSpPr>
-          <p:spPr>
-            <a:xfrm>
-              <a:off x="1719262" y="1424723"/>
-              <a:ext cx="6877049" cy="0"/>
-            </a:xfrm>
-            <a:prstGeom prst="straightConnector1">
-              <a:avLst/>
-            </a:prstGeom>
-            <a:solidFill>
-              <a:srgbClr val="90C223"/>
-            </a:solidFill>
-            <a:ln w="19050" cap="rnd" cmpd="sng">
-              <a:solidFill>
-                <a:srgbClr val="D1E3BB"/>
-              </a:solidFill>
-              <a:prstDash val="solid"/>
-              <a:round/>
-              <a:headEnd type="none" w="sm" len="sm"/>
-              <a:tailEnd type="none" w="sm" len="sm"/>
-            </a:ln>
-          </p:spPr>
-        </p:cxnSp>
-        <p:sp>
-          <p:nvSpPr>
-            <p:cNvPr id="182" name="Shape 182"/>
-            <p:cNvSpPr/>
-            <p:nvPr/>
-          </p:nvSpPr>
-          <p:spPr>
-            <a:xfrm>
-              <a:off x="1848207" y="1492567"/>
-              <a:ext cx="6748104" cy="1356879"/>
-            </a:xfrm>
-            <a:prstGeom prst="rect">
-              <a:avLst/>
-            </a:prstGeom>
-            <a:noFill/>
-            <a:ln>
-              <a:noFill/>
-            </a:ln>
-          </p:spPr>
-          <p:txBody>
-            <a:bodyPr spcFirstLastPara="1" wrap="square" lIns="91425" tIns="91425" rIns="91425" bIns="91425" anchor="ctr" anchorCtr="0">
-              <a:noAutofit/>
-            </a:bodyPr>
-            <a:lstStyle/>
-            <a:p>
-              <a:pPr marL="0" lvl="0" indent="0">
-                <a:spcBef>
-                  <a:spcPts val="0"/>
-                </a:spcBef>
-                <a:spcAft>
-                  <a:spcPts val="0"/>
-                </a:spcAft>
-                <a:buNone/>
-              </a:pPr>
-              <a:endParaRPr/>
-            </a:p>
-          </p:txBody>
-        </p:sp>
-        <p:sp>
-          <p:nvSpPr>
-            <p:cNvPr id="183" name="Shape 183"/>
-            <p:cNvSpPr txBox="1"/>
-            <p:nvPr/>
-          </p:nvSpPr>
-          <p:spPr>
-            <a:xfrm>
-              <a:off x="1848207" y="1492567"/>
-              <a:ext cx="6748104" cy="1356879"/>
-            </a:xfrm>
-            <a:prstGeom prst="rect">
-              <a:avLst/>
-            </a:prstGeom>
-            <a:noFill/>
-            <a:ln>
-              <a:noFill/>
-            </a:ln>
-          </p:spPr>
-          <p:txBody>
-            <a:bodyPr spcFirstLastPara="1" wrap="square" lIns="129525" tIns="129525" rIns="129525" bIns="129525" anchor="t" anchorCtr="0">
-              <a:noAutofit/>
-            </a:bodyPr>
-            <a:lstStyle/>
-            <a:p>
-              <a:pPr marL="0" marR="0" lvl="0" indent="0" algn="l" rtl="0">
-                <a:lnSpc>
-                  <a:spcPct val="90000"/>
-                </a:lnSpc>
-                <a:spcBef>
-                  <a:spcPts val="0"/>
-                </a:spcBef>
-                <a:spcAft>
-                  <a:spcPts val="0"/>
-                </a:spcAft>
-                <a:buNone/>
-              </a:pPr>
-              <a:r>
-                <a:rPr lang="es-ES" sz="3400" b="0" i="0" u="none" strike="noStrike" cap="none">
-                  <a:solidFill>
-                    <a:schemeClr val="dk1"/>
-                  </a:solidFill>
-                  <a:latin typeface="Trebuchet MS"/>
-                  <a:ea typeface="Trebuchet MS"/>
-                  <a:cs typeface="Trebuchet MS"/>
-                  <a:sym typeface="Trebuchet MS"/>
-                </a:rPr>
-                <a:t>* Proceso de la Automatización</a:t>
-              </a:r>
-              <a:endParaRPr sz="3400" b="0" i="0" u="none" strike="noStrike" cap="none">
-                <a:solidFill>
-                  <a:schemeClr val="dk1"/>
-                </a:solidFill>
-                <a:latin typeface="Trebuchet MS"/>
-                <a:ea typeface="Trebuchet MS"/>
-                <a:cs typeface="Trebuchet MS"/>
-                <a:sym typeface="Trebuchet MS"/>
-              </a:endParaRPr>
-            </a:p>
-          </p:txBody>
-        </p:sp>
-        <p:cxnSp>
-          <p:nvCxnSpPr>
-            <p:cNvPr id="184" name="Shape 184"/>
-            <p:cNvCxnSpPr/>
-            <p:nvPr/>
-          </p:nvCxnSpPr>
-          <p:spPr>
-            <a:xfrm>
-              <a:off x="1719262" y="2849446"/>
-              <a:ext cx="6877049" cy="0"/>
-            </a:xfrm>
-            <a:prstGeom prst="straightConnector1">
-              <a:avLst/>
-            </a:prstGeom>
-            <a:solidFill>
-              <a:srgbClr val="90C223"/>
-            </a:solidFill>
-            <a:ln w="19050" cap="rnd" cmpd="sng">
-              <a:solidFill>
-                <a:srgbClr val="D1E3BB"/>
-              </a:solidFill>
-              <a:prstDash val="solid"/>
-              <a:round/>
-              <a:headEnd type="none" w="sm" len="sm"/>
-              <a:tailEnd type="none" w="sm" len="sm"/>
-            </a:ln>
-          </p:spPr>
-        </p:cxnSp>
-        <p:sp>
-          <p:nvSpPr>
-            <p:cNvPr id="185" name="Shape 185"/>
-            <p:cNvSpPr/>
-            <p:nvPr/>
-          </p:nvSpPr>
-          <p:spPr>
-            <a:xfrm>
-              <a:off x="1848207" y="2917290"/>
-              <a:ext cx="6748104" cy="1356879"/>
-            </a:xfrm>
-            <a:prstGeom prst="rect">
-              <a:avLst/>
-            </a:prstGeom>
-            <a:noFill/>
-            <a:ln>
-              <a:noFill/>
-            </a:ln>
-          </p:spPr>
-          <p:txBody>
-            <a:bodyPr spcFirstLastPara="1" wrap="square" lIns="91425" tIns="91425" rIns="91425" bIns="91425" anchor="ctr" anchorCtr="0">
-              <a:noAutofit/>
-            </a:bodyPr>
-            <a:lstStyle/>
-            <a:p>
-              <a:pPr marL="0" lvl="0" indent="0">
-                <a:spcBef>
-                  <a:spcPts val="0"/>
-                </a:spcBef>
-                <a:spcAft>
-                  <a:spcPts val="0"/>
-                </a:spcAft>
-                <a:buNone/>
-              </a:pPr>
-              <a:endParaRPr/>
-            </a:p>
-          </p:txBody>
-        </p:sp>
-        <p:sp>
-          <p:nvSpPr>
-            <p:cNvPr id="186" name="Shape 186"/>
-            <p:cNvSpPr txBox="1"/>
-            <p:nvPr/>
-          </p:nvSpPr>
-          <p:spPr>
-            <a:xfrm>
-              <a:off x="1848207" y="2917290"/>
-              <a:ext cx="6748104" cy="1356879"/>
-            </a:xfrm>
-            <a:prstGeom prst="rect">
-              <a:avLst/>
-            </a:prstGeom>
-            <a:noFill/>
-            <a:ln>
-              <a:noFill/>
-            </a:ln>
-          </p:spPr>
-          <p:txBody>
-            <a:bodyPr spcFirstLastPara="1" wrap="square" lIns="129525" tIns="129525" rIns="129525" bIns="129525" anchor="t" anchorCtr="0">
-              <a:noAutofit/>
-            </a:bodyPr>
-            <a:lstStyle/>
-            <a:p>
-              <a:pPr marL="0" marR="0" lvl="0" indent="0" algn="l" rtl="0">
-                <a:lnSpc>
-                  <a:spcPct val="90000"/>
-                </a:lnSpc>
-                <a:spcBef>
-                  <a:spcPts val="0"/>
-                </a:spcBef>
-                <a:spcAft>
-                  <a:spcPts val="0"/>
-                </a:spcAft>
-                <a:buNone/>
-              </a:pPr>
-              <a:r>
-                <a:rPr lang="es-ES" sz="3400" b="0" i="0" u="none" strike="noStrike" cap="none">
-                  <a:solidFill>
-                    <a:schemeClr val="dk1"/>
-                  </a:solidFill>
-                  <a:latin typeface="Trebuchet MS"/>
-                  <a:ea typeface="Trebuchet MS"/>
-                  <a:cs typeface="Trebuchet MS"/>
-                  <a:sym typeface="Trebuchet MS"/>
-                </a:rPr>
-                <a:t>* Creación de una infraestructura de automatización.</a:t>
-              </a:r>
-              <a:endParaRPr sz="3400" b="0" i="0" u="none" strike="noStrike" cap="none">
-                <a:solidFill>
-                  <a:schemeClr val="dk1"/>
-                </a:solidFill>
-                <a:latin typeface="Trebuchet MS"/>
-                <a:ea typeface="Trebuchet MS"/>
-                <a:cs typeface="Trebuchet MS"/>
-                <a:sym typeface="Trebuchet MS"/>
-              </a:endParaRPr>
-            </a:p>
-          </p:txBody>
-        </p:sp>
-        <p:cxnSp>
-          <p:nvCxnSpPr>
-            <p:cNvPr id="187" name="Shape 187"/>
-            <p:cNvCxnSpPr/>
-            <p:nvPr/>
-          </p:nvCxnSpPr>
-          <p:spPr>
-            <a:xfrm>
-              <a:off x="1719262" y="4274170"/>
-              <a:ext cx="6877049" cy="0"/>
-            </a:xfrm>
-            <a:prstGeom prst="straightConnector1">
-              <a:avLst/>
-            </a:prstGeom>
-            <a:solidFill>
-              <a:srgbClr val="90C223"/>
-            </a:solidFill>
-            <a:ln w="19050" cap="rnd" cmpd="sng">
-              <a:solidFill>
-                <a:srgbClr val="D1E3BB"/>
-              </a:solidFill>
-              <a:prstDash val="solid"/>
-              <a:round/>
-              <a:headEnd type="none" w="sm" len="sm"/>
-              <a:tailEnd type="none" w="sm" len="sm"/>
-            </a:ln>
-          </p:spPr>
-        </p:cxnSp>
-      </p:grpSp>
-    </p:spTree>
-  </p:cSld>
-  <p:clrMapOvr>
-    <a:masterClrMapping/>
-  </p:clrMapOvr>
-</p:sld>
-</file>
-
 <file path=ppt/slides/slide4.xml><?xml version="1.0" encoding="utf-8"?>
 <p:sld xmlns:a="http://schemas.openxmlformats.org/drawingml/2006/main" xmlns:r="http://schemas.openxmlformats.org/officeDocument/2006/relationships" xmlns:p="http://schemas.openxmlformats.org/presentationml/2006/main">
   <p:cSld>
@@ -31097,7 +31535,7 @@
               <a:buNone/>
             </a:pPr>
             <a:r>
-              <a:rPr lang="es-ES" sz="3600" b="0" i="0" u="none" strike="noStrike" cap="none">
+              <a:rPr lang="es-ES" sz="3600" b="0" i="0" u="none" strike="noStrike" cap="none" dirty="0">
                 <a:solidFill>
                   <a:schemeClr val="accent1"/>
                 </a:solidFill>
@@ -31106,9 +31544,9 @@
                 <a:cs typeface="Trebuchet MS"/>
                 <a:sym typeface="Trebuchet MS"/>
               </a:rPr>
-              <a:t>Proceso de automatización</a:t>
+              <a:t>Proceso de Automatización (PA)</a:t>
             </a:r>
-            <a:endParaRPr sz="3600" b="0" i="0" u="none" strike="noStrike" cap="none">
+            <a:endParaRPr sz="3600" b="0" i="0" u="none" strike="noStrike" cap="none" dirty="0">
               <a:solidFill>
                 <a:schemeClr val="accent1"/>
               </a:solidFill>
@@ -31651,7 +32089,7 @@
                 <a:buNone/>
               </a:pPr>
               <a:r>
-                <a:rPr lang="es-ES" sz="1200" b="0" i="0" u="none" strike="noStrike" cap="none">
+                <a:rPr lang="es-ES" sz="1200" b="0" i="0" u="none" strike="noStrike" cap="none" dirty="0">
                   <a:solidFill>
                     <a:schemeClr val="dk1"/>
                   </a:solidFill>
@@ -31662,7 +32100,7 @@
                 </a:rPr>
                 <a:t>Crear los pasos de la prueba</a:t>
               </a:r>
-              <a:endParaRPr sz="1200" b="0" i="0" u="none" strike="noStrike" cap="none">
+              <a:endParaRPr sz="1200" b="0" i="0" u="none" strike="noStrike" cap="none" dirty="0">
                 <a:solidFill>
                   <a:schemeClr val="dk1"/>
                 </a:solidFill>
@@ -31847,7 +32285,7 @@
                 <a:buNone/>
               </a:pPr>
               <a:r>
-                <a:rPr lang="es-ES" sz="1200" b="0" i="0" u="none" strike="noStrike" cap="none">
+                <a:rPr lang="es-ES" sz="1200" b="0" i="0" u="none" strike="noStrike" cap="none" dirty="0">
                   <a:solidFill>
                     <a:schemeClr val="dk1"/>
                   </a:solidFill>
@@ -31858,7 +32296,7 @@
                 </a:rPr>
                 <a:t>Complementación de las pruebas</a:t>
               </a:r>
-              <a:endParaRPr sz="1200" b="0" i="0" u="none" strike="noStrike" cap="none">
+              <a:endParaRPr sz="1200" b="0" i="0" u="none" strike="noStrike" cap="none" dirty="0">
                 <a:solidFill>
                   <a:schemeClr val="dk1"/>
                 </a:solidFill>
@@ -32324,55 +32762,9 @@
             </a:pPr>
             <a:r>
               <a:rPr lang="es-ES" dirty="0"/>
-              <a:t>Análisis de la </a:t>
-            </a:r>
-            <a:r>
-              <a:rPr lang="es-ES" dirty="0" err="1"/>
-              <a:t>Aplicacion</a:t>
-            </a:r>
-            <a:r>
-              <a:rPr lang="es-ES" dirty="0"/>
-              <a:t> de Prueba</a:t>
+              <a:t>PA: Análisis de la Aplicación de Prueba</a:t>
             </a:r>
             <a:endParaRPr dirty="0"/>
-          </a:p>
-        </p:txBody>
-      </p:sp>
-      <p:sp>
-        <p:nvSpPr>
-          <p:cNvPr id="240" name="Shape 240"/>
-          <p:cNvSpPr txBox="1">
-            <a:spLocks noGrp="1"/>
-          </p:cNvSpPr>
-          <p:nvPr>
-            <p:ph type="body" idx="1"/>
-          </p:nvPr>
-        </p:nvSpPr>
-        <p:spPr>
-          <a:xfrm>
-            <a:off x="677334" y="2160589"/>
-            <a:ext cx="8596800" cy="3880800"/>
-          </a:xfrm>
-          <a:prstGeom prst="rect">
-            <a:avLst/>
-          </a:prstGeom>
-        </p:spPr>
-        <p:txBody>
-          <a:bodyPr spcFirstLastPara="1" wrap="square" lIns="91425" tIns="91425" rIns="91425" bIns="91425" anchor="t" anchorCtr="0">
-            <a:noAutofit/>
-          </a:bodyPr>
-          <a:lstStyle/>
-          <a:p>
-            <a:pPr marL="342900" lvl="0" indent="-251459">
-              <a:spcBef>
-                <a:spcPts val="1000"/>
-              </a:spcBef>
-              <a:spcAft>
-                <a:spcPts val="0"/>
-              </a:spcAft>
-              <a:buNone/>
-            </a:pPr>
-            <a:endParaRPr/>
           </a:p>
         </p:txBody>
       </p:sp>
@@ -32392,7 +32784,7 @@
         </p:blipFill>
         <p:spPr>
           <a:xfrm>
-            <a:off x="1532688" y="1270050"/>
+            <a:off x="1644983" y="1382345"/>
             <a:ext cx="6069075" cy="5177551"/>
           </a:xfrm>
           <a:prstGeom prst="rect">

--- a/presentaciones/Selenium, session 1.pptx
+++ b/presentaciones/Selenium, session 1.pptx
@@ -5,7 +5,7 @@
     <p:sldMasterId id="2147483664" r:id="rId1"/>
   </p:sldMasterIdLst>
   <p:notesMasterIdLst>
-    <p:notesMasterId r:id="rId33"/>
+    <p:notesMasterId r:id="rId35"/>
   </p:notesMasterIdLst>
   <p:sldIdLst>
     <p:sldId id="256" r:id="rId2"/>
@@ -25,20 +25,22 @@
     <p:sldId id="268" r:id="rId16"/>
     <p:sldId id="269" r:id="rId17"/>
     <p:sldId id="284" r:id="rId18"/>
-    <p:sldId id="270" r:id="rId19"/>
-    <p:sldId id="271" r:id="rId20"/>
-    <p:sldId id="272" r:id="rId21"/>
-    <p:sldId id="273" r:id="rId22"/>
-    <p:sldId id="283" r:id="rId23"/>
-    <p:sldId id="285" r:id="rId24"/>
-    <p:sldId id="286" r:id="rId25"/>
-    <p:sldId id="287" r:id="rId26"/>
-    <p:sldId id="288" r:id="rId27"/>
-    <p:sldId id="276" r:id="rId28"/>
-    <p:sldId id="278" r:id="rId29"/>
-    <p:sldId id="277" r:id="rId30"/>
-    <p:sldId id="279" r:id="rId31"/>
-    <p:sldId id="280" r:id="rId32"/>
+    <p:sldId id="289" r:id="rId19"/>
+    <p:sldId id="270" r:id="rId20"/>
+    <p:sldId id="271" r:id="rId21"/>
+    <p:sldId id="272" r:id="rId22"/>
+    <p:sldId id="273" r:id="rId23"/>
+    <p:sldId id="283" r:id="rId24"/>
+    <p:sldId id="285" r:id="rId25"/>
+    <p:sldId id="286" r:id="rId26"/>
+    <p:sldId id="287" r:id="rId27"/>
+    <p:sldId id="288" r:id="rId28"/>
+    <p:sldId id="290" r:id="rId29"/>
+    <p:sldId id="276" r:id="rId30"/>
+    <p:sldId id="278" r:id="rId31"/>
+    <p:sldId id="277" r:id="rId32"/>
+    <p:sldId id="279" r:id="rId33"/>
+    <p:sldId id="280" r:id="rId34"/>
   </p:sldIdLst>
   <p:sldSz cx="12192000" cy="6858000"/>
   <p:notesSz cx="6858000" cy="9144000"/>
@@ -277,6 +279,6154 @@
     </p:ext>
   </p:extLst>
 </p:presentation>
+</file>
+
+<file path=ppt/diagrams/colors1.xml><?xml version="1.0" encoding="utf-8"?>
+<dgm:colorsDef xmlns:dgm="http://schemas.openxmlformats.org/drawingml/2006/diagram" xmlns:a="http://schemas.openxmlformats.org/drawingml/2006/main" uniqueId="urn:microsoft.com/office/officeart/2005/8/colors/accent1_2">
+  <dgm:title val=""/>
+  <dgm:desc val=""/>
+  <dgm:catLst>
+    <dgm:cat type="accent1" pri="11200"/>
+  </dgm:catLst>
+  <dgm:styleLbl name="node0">
+    <dgm:fillClrLst meth="repeat">
+      <a:schemeClr val="accent1"/>
+    </dgm:fillClrLst>
+    <dgm:linClrLst meth="repeat">
+      <a:schemeClr val="lt1"/>
+    </dgm:linClrLst>
+    <dgm:effectClrLst/>
+    <dgm:txLinClrLst/>
+    <dgm:txFillClrLst/>
+    <dgm:txEffectClrLst/>
+  </dgm:styleLbl>
+  <dgm:styleLbl name="alignNode1">
+    <dgm:fillClrLst meth="repeat">
+      <a:schemeClr val="accent1"/>
+    </dgm:fillClrLst>
+    <dgm:linClrLst meth="repeat">
+      <a:schemeClr val="accent1"/>
+    </dgm:linClrLst>
+    <dgm:effectClrLst/>
+    <dgm:txLinClrLst/>
+    <dgm:txFillClrLst/>
+    <dgm:txEffectClrLst/>
+  </dgm:styleLbl>
+  <dgm:styleLbl name="node1">
+    <dgm:fillClrLst meth="repeat">
+      <a:schemeClr val="accent1"/>
+    </dgm:fillClrLst>
+    <dgm:linClrLst meth="repeat">
+      <a:schemeClr val="lt1"/>
+    </dgm:linClrLst>
+    <dgm:effectClrLst/>
+    <dgm:txLinClrLst/>
+    <dgm:txFillClrLst/>
+    <dgm:txEffectClrLst/>
+  </dgm:styleLbl>
+  <dgm:styleLbl name="lnNode1">
+    <dgm:fillClrLst meth="repeat">
+      <a:schemeClr val="accent1"/>
+    </dgm:fillClrLst>
+    <dgm:linClrLst meth="repeat">
+      <a:schemeClr val="lt1"/>
+    </dgm:linClrLst>
+    <dgm:effectClrLst/>
+    <dgm:txLinClrLst/>
+    <dgm:txFillClrLst/>
+    <dgm:txEffectClrLst/>
+  </dgm:styleLbl>
+  <dgm:styleLbl name="vennNode1">
+    <dgm:fillClrLst meth="repeat">
+      <a:schemeClr val="accent1">
+        <a:alpha val="50000"/>
+      </a:schemeClr>
+    </dgm:fillClrLst>
+    <dgm:linClrLst meth="repeat">
+      <a:schemeClr val="lt1"/>
+    </dgm:linClrLst>
+    <dgm:effectClrLst/>
+    <dgm:txLinClrLst/>
+    <dgm:txFillClrLst/>
+    <dgm:txEffectClrLst/>
+  </dgm:styleLbl>
+  <dgm:styleLbl name="node2">
+    <dgm:fillClrLst meth="repeat">
+      <a:schemeClr val="accent1"/>
+    </dgm:fillClrLst>
+    <dgm:linClrLst meth="repeat">
+      <a:schemeClr val="lt1"/>
+    </dgm:linClrLst>
+    <dgm:effectClrLst/>
+    <dgm:txLinClrLst/>
+    <dgm:txFillClrLst/>
+    <dgm:txEffectClrLst/>
+  </dgm:styleLbl>
+  <dgm:styleLbl name="node3">
+    <dgm:fillClrLst meth="repeat">
+      <a:schemeClr val="accent1"/>
+    </dgm:fillClrLst>
+    <dgm:linClrLst meth="repeat">
+      <a:schemeClr val="lt1"/>
+    </dgm:linClrLst>
+    <dgm:effectClrLst/>
+    <dgm:txLinClrLst/>
+    <dgm:txFillClrLst/>
+    <dgm:txEffectClrLst/>
+  </dgm:styleLbl>
+  <dgm:styleLbl name="node4">
+    <dgm:fillClrLst meth="repeat">
+      <a:schemeClr val="accent1"/>
+    </dgm:fillClrLst>
+    <dgm:linClrLst meth="repeat">
+      <a:schemeClr val="lt1"/>
+    </dgm:linClrLst>
+    <dgm:effectClrLst/>
+    <dgm:txLinClrLst/>
+    <dgm:txFillClrLst/>
+    <dgm:txEffectClrLst/>
+  </dgm:styleLbl>
+  <dgm:styleLbl name="fgImgPlace1">
+    <dgm:fillClrLst meth="repeat">
+      <a:schemeClr val="accent1">
+        <a:tint val="50000"/>
+      </a:schemeClr>
+    </dgm:fillClrLst>
+    <dgm:linClrLst meth="repeat">
+      <a:schemeClr val="lt1"/>
+    </dgm:linClrLst>
+    <dgm:effectClrLst/>
+    <dgm:txLinClrLst/>
+    <dgm:txFillClrLst meth="repeat">
+      <a:schemeClr val="lt1"/>
+    </dgm:txFillClrLst>
+    <dgm:txEffectClrLst/>
+  </dgm:styleLbl>
+  <dgm:styleLbl name="alignImgPlace1">
+    <dgm:fillClrLst meth="repeat">
+      <a:schemeClr val="accent1">
+        <a:tint val="50000"/>
+      </a:schemeClr>
+    </dgm:fillClrLst>
+    <dgm:linClrLst meth="repeat">
+      <a:schemeClr val="lt1"/>
+    </dgm:linClrLst>
+    <dgm:effectClrLst/>
+    <dgm:txLinClrLst/>
+    <dgm:txFillClrLst meth="repeat">
+      <a:schemeClr val="lt1"/>
+    </dgm:txFillClrLst>
+    <dgm:txEffectClrLst/>
+  </dgm:styleLbl>
+  <dgm:styleLbl name="bgImgPlace1">
+    <dgm:fillClrLst meth="repeat">
+      <a:schemeClr val="accent1">
+        <a:tint val="50000"/>
+      </a:schemeClr>
+    </dgm:fillClrLst>
+    <dgm:linClrLst meth="repeat">
+      <a:schemeClr val="lt1"/>
+    </dgm:linClrLst>
+    <dgm:effectClrLst/>
+    <dgm:txLinClrLst/>
+    <dgm:txFillClrLst meth="repeat">
+      <a:schemeClr val="lt1"/>
+    </dgm:txFillClrLst>
+    <dgm:txEffectClrLst/>
+  </dgm:styleLbl>
+  <dgm:styleLbl name="sibTrans2D1">
+    <dgm:fillClrLst meth="repeat">
+      <a:schemeClr val="accent1">
+        <a:tint val="60000"/>
+      </a:schemeClr>
+    </dgm:fillClrLst>
+    <dgm:linClrLst meth="repeat">
+      <a:schemeClr val="accent1">
+        <a:tint val="60000"/>
+      </a:schemeClr>
+    </dgm:linClrLst>
+    <dgm:effectClrLst/>
+    <dgm:txLinClrLst/>
+    <dgm:txFillClrLst/>
+    <dgm:txEffectClrLst/>
+  </dgm:styleLbl>
+  <dgm:styleLbl name="fgSibTrans2D1">
+    <dgm:fillClrLst meth="repeat">
+      <a:schemeClr val="accent1">
+        <a:tint val="60000"/>
+      </a:schemeClr>
+    </dgm:fillClrLst>
+    <dgm:linClrLst meth="repeat">
+      <a:schemeClr val="accent1">
+        <a:tint val="60000"/>
+      </a:schemeClr>
+    </dgm:linClrLst>
+    <dgm:effectClrLst/>
+    <dgm:txLinClrLst/>
+    <dgm:txFillClrLst/>
+    <dgm:txEffectClrLst/>
+  </dgm:styleLbl>
+  <dgm:styleLbl name="bgSibTrans2D1">
+    <dgm:fillClrLst meth="repeat">
+      <a:schemeClr val="accent1">
+        <a:tint val="60000"/>
+      </a:schemeClr>
+    </dgm:fillClrLst>
+    <dgm:linClrLst meth="repeat">
+      <a:schemeClr val="accent1">
+        <a:tint val="60000"/>
+      </a:schemeClr>
+    </dgm:linClrLst>
+    <dgm:effectClrLst/>
+    <dgm:txLinClrLst/>
+    <dgm:txFillClrLst/>
+    <dgm:txEffectClrLst/>
+  </dgm:styleLbl>
+  <dgm:styleLbl name="sibTrans1D1">
+    <dgm:fillClrLst meth="repeat">
+      <a:schemeClr val="accent1"/>
+    </dgm:fillClrLst>
+    <dgm:linClrLst meth="repeat">
+      <a:schemeClr val="accent1"/>
+    </dgm:linClrLst>
+    <dgm:effectClrLst/>
+    <dgm:txLinClrLst/>
+    <dgm:txFillClrLst meth="repeat">
+      <a:schemeClr val="tx1"/>
+    </dgm:txFillClrLst>
+    <dgm:txEffectClrLst/>
+  </dgm:styleLbl>
+  <dgm:styleLbl name="callout">
+    <dgm:fillClrLst meth="repeat">
+      <a:schemeClr val="accent1"/>
+    </dgm:fillClrLst>
+    <dgm:linClrLst meth="repeat">
+      <a:schemeClr val="accent1">
+        <a:tint val="50000"/>
+      </a:schemeClr>
+    </dgm:linClrLst>
+    <dgm:effectClrLst/>
+    <dgm:txLinClrLst/>
+    <dgm:txFillClrLst meth="repeat">
+      <a:schemeClr val="tx1"/>
+    </dgm:txFillClrLst>
+    <dgm:txEffectClrLst/>
+  </dgm:styleLbl>
+  <dgm:styleLbl name="asst0">
+    <dgm:fillClrLst meth="repeat">
+      <a:schemeClr val="accent1"/>
+    </dgm:fillClrLst>
+    <dgm:linClrLst meth="repeat">
+      <a:schemeClr val="lt1"/>
+    </dgm:linClrLst>
+    <dgm:effectClrLst/>
+    <dgm:txLinClrLst/>
+    <dgm:txFillClrLst/>
+    <dgm:txEffectClrLst/>
+  </dgm:styleLbl>
+  <dgm:styleLbl name="asst1">
+    <dgm:fillClrLst meth="repeat">
+      <a:schemeClr val="accent1"/>
+    </dgm:fillClrLst>
+    <dgm:linClrLst meth="repeat">
+      <a:schemeClr val="lt1"/>
+    </dgm:linClrLst>
+    <dgm:effectClrLst/>
+    <dgm:txLinClrLst/>
+    <dgm:txFillClrLst/>
+    <dgm:txEffectClrLst/>
+  </dgm:styleLbl>
+  <dgm:styleLbl name="asst2">
+    <dgm:fillClrLst meth="repeat">
+      <a:schemeClr val="accent1"/>
+    </dgm:fillClrLst>
+    <dgm:linClrLst meth="repeat">
+      <a:schemeClr val="lt1"/>
+    </dgm:linClrLst>
+    <dgm:effectClrLst/>
+    <dgm:txLinClrLst/>
+    <dgm:txFillClrLst/>
+    <dgm:txEffectClrLst/>
+  </dgm:styleLbl>
+  <dgm:styleLbl name="asst3">
+    <dgm:fillClrLst meth="repeat">
+      <a:schemeClr val="accent1"/>
+    </dgm:fillClrLst>
+    <dgm:linClrLst meth="repeat">
+      <a:schemeClr val="lt1"/>
+    </dgm:linClrLst>
+    <dgm:effectClrLst/>
+    <dgm:txLinClrLst/>
+    <dgm:txFillClrLst/>
+    <dgm:txEffectClrLst/>
+  </dgm:styleLbl>
+  <dgm:styleLbl name="asst4">
+    <dgm:fillClrLst meth="repeat">
+      <a:schemeClr val="accent1"/>
+    </dgm:fillClrLst>
+    <dgm:linClrLst meth="repeat">
+      <a:schemeClr val="lt1"/>
+    </dgm:linClrLst>
+    <dgm:effectClrLst/>
+    <dgm:txLinClrLst/>
+    <dgm:txFillClrLst/>
+    <dgm:txEffectClrLst/>
+  </dgm:styleLbl>
+  <dgm:styleLbl name="parChTrans2D1">
+    <dgm:fillClrLst meth="repeat">
+      <a:schemeClr val="accent1">
+        <a:tint val="60000"/>
+      </a:schemeClr>
+    </dgm:fillClrLst>
+    <dgm:linClrLst meth="repeat">
+      <a:schemeClr val="accent1">
+        <a:tint val="60000"/>
+      </a:schemeClr>
+    </dgm:linClrLst>
+    <dgm:effectClrLst/>
+    <dgm:txLinClrLst/>
+    <dgm:txFillClrLst meth="repeat">
+      <a:schemeClr val="lt1"/>
+    </dgm:txFillClrLst>
+    <dgm:txEffectClrLst/>
+  </dgm:styleLbl>
+  <dgm:styleLbl name="parChTrans2D2">
+    <dgm:fillClrLst meth="repeat">
+      <a:schemeClr val="accent1"/>
+    </dgm:fillClrLst>
+    <dgm:linClrLst meth="repeat">
+      <a:schemeClr val="accent1"/>
+    </dgm:linClrLst>
+    <dgm:effectClrLst/>
+    <dgm:txLinClrLst/>
+    <dgm:txFillClrLst meth="repeat">
+      <a:schemeClr val="lt1"/>
+    </dgm:txFillClrLst>
+    <dgm:txEffectClrLst/>
+  </dgm:styleLbl>
+  <dgm:styleLbl name="parChTrans2D3">
+    <dgm:fillClrLst meth="repeat">
+      <a:schemeClr val="accent1"/>
+    </dgm:fillClrLst>
+    <dgm:linClrLst meth="repeat">
+      <a:schemeClr val="accent1"/>
+    </dgm:linClrLst>
+    <dgm:effectClrLst/>
+    <dgm:txLinClrLst/>
+    <dgm:txFillClrLst meth="repeat">
+      <a:schemeClr val="lt1"/>
+    </dgm:txFillClrLst>
+    <dgm:txEffectClrLst/>
+  </dgm:styleLbl>
+  <dgm:styleLbl name="parChTrans2D4">
+    <dgm:fillClrLst meth="repeat">
+      <a:schemeClr val="accent1"/>
+    </dgm:fillClrLst>
+    <dgm:linClrLst meth="repeat">
+      <a:schemeClr val="accent1"/>
+    </dgm:linClrLst>
+    <dgm:effectClrLst/>
+    <dgm:txLinClrLst/>
+    <dgm:txFillClrLst meth="repeat">
+      <a:schemeClr val="lt1"/>
+    </dgm:txFillClrLst>
+    <dgm:txEffectClrLst/>
+  </dgm:styleLbl>
+  <dgm:styleLbl name="parChTrans1D1">
+    <dgm:fillClrLst meth="repeat">
+      <a:schemeClr val="accent1"/>
+    </dgm:fillClrLst>
+    <dgm:linClrLst meth="repeat">
+      <a:schemeClr val="accent1">
+        <a:shade val="60000"/>
+      </a:schemeClr>
+    </dgm:linClrLst>
+    <dgm:effectClrLst/>
+    <dgm:txLinClrLst/>
+    <dgm:txFillClrLst meth="repeat">
+      <a:schemeClr val="tx1"/>
+    </dgm:txFillClrLst>
+    <dgm:txEffectClrLst/>
+  </dgm:styleLbl>
+  <dgm:styleLbl name="parChTrans1D2">
+    <dgm:fillClrLst meth="repeat">
+      <a:schemeClr val="accent1"/>
+    </dgm:fillClrLst>
+    <dgm:linClrLst meth="repeat">
+      <a:schemeClr val="accent1">
+        <a:shade val="60000"/>
+      </a:schemeClr>
+    </dgm:linClrLst>
+    <dgm:effectClrLst/>
+    <dgm:txLinClrLst/>
+    <dgm:txFillClrLst meth="repeat">
+      <a:schemeClr val="tx1"/>
+    </dgm:txFillClrLst>
+    <dgm:txEffectClrLst/>
+  </dgm:styleLbl>
+  <dgm:styleLbl name="parChTrans1D3">
+    <dgm:fillClrLst meth="repeat">
+      <a:schemeClr val="accent1"/>
+    </dgm:fillClrLst>
+    <dgm:linClrLst meth="repeat">
+      <a:schemeClr val="accent1">
+        <a:shade val="80000"/>
+      </a:schemeClr>
+    </dgm:linClrLst>
+    <dgm:effectClrLst/>
+    <dgm:txLinClrLst/>
+    <dgm:txFillClrLst meth="repeat">
+      <a:schemeClr val="tx1"/>
+    </dgm:txFillClrLst>
+    <dgm:txEffectClrLst/>
+  </dgm:styleLbl>
+  <dgm:styleLbl name="parChTrans1D4">
+    <dgm:fillClrLst meth="repeat">
+      <a:schemeClr val="accent1"/>
+    </dgm:fillClrLst>
+    <dgm:linClrLst meth="repeat">
+      <a:schemeClr val="accent1">
+        <a:shade val="80000"/>
+      </a:schemeClr>
+    </dgm:linClrLst>
+    <dgm:effectClrLst/>
+    <dgm:txLinClrLst/>
+    <dgm:txFillClrLst meth="repeat">
+      <a:schemeClr val="tx1"/>
+    </dgm:txFillClrLst>
+    <dgm:txEffectClrLst/>
+  </dgm:styleLbl>
+  <dgm:styleLbl name="fgAcc1">
+    <dgm:fillClrLst meth="repeat">
+      <a:schemeClr val="lt1">
+        <a:alpha val="90000"/>
+      </a:schemeClr>
+    </dgm:fillClrLst>
+    <dgm:linClrLst meth="repeat">
+      <a:schemeClr val="accent1"/>
+    </dgm:linClrLst>
+    <dgm:effectClrLst/>
+    <dgm:txLinClrLst/>
+    <dgm:txFillClrLst meth="repeat">
+      <a:schemeClr val="dk1"/>
+    </dgm:txFillClrLst>
+    <dgm:txEffectClrLst/>
+  </dgm:styleLbl>
+  <dgm:styleLbl name="conFgAcc1">
+    <dgm:fillClrLst meth="repeat">
+      <a:schemeClr val="lt1">
+        <a:alpha val="90000"/>
+      </a:schemeClr>
+    </dgm:fillClrLst>
+    <dgm:linClrLst meth="repeat">
+      <a:schemeClr val="accent1"/>
+    </dgm:linClrLst>
+    <dgm:effectClrLst/>
+    <dgm:txLinClrLst/>
+    <dgm:txFillClrLst meth="repeat">
+      <a:schemeClr val="dk1"/>
+    </dgm:txFillClrLst>
+    <dgm:txEffectClrLst/>
+  </dgm:styleLbl>
+  <dgm:styleLbl name="alignAcc1">
+    <dgm:fillClrLst meth="repeat">
+      <a:schemeClr val="lt1">
+        <a:alpha val="90000"/>
+      </a:schemeClr>
+    </dgm:fillClrLst>
+    <dgm:linClrLst meth="repeat">
+      <a:schemeClr val="accent1"/>
+    </dgm:linClrLst>
+    <dgm:effectClrLst/>
+    <dgm:txLinClrLst/>
+    <dgm:txFillClrLst meth="repeat">
+      <a:schemeClr val="dk1"/>
+    </dgm:txFillClrLst>
+    <dgm:txEffectClrLst/>
+  </dgm:styleLbl>
+  <dgm:styleLbl name="trAlignAcc1">
+    <dgm:fillClrLst meth="repeat">
+      <a:schemeClr val="lt1">
+        <a:alpha val="40000"/>
+      </a:schemeClr>
+    </dgm:fillClrLst>
+    <dgm:linClrLst meth="repeat">
+      <a:schemeClr val="accent1"/>
+    </dgm:linClrLst>
+    <dgm:effectClrLst/>
+    <dgm:txLinClrLst/>
+    <dgm:txFillClrLst meth="repeat">
+      <a:schemeClr val="dk1"/>
+    </dgm:txFillClrLst>
+    <dgm:txEffectClrLst/>
+  </dgm:styleLbl>
+  <dgm:styleLbl name="bgAcc1">
+    <dgm:fillClrLst meth="repeat">
+      <a:schemeClr val="lt1">
+        <a:alpha val="90000"/>
+      </a:schemeClr>
+    </dgm:fillClrLst>
+    <dgm:linClrLst meth="repeat">
+      <a:schemeClr val="accent1"/>
+    </dgm:linClrLst>
+    <dgm:effectClrLst/>
+    <dgm:txLinClrLst/>
+    <dgm:txFillClrLst meth="repeat">
+      <a:schemeClr val="dk1"/>
+    </dgm:txFillClrLst>
+    <dgm:txEffectClrLst/>
+  </dgm:styleLbl>
+  <dgm:styleLbl name="solidFgAcc1">
+    <dgm:fillClrLst meth="repeat">
+      <a:schemeClr val="lt1"/>
+    </dgm:fillClrLst>
+    <dgm:linClrLst meth="repeat">
+      <a:schemeClr val="accent1"/>
+    </dgm:linClrLst>
+    <dgm:effectClrLst/>
+    <dgm:txLinClrLst/>
+    <dgm:txFillClrLst meth="repeat">
+      <a:schemeClr val="dk1"/>
+    </dgm:txFillClrLst>
+    <dgm:txEffectClrLst/>
+  </dgm:styleLbl>
+  <dgm:styleLbl name="solidAlignAcc1">
+    <dgm:fillClrLst meth="repeat">
+      <a:schemeClr val="lt1"/>
+    </dgm:fillClrLst>
+    <dgm:linClrLst meth="repeat">
+      <a:schemeClr val="accent1"/>
+    </dgm:linClrLst>
+    <dgm:effectClrLst/>
+    <dgm:txLinClrLst/>
+    <dgm:txFillClrLst meth="repeat">
+      <a:schemeClr val="dk1"/>
+    </dgm:txFillClrLst>
+    <dgm:txEffectClrLst/>
+  </dgm:styleLbl>
+  <dgm:styleLbl name="solidBgAcc1">
+    <dgm:fillClrLst meth="repeat">
+      <a:schemeClr val="lt1"/>
+    </dgm:fillClrLst>
+    <dgm:linClrLst meth="repeat">
+      <a:schemeClr val="accent1"/>
+    </dgm:linClrLst>
+    <dgm:effectClrLst/>
+    <dgm:txLinClrLst/>
+    <dgm:txFillClrLst meth="repeat">
+      <a:schemeClr val="dk1"/>
+    </dgm:txFillClrLst>
+    <dgm:txEffectClrLst/>
+  </dgm:styleLbl>
+  <dgm:styleLbl name="fgAccFollowNode1">
+    <dgm:fillClrLst meth="repeat">
+      <a:schemeClr val="accent1">
+        <a:alpha val="90000"/>
+        <a:tint val="40000"/>
+      </a:schemeClr>
+    </dgm:fillClrLst>
+    <dgm:linClrLst meth="repeat">
+      <a:schemeClr val="accent1">
+        <a:alpha val="90000"/>
+        <a:tint val="40000"/>
+      </a:schemeClr>
+    </dgm:linClrLst>
+    <dgm:effectClrLst/>
+    <dgm:txLinClrLst/>
+    <dgm:txFillClrLst meth="repeat">
+      <a:schemeClr val="dk1"/>
+    </dgm:txFillClrLst>
+    <dgm:txEffectClrLst/>
+  </dgm:styleLbl>
+  <dgm:styleLbl name="alignAccFollowNode1">
+    <dgm:fillClrLst meth="repeat">
+      <a:schemeClr val="accent1">
+        <a:alpha val="90000"/>
+        <a:tint val="40000"/>
+      </a:schemeClr>
+    </dgm:fillClrLst>
+    <dgm:linClrLst meth="repeat">
+      <a:schemeClr val="accent1">
+        <a:alpha val="90000"/>
+        <a:tint val="40000"/>
+      </a:schemeClr>
+    </dgm:linClrLst>
+    <dgm:effectClrLst/>
+    <dgm:txLinClrLst/>
+    <dgm:txFillClrLst meth="repeat">
+      <a:schemeClr val="dk1"/>
+    </dgm:txFillClrLst>
+    <dgm:txEffectClrLst/>
+  </dgm:styleLbl>
+  <dgm:styleLbl name="bgAccFollowNode1">
+    <dgm:fillClrLst meth="repeat">
+      <a:schemeClr val="accent1">
+        <a:alpha val="90000"/>
+        <a:tint val="40000"/>
+      </a:schemeClr>
+    </dgm:fillClrLst>
+    <dgm:linClrLst meth="repeat">
+      <a:schemeClr val="accent1">
+        <a:alpha val="90000"/>
+        <a:tint val="40000"/>
+      </a:schemeClr>
+    </dgm:linClrLst>
+    <dgm:effectClrLst/>
+    <dgm:txLinClrLst/>
+    <dgm:txFillClrLst meth="repeat">
+      <a:schemeClr val="dk1"/>
+    </dgm:txFillClrLst>
+    <dgm:txEffectClrLst/>
+  </dgm:styleLbl>
+  <dgm:styleLbl name="fgAcc0">
+    <dgm:fillClrLst meth="repeat">
+      <a:schemeClr val="lt1">
+        <a:alpha val="90000"/>
+      </a:schemeClr>
+    </dgm:fillClrLst>
+    <dgm:linClrLst meth="repeat">
+      <a:schemeClr val="accent1"/>
+    </dgm:linClrLst>
+    <dgm:effectClrLst/>
+    <dgm:txLinClrLst/>
+    <dgm:txFillClrLst meth="repeat">
+      <a:schemeClr val="dk1"/>
+    </dgm:txFillClrLst>
+    <dgm:txEffectClrLst/>
+  </dgm:styleLbl>
+  <dgm:styleLbl name="fgAcc2">
+    <dgm:fillClrLst meth="repeat">
+      <a:schemeClr val="lt1">
+        <a:alpha val="90000"/>
+      </a:schemeClr>
+    </dgm:fillClrLst>
+    <dgm:linClrLst meth="repeat">
+      <a:schemeClr val="accent1"/>
+    </dgm:linClrLst>
+    <dgm:effectClrLst/>
+    <dgm:txLinClrLst/>
+    <dgm:txFillClrLst meth="repeat">
+      <a:schemeClr val="dk1"/>
+    </dgm:txFillClrLst>
+    <dgm:txEffectClrLst/>
+  </dgm:styleLbl>
+  <dgm:styleLbl name="fgAcc3">
+    <dgm:fillClrLst meth="repeat">
+      <a:schemeClr val="lt1">
+        <a:alpha val="90000"/>
+      </a:schemeClr>
+    </dgm:fillClrLst>
+    <dgm:linClrLst meth="repeat">
+      <a:schemeClr val="accent1"/>
+    </dgm:linClrLst>
+    <dgm:effectClrLst/>
+    <dgm:txLinClrLst/>
+    <dgm:txFillClrLst meth="repeat">
+      <a:schemeClr val="dk1"/>
+    </dgm:txFillClrLst>
+    <dgm:txEffectClrLst/>
+  </dgm:styleLbl>
+  <dgm:styleLbl name="fgAcc4">
+    <dgm:fillClrLst meth="repeat">
+      <a:schemeClr val="lt1">
+        <a:alpha val="90000"/>
+      </a:schemeClr>
+    </dgm:fillClrLst>
+    <dgm:linClrLst meth="repeat">
+      <a:schemeClr val="accent1"/>
+    </dgm:linClrLst>
+    <dgm:effectClrLst/>
+    <dgm:txLinClrLst/>
+    <dgm:txFillClrLst meth="repeat">
+      <a:schemeClr val="dk1"/>
+    </dgm:txFillClrLst>
+    <dgm:txEffectClrLst/>
+  </dgm:styleLbl>
+  <dgm:styleLbl name="bgShp">
+    <dgm:fillClrLst meth="repeat">
+      <a:schemeClr val="accent1">
+        <a:tint val="40000"/>
+      </a:schemeClr>
+    </dgm:fillClrLst>
+    <dgm:linClrLst meth="repeat">
+      <a:schemeClr val="accent1"/>
+    </dgm:linClrLst>
+    <dgm:effectClrLst/>
+    <dgm:txLinClrLst/>
+    <dgm:txFillClrLst meth="repeat">
+      <a:schemeClr val="dk1"/>
+    </dgm:txFillClrLst>
+    <dgm:txEffectClrLst/>
+  </dgm:styleLbl>
+  <dgm:styleLbl name="dkBgShp">
+    <dgm:fillClrLst meth="repeat">
+      <a:schemeClr val="accent1">
+        <a:shade val="80000"/>
+      </a:schemeClr>
+    </dgm:fillClrLst>
+    <dgm:linClrLst meth="repeat">
+      <a:schemeClr val="accent1"/>
+    </dgm:linClrLst>
+    <dgm:effectClrLst/>
+    <dgm:txLinClrLst/>
+    <dgm:txFillClrLst meth="repeat">
+      <a:schemeClr val="lt1"/>
+    </dgm:txFillClrLst>
+    <dgm:txEffectClrLst/>
+  </dgm:styleLbl>
+  <dgm:styleLbl name="trBgShp">
+    <dgm:fillClrLst meth="repeat">
+      <a:schemeClr val="accent1">
+        <a:tint val="50000"/>
+        <a:alpha val="40000"/>
+      </a:schemeClr>
+    </dgm:fillClrLst>
+    <dgm:linClrLst meth="repeat">
+      <a:schemeClr val="accent1"/>
+    </dgm:linClrLst>
+    <dgm:effectClrLst/>
+    <dgm:txLinClrLst/>
+    <dgm:txFillClrLst meth="repeat">
+      <a:schemeClr val="lt1"/>
+    </dgm:txFillClrLst>
+    <dgm:txEffectClrLst/>
+  </dgm:styleLbl>
+  <dgm:styleLbl name="fgShp">
+    <dgm:fillClrLst meth="repeat">
+      <a:schemeClr val="accent1">
+        <a:tint val="60000"/>
+      </a:schemeClr>
+    </dgm:fillClrLst>
+    <dgm:linClrLst meth="repeat">
+      <a:schemeClr val="lt1"/>
+    </dgm:linClrLst>
+    <dgm:effectClrLst/>
+    <dgm:txLinClrLst/>
+    <dgm:txFillClrLst meth="repeat">
+      <a:schemeClr val="dk1"/>
+    </dgm:txFillClrLst>
+    <dgm:txEffectClrLst/>
+  </dgm:styleLbl>
+  <dgm:styleLbl name="revTx">
+    <dgm:fillClrLst meth="repeat">
+      <a:schemeClr val="lt1">
+        <a:alpha val="0"/>
+      </a:schemeClr>
+    </dgm:fillClrLst>
+    <dgm:linClrLst meth="repeat">
+      <a:schemeClr val="dk1">
+        <a:alpha val="0"/>
+      </a:schemeClr>
+    </dgm:linClrLst>
+    <dgm:effectClrLst/>
+    <dgm:txLinClrLst/>
+    <dgm:txFillClrLst meth="repeat">
+      <a:schemeClr val="tx1"/>
+    </dgm:txFillClrLst>
+    <dgm:txEffectClrLst/>
+  </dgm:styleLbl>
+</dgm:colorsDef>
+</file>
+
+<file path=ppt/diagrams/colors2.xml><?xml version="1.0" encoding="utf-8"?>
+<dgm:colorsDef xmlns:dgm="http://schemas.openxmlformats.org/drawingml/2006/diagram" xmlns:a="http://schemas.openxmlformats.org/drawingml/2006/main" uniqueId="urn:microsoft.com/office/officeart/2005/8/colors/accent1_2">
+  <dgm:title val=""/>
+  <dgm:desc val=""/>
+  <dgm:catLst>
+    <dgm:cat type="accent1" pri="11200"/>
+  </dgm:catLst>
+  <dgm:styleLbl name="node0">
+    <dgm:fillClrLst meth="repeat">
+      <a:schemeClr val="accent1"/>
+    </dgm:fillClrLst>
+    <dgm:linClrLst meth="repeat">
+      <a:schemeClr val="lt1"/>
+    </dgm:linClrLst>
+    <dgm:effectClrLst/>
+    <dgm:txLinClrLst/>
+    <dgm:txFillClrLst/>
+    <dgm:txEffectClrLst/>
+  </dgm:styleLbl>
+  <dgm:styleLbl name="alignNode1">
+    <dgm:fillClrLst meth="repeat">
+      <a:schemeClr val="accent1"/>
+    </dgm:fillClrLst>
+    <dgm:linClrLst meth="repeat">
+      <a:schemeClr val="accent1"/>
+    </dgm:linClrLst>
+    <dgm:effectClrLst/>
+    <dgm:txLinClrLst/>
+    <dgm:txFillClrLst/>
+    <dgm:txEffectClrLst/>
+  </dgm:styleLbl>
+  <dgm:styleLbl name="node1">
+    <dgm:fillClrLst meth="repeat">
+      <a:schemeClr val="accent1"/>
+    </dgm:fillClrLst>
+    <dgm:linClrLst meth="repeat">
+      <a:schemeClr val="lt1"/>
+    </dgm:linClrLst>
+    <dgm:effectClrLst/>
+    <dgm:txLinClrLst/>
+    <dgm:txFillClrLst/>
+    <dgm:txEffectClrLst/>
+  </dgm:styleLbl>
+  <dgm:styleLbl name="lnNode1">
+    <dgm:fillClrLst meth="repeat">
+      <a:schemeClr val="accent1"/>
+    </dgm:fillClrLst>
+    <dgm:linClrLst meth="repeat">
+      <a:schemeClr val="lt1"/>
+    </dgm:linClrLst>
+    <dgm:effectClrLst/>
+    <dgm:txLinClrLst/>
+    <dgm:txFillClrLst/>
+    <dgm:txEffectClrLst/>
+  </dgm:styleLbl>
+  <dgm:styleLbl name="vennNode1">
+    <dgm:fillClrLst meth="repeat">
+      <a:schemeClr val="accent1">
+        <a:alpha val="50000"/>
+      </a:schemeClr>
+    </dgm:fillClrLst>
+    <dgm:linClrLst meth="repeat">
+      <a:schemeClr val="lt1"/>
+    </dgm:linClrLst>
+    <dgm:effectClrLst/>
+    <dgm:txLinClrLst/>
+    <dgm:txFillClrLst/>
+    <dgm:txEffectClrLst/>
+  </dgm:styleLbl>
+  <dgm:styleLbl name="node2">
+    <dgm:fillClrLst meth="repeat">
+      <a:schemeClr val="accent1"/>
+    </dgm:fillClrLst>
+    <dgm:linClrLst meth="repeat">
+      <a:schemeClr val="lt1"/>
+    </dgm:linClrLst>
+    <dgm:effectClrLst/>
+    <dgm:txLinClrLst/>
+    <dgm:txFillClrLst/>
+    <dgm:txEffectClrLst/>
+  </dgm:styleLbl>
+  <dgm:styleLbl name="node3">
+    <dgm:fillClrLst meth="repeat">
+      <a:schemeClr val="accent1"/>
+    </dgm:fillClrLst>
+    <dgm:linClrLst meth="repeat">
+      <a:schemeClr val="lt1"/>
+    </dgm:linClrLst>
+    <dgm:effectClrLst/>
+    <dgm:txLinClrLst/>
+    <dgm:txFillClrLst/>
+    <dgm:txEffectClrLst/>
+  </dgm:styleLbl>
+  <dgm:styleLbl name="node4">
+    <dgm:fillClrLst meth="repeat">
+      <a:schemeClr val="accent1"/>
+    </dgm:fillClrLst>
+    <dgm:linClrLst meth="repeat">
+      <a:schemeClr val="lt1"/>
+    </dgm:linClrLst>
+    <dgm:effectClrLst/>
+    <dgm:txLinClrLst/>
+    <dgm:txFillClrLst/>
+    <dgm:txEffectClrLst/>
+  </dgm:styleLbl>
+  <dgm:styleLbl name="fgImgPlace1">
+    <dgm:fillClrLst meth="repeat">
+      <a:schemeClr val="accent1">
+        <a:tint val="50000"/>
+      </a:schemeClr>
+    </dgm:fillClrLst>
+    <dgm:linClrLst meth="repeat">
+      <a:schemeClr val="lt1"/>
+    </dgm:linClrLst>
+    <dgm:effectClrLst/>
+    <dgm:txLinClrLst/>
+    <dgm:txFillClrLst meth="repeat">
+      <a:schemeClr val="lt1"/>
+    </dgm:txFillClrLst>
+    <dgm:txEffectClrLst/>
+  </dgm:styleLbl>
+  <dgm:styleLbl name="alignImgPlace1">
+    <dgm:fillClrLst meth="repeat">
+      <a:schemeClr val="accent1">
+        <a:tint val="50000"/>
+      </a:schemeClr>
+    </dgm:fillClrLst>
+    <dgm:linClrLst meth="repeat">
+      <a:schemeClr val="lt1"/>
+    </dgm:linClrLst>
+    <dgm:effectClrLst/>
+    <dgm:txLinClrLst/>
+    <dgm:txFillClrLst meth="repeat">
+      <a:schemeClr val="lt1"/>
+    </dgm:txFillClrLst>
+    <dgm:txEffectClrLst/>
+  </dgm:styleLbl>
+  <dgm:styleLbl name="bgImgPlace1">
+    <dgm:fillClrLst meth="repeat">
+      <a:schemeClr val="accent1">
+        <a:tint val="50000"/>
+      </a:schemeClr>
+    </dgm:fillClrLst>
+    <dgm:linClrLst meth="repeat">
+      <a:schemeClr val="lt1"/>
+    </dgm:linClrLst>
+    <dgm:effectClrLst/>
+    <dgm:txLinClrLst/>
+    <dgm:txFillClrLst meth="repeat">
+      <a:schemeClr val="lt1"/>
+    </dgm:txFillClrLst>
+    <dgm:txEffectClrLst/>
+  </dgm:styleLbl>
+  <dgm:styleLbl name="sibTrans2D1">
+    <dgm:fillClrLst meth="repeat">
+      <a:schemeClr val="accent1">
+        <a:tint val="60000"/>
+      </a:schemeClr>
+    </dgm:fillClrLst>
+    <dgm:linClrLst meth="repeat">
+      <a:schemeClr val="accent1">
+        <a:tint val="60000"/>
+      </a:schemeClr>
+    </dgm:linClrLst>
+    <dgm:effectClrLst/>
+    <dgm:txLinClrLst/>
+    <dgm:txFillClrLst/>
+    <dgm:txEffectClrLst/>
+  </dgm:styleLbl>
+  <dgm:styleLbl name="fgSibTrans2D1">
+    <dgm:fillClrLst meth="repeat">
+      <a:schemeClr val="accent1">
+        <a:tint val="60000"/>
+      </a:schemeClr>
+    </dgm:fillClrLst>
+    <dgm:linClrLst meth="repeat">
+      <a:schemeClr val="accent1">
+        <a:tint val="60000"/>
+      </a:schemeClr>
+    </dgm:linClrLst>
+    <dgm:effectClrLst/>
+    <dgm:txLinClrLst/>
+    <dgm:txFillClrLst/>
+    <dgm:txEffectClrLst/>
+  </dgm:styleLbl>
+  <dgm:styleLbl name="bgSibTrans2D1">
+    <dgm:fillClrLst meth="repeat">
+      <a:schemeClr val="accent1">
+        <a:tint val="60000"/>
+      </a:schemeClr>
+    </dgm:fillClrLst>
+    <dgm:linClrLst meth="repeat">
+      <a:schemeClr val="accent1">
+        <a:tint val="60000"/>
+      </a:schemeClr>
+    </dgm:linClrLst>
+    <dgm:effectClrLst/>
+    <dgm:txLinClrLst/>
+    <dgm:txFillClrLst/>
+    <dgm:txEffectClrLst/>
+  </dgm:styleLbl>
+  <dgm:styleLbl name="sibTrans1D1">
+    <dgm:fillClrLst meth="repeat">
+      <a:schemeClr val="accent1"/>
+    </dgm:fillClrLst>
+    <dgm:linClrLst meth="repeat">
+      <a:schemeClr val="accent1"/>
+    </dgm:linClrLst>
+    <dgm:effectClrLst/>
+    <dgm:txLinClrLst/>
+    <dgm:txFillClrLst meth="repeat">
+      <a:schemeClr val="tx1"/>
+    </dgm:txFillClrLst>
+    <dgm:txEffectClrLst/>
+  </dgm:styleLbl>
+  <dgm:styleLbl name="callout">
+    <dgm:fillClrLst meth="repeat">
+      <a:schemeClr val="accent1"/>
+    </dgm:fillClrLst>
+    <dgm:linClrLst meth="repeat">
+      <a:schemeClr val="accent1">
+        <a:tint val="50000"/>
+      </a:schemeClr>
+    </dgm:linClrLst>
+    <dgm:effectClrLst/>
+    <dgm:txLinClrLst/>
+    <dgm:txFillClrLst meth="repeat">
+      <a:schemeClr val="tx1"/>
+    </dgm:txFillClrLst>
+    <dgm:txEffectClrLst/>
+  </dgm:styleLbl>
+  <dgm:styleLbl name="asst0">
+    <dgm:fillClrLst meth="repeat">
+      <a:schemeClr val="accent1"/>
+    </dgm:fillClrLst>
+    <dgm:linClrLst meth="repeat">
+      <a:schemeClr val="lt1"/>
+    </dgm:linClrLst>
+    <dgm:effectClrLst/>
+    <dgm:txLinClrLst/>
+    <dgm:txFillClrLst/>
+    <dgm:txEffectClrLst/>
+  </dgm:styleLbl>
+  <dgm:styleLbl name="asst1">
+    <dgm:fillClrLst meth="repeat">
+      <a:schemeClr val="accent1"/>
+    </dgm:fillClrLst>
+    <dgm:linClrLst meth="repeat">
+      <a:schemeClr val="lt1"/>
+    </dgm:linClrLst>
+    <dgm:effectClrLst/>
+    <dgm:txLinClrLst/>
+    <dgm:txFillClrLst/>
+    <dgm:txEffectClrLst/>
+  </dgm:styleLbl>
+  <dgm:styleLbl name="asst2">
+    <dgm:fillClrLst meth="repeat">
+      <a:schemeClr val="accent1"/>
+    </dgm:fillClrLst>
+    <dgm:linClrLst meth="repeat">
+      <a:schemeClr val="lt1"/>
+    </dgm:linClrLst>
+    <dgm:effectClrLst/>
+    <dgm:txLinClrLst/>
+    <dgm:txFillClrLst/>
+    <dgm:txEffectClrLst/>
+  </dgm:styleLbl>
+  <dgm:styleLbl name="asst3">
+    <dgm:fillClrLst meth="repeat">
+      <a:schemeClr val="accent1"/>
+    </dgm:fillClrLst>
+    <dgm:linClrLst meth="repeat">
+      <a:schemeClr val="lt1"/>
+    </dgm:linClrLst>
+    <dgm:effectClrLst/>
+    <dgm:txLinClrLst/>
+    <dgm:txFillClrLst/>
+    <dgm:txEffectClrLst/>
+  </dgm:styleLbl>
+  <dgm:styleLbl name="asst4">
+    <dgm:fillClrLst meth="repeat">
+      <a:schemeClr val="accent1"/>
+    </dgm:fillClrLst>
+    <dgm:linClrLst meth="repeat">
+      <a:schemeClr val="lt1"/>
+    </dgm:linClrLst>
+    <dgm:effectClrLst/>
+    <dgm:txLinClrLst/>
+    <dgm:txFillClrLst/>
+    <dgm:txEffectClrLst/>
+  </dgm:styleLbl>
+  <dgm:styleLbl name="parChTrans2D1">
+    <dgm:fillClrLst meth="repeat">
+      <a:schemeClr val="accent1">
+        <a:tint val="60000"/>
+      </a:schemeClr>
+    </dgm:fillClrLst>
+    <dgm:linClrLst meth="repeat">
+      <a:schemeClr val="accent1">
+        <a:tint val="60000"/>
+      </a:schemeClr>
+    </dgm:linClrLst>
+    <dgm:effectClrLst/>
+    <dgm:txLinClrLst/>
+    <dgm:txFillClrLst meth="repeat">
+      <a:schemeClr val="lt1"/>
+    </dgm:txFillClrLst>
+    <dgm:txEffectClrLst/>
+  </dgm:styleLbl>
+  <dgm:styleLbl name="parChTrans2D2">
+    <dgm:fillClrLst meth="repeat">
+      <a:schemeClr val="accent1"/>
+    </dgm:fillClrLst>
+    <dgm:linClrLst meth="repeat">
+      <a:schemeClr val="accent1"/>
+    </dgm:linClrLst>
+    <dgm:effectClrLst/>
+    <dgm:txLinClrLst/>
+    <dgm:txFillClrLst meth="repeat">
+      <a:schemeClr val="lt1"/>
+    </dgm:txFillClrLst>
+    <dgm:txEffectClrLst/>
+  </dgm:styleLbl>
+  <dgm:styleLbl name="parChTrans2D3">
+    <dgm:fillClrLst meth="repeat">
+      <a:schemeClr val="accent1"/>
+    </dgm:fillClrLst>
+    <dgm:linClrLst meth="repeat">
+      <a:schemeClr val="accent1"/>
+    </dgm:linClrLst>
+    <dgm:effectClrLst/>
+    <dgm:txLinClrLst/>
+    <dgm:txFillClrLst meth="repeat">
+      <a:schemeClr val="lt1"/>
+    </dgm:txFillClrLst>
+    <dgm:txEffectClrLst/>
+  </dgm:styleLbl>
+  <dgm:styleLbl name="parChTrans2D4">
+    <dgm:fillClrLst meth="repeat">
+      <a:schemeClr val="accent1"/>
+    </dgm:fillClrLst>
+    <dgm:linClrLst meth="repeat">
+      <a:schemeClr val="accent1"/>
+    </dgm:linClrLst>
+    <dgm:effectClrLst/>
+    <dgm:txLinClrLst/>
+    <dgm:txFillClrLst meth="repeat">
+      <a:schemeClr val="lt1"/>
+    </dgm:txFillClrLst>
+    <dgm:txEffectClrLst/>
+  </dgm:styleLbl>
+  <dgm:styleLbl name="parChTrans1D1">
+    <dgm:fillClrLst meth="repeat">
+      <a:schemeClr val="accent1"/>
+    </dgm:fillClrLst>
+    <dgm:linClrLst meth="repeat">
+      <a:schemeClr val="accent1">
+        <a:shade val="60000"/>
+      </a:schemeClr>
+    </dgm:linClrLst>
+    <dgm:effectClrLst/>
+    <dgm:txLinClrLst/>
+    <dgm:txFillClrLst meth="repeat">
+      <a:schemeClr val="tx1"/>
+    </dgm:txFillClrLst>
+    <dgm:txEffectClrLst/>
+  </dgm:styleLbl>
+  <dgm:styleLbl name="parChTrans1D2">
+    <dgm:fillClrLst meth="repeat">
+      <a:schemeClr val="accent1"/>
+    </dgm:fillClrLst>
+    <dgm:linClrLst meth="repeat">
+      <a:schemeClr val="accent1">
+        <a:shade val="60000"/>
+      </a:schemeClr>
+    </dgm:linClrLst>
+    <dgm:effectClrLst/>
+    <dgm:txLinClrLst/>
+    <dgm:txFillClrLst meth="repeat">
+      <a:schemeClr val="tx1"/>
+    </dgm:txFillClrLst>
+    <dgm:txEffectClrLst/>
+  </dgm:styleLbl>
+  <dgm:styleLbl name="parChTrans1D3">
+    <dgm:fillClrLst meth="repeat">
+      <a:schemeClr val="accent1"/>
+    </dgm:fillClrLst>
+    <dgm:linClrLst meth="repeat">
+      <a:schemeClr val="accent1">
+        <a:shade val="80000"/>
+      </a:schemeClr>
+    </dgm:linClrLst>
+    <dgm:effectClrLst/>
+    <dgm:txLinClrLst/>
+    <dgm:txFillClrLst meth="repeat">
+      <a:schemeClr val="tx1"/>
+    </dgm:txFillClrLst>
+    <dgm:txEffectClrLst/>
+  </dgm:styleLbl>
+  <dgm:styleLbl name="parChTrans1D4">
+    <dgm:fillClrLst meth="repeat">
+      <a:schemeClr val="accent1"/>
+    </dgm:fillClrLst>
+    <dgm:linClrLst meth="repeat">
+      <a:schemeClr val="accent1">
+        <a:shade val="80000"/>
+      </a:schemeClr>
+    </dgm:linClrLst>
+    <dgm:effectClrLst/>
+    <dgm:txLinClrLst/>
+    <dgm:txFillClrLst meth="repeat">
+      <a:schemeClr val="tx1"/>
+    </dgm:txFillClrLst>
+    <dgm:txEffectClrLst/>
+  </dgm:styleLbl>
+  <dgm:styleLbl name="fgAcc1">
+    <dgm:fillClrLst meth="repeat">
+      <a:schemeClr val="lt1">
+        <a:alpha val="90000"/>
+      </a:schemeClr>
+    </dgm:fillClrLst>
+    <dgm:linClrLst meth="repeat">
+      <a:schemeClr val="accent1"/>
+    </dgm:linClrLst>
+    <dgm:effectClrLst/>
+    <dgm:txLinClrLst/>
+    <dgm:txFillClrLst meth="repeat">
+      <a:schemeClr val="dk1"/>
+    </dgm:txFillClrLst>
+    <dgm:txEffectClrLst/>
+  </dgm:styleLbl>
+  <dgm:styleLbl name="conFgAcc1">
+    <dgm:fillClrLst meth="repeat">
+      <a:schemeClr val="lt1">
+        <a:alpha val="90000"/>
+      </a:schemeClr>
+    </dgm:fillClrLst>
+    <dgm:linClrLst meth="repeat">
+      <a:schemeClr val="accent1"/>
+    </dgm:linClrLst>
+    <dgm:effectClrLst/>
+    <dgm:txLinClrLst/>
+    <dgm:txFillClrLst meth="repeat">
+      <a:schemeClr val="dk1"/>
+    </dgm:txFillClrLst>
+    <dgm:txEffectClrLst/>
+  </dgm:styleLbl>
+  <dgm:styleLbl name="alignAcc1">
+    <dgm:fillClrLst meth="repeat">
+      <a:schemeClr val="lt1">
+        <a:alpha val="90000"/>
+      </a:schemeClr>
+    </dgm:fillClrLst>
+    <dgm:linClrLst meth="repeat">
+      <a:schemeClr val="accent1"/>
+    </dgm:linClrLst>
+    <dgm:effectClrLst/>
+    <dgm:txLinClrLst/>
+    <dgm:txFillClrLst meth="repeat">
+      <a:schemeClr val="dk1"/>
+    </dgm:txFillClrLst>
+    <dgm:txEffectClrLst/>
+  </dgm:styleLbl>
+  <dgm:styleLbl name="trAlignAcc1">
+    <dgm:fillClrLst meth="repeat">
+      <a:schemeClr val="lt1">
+        <a:alpha val="40000"/>
+      </a:schemeClr>
+    </dgm:fillClrLst>
+    <dgm:linClrLst meth="repeat">
+      <a:schemeClr val="accent1"/>
+    </dgm:linClrLst>
+    <dgm:effectClrLst/>
+    <dgm:txLinClrLst/>
+    <dgm:txFillClrLst meth="repeat">
+      <a:schemeClr val="dk1"/>
+    </dgm:txFillClrLst>
+    <dgm:txEffectClrLst/>
+  </dgm:styleLbl>
+  <dgm:styleLbl name="bgAcc1">
+    <dgm:fillClrLst meth="repeat">
+      <a:schemeClr val="lt1">
+        <a:alpha val="90000"/>
+      </a:schemeClr>
+    </dgm:fillClrLst>
+    <dgm:linClrLst meth="repeat">
+      <a:schemeClr val="accent1"/>
+    </dgm:linClrLst>
+    <dgm:effectClrLst/>
+    <dgm:txLinClrLst/>
+    <dgm:txFillClrLst meth="repeat">
+      <a:schemeClr val="dk1"/>
+    </dgm:txFillClrLst>
+    <dgm:txEffectClrLst/>
+  </dgm:styleLbl>
+  <dgm:styleLbl name="solidFgAcc1">
+    <dgm:fillClrLst meth="repeat">
+      <a:schemeClr val="lt1"/>
+    </dgm:fillClrLst>
+    <dgm:linClrLst meth="repeat">
+      <a:schemeClr val="accent1"/>
+    </dgm:linClrLst>
+    <dgm:effectClrLst/>
+    <dgm:txLinClrLst/>
+    <dgm:txFillClrLst meth="repeat">
+      <a:schemeClr val="dk1"/>
+    </dgm:txFillClrLst>
+    <dgm:txEffectClrLst/>
+  </dgm:styleLbl>
+  <dgm:styleLbl name="solidAlignAcc1">
+    <dgm:fillClrLst meth="repeat">
+      <a:schemeClr val="lt1"/>
+    </dgm:fillClrLst>
+    <dgm:linClrLst meth="repeat">
+      <a:schemeClr val="accent1"/>
+    </dgm:linClrLst>
+    <dgm:effectClrLst/>
+    <dgm:txLinClrLst/>
+    <dgm:txFillClrLst meth="repeat">
+      <a:schemeClr val="dk1"/>
+    </dgm:txFillClrLst>
+    <dgm:txEffectClrLst/>
+  </dgm:styleLbl>
+  <dgm:styleLbl name="solidBgAcc1">
+    <dgm:fillClrLst meth="repeat">
+      <a:schemeClr val="lt1"/>
+    </dgm:fillClrLst>
+    <dgm:linClrLst meth="repeat">
+      <a:schemeClr val="accent1"/>
+    </dgm:linClrLst>
+    <dgm:effectClrLst/>
+    <dgm:txLinClrLst/>
+    <dgm:txFillClrLst meth="repeat">
+      <a:schemeClr val="dk1"/>
+    </dgm:txFillClrLst>
+    <dgm:txEffectClrLst/>
+  </dgm:styleLbl>
+  <dgm:styleLbl name="fgAccFollowNode1">
+    <dgm:fillClrLst meth="repeat">
+      <a:schemeClr val="accent1">
+        <a:alpha val="90000"/>
+        <a:tint val="40000"/>
+      </a:schemeClr>
+    </dgm:fillClrLst>
+    <dgm:linClrLst meth="repeat">
+      <a:schemeClr val="accent1">
+        <a:alpha val="90000"/>
+        <a:tint val="40000"/>
+      </a:schemeClr>
+    </dgm:linClrLst>
+    <dgm:effectClrLst/>
+    <dgm:txLinClrLst/>
+    <dgm:txFillClrLst meth="repeat">
+      <a:schemeClr val="dk1"/>
+    </dgm:txFillClrLst>
+    <dgm:txEffectClrLst/>
+  </dgm:styleLbl>
+  <dgm:styleLbl name="alignAccFollowNode1">
+    <dgm:fillClrLst meth="repeat">
+      <a:schemeClr val="accent1">
+        <a:alpha val="90000"/>
+        <a:tint val="40000"/>
+      </a:schemeClr>
+    </dgm:fillClrLst>
+    <dgm:linClrLst meth="repeat">
+      <a:schemeClr val="accent1">
+        <a:alpha val="90000"/>
+        <a:tint val="40000"/>
+      </a:schemeClr>
+    </dgm:linClrLst>
+    <dgm:effectClrLst/>
+    <dgm:txLinClrLst/>
+    <dgm:txFillClrLst meth="repeat">
+      <a:schemeClr val="dk1"/>
+    </dgm:txFillClrLst>
+    <dgm:txEffectClrLst/>
+  </dgm:styleLbl>
+  <dgm:styleLbl name="bgAccFollowNode1">
+    <dgm:fillClrLst meth="repeat">
+      <a:schemeClr val="accent1">
+        <a:alpha val="90000"/>
+        <a:tint val="40000"/>
+      </a:schemeClr>
+    </dgm:fillClrLst>
+    <dgm:linClrLst meth="repeat">
+      <a:schemeClr val="accent1">
+        <a:alpha val="90000"/>
+        <a:tint val="40000"/>
+      </a:schemeClr>
+    </dgm:linClrLst>
+    <dgm:effectClrLst/>
+    <dgm:txLinClrLst/>
+    <dgm:txFillClrLst meth="repeat">
+      <a:schemeClr val="dk1"/>
+    </dgm:txFillClrLst>
+    <dgm:txEffectClrLst/>
+  </dgm:styleLbl>
+  <dgm:styleLbl name="fgAcc0">
+    <dgm:fillClrLst meth="repeat">
+      <a:schemeClr val="lt1">
+        <a:alpha val="90000"/>
+      </a:schemeClr>
+    </dgm:fillClrLst>
+    <dgm:linClrLst meth="repeat">
+      <a:schemeClr val="accent1"/>
+    </dgm:linClrLst>
+    <dgm:effectClrLst/>
+    <dgm:txLinClrLst/>
+    <dgm:txFillClrLst meth="repeat">
+      <a:schemeClr val="dk1"/>
+    </dgm:txFillClrLst>
+    <dgm:txEffectClrLst/>
+  </dgm:styleLbl>
+  <dgm:styleLbl name="fgAcc2">
+    <dgm:fillClrLst meth="repeat">
+      <a:schemeClr val="lt1">
+        <a:alpha val="90000"/>
+      </a:schemeClr>
+    </dgm:fillClrLst>
+    <dgm:linClrLst meth="repeat">
+      <a:schemeClr val="accent1"/>
+    </dgm:linClrLst>
+    <dgm:effectClrLst/>
+    <dgm:txLinClrLst/>
+    <dgm:txFillClrLst meth="repeat">
+      <a:schemeClr val="dk1"/>
+    </dgm:txFillClrLst>
+    <dgm:txEffectClrLst/>
+  </dgm:styleLbl>
+  <dgm:styleLbl name="fgAcc3">
+    <dgm:fillClrLst meth="repeat">
+      <a:schemeClr val="lt1">
+        <a:alpha val="90000"/>
+      </a:schemeClr>
+    </dgm:fillClrLst>
+    <dgm:linClrLst meth="repeat">
+      <a:schemeClr val="accent1"/>
+    </dgm:linClrLst>
+    <dgm:effectClrLst/>
+    <dgm:txLinClrLst/>
+    <dgm:txFillClrLst meth="repeat">
+      <a:schemeClr val="dk1"/>
+    </dgm:txFillClrLst>
+    <dgm:txEffectClrLst/>
+  </dgm:styleLbl>
+  <dgm:styleLbl name="fgAcc4">
+    <dgm:fillClrLst meth="repeat">
+      <a:schemeClr val="lt1">
+        <a:alpha val="90000"/>
+      </a:schemeClr>
+    </dgm:fillClrLst>
+    <dgm:linClrLst meth="repeat">
+      <a:schemeClr val="accent1"/>
+    </dgm:linClrLst>
+    <dgm:effectClrLst/>
+    <dgm:txLinClrLst/>
+    <dgm:txFillClrLst meth="repeat">
+      <a:schemeClr val="dk1"/>
+    </dgm:txFillClrLst>
+    <dgm:txEffectClrLst/>
+  </dgm:styleLbl>
+  <dgm:styleLbl name="bgShp">
+    <dgm:fillClrLst meth="repeat">
+      <a:schemeClr val="accent1">
+        <a:tint val="40000"/>
+      </a:schemeClr>
+    </dgm:fillClrLst>
+    <dgm:linClrLst meth="repeat">
+      <a:schemeClr val="accent1"/>
+    </dgm:linClrLst>
+    <dgm:effectClrLst/>
+    <dgm:txLinClrLst/>
+    <dgm:txFillClrLst meth="repeat">
+      <a:schemeClr val="dk1"/>
+    </dgm:txFillClrLst>
+    <dgm:txEffectClrLst/>
+  </dgm:styleLbl>
+  <dgm:styleLbl name="dkBgShp">
+    <dgm:fillClrLst meth="repeat">
+      <a:schemeClr val="accent1">
+        <a:shade val="80000"/>
+      </a:schemeClr>
+    </dgm:fillClrLst>
+    <dgm:linClrLst meth="repeat">
+      <a:schemeClr val="accent1"/>
+    </dgm:linClrLst>
+    <dgm:effectClrLst/>
+    <dgm:txLinClrLst/>
+    <dgm:txFillClrLst meth="repeat">
+      <a:schemeClr val="lt1"/>
+    </dgm:txFillClrLst>
+    <dgm:txEffectClrLst/>
+  </dgm:styleLbl>
+  <dgm:styleLbl name="trBgShp">
+    <dgm:fillClrLst meth="repeat">
+      <a:schemeClr val="accent1">
+        <a:tint val="50000"/>
+        <a:alpha val="40000"/>
+      </a:schemeClr>
+    </dgm:fillClrLst>
+    <dgm:linClrLst meth="repeat">
+      <a:schemeClr val="accent1"/>
+    </dgm:linClrLst>
+    <dgm:effectClrLst/>
+    <dgm:txLinClrLst/>
+    <dgm:txFillClrLst meth="repeat">
+      <a:schemeClr val="lt1"/>
+    </dgm:txFillClrLst>
+    <dgm:txEffectClrLst/>
+  </dgm:styleLbl>
+  <dgm:styleLbl name="fgShp">
+    <dgm:fillClrLst meth="repeat">
+      <a:schemeClr val="accent1">
+        <a:tint val="60000"/>
+      </a:schemeClr>
+    </dgm:fillClrLst>
+    <dgm:linClrLst meth="repeat">
+      <a:schemeClr val="lt1"/>
+    </dgm:linClrLst>
+    <dgm:effectClrLst/>
+    <dgm:txLinClrLst/>
+    <dgm:txFillClrLst meth="repeat">
+      <a:schemeClr val="dk1"/>
+    </dgm:txFillClrLst>
+    <dgm:txEffectClrLst/>
+  </dgm:styleLbl>
+  <dgm:styleLbl name="revTx">
+    <dgm:fillClrLst meth="repeat">
+      <a:schemeClr val="lt1">
+        <a:alpha val="0"/>
+      </a:schemeClr>
+    </dgm:fillClrLst>
+    <dgm:linClrLst meth="repeat">
+      <a:schemeClr val="dk1">
+        <a:alpha val="0"/>
+      </a:schemeClr>
+    </dgm:linClrLst>
+    <dgm:effectClrLst/>
+    <dgm:txLinClrLst/>
+    <dgm:txFillClrLst meth="repeat">
+      <a:schemeClr val="tx1"/>
+    </dgm:txFillClrLst>
+    <dgm:txEffectClrLst/>
+  </dgm:styleLbl>
+</dgm:colorsDef>
+</file>
+
+<file path=ppt/diagrams/data1.xml><?xml version="1.0" encoding="utf-8"?>
+<dgm:dataModel xmlns:dgm="http://schemas.openxmlformats.org/drawingml/2006/diagram" xmlns:a="http://schemas.openxmlformats.org/drawingml/2006/main">
+  <dgm:ptLst>
+    <dgm:pt modelId="{28C3BF9E-E2A3-4FF1-A615-ED3B1AE10385}" type="doc">
+      <dgm:prSet loTypeId="urn:microsoft.com/office/officeart/2005/8/layout/process5" loCatId="process" qsTypeId="urn:microsoft.com/office/officeart/2005/8/quickstyle/simple1" qsCatId="simple" csTypeId="urn:microsoft.com/office/officeart/2005/8/colors/accent1_2" csCatId="accent1" phldr="1"/>
+      <dgm:spPr/>
+      <dgm:t>
+        <a:bodyPr/>
+        <a:lstStyle/>
+        <a:p>
+          <a:endParaRPr lang="en-US"/>
+        </a:p>
+      </dgm:t>
+    </dgm:pt>
+    <dgm:pt modelId="{C2C89543-21BD-4C7C-AE16-B4568D6C5EEB}">
+      <dgm:prSet phldrT="[Texto]"/>
+      <dgm:spPr/>
+      <dgm:t>
+        <a:bodyPr/>
+        <a:lstStyle/>
+        <a:p>
+          <a:r>
+            <a:rPr lang="es-MX" dirty="0"/>
+            <a:t>Listar flujos de negocio</a:t>
+          </a:r>
+          <a:endParaRPr lang="en-US" dirty="0"/>
+        </a:p>
+      </dgm:t>
+    </dgm:pt>
+    <dgm:pt modelId="{B730C831-BF06-403B-AEEA-E25AEBBD73A7}" type="parTrans" cxnId="{A426335E-72ED-4264-8B2F-C7200CA6DB6B}">
+      <dgm:prSet/>
+      <dgm:spPr/>
+      <dgm:t>
+        <a:bodyPr/>
+        <a:lstStyle/>
+        <a:p>
+          <a:endParaRPr lang="en-US"/>
+        </a:p>
+      </dgm:t>
+    </dgm:pt>
+    <dgm:pt modelId="{D4510119-C832-431A-A10F-2446B912145B}" type="sibTrans" cxnId="{A426335E-72ED-4264-8B2F-C7200CA6DB6B}">
+      <dgm:prSet/>
+      <dgm:spPr/>
+      <dgm:t>
+        <a:bodyPr/>
+        <a:lstStyle/>
+        <a:p>
+          <a:endParaRPr lang="en-US"/>
+        </a:p>
+      </dgm:t>
+    </dgm:pt>
+    <dgm:pt modelId="{FD1E1C6C-429B-4D04-9717-08A5E54965FB}">
+      <dgm:prSet phldrT="[Texto]"/>
+      <dgm:spPr/>
+      <dgm:t>
+        <a:bodyPr/>
+        <a:lstStyle/>
+        <a:p>
+          <a:r>
+            <a:rPr lang="es-MX" dirty="0"/>
+            <a:t>Ejecutar manual</a:t>
+          </a:r>
+          <a:endParaRPr lang="en-US" dirty="0"/>
+        </a:p>
+      </dgm:t>
+    </dgm:pt>
+    <dgm:pt modelId="{9944B7C0-88E0-4580-A500-D6937C366C82}" type="parTrans" cxnId="{23761CF4-CB86-410A-9A05-9BCF3553D415}">
+      <dgm:prSet/>
+      <dgm:spPr/>
+      <dgm:t>
+        <a:bodyPr/>
+        <a:lstStyle/>
+        <a:p>
+          <a:endParaRPr lang="en-US"/>
+        </a:p>
+      </dgm:t>
+    </dgm:pt>
+    <dgm:pt modelId="{EDB751E0-4E7E-4889-87D2-AA778F1304AA}" type="sibTrans" cxnId="{23761CF4-CB86-410A-9A05-9BCF3553D415}">
+      <dgm:prSet/>
+      <dgm:spPr/>
+      <dgm:t>
+        <a:bodyPr/>
+        <a:lstStyle/>
+        <a:p>
+          <a:endParaRPr lang="en-US"/>
+        </a:p>
+      </dgm:t>
+    </dgm:pt>
+    <dgm:pt modelId="{CFAEBD1C-076B-4522-B45E-A2BF421223F5}">
+      <dgm:prSet phldrT="[Texto]"/>
+      <dgm:spPr/>
+      <dgm:t>
+        <a:bodyPr/>
+        <a:lstStyle/>
+        <a:p>
+          <a:r>
+            <a:rPr lang="es-MX" dirty="0"/>
+            <a:t>Escribir casos de prueba</a:t>
+          </a:r>
+          <a:endParaRPr lang="en-US" dirty="0"/>
+        </a:p>
+      </dgm:t>
+    </dgm:pt>
+    <dgm:pt modelId="{95C74DC9-4751-4B8E-AC03-26925329C31F}" type="parTrans" cxnId="{E774D9D2-74CD-46E8-8E60-B816A6994733}">
+      <dgm:prSet/>
+      <dgm:spPr/>
+      <dgm:t>
+        <a:bodyPr/>
+        <a:lstStyle/>
+        <a:p>
+          <a:endParaRPr lang="en-US"/>
+        </a:p>
+      </dgm:t>
+    </dgm:pt>
+    <dgm:pt modelId="{20CF75D6-53A6-44AC-A0EA-7A22094D6554}" type="sibTrans" cxnId="{E774D9D2-74CD-46E8-8E60-B816A6994733}">
+      <dgm:prSet/>
+      <dgm:spPr/>
+      <dgm:t>
+        <a:bodyPr/>
+        <a:lstStyle/>
+        <a:p>
+          <a:endParaRPr lang="en-US"/>
+        </a:p>
+      </dgm:t>
+    </dgm:pt>
+    <dgm:pt modelId="{10DA6E80-3DE3-434A-B6EE-B8B27C4F4902}">
+      <dgm:prSet phldrT="[Texto]"/>
+      <dgm:spPr/>
+      <dgm:t>
+        <a:bodyPr/>
+        <a:lstStyle/>
+        <a:p>
+          <a:r>
+            <a:rPr lang="es-MX" dirty="0"/>
+            <a:t>Hallar localizadores</a:t>
+          </a:r>
+          <a:endParaRPr lang="en-US" dirty="0"/>
+        </a:p>
+      </dgm:t>
+    </dgm:pt>
+    <dgm:pt modelId="{BC0DB689-A4F8-4D5F-A0C7-A00A6E68DC19}" type="parTrans" cxnId="{9A670F9B-9266-47C0-AB32-A80999B00A7A}">
+      <dgm:prSet/>
+      <dgm:spPr/>
+      <dgm:t>
+        <a:bodyPr/>
+        <a:lstStyle/>
+        <a:p>
+          <a:endParaRPr lang="en-US"/>
+        </a:p>
+      </dgm:t>
+    </dgm:pt>
+    <dgm:pt modelId="{B3FAC8C7-E3C9-4ABD-89A0-EF6674E0ACD8}" type="sibTrans" cxnId="{9A670F9B-9266-47C0-AB32-A80999B00A7A}">
+      <dgm:prSet/>
+      <dgm:spPr/>
+      <dgm:t>
+        <a:bodyPr/>
+        <a:lstStyle/>
+        <a:p>
+          <a:endParaRPr lang="en-US"/>
+        </a:p>
+      </dgm:t>
+    </dgm:pt>
+    <dgm:pt modelId="{5DF8E3A9-4AFA-412F-89AB-E574BFE00517}">
+      <dgm:prSet phldrT="[Texto]"/>
+      <dgm:spPr/>
+      <dgm:t>
+        <a:bodyPr/>
+        <a:lstStyle/>
+        <a:p>
+          <a:r>
+            <a:rPr lang="es-MX" dirty="0"/>
+            <a:t>Filtrar casos priorizados</a:t>
+          </a:r>
+          <a:endParaRPr lang="en-US" dirty="0"/>
+        </a:p>
+      </dgm:t>
+    </dgm:pt>
+    <dgm:pt modelId="{25D29E86-A246-449D-B728-98CB3018A425}" type="parTrans" cxnId="{16F5A82C-8890-4B6B-ACC8-401CD91B6866}">
+      <dgm:prSet/>
+      <dgm:spPr/>
+    </dgm:pt>
+    <dgm:pt modelId="{E6A256FF-6E1E-4600-BBD5-C20AB72824EB}" type="sibTrans" cxnId="{16F5A82C-8890-4B6B-ACC8-401CD91B6866}">
+      <dgm:prSet/>
+      <dgm:spPr/>
+      <dgm:t>
+        <a:bodyPr/>
+        <a:lstStyle/>
+        <a:p>
+          <a:endParaRPr lang="en-US"/>
+        </a:p>
+      </dgm:t>
+    </dgm:pt>
+    <dgm:pt modelId="{4807BE89-F61E-4F65-ADDD-468B6CBC5A57}" type="pres">
+      <dgm:prSet presAssocID="{28C3BF9E-E2A3-4FF1-A615-ED3B1AE10385}" presName="diagram" presStyleCnt="0">
+        <dgm:presLayoutVars>
+          <dgm:dir/>
+          <dgm:resizeHandles val="exact"/>
+        </dgm:presLayoutVars>
+      </dgm:prSet>
+      <dgm:spPr/>
+    </dgm:pt>
+    <dgm:pt modelId="{E1F5F50F-87F1-48DC-8B44-027D7237270E}" type="pres">
+      <dgm:prSet presAssocID="{C2C89543-21BD-4C7C-AE16-B4568D6C5EEB}" presName="node" presStyleLbl="node1" presStyleIdx="0" presStyleCnt="5">
+        <dgm:presLayoutVars>
+          <dgm:bulletEnabled val="1"/>
+        </dgm:presLayoutVars>
+      </dgm:prSet>
+      <dgm:spPr/>
+    </dgm:pt>
+    <dgm:pt modelId="{02985731-E91E-400C-9C7C-C10B583834F8}" type="pres">
+      <dgm:prSet presAssocID="{D4510119-C832-431A-A10F-2446B912145B}" presName="sibTrans" presStyleLbl="sibTrans2D1" presStyleIdx="0" presStyleCnt="4"/>
+      <dgm:spPr/>
+    </dgm:pt>
+    <dgm:pt modelId="{88E3ED8F-8646-48DA-B729-9AF5D9C59593}" type="pres">
+      <dgm:prSet presAssocID="{D4510119-C832-431A-A10F-2446B912145B}" presName="connectorText" presStyleLbl="sibTrans2D1" presStyleIdx="0" presStyleCnt="4"/>
+      <dgm:spPr/>
+    </dgm:pt>
+    <dgm:pt modelId="{B0968351-73CC-4ED0-B702-40152662B67B}" type="pres">
+      <dgm:prSet presAssocID="{5DF8E3A9-4AFA-412F-89AB-E574BFE00517}" presName="node" presStyleLbl="node1" presStyleIdx="1" presStyleCnt="5">
+        <dgm:presLayoutVars>
+          <dgm:bulletEnabled val="1"/>
+        </dgm:presLayoutVars>
+      </dgm:prSet>
+      <dgm:spPr/>
+    </dgm:pt>
+    <dgm:pt modelId="{1CC0A8FB-3A84-45AF-BDF4-A765587E6B8A}" type="pres">
+      <dgm:prSet presAssocID="{E6A256FF-6E1E-4600-BBD5-C20AB72824EB}" presName="sibTrans" presStyleLbl="sibTrans2D1" presStyleIdx="1" presStyleCnt="4"/>
+      <dgm:spPr/>
+    </dgm:pt>
+    <dgm:pt modelId="{192A48C0-F1AB-4887-A712-05AC40EF3C62}" type="pres">
+      <dgm:prSet presAssocID="{E6A256FF-6E1E-4600-BBD5-C20AB72824EB}" presName="connectorText" presStyleLbl="sibTrans2D1" presStyleIdx="1" presStyleCnt="4"/>
+      <dgm:spPr/>
+    </dgm:pt>
+    <dgm:pt modelId="{C3A8D571-7645-474D-B16F-5E58ED1F67B7}" type="pres">
+      <dgm:prSet presAssocID="{FD1E1C6C-429B-4D04-9717-08A5E54965FB}" presName="node" presStyleLbl="node1" presStyleIdx="2" presStyleCnt="5">
+        <dgm:presLayoutVars>
+          <dgm:bulletEnabled val="1"/>
+        </dgm:presLayoutVars>
+      </dgm:prSet>
+      <dgm:spPr/>
+    </dgm:pt>
+    <dgm:pt modelId="{5B4B4CF7-7E80-47F9-9D98-2E70B5894A93}" type="pres">
+      <dgm:prSet presAssocID="{EDB751E0-4E7E-4889-87D2-AA778F1304AA}" presName="sibTrans" presStyleLbl="sibTrans2D1" presStyleIdx="2" presStyleCnt="4"/>
+      <dgm:spPr/>
+    </dgm:pt>
+    <dgm:pt modelId="{39356F86-41C4-4239-811A-AC5F92625557}" type="pres">
+      <dgm:prSet presAssocID="{EDB751E0-4E7E-4889-87D2-AA778F1304AA}" presName="connectorText" presStyleLbl="sibTrans2D1" presStyleIdx="2" presStyleCnt="4"/>
+      <dgm:spPr/>
+    </dgm:pt>
+    <dgm:pt modelId="{3ECE4E3E-9F76-4847-95B9-117B9F599EA7}" type="pres">
+      <dgm:prSet presAssocID="{CFAEBD1C-076B-4522-B45E-A2BF421223F5}" presName="node" presStyleLbl="node1" presStyleIdx="3" presStyleCnt="5">
+        <dgm:presLayoutVars>
+          <dgm:bulletEnabled val="1"/>
+        </dgm:presLayoutVars>
+      </dgm:prSet>
+      <dgm:spPr/>
+    </dgm:pt>
+    <dgm:pt modelId="{5C66C85E-79A2-41C4-A352-93EC9389228C}" type="pres">
+      <dgm:prSet presAssocID="{20CF75D6-53A6-44AC-A0EA-7A22094D6554}" presName="sibTrans" presStyleLbl="sibTrans2D1" presStyleIdx="3" presStyleCnt="4"/>
+      <dgm:spPr/>
+    </dgm:pt>
+    <dgm:pt modelId="{56752AAC-D078-45CB-A748-5ADCDC86A4BE}" type="pres">
+      <dgm:prSet presAssocID="{20CF75D6-53A6-44AC-A0EA-7A22094D6554}" presName="connectorText" presStyleLbl="sibTrans2D1" presStyleIdx="3" presStyleCnt="4"/>
+      <dgm:spPr/>
+    </dgm:pt>
+    <dgm:pt modelId="{E125392B-9893-47B3-8FAC-A53A7071F164}" type="pres">
+      <dgm:prSet presAssocID="{10DA6E80-3DE3-434A-B6EE-B8B27C4F4902}" presName="node" presStyleLbl="node1" presStyleIdx="4" presStyleCnt="5">
+        <dgm:presLayoutVars>
+          <dgm:bulletEnabled val="1"/>
+        </dgm:presLayoutVars>
+      </dgm:prSet>
+      <dgm:spPr/>
+    </dgm:pt>
+  </dgm:ptLst>
+  <dgm:cxnLst>
+    <dgm:cxn modelId="{0D979117-9ABF-4712-ACC2-872A4685CAA2}" type="presOf" srcId="{E6A256FF-6E1E-4600-BBD5-C20AB72824EB}" destId="{1CC0A8FB-3A84-45AF-BDF4-A765587E6B8A}" srcOrd="0" destOrd="0" presId="urn:microsoft.com/office/officeart/2005/8/layout/process5"/>
+    <dgm:cxn modelId="{DB22A121-8603-4CAD-83A4-FC9172612571}" type="presOf" srcId="{20CF75D6-53A6-44AC-A0EA-7A22094D6554}" destId="{56752AAC-D078-45CB-A748-5ADCDC86A4BE}" srcOrd="1" destOrd="0" presId="urn:microsoft.com/office/officeart/2005/8/layout/process5"/>
+    <dgm:cxn modelId="{8E0B772C-0BCF-45D9-96A4-F14DEF7FD6C1}" type="presOf" srcId="{C2C89543-21BD-4C7C-AE16-B4568D6C5EEB}" destId="{E1F5F50F-87F1-48DC-8B44-027D7237270E}" srcOrd="0" destOrd="0" presId="urn:microsoft.com/office/officeart/2005/8/layout/process5"/>
+    <dgm:cxn modelId="{16F5A82C-8890-4B6B-ACC8-401CD91B6866}" srcId="{28C3BF9E-E2A3-4FF1-A615-ED3B1AE10385}" destId="{5DF8E3A9-4AFA-412F-89AB-E574BFE00517}" srcOrd="1" destOrd="0" parTransId="{25D29E86-A246-449D-B728-98CB3018A425}" sibTransId="{E6A256FF-6E1E-4600-BBD5-C20AB72824EB}"/>
+    <dgm:cxn modelId="{ADCE2132-0665-4909-B212-3B2DE421A54E}" type="presOf" srcId="{EDB751E0-4E7E-4889-87D2-AA778F1304AA}" destId="{5B4B4CF7-7E80-47F9-9D98-2E70B5894A93}" srcOrd="0" destOrd="0" presId="urn:microsoft.com/office/officeart/2005/8/layout/process5"/>
+    <dgm:cxn modelId="{B643D334-75AF-475A-842F-D0CE282AEBF8}" type="presOf" srcId="{D4510119-C832-431A-A10F-2446B912145B}" destId="{02985731-E91E-400C-9C7C-C10B583834F8}" srcOrd="0" destOrd="0" presId="urn:microsoft.com/office/officeart/2005/8/layout/process5"/>
+    <dgm:cxn modelId="{B8D1CC39-450E-4712-BB7D-392E4A39ADE7}" type="presOf" srcId="{EDB751E0-4E7E-4889-87D2-AA778F1304AA}" destId="{39356F86-41C4-4239-811A-AC5F92625557}" srcOrd="1" destOrd="0" presId="urn:microsoft.com/office/officeart/2005/8/layout/process5"/>
+    <dgm:cxn modelId="{3E4E5F5B-E1ED-4516-A9EF-DF2450AB180B}" type="presOf" srcId="{FD1E1C6C-429B-4D04-9717-08A5E54965FB}" destId="{C3A8D571-7645-474D-B16F-5E58ED1F67B7}" srcOrd="0" destOrd="0" presId="urn:microsoft.com/office/officeart/2005/8/layout/process5"/>
+    <dgm:cxn modelId="{A426335E-72ED-4264-8B2F-C7200CA6DB6B}" srcId="{28C3BF9E-E2A3-4FF1-A615-ED3B1AE10385}" destId="{C2C89543-21BD-4C7C-AE16-B4568D6C5EEB}" srcOrd="0" destOrd="0" parTransId="{B730C831-BF06-403B-AEEA-E25AEBBD73A7}" sibTransId="{D4510119-C832-431A-A10F-2446B912145B}"/>
+    <dgm:cxn modelId="{2A564642-4B9E-45FD-9718-C1FEEF516D9E}" type="presOf" srcId="{28C3BF9E-E2A3-4FF1-A615-ED3B1AE10385}" destId="{4807BE89-F61E-4F65-ADDD-468B6CBC5A57}" srcOrd="0" destOrd="0" presId="urn:microsoft.com/office/officeart/2005/8/layout/process5"/>
+    <dgm:cxn modelId="{D158F34E-EE8C-41DC-B36C-528030C014D0}" type="presOf" srcId="{E6A256FF-6E1E-4600-BBD5-C20AB72824EB}" destId="{192A48C0-F1AB-4887-A712-05AC40EF3C62}" srcOrd="1" destOrd="0" presId="urn:microsoft.com/office/officeart/2005/8/layout/process5"/>
+    <dgm:cxn modelId="{3480208F-DCE5-4FAB-B21D-A1E2F6DAEE4E}" type="presOf" srcId="{10DA6E80-3DE3-434A-B6EE-B8B27C4F4902}" destId="{E125392B-9893-47B3-8FAC-A53A7071F164}" srcOrd="0" destOrd="0" presId="urn:microsoft.com/office/officeart/2005/8/layout/process5"/>
+    <dgm:cxn modelId="{9A670F9B-9266-47C0-AB32-A80999B00A7A}" srcId="{28C3BF9E-E2A3-4FF1-A615-ED3B1AE10385}" destId="{10DA6E80-3DE3-434A-B6EE-B8B27C4F4902}" srcOrd="4" destOrd="0" parTransId="{BC0DB689-A4F8-4D5F-A0C7-A00A6E68DC19}" sibTransId="{B3FAC8C7-E3C9-4ABD-89A0-EF6674E0ACD8}"/>
+    <dgm:cxn modelId="{172440B7-E7F1-4E24-A211-956D162328BA}" type="presOf" srcId="{20CF75D6-53A6-44AC-A0EA-7A22094D6554}" destId="{5C66C85E-79A2-41C4-A352-93EC9389228C}" srcOrd="0" destOrd="0" presId="urn:microsoft.com/office/officeart/2005/8/layout/process5"/>
+    <dgm:cxn modelId="{E774D9D2-74CD-46E8-8E60-B816A6994733}" srcId="{28C3BF9E-E2A3-4FF1-A615-ED3B1AE10385}" destId="{CFAEBD1C-076B-4522-B45E-A2BF421223F5}" srcOrd="3" destOrd="0" parTransId="{95C74DC9-4751-4B8E-AC03-26925329C31F}" sibTransId="{20CF75D6-53A6-44AC-A0EA-7A22094D6554}"/>
+    <dgm:cxn modelId="{15DD46DC-1EB7-4497-9F0C-596D948DD269}" type="presOf" srcId="{5DF8E3A9-4AFA-412F-89AB-E574BFE00517}" destId="{B0968351-73CC-4ED0-B702-40152662B67B}" srcOrd="0" destOrd="0" presId="urn:microsoft.com/office/officeart/2005/8/layout/process5"/>
+    <dgm:cxn modelId="{23761CF4-CB86-410A-9A05-9BCF3553D415}" srcId="{28C3BF9E-E2A3-4FF1-A615-ED3B1AE10385}" destId="{FD1E1C6C-429B-4D04-9717-08A5E54965FB}" srcOrd="2" destOrd="0" parTransId="{9944B7C0-88E0-4580-A500-D6937C366C82}" sibTransId="{EDB751E0-4E7E-4889-87D2-AA778F1304AA}"/>
+    <dgm:cxn modelId="{F86AF9F6-A584-4C41-B932-93D7F9533380}" type="presOf" srcId="{D4510119-C832-431A-A10F-2446B912145B}" destId="{88E3ED8F-8646-48DA-B729-9AF5D9C59593}" srcOrd="1" destOrd="0" presId="urn:microsoft.com/office/officeart/2005/8/layout/process5"/>
+    <dgm:cxn modelId="{0DFB4BF9-6D99-4A8C-AC9A-BFE75322FAA2}" type="presOf" srcId="{CFAEBD1C-076B-4522-B45E-A2BF421223F5}" destId="{3ECE4E3E-9F76-4847-95B9-117B9F599EA7}" srcOrd="0" destOrd="0" presId="urn:microsoft.com/office/officeart/2005/8/layout/process5"/>
+    <dgm:cxn modelId="{61541170-6F2B-4F43-8977-984BF9C72694}" type="presParOf" srcId="{4807BE89-F61E-4F65-ADDD-468B6CBC5A57}" destId="{E1F5F50F-87F1-48DC-8B44-027D7237270E}" srcOrd="0" destOrd="0" presId="urn:microsoft.com/office/officeart/2005/8/layout/process5"/>
+    <dgm:cxn modelId="{0EA64F24-0F20-4959-9513-2D78EAFA644A}" type="presParOf" srcId="{4807BE89-F61E-4F65-ADDD-468B6CBC5A57}" destId="{02985731-E91E-400C-9C7C-C10B583834F8}" srcOrd="1" destOrd="0" presId="urn:microsoft.com/office/officeart/2005/8/layout/process5"/>
+    <dgm:cxn modelId="{56371E06-F480-4905-8484-32A5EFAA01F5}" type="presParOf" srcId="{02985731-E91E-400C-9C7C-C10B583834F8}" destId="{88E3ED8F-8646-48DA-B729-9AF5D9C59593}" srcOrd="0" destOrd="0" presId="urn:microsoft.com/office/officeart/2005/8/layout/process5"/>
+    <dgm:cxn modelId="{C7EBAADD-B457-4A9E-A7A6-1C4E19DF1C7E}" type="presParOf" srcId="{4807BE89-F61E-4F65-ADDD-468B6CBC5A57}" destId="{B0968351-73CC-4ED0-B702-40152662B67B}" srcOrd="2" destOrd="0" presId="urn:microsoft.com/office/officeart/2005/8/layout/process5"/>
+    <dgm:cxn modelId="{97FBB6B8-41EB-4EB8-B252-E920B2A3A077}" type="presParOf" srcId="{4807BE89-F61E-4F65-ADDD-468B6CBC5A57}" destId="{1CC0A8FB-3A84-45AF-BDF4-A765587E6B8A}" srcOrd="3" destOrd="0" presId="urn:microsoft.com/office/officeart/2005/8/layout/process5"/>
+    <dgm:cxn modelId="{F0FB7F97-A69C-4664-82BD-B5673F425F76}" type="presParOf" srcId="{1CC0A8FB-3A84-45AF-BDF4-A765587E6B8A}" destId="{192A48C0-F1AB-4887-A712-05AC40EF3C62}" srcOrd="0" destOrd="0" presId="urn:microsoft.com/office/officeart/2005/8/layout/process5"/>
+    <dgm:cxn modelId="{34887D0F-6467-4C72-A1FF-2941E8879CDD}" type="presParOf" srcId="{4807BE89-F61E-4F65-ADDD-468B6CBC5A57}" destId="{C3A8D571-7645-474D-B16F-5E58ED1F67B7}" srcOrd="4" destOrd="0" presId="urn:microsoft.com/office/officeart/2005/8/layout/process5"/>
+    <dgm:cxn modelId="{4F160962-377A-43E1-BFF3-6D4BE37DDA1E}" type="presParOf" srcId="{4807BE89-F61E-4F65-ADDD-468B6CBC5A57}" destId="{5B4B4CF7-7E80-47F9-9D98-2E70B5894A93}" srcOrd="5" destOrd="0" presId="urn:microsoft.com/office/officeart/2005/8/layout/process5"/>
+    <dgm:cxn modelId="{6AA0885D-9509-4D0E-B047-B14373C6E04A}" type="presParOf" srcId="{5B4B4CF7-7E80-47F9-9D98-2E70B5894A93}" destId="{39356F86-41C4-4239-811A-AC5F92625557}" srcOrd="0" destOrd="0" presId="urn:microsoft.com/office/officeart/2005/8/layout/process5"/>
+    <dgm:cxn modelId="{C498BB34-1317-472D-B00C-7CC9CB39EDC0}" type="presParOf" srcId="{4807BE89-F61E-4F65-ADDD-468B6CBC5A57}" destId="{3ECE4E3E-9F76-4847-95B9-117B9F599EA7}" srcOrd="6" destOrd="0" presId="urn:microsoft.com/office/officeart/2005/8/layout/process5"/>
+    <dgm:cxn modelId="{E27C464E-FA8C-445A-BC31-59AF822BF33A}" type="presParOf" srcId="{4807BE89-F61E-4F65-ADDD-468B6CBC5A57}" destId="{5C66C85E-79A2-41C4-A352-93EC9389228C}" srcOrd="7" destOrd="0" presId="urn:microsoft.com/office/officeart/2005/8/layout/process5"/>
+    <dgm:cxn modelId="{3061A6CC-B2C9-4854-8DD2-62545DC07474}" type="presParOf" srcId="{5C66C85E-79A2-41C4-A352-93EC9389228C}" destId="{56752AAC-D078-45CB-A748-5ADCDC86A4BE}" srcOrd="0" destOrd="0" presId="urn:microsoft.com/office/officeart/2005/8/layout/process5"/>
+    <dgm:cxn modelId="{D9522178-9F5F-4391-9680-DE53E0067D4B}" type="presParOf" srcId="{4807BE89-F61E-4F65-ADDD-468B6CBC5A57}" destId="{E125392B-9893-47B3-8FAC-A53A7071F164}" srcOrd="8" destOrd="0" presId="urn:microsoft.com/office/officeart/2005/8/layout/process5"/>
+  </dgm:cxnLst>
+  <dgm:bg/>
+  <dgm:whole/>
+  <dgm:extLst>
+    <a:ext uri="http://schemas.microsoft.com/office/drawing/2008/diagram">
+      <dsp:dataModelExt xmlns:dsp="http://schemas.microsoft.com/office/drawing/2008/diagram" relId="rId6" minVer="http://schemas.openxmlformats.org/drawingml/2006/diagram"/>
+    </a:ext>
+  </dgm:extLst>
+</dgm:dataModel>
+</file>
+
+<file path=ppt/diagrams/data2.xml><?xml version="1.0" encoding="utf-8"?>
+<dgm:dataModel xmlns:dgm="http://schemas.openxmlformats.org/drawingml/2006/diagram" xmlns:a="http://schemas.openxmlformats.org/drawingml/2006/main">
+  <dgm:ptLst>
+    <dgm:pt modelId="{8EC9B66D-0B79-4AB5-B1A6-AA29A8262535}" type="doc">
+      <dgm:prSet loTypeId="urn:microsoft.com/office/officeart/2005/8/layout/StepDownProcess" loCatId="process" qsTypeId="urn:microsoft.com/office/officeart/2005/8/quickstyle/simple1" qsCatId="simple" csTypeId="urn:microsoft.com/office/officeart/2005/8/colors/accent1_2" csCatId="accent1" phldr="1"/>
+      <dgm:spPr/>
+      <dgm:t>
+        <a:bodyPr/>
+        <a:lstStyle/>
+        <a:p>
+          <a:endParaRPr lang="en-US"/>
+        </a:p>
+      </dgm:t>
+    </dgm:pt>
+    <dgm:pt modelId="{3213CFE8-22C8-4D10-AA2B-3D77D0DA00E6}">
+      <dgm:prSet phldrT="[Texto]"/>
+      <dgm:spPr/>
+      <dgm:t>
+        <a:bodyPr/>
+        <a:lstStyle/>
+        <a:p>
+          <a:r>
+            <a:rPr lang="es-MX" dirty="0"/>
+            <a:t>Grabación de pasos</a:t>
+          </a:r>
+          <a:endParaRPr lang="en-US" dirty="0"/>
+        </a:p>
+      </dgm:t>
+    </dgm:pt>
+    <dgm:pt modelId="{3482FA99-ACD0-4A67-9984-25C92F7A9239}" type="parTrans" cxnId="{382446CC-0EA3-4E02-9CEC-B70B1DF6C6BF}">
+      <dgm:prSet/>
+      <dgm:spPr/>
+      <dgm:t>
+        <a:bodyPr/>
+        <a:lstStyle/>
+        <a:p>
+          <a:endParaRPr lang="en-US"/>
+        </a:p>
+      </dgm:t>
+    </dgm:pt>
+    <dgm:pt modelId="{C4FE6565-3314-4A5E-8254-4A503696C4F2}" type="sibTrans" cxnId="{382446CC-0EA3-4E02-9CEC-B70B1DF6C6BF}">
+      <dgm:prSet/>
+      <dgm:spPr/>
+      <dgm:t>
+        <a:bodyPr/>
+        <a:lstStyle/>
+        <a:p>
+          <a:endParaRPr lang="en-US"/>
+        </a:p>
+      </dgm:t>
+    </dgm:pt>
+    <dgm:pt modelId="{E8398319-2B5D-462E-8140-63B2FC80D802}">
+      <dgm:prSet phldrT="[Texto]"/>
+      <dgm:spPr/>
+      <dgm:t>
+        <a:bodyPr/>
+        <a:lstStyle/>
+        <a:p>
+          <a:r>
+            <a:rPr lang="es-MX" dirty="0"/>
+            <a:t>Selenium IDE grabará los pasos</a:t>
+          </a:r>
+          <a:endParaRPr lang="en-US" dirty="0"/>
+        </a:p>
+      </dgm:t>
+    </dgm:pt>
+    <dgm:pt modelId="{9181746B-AFD6-40CD-872B-AD1BC63487D6}" type="parTrans" cxnId="{0ECCC8DA-C241-4F34-9E16-1D9D7C20A69D}">
+      <dgm:prSet/>
+      <dgm:spPr/>
+      <dgm:t>
+        <a:bodyPr/>
+        <a:lstStyle/>
+        <a:p>
+          <a:endParaRPr lang="en-US"/>
+        </a:p>
+      </dgm:t>
+    </dgm:pt>
+    <dgm:pt modelId="{62444B9B-D40B-4D74-AA79-388E1F70C9CA}" type="sibTrans" cxnId="{0ECCC8DA-C241-4F34-9E16-1D9D7C20A69D}">
+      <dgm:prSet/>
+      <dgm:spPr/>
+      <dgm:t>
+        <a:bodyPr/>
+        <a:lstStyle/>
+        <a:p>
+          <a:endParaRPr lang="en-US"/>
+        </a:p>
+      </dgm:t>
+    </dgm:pt>
+    <dgm:pt modelId="{0004246B-88F9-43FE-A274-FE3941EA851E}">
+      <dgm:prSet phldrT="[Texto]"/>
+      <dgm:spPr/>
+      <dgm:t>
+        <a:bodyPr/>
+        <a:lstStyle/>
+        <a:p>
+          <a:r>
+            <a:rPr lang="es-MX" dirty="0"/>
+            <a:t>Complementar pruebas</a:t>
+          </a:r>
+          <a:endParaRPr lang="en-US" dirty="0"/>
+        </a:p>
+      </dgm:t>
+    </dgm:pt>
+    <dgm:pt modelId="{05E1C6E6-3244-4013-953F-B679BB921DD4}" type="parTrans" cxnId="{970FEBBD-04F4-4E69-A519-9910F8248D70}">
+      <dgm:prSet/>
+      <dgm:spPr/>
+      <dgm:t>
+        <a:bodyPr/>
+        <a:lstStyle/>
+        <a:p>
+          <a:endParaRPr lang="en-US"/>
+        </a:p>
+      </dgm:t>
+    </dgm:pt>
+    <dgm:pt modelId="{D06B84ED-57ED-4CC1-B99C-FD3AE33ECB81}" type="sibTrans" cxnId="{970FEBBD-04F4-4E69-A519-9910F8248D70}">
+      <dgm:prSet/>
+      <dgm:spPr/>
+      <dgm:t>
+        <a:bodyPr/>
+        <a:lstStyle/>
+        <a:p>
+          <a:endParaRPr lang="en-US"/>
+        </a:p>
+      </dgm:t>
+    </dgm:pt>
+    <dgm:pt modelId="{408BA9CA-C0FF-4F68-9A1D-901EAC11374F}">
+      <dgm:prSet phldrT="[Texto]"/>
+      <dgm:spPr/>
+      <dgm:t>
+        <a:bodyPr/>
+        <a:lstStyle/>
+        <a:p>
+          <a:r>
+            <a:rPr lang="es-MX" dirty="0"/>
+            <a:t>Eliminar pasos irrelevantes</a:t>
+          </a:r>
+          <a:endParaRPr lang="en-US" dirty="0"/>
+        </a:p>
+      </dgm:t>
+    </dgm:pt>
+    <dgm:pt modelId="{E6C5223D-33BF-40B7-80F8-EF8FDEC1B296}" type="parTrans" cxnId="{2472A94E-7121-4694-BFBB-3249D3AF7013}">
+      <dgm:prSet/>
+      <dgm:spPr/>
+      <dgm:t>
+        <a:bodyPr/>
+        <a:lstStyle/>
+        <a:p>
+          <a:endParaRPr lang="en-US"/>
+        </a:p>
+      </dgm:t>
+    </dgm:pt>
+    <dgm:pt modelId="{B8055F9D-FA46-4B64-9361-DF925FA78C9E}" type="sibTrans" cxnId="{2472A94E-7121-4694-BFBB-3249D3AF7013}">
+      <dgm:prSet/>
+      <dgm:spPr/>
+      <dgm:t>
+        <a:bodyPr/>
+        <a:lstStyle/>
+        <a:p>
+          <a:endParaRPr lang="en-US"/>
+        </a:p>
+      </dgm:t>
+    </dgm:pt>
+    <dgm:pt modelId="{F02D2E28-A133-423F-8AAB-869D010E2185}">
+      <dgm:prSet phldrT="[Texto]"/>
+      <dgm:spPr/>
+      <dgm:t>
+        <a:bodyPr/>
+        <a:lstStyle/>
+        <a:p>
+          <a:r>
+            <a:rPr lang="es-MX" dirty="0"/>
+            <a:t>Ejecución y Depuración</a:t>
+          </a:r>
+          <a:endParaRPr lang="en-US" dirty="0"/>
+        </a:p>
+      </dgm:t>
+    </dgm:pt>
+    <dgm:pt modelId="{506E89E8-5B56-4D9D-9410-753D8BC3D50F}" type="parTrans" cxnId="{29701628-02B2-4B2C-9FF5-9E1AF4EFDE2E}">
+      <dgm:prSet/>
+      <dgm:spPr/>
+      <dgm:t>
+        <a:bodyPr/>
+        <a:lstStyle/>
+        <a:p>
+          <a:endParaRPr lang="en-US"/>
+        </a:p>
+      </dgm:t>
+    </dgm:pt>
+    <dgm:pt modelId="{431FE57E-E0C1-495B-B8F0-877AFB2B7F10}" type="sibTrans" cxnId="{29701628-02B2-4B2C-9FF5-9E1AF4EFDE2E}">
+      <dgm:prSet/>
+      <dgm:spPr/>
+      <dgm:t>
+        <a:bodyPr/>
+        <a:lstStyle/>
+        <a:p>
+          <a:endParaRPr lang="en-US"/>
+        </a:p>
+      </dgm:t>
+    </dgm:pt>
+    <dgm:pt modelId="{C3BABA16-32F6-4BDF-A15A-1FF607530D28}">
+      <dgm:prSet phldrT="[Texto]"/>
+      <dgm:spPr/>
+      <dgm:t>
+        <a:bodyPr/>
+        <a:lstStyle/>
+        <a:p>
+          <a:r>
+            <a:rPr lang="es-MX" dirty="0"/>
+            <a:t>Ejecución de CP</a:t>
+          </a:r>
+          <a:endParaRPr lang="en-US" dirty="0"/>
+        </a:p>
+      </dgm:t>
+    </dgm:pt>
+    <dgm:pt modelId="{D29369BB-3F65-4B07-8DA9-EEAF6F3917C8}" type="parTrans" cxnId="{362FACA0-49CA-440C-BB09-41E4AD768C83}">
+      <dgm:prSet/>
+      <dgm:spPr/>
+      <dgm:t>
+        <a:bodyPr/>
+        <a:lstStyle/>
+        <a:p>
+          <a:endParaRPr lang="en-US"/>
+        </a:p>
+      </dgm:t>
+    </dgm:pt>
+    <dgm:pt modelId="{46B07908-6668-48A0-A2FC-A3C679D94F73}" type="sibTrans" cxnId="{362FACA0-49CA-440C-BB09-41E4AD768C83}">
+      <dgm:prSet/>
+      <dgm:spPr/>
+      <dgm:t>
+        <a:bodyPr/>
+        <a:lstStyle/>
+        <a:p>
+          <a:endParaRPr lang="en-US"/>
+        </a:p>
+      </dgm:t>
+    </dgm:pt>
+    <dgm:pt modelId="{4A70B995-DE74-4D33-B6B0-D889084CD1EE}">
+      <dgm:prSet phldrT="[Texto]"/>
+      <dgm:spPr/>
+      <dgm:t>
+        <a:bodyPr/>
+        <a:lstStyle/>
+        <a:p>
+          <a:r>
+            <a:rPr lang="es-MX" dirty="0"/>
+            <a:t>Insertar Validaciones</a:t>
+          </a:r>
+          <a:endParaRPr lang="en-US" dirty="0"/>
+        </a:p>
+      </dgm:t>
+    </dgm:pt>
+    <dgm:pt modelId="{D602930A-801F-48A6-B925-CBBCCF9B7A6C}" type="parTrans" cxnId="{E715DD00-6300-4C67-A109-89217B017BF8}">
+      <dgm:prSet/>
+      <dgm:spPr/>
+      <dgm:t>
+        <a:bodyPr/>
+        <a:lstStyle/>
+        <a:p>
+          <a:endParaRPr lang="en-US"/>
+        </a:p>
+      </dgm:t>
+    </dgm:pt>
+    <dgm:pt modelId="{6147E3D3-2140-403E-AA86-DC784F4FBF88}" type="sibTrans" cxnId="{E715DD00-6300-4C67-A109-89217B017BF8}">
+      <dgm:prSet/>
+      <dgm:spPr/>
+      <dgm:t>
+        <a:bodyPr/>
+        <a:lstStyle/>
+        <a:p>
+          <a:endParaRPr lang="en-US"/>
+        </a:p>
+      </dgm:t>
+    </dgm:pt>
+    <dgm:pt modelId="{7BAD9081-EBD5-47F6-9CB6-2D558332F85E}">
+      <dgm:prSet phldrT="[Texto]"/>
+      <dgm:spPr/>
+      <dgm:t>
+        <a:bodyPr/>
+        <a:lstStyle/>
+        <a:p>
+          <a:r>
+            <a:rPr lang="es-MX" dirty="0"/>
+            <a:t>Ejecución paso a paso</a:t>
+          </a:r>
+          <a:endParaRPr lang="en-US" dirty="0"/>
+        </a:p>
+      </dgm:t>
+    </dgm:pt>
+    <dgm:pt modelId="{4FD1303F-770E-4FC6-B462-1E811B347855}" type="parTrans" cxnId="{EA81901A-4E66-451C-AAD3-A5F959AF3628}">
+      <dgm:prSet/>
+      <dgm:spPr/>
+      <dgm:t>
+        <a:bodyPr/>
+        <a:lstStyle/>
+        <a:p>
+          <a:endParaRPr lang="en-US"/>
+        </a:p>
+      </dgm:t>
+    </dgm:pt>
+    <dgm:pt modelId="{E25D7433-E69A-4C94-8AF2-CBC3DB604DD3}" type="sibTrans" cxnId="{EA81901A-4E66-451C-AAD3-A5F959AF3628}">
+      <dgm:prSet/>
+      <dgm:spPr/>
+      <dgm:t>
+        <a:bodyPr/>
+        <a:lstStyle/>
+        <a:p>
+          <a:endParaRPr lang="en-US"/>
+        </a:p>
+      </dgm:t>
+    </dgm:pt>
+    <dgm:pt modelId="{DEC65895-237B-4DD8-9252-D338F252F17C}">
+      <dgm:prSet phldrT="[Texto]"/>
+      <dgm:spPr/>
+      <dgm:t>
+        <a:bodyPr/>
+        <a:lstStyle/>
+        <a:p>
+          <a:r>
+            <a:rPr lang="es-MX" dirty="0"/>
+            <a:t>Inserción esperas</a:t>
+          </a:r>
+          <a:endParaRPr lang="en-US" dirty="0"/>
+        </a:p>
+      </dgm:t>
+    </dgm:pt>
+    <dgm:pt modelId="{45147A28-67E1-4380-9C21-668DE4A7F0ED}" type="parTrans" cxnId="{0D33BFE0-BA51-4D4D-9BC5-ECDE2DBCDDE0}">
+      <dgm:prSet/>
+      <dgm:spPr/>
+      <dgm:t>
+        <a:bodyPr/>
+        <a:lstStyle/>
+        <a:p>
+          <a:endParaRPr lang="en-US"/>
+        </a:p>
+      </dgm:t>
+    </dgm:pt>
+    <dgm:pt modelId="{E0C01433-525C-4465-96FF-6F13C0C37E8C}" type="sibTrans" cxnId="{0D33BFE0-BA51-4D4D-9BC5-ECDE2DBCDDE0}">
+      <dgm:prSet/>
+      <dgm:spPr/>
+      <dgm:t>
+        <a:bodyPr/>
+        <a:lstStyle/>
+        <a:p>
+          <a:endParaRPr lang="en-US"/>
+        </a:p>
+      </dgm:t>
+    </dgm:pt>
+    <dgm:pt modelId="{0BD560FF-0A95-4EAF-A203-3F7DE3FB3441}" type="pres">
+      <dgm:prSet presAssocID="{8EC9B66D-0B79-4AB5-B1A6-AA29A8262535}" presName="rootnode" presStyleCnt="0">
+        <dgm:presLayoutVars>
+          <dgm:chMax/>
+          <dgm:chPref/>
+          <dgm:dir/>
+          <dgm:animLvl val="lvl"/>
+        </dgm:presLayoutVars>
+      </dgm:prSet>
+      <dgm:spPr/>
+    </dgm:pt>
+    <dgm:pt modelId="{4F7ADC5F-1680-481C-9E93-76D0EBE32C10}" type="pres">
+      <dgm:prSet presAssocID="{3213CFE8-22C8-4D10-AA2B-3D77D0DA00E6}" presName="composite" presStyleCnt="0"/>
+      <dgm:spPr/>
+    </dgm:pt>
+    <dgm:pt modelId="{14D4C2DC-8BE9-4D54-BC34-30646319281A}" type="pres">
+      <dgm:prSet presAssocID="{3213CFE8-22C8-4D10-AA2B-3D77D0DA00E6}" presName="bentUpArrow1" presStyleLbl="alignImgPlace1" presStyleIdx="0" presStyleCnt="2"/>
+      <dgm:spPr/>
+    </dgm:pt>
+    <dgm:pt modelId="{91D41289-0239-4B48-8861-7CEDB2AA1E35}" type="pres">
+      <dgm:prSet presAssocID="{3213CFE8-22C8-4D10-AA2B-3D77D0DA00E6}" presName="ParentText" presStyleLbl="node1" presStyleIdx="0" presStyleCnt="3">
+        <dgm:presLayoutVars>
+          <dgm:chMax val="1"/>
+          <dgm:chPref val="1"/>
+          <dgm:bulletEnabled val="1"/>
+        </dgm:presLayoutVars>
+      </dgm:prSet>
+      <dgm:spPr/>
+    </dgm:pt>
+    <dgm:pt modelId="{0763D89F-9F97-4775-839D-3E873D9B0554}" type="pres">
+      <dgm:prSet presAssocID="{3213CFE8-22C8-4D10-AA2B-3D77D0DA00E6}" presName="ChildText" presStyleLbl="revTx" presStyleIdx="0" presStyleCnt="3">
+        <dgm:presLayoutVars>
+          <dgm:chMax val="0"/>
+          <dgm:chPref val="0"/>
+          <dgm:bulletEnabled val="1"/>
+        </dgm:presLayoutVars>
+      </dgm:prSet>
+      <dgm:spPr/>
+    </dgm:pt>
+    <dgm:pt modelId="{0D598DFA-444D-401D-99E9-9FF4DE5EA7F1}" type="pres">
+      <dgm:prSet presAssocID="{C4FE6565-3314-4A5E-8254-4A503696C4F2}" presName="sibTrans" presStyleCnt="0"/>
+      <dgm:spPr/>
+    </dgm:pt>
+    <dgm:pt modelId="{2FA86C0A-7E2C-40D8-8547-C79183D4AEFD}" type="pres">
+      <dgm:prSet presAssocID="{0004246B-88F9-43FE-A274-FE3941EA851E}" presName="composite" presStyleCnt="0"/>
+      <dgm:spPr/>
+    </dgm:pt>
+    <dgm:pt modelId="{F07AC1CB-C135-4D89-8C80-38BE2EC75948}" type="pres">
+      <dgm:prSet presAssocID="{0004246B-88F9-43FE-A274-FE3941EA851E}" presName="bentUpArrow1" presStyleLbl="alignImgPlace1" presStyleIdx="1" presStyleCnt="2"/>
+      <dgm:spPr/>
+    </dgm:pt>
+    <dgm:pt modelId="{A9C0108B-C283-4FAE-8067-072C4662730C}" type="pres">
+      <dgm:prSet presAssocID="{0004246B-88F9-43FE-A274-FE3941EA851E}" presName="ParentText" presStyleLbl="node1" presStyleIdx="1" presStyleCnt="3">
+        <dgm:presLayoutVars>
+          <dgm:chMax val="1"/>
+          <dgm:chPref val="1"/>
+          <dgm:bulletEnabled val="1"/>
+        </dgm:presLayoutVars>
+      </dgm:prSet>
+      <dgm:spPr/>
+    </dgm:pt>
+    <dgm:pt modelId="{7BCE3CA1-DBCB-439A-A037-E03B038A96FF}" type="pres">
+      <dgm:prSet presAssocID="{0004246B-88F9-43FE-A274-FE3941EA851E}" presName="ChildText" presStyleLbl="revTx" presStyleIdx="1" presStyleCnt="3">
+        <dgm:presLayoutVars>
+          <dgm:chMax val="0"/>
+          <dgm:chPref val="0"/>
+          <dgm:bulletEnabled val="1"/>
+        </dgm:presLayoutVars>
+      </dgm:prSet>
+      <dgm:spPr/>
+    </dgm:pt>
+    <dgm:pt modelId="{811883B3-CF82-4F53-B7CF-4F6BAA498EDC}" type="pres">
+      <dgm:prSet presAssocID="{D06B84ED-57ED-4CC1-B99C-FD3AE33ECB81}" presName="sibTrans" presStyleCnt="0"/>
+      <dgm:spPr/>
+    </dgm:pt>
+    <dgm:pt modelId="{4DB0996F-E119-49EF-8FDC-291956B3A424}" type="pres">
+      <dgm:prSet presAssocID="{F02D2E28-A133-423F-8AAB-869D010E2185}" presName="composite" presStyleCnt="0"/>
+      <dgm:spPr/>
+    </dgm:pt>
+    <dgm:pt modelId="{2AC1CD74-B296-4CDB-A8F2-7C537DA8238C}" type="pres">
+      <dgm:prSet presAssocID="{F02D2E28-A133-423F-8AAB-869D010E2185}" presName="ParentText" presStyleLbl="node1" presStyleIdx="2" presStyleCnt="3">
+        <dgm:presLayoutVars>
+          <dgm:chMax val="1"/>
+          <dgm:chPref val="1"/>
+          <dgm:bulletEnabled val="1"/>
+        </dgm:presLayoutVars>
+      </dgm:prSet>
+      <dgm:spPr/>
+    </dgm:pt>
+    <dgm:pt modelId="{F0C6F719-2FB3-48B7-A4E6-0CD220848589}" type="pres">
+      <dgm:prSet presAssocID="{F02D2E28-A133-423F-8AAB-869D010E2185}" presName="FinalChildText" presStyleLbl="revTx" presStyleIdx="2" presStyleCnt="3">
+        <dgm:presLayoutVars>
+          <dgm:chMax val="0"/>
+          <dgm:chPref val="0"/>
+          <dgm:bulletEnabled val="1"/>
+        </dgm:presLayoutVars>
+      </dgm:prSet>
+      <dgm:spPr/>
+    </dgm:pt>
+  </dgm:ptLst>
+  <dgm:cxnLst>
+    <dgm:cxn modelId="{E715DD00-6300-4C67-A109-89217B017BF8}" srcId="{0004246B-88F9-43FE-A274-FE3941EA851E}" destId="{4A70B995-DE74-4D33-B6B0-D889084CD1EE}" srcOrd="1" destOrd="0" parTransId="{D602930A-801F-48A6-B925-CBBCCF9B7A6C}" sibTransId="{6147E3D3-2140-403E-AA86-DC784F4FBF88}"/>
+    <dgm:cxn modelId="{EA81901A-4E66-451C-AAD3-A5F959AF3628}" srcId="{F02D2E28-A133-423F-8AAB-869D010E2185}" destId="{7BAD9081-EBD5-47F6-9CB6-2D558332F85E}" srcOrd="1" destOrd="0" parTransId="{4FD1303F-770E-4FC6-B462-1E811B347855}" sibTransId="{E25D7433-E69A-4C94-8AF2-CBC3DB604DD3}"/>
+    <dgm:cxn modelId="{E46EC621-09C6-4F40-974D-144E579A7101}" type="presOf" srcId="{C3BABA16-32F6-4BDF-A15A-1FF607530D28}" destId="{F0C6F719-2FB3-48B7-A4E6-0CD220848589}" srcOrd="0" destOrd="0" presId="urn:microsoft.com/office/officeart/2005/8/layout/StepDownProcess"/>
+    <dgm:cxn modelId="{2B230022-3A87-49F6-A716-200C77B92A45}" type="presOf" srcId="{0004246B-88F9-43FE-A274-FE3941EA851E}" destId="{A9C0108B-C283-4FAE-8067-072C4662730C}" srcOrd="0" destOrd="0" presId="urn:microsoft.com/office/officeart/2005/8/layout/StepDownProcess"/>
+    <dgm:cxn modelId="{29701628-02B2-4B2C-9FF5-9E1AF4EFDE2E}" srcId="{8EC9B66D-0B79-4AB5-B1A6-AA29A8262535}" destId="{F02D2E28-A133-423F-8AAB-869D010E2185}" srcOrd="2" destOrd="0" parTransId="{506E89E8-5B56-4D9D-9410-753D8BC3D50F}" sibTransId="{431FE57E-E0C1-495B-B8F0-877AFB2B7F10}"/>
+    <dgm:cxn modelId="{222EC928-7518-4404-A8CA-046A92203F83}" type="presOf" srcId="{8EC9B66D-0B79-4AB5-B1A6-AA29A8262535}" destId="{0BD560FF-0A95-4EAF-A203-3F7DE3FB3441}" srcOrd="0" destOrd="0" presId="urn:microsoft.com/office/officeart/2005/8/layout/StepDownProcess"/>
+    <dgm:cxn modelId="{0F24F048-FB69-4658-A111-BF562F11C083}" type="presOf" srcId="{408BA9CA-C0FF-4F68-9A1D-901EAC11374F}" destId="{7BCE3CA1-DBCB-439A-A037-E03B038A96FF}" srcOrd="0" destOrd="0" presId="urn:microsoft.com/office/officeart/2005/8/layout/StepDownProcess"/>
+    <dgm:cxn modelId="{9BE3BE69-AAC5-482E-9A6C-932C38BBB450}" type="presOf" srcId="{4A70B995-DE74-4D33-B6B0-D889084CD1EE}" destId="{7BCE3CA1-DBCB-439A-A037-E03B038A96FF}" srcOrd="0" destOrd="1" presId="urn:microsoft.com/office/officeart/2005/8/layout/StepDownProcess"/>
+    <dgm:cxn modelId="{2472A94E-7121-4694-BFBB-3249D3AF7013}" srcId="{0004246B-88F9-43FE-A274-FE3941EA851E}" destId="{408BA9CA-C0FF-4F68-9A1D-901EAC11374F}" srcOrd="0" destOrd="0" parTransId="{E6C5223D-33BF-40B7-80F8-EF8FDEC1B296}" sibTransId="{B8055F9D-FA46-4B64-9361-DF925FA78C9E}"/>
+    <dgm:cxn modelId="{CDEFA257-8EB8-4BCE-9E39-E8B1826B6174}" type="presOf" srcId="{E8398319-2B5D-462E-8140-63B2FC80D802}" destId="{0763D89F-9F97-4775-839D-3E873D9B0554}" srcOrd="0" destOrd="0" presId="urn:microsoft.com/office/officeart/2005/8/layout/StepDownProcess"/>
+    <dgm:cxn modelId="{A8FC4798-1C41-4397-891F-BB27685D2CAA}" type="presOf" srcId="{DEC65895-237B-4DD8-9252-D338F252F17C}" destId="{F0C6F719-2FB3-48B7-A4E6-0CD220848589}" srcOrd="0" destOrd="2" presId="urn:microsoft.com/office/officeart/2005/8/layout/StepDownProcess"/>
+    <dgm:cxn modelId="{362FACA0-49CA-440C-BB09-41E4AD768C83}" srcId="{F02D2E28-A133-423F-8AAB-869D010E2185}" destId="{C3BABA16-32F6-4BDF-A15A-1FF607530D28}" srcOrd="0" destOrd="0" parTransId="{D29369BB-3F65-4B07-8DA9-EEAF6F3917C8}" sibTransId="{46B07908-6668-48A0-A2FC-A3C679D94F73}"/>
+    <dgm:cxn modelId="{80E9D6A8-3D64-40A7-8CEB-4F1B4A7BA547}" type="presOf" srcId="{7BAD9081-EBD5-47F6-9CB6-2D558332F85E}" destId="{F0C6F719-2FB3-48B7-A4E6-0CD220848589}" srcOrd="0" destOrd="1" presId="urn:microsoft.com/office/officeart/2005/8/layout/StepDownProcess"/>
+    <dgm:cxn modelId="{970FEBBD-04F4-4E69-A519-9910F8248D70}" srcId="{8EC9B66D-0B79-4AB5-B1A6-AA29A8262535}" destId="{0004246B-88F9-43FE-A274-FE3941EA851E}" srcOrd="1" destOrd="0" parTransId="{05E1C6E6-3244-4013-953F-B679BB921DD4}" sibTransId="{D06B84ED-57ED-4CC1-B99C-FD3AE33ECB81}"/>
+    <dgm:cxn modelId="{382446CC-0EA3-4E02-9CEC-B70B1DF6C6BF}" srcId="{8EC9B66D-0B79-4AB5-B1A6-AA29A8262535}" destId="{3213CFE8-22C8-4D10-AA2B-3D77D0DA00E6}" srcOrd="0" destOrd="0" parTransId="{3482FA99-ACD0-4A67-9984-25C92F7A9239}" sibTransId="{C4FE6565-3314-4A5E-8254-4A503696C4F2}"/>
+    <dgm:cxn modelId="{0ECCC8DA-C241-4F34-9E16-1D9D7C20A69D}" srcId="{3213CFE8-22C8-4D10-AA2B-3D77D0DA00E6}" destId="{E8398319-2B5D-462E-8140-63B2FC80D802}" srcOrd="0" destOrd="0" parTransId="{9181746B-AFD6-40CD-872B-AD1BC63487D6}" sibTransId="{62444B9B-D40B-4D74-AA79-388E1F70C9CA}"/>
+    <dgm:cxn modelId="{0D33BFE0-BA51-4D4D-9BC5-ECDE2DBCDDE0}" srcId="{F02D2E28-A133-423F-8AAB-869D010E2185}" destId="{DEC65895-237B-4DD8-9252-D338F252F17C}" srcOrd="2" destOrd="0" parTransId="{45147A28-67E1-4380-9C21-668DE4A7F0ED}" sibTransId="{E0C01433-525C-4465-96FF-6F13C0C37E8C}"/>
+    <dgm:cxn modelId="{7C6727EC-0841-4C3F-95DC-EC4B819FAA72}" type="presOf" srcId="{3213CFE8-22C8-4D10-AA2B-3D77D0DA00E6}" destId="{91D41289-0239-4B48-8861-7CEDB2AA1E35}" srcOrd="0" destOrd="0" presId="urn:microsoft.com/office/officeart/2005/8/layout/StepDownProcess"/>
+    <dgm:cxn modelId="{7A926AFA-5CF8-4521-B284-26563B597A9E}" type="presOf" srcId="{F02D2E28-A133-423F-8AAB-869D010E2185}" destId="{2AC1CD74-B296-4CDB-A8F2-7C537DA8238C}" srcOrd="0" destOrd="0" presId="urn:microsoft.com/office/officeart/2005/8/layout/StepDownProcess"/>
+    <dgm:cxn modelId="{6A04C461-3D64-4FD9-B4EA-C61918071F7A}" type="presParOf" srcId="{0BD560FF-0A95-4EAF-A203-3F7DE3FB3441}" destId="{4F7ADC5F-1680-481C-9E93-76D0EBE32C10}" srcOrd="0" destOrd="0" presId="urn:microsoft.com/office/officeart/2005/8/layout/StepDownProcess"/>
+    <dgm:cxn modelId="{C945D265-3AFA-4606-AA8A-E8D8DA4D444F}" type="presParOf" srcId="{4F7ADC5F-1680-481C-9E93-76D0EBE32C10}" destId="{14D4C2DC-8BE9-4D54-BC34-30646319281A}" srcOrd="0" destOrd="0" presId="urn:microsoft.com/office/officeart/2005/8/layout/StepDownProcess"/>
+    <dgm:cxn modelId="{6DB0BC34-2EAF-4058-A644-3BD293EC841D}" type="presParOf" srcId="{4F7ADC5F-1680-481C-9E93-76D0EBE32C10}" destId="{91D41289-0239-4B48-8861-7CEDB2AA1E35}" srcOrd="1" destOrd="0" presId="urn:microsoft.com/office/officeart/2005/8/layout/StepDownProcess"/>
+    <dgm:cxn modelId="{A08B2154-EBDD-4ED7-B608-97FEAC78A010}" type="presParOf" srcId="{4F7ADC5F-1680-481C-9E93-76D0EBE32C10}" destId="{0763D89F-9F97-4775-839D-3E873D9B0554}" srcOrd="2" destOrd="0" presId="urn:microsoft.com/office/officeart/2005/8/layout/StepDownProcess"/>
+    <dgm:cxn modelId="{15D7A7BC-8C26-4493-A322-446973C51C78}" type="presParOf" srcId="{0BD560FF-0A95-4EAF-A203-3F7DE3FB3441}" destId="{0D598DFA-444D-401D-99E9-9FF4DE5EA7F1}" srcOrd="1" destOrd="0" presId="urn:microsoft.com/office/officeart/2005/8/layout/StepDownProcess"/>
+    <dgm:cxn modelId="{9B19DD6E-AB35-4BC2-AC9D-7EF9902A15AC}" type="presParOf" srcId="{0BD560FF-0A95-4EAF-A203-3F7DE3FB3441}" destId="{2FA86C0A-7E2C-40D8-8547-C79183D4AEFD}" srcOrd="2" destOrd="0" presId="urn:microsoft.com/office/officeart/2005/8/layout/StepDownProcess"/>
+    <dgm:cxn modelId="{7DF9731C-961B-46C0-AA89-A37E026E9A4C}" type="presParOf" srcId="{2FA86C0A-7E2C-40D8-8547-C79183D4AEFD}" destId="{F07AC1CB-C135-4D89-8C80-38BE2EC75948}" srcOrd="0" destOrd="0" presId="urn:microsoft.com/office/officeart/2005/8/layout/StepDownProcess"/>
+    <dgm:cxn modelId="{AB94A1A0-27D2-41AD-8A49-C11536BE39E9}" type="presParOf" srcId="{2FA86C0A-7E2C-40D8-8547-C79183D4AEFD}" destId="{A9C0108B-C283-4FAE-8067-072C4662730C}" srcOrd="1" destOrd="0" presId="urn:microsoft.com/office/officeart/2005/8/layout/StepDownProcess"/>
+    <dgm:cxn modelId="{B4E8610E-D6ED-40B8-97A6-75D10B7BDD78}" type="presParOf" srcId="{2FA86C0A-7E2C-40D8-8547-C79183D4AEFD}" destId="{7BCE3CA1-DBCB-439A-A037-E03B038A96FF}" srcOrd="2" destOrd="0" presId="urn:microsoft.com/office/officeart/2005/8/layout/StepDownProcess"/>
+    <dgm:cxn modelId="{4DDC35C7-AC22-468E-8EBF-4B38698EF79A}" type="presParOf" srcId="{0BD560FF-0A95-4EAF-A203-3F7DE3FB3441}" destId="{811883B3-CF82-4F53-B7CF-4F6BAA498EDC}" srcOrd="3" destOrd="0" presId="urn:microsoft.com/office/officeart/2005/8/layout/StepDownProcess"/>
+    <dgm:cxn modelId="{35A8ACAD-4FB1-420A-B4D5-727A4067CEE0}" type="presParOf" srcId="{0BD560FF-0A95-4EAF-A203-3F7DE3FB3441}" destId="{4DB0996F-E119-49EF-8FDC-291956B3A424}" srcOrd="4" destOrd="0" presId="urn:microsoft.com/office/officeart/2005/8/layout/StepDownProcess"/>
+    <dgm:cxn modelId="{9E0943AD-23E6-43FE-81F3-CA3E3077847F}" type="presParOf" srcId="{4DB0996F-E119-49EF-8FDC-291956B3A424}" destId="{2AC1CD74-B296-4CDB-A8F2-7C537DA8238C}" srcOrd="0" destOrd="0" presId="urn:microsoft.com/office/officeart/2005/8/layout/StepDownProcess"/>
+    <dgm:cxn modelId="{DD6BD255-1F17-445C-992E-FB413186DA2E}" type="presParOf" srcId="{4DB0996F-E119-49EF-8FDC-291956B3A424}" destId="{F0C6F719-2FB3-48B7-A4E6-0CD220848589}" srcOrd="1" destOrd="0" presId="urn:microsoft.com/office/officeart/2005/8/layout/StepDownProcess"/>
+  </dgm:cxnLst>
+  <dgm:bg/>
+  <dgm:whole/>
+  <dgm:extLst>
+    <a:ext uri="http://schemas.microsoft.com/office/drawing/2008/diagram">
+      <dsp:dataModelExt xmlns:dsp="http://schemas.microsoft.com/office/drawing/2008/diagram" relId="rId6" minVer="http://schemas.openxmlformats.org/drawingml/2006/diagram"/>
+    </a:ext>
+  </dgm:extLst>
+</dgm:dataModel>
+</file>
+
+<file path=ppt/diagrams/drawing1.xml><?xml version="1.0" encoding="utf-8"?>
+<dsp:drawing xmlns:dgm="http://schemas.openxmlformats.org/drawingml/2006/diagram" xmlns:dsp="http://schemas.microsoft.com/office/drawing/2008/diagram" xmlns:a="http://schemas.openxmlformats.org/drawingml/2006/main">
+  <dsp:spTree>
+    <dsp:nvGrpSpPr>
+      <dsp:cNvPr id="0" name=""/>
+      <dsp:cNvGrpSpPr/>
+    </dsp:nvGrpSpPr>
+    <dsp:grpSpPr/>
+    <dsp:sp modelId="{E1F5F50F-87F1-48DC-8B44-027D7237270E}">
+      <dsp:nvSpPr>
+        <dsp:cNvPr id="0" name=""/>
+        <dsp:cNvSpPr/>
+      </dsp:nvSpPr>
+      <dsp:spPr>
+        <a:xfrm>
+          <a:off x="7143" y="1001183"/>
+          <a:ext cx="2135187" cy="1281112"/>
+        </a:xfrm>
+        <a:prstGeom prst="roundRect">
+          <a:avLst>
+            <a:gd name="adj" fmla="val 10000"/>
+          </a:avLst>
+        </a:prstGeom>
+        <a:solidFill>
+          <a:schemeClr val="accent1">
+            <a:hueOff val="0"/>
+            <a:satOff val="0"/>
+            <a:lumOff val="0"/>
+            <a:alphaOff val="0"/>
+          </a:schemeClr>
+        </a:solidFill>
+        <a:ln w="25400" cap="flat" cmpd="sng" algn="ctr">
+          <a:solidFill>
+            <a:schemeClr val="lt1">
+              <a:hueOff val="0"/>
+              <a:satOff val="0"/>
+              <a:lumOff val="0"/>
+              <a:alphaOff val="0"/>
+            </a:schemeClr>
+          </a:solidFill>
+          <a:prstDash val="solid"/>
+        </a:ln>
+        <a:effectLst/>
+      </dsp:spPr>
+      <dsp:style>
+        <a:lnRef idx="2">
+          <a:scrgbClr r="0" g="0" b="0"/>
+        </a:lnRef>
+        <a:fillRef idx="1">
+          <a:scrgbClr r="0" g="0" b="0"/>
+        </a:fillRef>
+        <a:effectRef idx="0">
+          <a:scrgbClr r="0" g="0" b="0"/>
+        </a:effectRef>
+        <a:fontRef idx="minor">
+          <a:schemeClr val="lt1"/>
+        </a:fontRef>
+      </dsp:style>
+      <dsp:txBody>
+        <a:bodyPr spcFirstLastPara="0" vert="horz" wrap="square" lIns="95250" tIns="95250" rIns="95250" bIns="95250" numCol="1" spcCol="1270" anchor="ctr" anchorCtr="0">
+          <a:noAutofit/>
+        </a:bodyPr>
+        <a:lstStyle/>
+        <a:p>
+          <a:pPr marL="0" lvl="0" indent="0" algn="ctr" defTabSz="1111250">
+            <a:lnSpc>
+              <a:spcPct val="90000"/>
+            </a:lnSpc>
+            <a:spcBef>
+              <a:spcPct val="0"/>
+            </a:spcBef>
+            <a:spcAft>
+              <a:spcPct val="35000"/>
+            </a:spcAft>
+            <a:buNone/>
+          </a:pPr>
+          <a:r>
+            <a:rPr lang="es-MX" sz="2500" kern="1200" dirty="0"/>
+            <a:t>Listar flujos de negocio</a:t>
+          </a:r>
+          <a:endParaRPr lang="en-US" sz="2500" kern="1200" dirty="0"/>
+        </a:p>
+      </dsp:txBody>
+      <dsp:txXfrm>
+        <a:off x="44665" y="1038705"/>
+        <a:ext cx="2060143" cy="1206068"/>
+      </dsp:txXfrm>
+    </dsp:sp>
+    <dsp:sp modelId="{02985731-E91E-400C-9C7C-C10B583834F8}">
+      <dsp:nvSpPr>
+        <dsp:cNvPr id="0" name=""/>
+        <dsp:cNvSpPr/>
+      </dsp:nvSpPr>
+      <dsp:spPr>
+        <a:xfrm>
+          <a:off x="2330227" y="1376976"/>
+          <a:ext cx="452659" cy="529526"/>
+        </a:xfrm>
+        <a:prstGeom prst="rightArrow">
+          <a:avLst>
+            <a:gd name="adj1" fmla="val 60000"/>
+            <a:gd name="adj2" fmla="val 50000"/>
+          </a:avLst>
+        </a:prstGeom>
+        <a:solidFill>
+          <a:schemeClr val="accent1">
+            <a:tint val="60000"/>
+            <a:hueOff val="0"/>
+            <a:satOff val="0"/>
+            <a:lumOff val="0"/>
+            <a:alphaOff val="0"/>
+          </a:schemeClr>
+        </a:solidFill>
+        <a:ln>
+          <a:noFill/>
+        </a:ln>
+        <a:effectLst/>
+      </dsp:spPr>
+      <dsp:style>
+        <a:lnRef idx="0">
+          <a:scrgbClr r="0" g="0" b="0"/>
+        </a:lnRef>
+        <a:fillRef idx="1">
+          <a:scrgbClr r="0" g="0" b="0"/>
+        </a:fillRef>
+        <a:effectRef idx="0">
+          <a:scrgbClr r="0" g="0" b="0"/>
+        </a:effectRef>
+        <a:fontRef idx="minor">
+          <a:schemeClr val="lt1"/>
+        </a:fontRef>
+      </dsp:style>
+      <dsp:txBody>
+        <a:bodyPr spcFirstLastPara="0" vert="horz" wrap="square" lIns="0" tIns="0" rIns="0" bIns="0" numCol="1" spcCol="1270" anchor="ctr" anchorCtr="0">
+          <a:noAutofit/>
+        </a:bodyPr>
+        <a:lstStyle/>
+        <a:p>
+          <a:pPr marL="0" lvl="0" indent="0" algn="ctr" defTabSz="889000">
+            <a:lnSpc>
+              <a:spcPct val="90000"/>
+            </a:lnSpc>
+            <a:spcBef>
+              <a:spcPct val="0"/>
+            </a:spcBef>
+            <a:spcAft>
+              <a:spcPct val="35000"/>
+            </a:spcAft>
+            <a:buNone/>
+          </a:pPr>
+          <a:endParaRPr lang="en-US" sz="2000" kern="1200"/>
+        </a:p>
+      </dsp:txBody>
+      <dsp:txXfrm>
+        <a:off x="2330227" y="1482881"/>
+        <a:ext cx="316861" cy="317716"/>
+      </dsp:txXfrm>
+    </dsp:sp>
+    <dsp:sp modelId="{B0968351-73CC-4ED0-B702-40152662B67B}">
+      <dsp:nvSpPr>
+        <dsp:cNvPr id="0" name=""/>
+        <dsp:cNvSpPr/>
+      </dsp:nvSpPr>
+      <dsp:spPr>
+        <a:xfrm>
+          <a:off x="2996406" y="1001183"/>
+          <a:ext cx="2135187" cy="1281112"/>
+        </a:xfrm>
+        <a:prstGeom prst="roundRect">
+          <a:avLst>
+            <a:gd name="adj" fmla="val 10000"/>
+          </a:avLst>
+        </a:prstGeom>
+        <a:solidFill>
+          <a:schemeClr val="accent1">
+            <a:hueOff val="0"/>
+            <a:satOff val="0"/>
+            <a:lumOff val="0"/>
+            <a:alphaOff val="0"/>
+          </a:schemeClr>
+        </a:solidFill>
+        <a:ln w="25400" cap="flat" cmpd="sng" algn="ctr">
+          <a:solidFill>
+            <a:schemeClr val="lt1">
+              <a:hueOff val="0"/>
+              <a:satOff val="0"/>
+              <a:lumOff val="0"/>
+              <a:alphaOff val="0"/>
+            </a:schemeClr>
+          </a:solidFill>
+          <a:prstDash val="solid"/>
+        </a:ln>
+        <a:effectLst/>
+      </dsp:spPr>
+      <dsp:style>
+        <a:lnRef idx="2">
+          <a:scrgbClr r="0" g="0" b="0"/>
+        </a:lnRef>
+        <a:fillRef idx="1">
+          <a:scrgbClr r="0" g="0" b="0"/>
+        </a:fillRef>
+        <a:effectRef idx="0">
+          <a:scrgbClr r="0" g="0" b="0"/>
+        </a:effectRef>
+        <a:fontRef idx="minor">
+          <a:schemeClr val="lt1"/>
+        </a:fontRef>
+      </dsp:style>
+      <dsp:txBody>
+        <a:bodyPr spcFirstLastPara="0" vert="horz" wrap="square" lIns="95250" tIns="95250" rIns="95250" bIns="95250" numCol="1" spcCol="1270" anchor="ctr" anchorCtr="0">
+          <a:noAutofit/>
+        </a:bodyPr>
+        <a:lstStyle/>
+        <a:p>
+          <a:pPr marL="0" lvl="0" indent="0" algn="ctr" defTabSz="1111250">
+            <a:lnSpc>
+              <a:spcPct val="90000"/>
+            </a:lnSpc>
+            <a:spcBef>
+              <a:spcPct val="0"/>
+            </a:spcBef>
+            <a:spcAft>
+              <a:spcPct val="35000"/>
+            </a:spcAft>
+            <a:buNone/>
+          </a:pPr>
+          <a:r>
+            <a:rPr lang="es-MX" sz="2500" kern="1200" dirty="0"/>
+            <a:t>Filtrar casos priorizados</a:t>
+          </a:r>
+          <a:endParaRPr lang="en-US" sz="2500" kern="1200" dirty="0"/>
+        </a:p>
+      </dsp:txBody>
+      <dsp:txXfrm>
+        <a:off x="3033928" y="1038705"/>
+        <a:ext cx="2060143" cy="1206068"/>
+      </dsp:txXfrm>
+    </dsp:sp>
+    <dsp:sp modelId="{1CC0A8FB-3A84-45AF-BDF4-A765587E6B8A}">
+      <dsp:nvSpPr>
+        <dsp:cNvPr id="0" name=""/>
+        <dsp:cNvSpPr/>
+      </dsp:nvSpPr>
+      <dsp:spPr>
+        <a:xfrm>
+          <a:off x="5319490" y="1376976"/>
+          <a:ext cx="452659" cy="529526"/>
+        </a:xfrm>
+        <a:prstGeom prst="rightArrow">
+          <a:avLst>
+            <a:gd name="adj1" fmla="val 60000"/>
+            <a:gd name="adj2" fmla="val 50000"/>
+          </a:avLst>
+        </a:prstGeom>
+        <a:solidFill>
+          <a:schemeClr val="accent1">
+            <a:tint val="60000"/>
+            <a:hueOff val="0"/>
+            <a:satOff val="0"/>
+            <a:lumOff val="0"/>
+            <a:alphaOff val="0"/>
+          </a:schemeClr>
+        </a:solidFill>
+        <a:ln>
+          <a:noFill/>
+        </a:ln>
+        <a:effectLst/>
+      </dsp:spPr>
+      <dsp:style>
+        <a:lnRef idx="0">
+          <a:scrgbClr r="0" g="0" b="0"/>
+        </a:lnRef>
+        <a:fillRef idx="1">
+          <a:scrgbClr r="0" g="0" b="0"/>
+        </a:fillRef>
+        <a:effectRef idx="0">
+          <a:scrgbClr r="0" g="0" b="0"/>
+        </a:effectRef>
+        <a:fontRef idx="minor">
+          <a:schemeClr val="lt1"/>
+        </a:fontRef>
+      </dsp:style>
+      <dsp:txBody>
+        <a:bodyPr spcFirstLastPara="0" vert="horz" wrap="square" lIns="0" tIns="0" rIns="0" bIns="0" numCol="1" spcCol="1270" anchor="ctr" anchorCtr="0">
+          <a:noAutofit/>
+        </a:bodyPr>
+        <a:lstStyle/>
+        <a:p>
+          <a:pPr marL="0" lvl="0" indent="0" algn="ctr" defTabSz="889000">
+            <a:lnSpc>
+              <a:spcPct val="90000"/>
+            </a:lnSpc>
+            <a:spcBef>
+              <a:spcPct val="0"/>
+            </a:spcBef>
+            <a:spcAft>
+              <a:spcPct val="35000"/>
+            </a:spcAft>
+            <a:buNone/>
+          </a:pPr>
+          <a:endParaRPr lang="en-US" sz="2000" kern="1200"/>
+        </a:p>
+      </dsp:txBody>
+      <dsp:txXfrm>
+        <a:off x="5319490" y="1482881"/>
+        <a:ext cx="316861" cy="317716"/>
+      </dsp:txXfrm>
+    </dsp:sp>
+    <dsp:sp modelId="{C3A8D571-7645-474D-B16F-5E58ED1F67B7}">
+      <dsp:nvSpPr>
+        <dsp:cNvPr id="0" name=""/>
+        <dsp:cNvSpPr/>
+      </dsp:nvSpPr>
+      <dsp:spPr>
+        <a:xfrm>
+          <a:off x="5985668" y="1001183"/>
+          <a:ext cx="2135187" cy="1281112"/>
+        </a:xfrm>
+        <a:prstGeom prst="roundRect">
+          <a:avLst>
+            <a:gd name="adj" fmla="val 10000"/>
+          </a:avLst>
+        </a:prstGeom>
+        <a:solidFill>
+          <a:schemeClr val="accent1">
+            <a:hueOff val="0"/>
+            <a:satOff val="0"/>
+            <a:lumOff val="0"/>
+            <a:alphaOff val="0"/>
+          </a:schemeClr>
+        </a:solidFill>
+        <a:ln w="25400" cap="flat" cmpd="sng" algn="ctr">
+          <a:solidFill>
+            <a:schemeClr val="lt1">
+              <a:hueOff val="0"/>
+              <a:satOff val="0"/>
+              <a:lumOff val="0"/>
+              <a:alphaOff val="0"/>
+            </a:schemeClr>
+          </a:solidFill>
+          <a:prstDash val="solid"/>
+        </a:ln>
+        <a:effectLst/>
+      </dsp:spPr>
+      <dsp:style>
+        <a:lnRef idx="2">
+          <a:scrgbClr r="0" g="0" b="0"/>
+        </a:lnRef>
+        <a:fillRef idx="1">
+          <a:scrgbClr r="0" g="0" b="0"/>
+        </a:fillRef>
+        <a:effectRef idx="0">
+          <a:scrgbClr r="0" g="0" b="0"/>
+        </a:effectRef>
+        <a:fontRef idx="minor">
+          <a:schemeClr val="lt1"/>
+        </a:fontRef>
+      </dsp:style>
+      <dsp:txBody>
+        <a:bodyPr spcFirstLastPara="0" vert="horz" wrap="square" lIns="95250" tIns="95250" rIns="95250" bIns="95250" numCol="1" spcCol="1270" anchor="ctr" anchorCtr="0">
+          <a:noAutofit/>
+        </a:bodyPr>
+        <a:lstStyle/>
+        <a:p>
+          <a:pPr marL="0" lvl="0" indent="0" algn="ctr" defTabSz="1111250">
+            <a:lnSpc>
+              <a:spcPct val="90000"/>
+            </a:lnSpc>
+            <a:spcBef>
+              <a:spcPct val="0"/>
+            </a:spcBef>
+            <a:spcAft>
+              <a:spcPct val="35000"/>
+            </a:spcAft>
+            <a:buNone/>
+          </a:pPr>
+          <a:r>
+            <a:rPr lang="es-MX" sz="2500" kern="1200" dirty="0"/>
+            <a:t>Ejecutar manual</a:t>
+          </a:r>
+          <a:endParaRPr lang="en-US" sz="2500" kern="1200" dirty="0"/>
+        </a:p>
+      </dsp:txBody>
+      <dsp:txXfrm>
+        <a:off x="6023190" y="1038705"/>
+        <a:ext cx="2060143" cy="1206068"/>
+      </dsp:txXfrm>
+    </dsp:sp>
+    <dsp:sp modelId="{5B4B4CF7-7E80-47F9-9D98-2E70B5894A93}">
+      <dsp:nvSpPr>
+        <dsp:cNvPr id="0" name=""/>
+        <dsp:cNvSpPr/>
+      </dsp:nvSpPr>
+      <dsp:spPr>
+        <a:xfrm rot="5400000">
+          <a:off x="6826932" y="2431759"/>
+          <a:ext cx="452659" cy="529526"/>
+        </a:xfrm>
+        <a:prstGeom prst="rightArrow">
+          <a:avLst>
+            <a:gd name="adj1" fmla="val 60000"/>
+            <a:gd name="adj2" fmla="val 50000"/>
+          </a:avLst>
+        </a:prstGeom>
+        <a:solidFill>
+          <a:schemeClr val="accent1">
+            <a:tint val="60000"/>
+            <a:hueOff val="0"/>
+            <a:satOff val="0"/>
+            <a:lumOff val="0"/>
+            <a:alphaOff val="0"/>
+          </a:schemeClr>
+        </a:solidFill>
+        <a:ln>
+          <a:noFill/>
+        </a:ln>
+        <a:effectLst/>
+      </dsp:spPr>
+      <dsp:style>
+        <a:lnRef idx="0">
+          <a:scrgbClr r="0" g="0" b="0"/>
+        </a:lnRef>
+        <a:fillRef idx="1">
+          <a:scrgbClr r="0" g="0" b="0"/>
+        </a:fillRef>
+        <a:effectRef idx="0">
+          <a:scrgbClr r="0" g="0" b="0"/>
+        </a:effectRef>
+        <a:fontRef idx="minor">
+          <a:schemeClr val="lt1"/>
+        </a:fontRef>
+      </dsp:style>
+      <dsp:txBody>
+        <a:bodyPr spcFirstLastPara="0" vert="horz" wrap="square" lIns="0" tIns="0" rIns="0" bIns="0" numCol="1" spcCol="1270" anchor="ctr" anchorCtr="0">
+          <a:noAutofit/>
+        </a:bodyPr>
+        <a:lstStyle/>
+        <a:p>
+          <a:pPr marL="0" lvl="0" indent="0" algn="ctr" defTabSz="889000">
+            <a:lnSpc>
+              <a:spcPct val="90000"/>
+            </a:lnSpc>
+            <a:spcBef>
+              <a:spcPct val="0"/>
+            </a:spcBef>
+            <a:spcAft>
+              <a:spcPct val="35000"/>
+            </a:spcAft>
+            <a:buNone/>
+          </a:pPr>
+          <a:endParaRPr lang="en-US" sz="2000" kern="1200"/>
+        </a:p>
+      </dsp:txBody>
+      <dsp:txXfrm rot="-5400000">
+        <a:off x="6894404" y="2470192"/>
+        <a:ext cx="317716" cy="316861"/>
+      </dsp:txXfrm>
+    </dsp:sp>
+    <dsp:sp modelId="{3ECE4E3E-9F76-4847-95B9-117B9F599EA7}">
+      <dsp:nvSpPr>
+        <dsp:cNvPr id="0" name=""/>
+        <dsp:cNvSpPr/>
+      </dsp:nvSpPr>
+      <dsp:spPr>
+        <a:xfrm>
+          <a:off x="5985668" y="3136371"/>
+          <a:ext cx="2135187" cy="1281112"/>
+        </a:xfrm>
+        <a:prstGeom prst="roundRect">
+          <a:avLst>
+            <a:gd name="adj" fmla="val 10000"/>
+          </a:avLst>
+        </a:prstGeom>
+        <a:solidFill>
+          <a:schemeClr val="accent1">
+            <a:hueOff val="0"/>
+            <a:satOff val="0"/>
+            <a:lumOff val="0"/>
+            <a:alphaOff val="0"/>
+          </a:schemeClr>
+        </a:solidFill>
+        <a:ln w="25400" cap="flat" cmpd="sng" algn="ctr">
+          <a:solidFill>
+            <a:schemeClr val="lt1">
+              <a:hueOff val="0"/>
+              <a:satOff val="0"/>
+              <a:lumOff val="0"/>
+              <a:alphaOff val="0"/>
+            </a:schemeClr>
+          </a:solidFill>
+          <a:prstDash val="solid"/>
+        </a:ln>
+        <a:effectLst/>
+      </dsp:spPr>
+      <dsp:style>
+        <a:lnRef idx="2">
+          <a:scrgbClr r="0" g="0" b="0"/>
+        </a:lnRef>
+        <a:fillRef idx="1">
+          <a:scrgbClr r="0" g="0" b="0"/>
+        </a:fillRef>
+        <a:effectRef idx="0">
+          <a:scrgbClr r="0" g="0" b="0"/>
+        </a:effectRef>
+        <a:fontRef idx="minor">
+          <a:schemeClr val="lt1"/>
+        </a:fontRef>
+      </dsp:style>
+      <dsp:txBody>
+        <a:bodyPr spcFirstLastPara="0" vert="horz" wrap="square" lIns="95250" tIns="95250" rIns="95250" bIns="95250" numCol="1" spcCol="1270" anchor="ctr" anchorCtr="0">
+          <a:noAutofit/>
+        </a:bodyPr>
+        <a:lstStyle/>
+        <a:p>
+          <a:pPr marL="0" lvl="0" indent="0" algn="ctr" defTabSz="1111250">
+            <a:lnSpc>
+              <a:spcPct val="90000"/>
+            </a:lnSpc>
+            <a:spcBef>
+              <a:spcPct val="0"/>
+            </a:spcBef>
+            <a:spcAft>
+              <a:spcPct val="35000"/>
+            </a:spcAft>
+            <a:buNone/>
+          </a:pPr>
+          <a:r>
+            <a:rPr lang="es-MX" sz="2500" kern="1200" dirty="0"/>
+            <a:t>Escribir casos de prueba</a:t>
+          </a:r>
+          <a:endParaRPr lang="en-US" sz="2500" kern="1200" dirty="0"/>
+        </a:p>
+      </dsp:txBody>
+      <dsp:txXfrm>
+        <a:off x="6023190" y="3173893"/>
+        <a:ext cx="2060143" cy="1206068"/>
+      </dsp:txXfrm>
+    </dsp:sp>
+    <dsp:sp modelId="{5C66C85E-79A2-41C4-A352-93EC9389228C}">
+      <dsp:nvSpPr>
+        <dsp:cNvPr id="0" name=""/>
+        <dsp:cNvSpPr/>
+      </dsp:nvSpPr>
+      <dsp:spPr>
+        <a:xfrm rot="10800000">
+          <a:off x="5345112" y="3512163"/>
+          <a:ext cx="452659" cy="529526"/>
+        </a:xfrm>
+        <a:prstGeom prst="rightArrow">
+          <a:avLst>
+            <a:gd name="adj1" fmla="val 60000"/>
+            <a:gd name="adj2" fmla="val 50000"/>
+          </a:avLst>
+        </a:prstGeom>
+        <a:solidFill>
+          <a:schemeClr val="accent1">
+            <a:tint val="60000"/>
+            <a:hueOff val="0"/>
+            <a:satOff val="0"/>
+            <a:lumOff val="0"/>
+            <a:alphaOff val="0"/>
+          </a:schemeClr>
+        </a:solidFill>
+        <a:ln>
+          <a:noFill/>
+        </a:ln>
+        <a:effectLst/>
+      </dsp:spPr>
+      <dsp:style>
+        <a:lnRef idx="0">
+          <a:scrgbClr r="0" g="0" b="0"/>
+        </a:lnRef>
+        <a:fillRef idx="1">
+          <a:scrgbClr r="0" g="0" b="0"/>
+        </a:fillRef>
+        <a:effectRef idx="0">
+          <a:scrgbClr r="0" g="0" b="0"/>
+        </a:effectRef>
+        <a:fontRef idx="minor">
+          <a:schemeClr val="lt1"/>
+        </a:fontRef>
+      </dsp:style>
+      <dsp:txBody>
+        <a:bodyPr spcFirstLastPara="0" vert="horz" wrap="square" lIns="0" tIns="0" rIns="0" bIns="0" numCol="1" spcCol="1270" anchor="ctr" anchorCtr="0">
+          <a:noAutofit/>
+        </a:bodyPr>
+        <a:lstStyle/>
+        <a:p>
+          <a:pPr marL="0" lvl="0" indent="0" algn="ctr" defTabSz="889000">
+            <a:lnSpc>
+              <a:spcPct val="90000"/>
+            </a:lnSpc>
+            <a:spcBef>
+              <a:spcPct val="0"/>
+            </a:spcBef>
+            <a:spcAft>
+              <a:spcPct val="35000"/>
+            </a:spcAft>
+            <a:buNone/>
+          </a:pPr>
+          <a:endParaRPr lang="en-US" sz="2000" kern="1200"/>
+        </a:p>
+      </dsp:txBody>
+      <dsp:txXfrm rot="10800000">
+        <a:off x="5480910" y="3618068"/>
+        <a:ext cx="316861" cy="317716"/>
+      </dsp:txXfrm>
+    </dsp:sp>
+    <dsp:sp modelId="{E125392B-9893-47B3-8FAC-A53A7071F164}">
+      <dsp:nvSpPr>
+        <dsp:cNvPr id="0" name=""/>
+        <dsp:cNvSpPr/>
+      </dsp:nvSpPr>
+      <dsp:spPr>
+        <a:xfrm>
+          <a:off x="2996406" y="3136370"/>
+          <a:ext cx="2135187" cy="1281112"/>
+        </a:xfrm>
+        <a:prstGeom prst="roundRect">
+          <a:avLst>
+            <a:gd name="adj" fmla="val 10000"/>
+          </a:avLst>
+        </a:prstGeom>
+        <a:solidFill>
+          <a:schemeClr val="accent1">
+            <a:hueOff val="0"/>
+            <a:satOff val="0"/>
+            <a:lumOff val="0"/>
+            <a:alphaOff val="0"/>
+          </a:schemeClr>
+        </a:solidFill>
+        <a:ln w="25400" cap="flat" cmpd="sng" algn="ctr">
+          <a:solidFill>
+            <a:schemeClr val="lt1">
+              <a:hueOff val="0"/>
+              <a:satOff val="0"/>
+              <a:lumOff val="0"/>
+              <a:alphaOff val="0"/>
+            </a:schemeClr>
+          </a:solidFill>
+          <a:prstDash val="solid"/>
+        </a:ln>
+        <a:effectLst/>
+      </dsp:spPr>
+      <dsp:style>
+        <a:lnRef idx="2">
+          <a:scrgbClr r="0" g="0" b="0"/>
+        </a:lnRef>
+        <a:fillRef idx="1">
+          <a:scrgbClr r="0" g="0" b="0"/>
+        </a:fillRef>
+        <a:effectRef idx="0">
+          <a:scrgbClr r="0" g="0" b="0"/>
+        </a:effectRef>
+        <a:fontRef idx="minor">
+          <a:schemeClr val="lt1"/>
+        </a:fontRef>
+      </dsp:style>
+      <dsp:txBody>
+        <a:bodyPr spcFirstLastPara="0" vert="horz" wrap="square" lIns="95250" tIns="95250" rIns="95250" bIns="95250" numCol="1" spcCol="1270" anchor="ctr" anchorCtr="0">
+          <a:noAutofit/>
+        </a:bodyPr>
+        <a:lstStyle/>
+        <a:p>
+          <a:pPr marL="0" lvl="0" indent="0" algn="ctr" defTabSz="1111250">
+            <a:lnSpc>
+              <a:spcPct val="90000"/>
+            </a:lnSpc>
+            <a:spcBef>
+              <a:spcPct val="0"/>
+            </a:spcBef>
+            <a:spcAft>
+              <a:spcPct val="35000"/>
+            </a:spcAft>
+            <a:buNone/>
+          </a:pPr>
+          <a:r>
+            <a:rPr lang="es-MX" sz="2500" kern="1200" dirty="0"/>
+            <a:t>Hallar localizadores</a:t>
+          </a:r>
+          <a:endParaRPr lang="en-US" sz="2500" kern="1200" dirty="0"/>
+        </a:p>
+      </dsp:txBody>
+      <dsp:txXfrm>
+        <a:off x="3033928" y="3173892"/>
+        <a:ext cx="2060143" cy="1206068"/>
+      </dsp:txXfrm>
+    </dsp:sp>
+  </dsp:spTree>
+</dsp:drawing>
+</file>
+
+<file path=ppt/diagrams/drawing2.xml><?xml version="1.0" encoding="utf-8"?>
+<dsp:drawing xmlns:dgm="http://schemas.openxmlformats.org/drawingml/2006/diagram" xmlns:dsp="http://schemas.microsoft.com/office/drawing/2008/diagram" xmlns:a="http://schemas.openxmlformats.org/drawingml/2006/main">
+  <dsp:spTree>
+    <dsp:nvGrpSpPr>
+      <dsp:cNvPr id="0" name=""/>
+      <dsp:cNvGrpSpPr/>
+    </dsp:nvGrpSpPr>
+    <dsp:grpSpPr/>
+    <dsp:sp modelId="{14D4C2DC-8BE9-4D54-BC34-30646319281A}">
+      <dsp:nvSpPr>
+        <dsp:cNvPr id="0" name=""/>
+        <dsp:cNvSpPr/>
+      </dsp:nvSpPr>
+      <dsp:spPr>
+        <a:xfrm rot="5400000">
+          <a:off x="1536340" y="1542025"/>
+          <a:ext cx="1363788" cy="1552625"/>
+        </a:xfrm>
+        <a:prstGeom prst="bentUpArrow">
+          <a:avLst>
+            <a:gd name="adj1" fmla="val 32840"/>
+            <a:gd name="adj2" fmla="val 25000"/>
+            <a:gd name="adj3" fmla="val 35780"/>
+          </a:avLst>
+        </a:prstGeom>
+        <a:solidFill>
+          <a:schemeClr val="accent1">
+            <a:tint val="50000"/>
+            <a:hueOff val="0"/>
+            <a:satOff val="0"/>
+            <a:lumOff val="0"/>
+            <a:alphaOff val="0"/>
+          </a:schemeClr>
+        </a:solidFill>
+        <a:ln w="25400" cap="flat" cmpd="sng" algn="ctr">
+          <a:solidFill>
+            <a:schemeClr val="lt1">
+              <a:hueOff val="0"/>
+              <a:satOff val="0"/>
+              <a:lumOff val="0"/>
+              <a:alphaOff val="0"/>
+            </a:schemeClr>
+          </a:solidFill>
+          <a:prstDash val="solid"/>
+        </a:ln>
+        <a:effectLst/>
+      </dsp:spPr>
+      <dsp:style>
+        <a:lnRef idx="2">
+          <a:scrgbClr r="0" g="0" b="0"/>
+        </a:lnRef>
+        <a:fillRef idx="1">
+          <a:scrgbClr r="0" g="0" b="0"/>
+        </a:fillRef>
+        <a:effectRef idx="0">
+          <a:scrgbClr r="0" g="0" b="0"/>
+        </a:effectRef>
+        <a:fontRef idx="minor"/>
+      </dsp:style>
+    </dsp:sp>
+    <dsp:sp modelId="{91D41289-0239-4B48-8861-7CEDB2AA1E35}">
+      <dsp:nvSpPr>
+        <dsp:cNvPr id="0" name=""/>
+        <dsp:cNvSpPr/>
+      </dsp:nvSpPr>
+      <dsp:spPr>
+        <a:xfrm>
+          <a:off x="1175018" y="30238"/>
+          <a:ext cx="2295817" cy="1606997"/>
+        </a:xfrm>
+        <a:prstGeom prst="roundRect">
+          <a:avLst>
+            <a:gd name="adj" fmla="val 16670"/>
+          </a:avLst>
+        </a:prstGeom>
+        <a:solidFill>
+          <a:schemeClr val="accent1">
+            <a:hueOff val="0"/>
+            <a:satOff val="0"/>
+            <a:lumOff val="0"/>
+            <a:alphaOff val="0"/>
+          </a:schemeClr>
+        </a:solidFill>
+        <a:ln w="25400" cap="flat" cmpd="sng" algn="ctr">
+          <a:solidFill>
+            <a:schemeClr val="lt1">
+              <a:hueOff val="0"/>
+              <a:satOff val="0"/>
+              <a:lumOff val="0"/>
+              <a:alphaOff val="0"/>
+            </a:schemeClr>
+          </a:solidFill>
+          <a:prstDash val="solid"/>
+        </a:ln>
+        <a:effectLst/>
+      </dsp:spPr>
+      <dsp:style>
+        <a:lnRef idx="2">
+          <a:scrgbClr r="0" g="0" b="0"/>
+        </a:lnRef>
+        <a:fillRef idx="1">
+          <a:scrgbClr r="0" g="0" b="0"/>
+        </a:fillRef>
+        <a:effectRef idx="0">
+          <a:scrgbClr r="0" g="0" b="0"/>
+        </a:effectRef>
+        <a:fontRef idx="minor">
+          <a:schemeClr val="lt1"/>
+        </a:fontRef>
+      </dsp:style>
+      <dsp:txBody>
+        <a:bodyPr spcFirstLastPara="0" vert="horz" wrap="square" lIns="87630" tIns="87630" rIns="87630" bIns="87630" numCol="1" spcCol="1270" anchor="ctr" anchorCtr="0">
+          <a:noAutofit/>
+        </a:bodyPr>
+        <a:lstStyle/>
+        <a:p>
+          <a:pPr marL="0" lvl="0" indent="0" algn="ctr" defTabSz="1022350">
+            <a:lnSpc>
+              <a:spcPct val="90000"/>
+            </a:lnSpc>
+            <a:spcBef>
+              <a:spcPct val="0"/>
+            </a:spcBef>
+            <a:spcAft>
+              <a:spcPct val="35000"/>
+            </a:spcAft>
+            <a:buNone/>
+          </a:pPr>
+          <a:r>
+            <a:rPr lang="es-MX" sz="2300" kern="1200" dirty="0"/>
+            <a:t>Grabación de pasos</a:t>
+          </a:r>
+          <a:endParaRPr lang="en-US" sz="2300" kern="1200" dirty="0"/>
+        </a:p>
+      </dsp:txBody>
+      <dsp:txXfrm>
+        <a:off x="1253479" y="108699"/>
+        <a:ext cx="2138895" cy="1450075"/>
+      </dsp:txXfrm>
+    </dsp:sp>
+    <dsp:sp modelId="{0763D89F-9F97-4775-839D-3E873D9B0554}">
+      <dsp:nvSpPr>
+        <dsp:cNvPr id="0" name=""/>
+        <dsp:cNvSpPr/>
+      </dsp:nvSpPr>
+      <dsp:spPr>
+        <a:xfrm>
+          <a:off x="3470836" y="183502"/>
+          <a:ext cx="1669758" cy="1298846"/>
+        </a:xfrm>
+        <a:prstGeom prst="rect">
+          <a:avLst/>
+        </a:prstGeom>
+        <a:noFill/>
+        <a:ln>
+          <a:noFill/>
+        </a:ln>
+        <a:effectLst/>
+      </dsp:spPr>
+      <dsp:style>
+        <a:lnRef idx="0">
+          <a:scrgbClr r="0" g="0" b="0"/>
+        </a:lnRef>
+        <a:fillRef idx="0">
+          <a:scrgbClr r="0" g="0" b="0"/>
+        </a:fillRef>
+        <a:effectRef idx="0">
+          <a:scrgbClr r="0" g="0" b="0"/>
+        </a:effectRef>
+        <a:fontRef idx="minor"/>
+      </dsp:style>
+      <dsp:txBody>
+        <a:bodyPr spcFirstLastPara="0" vert="horz" wrap="square" lIns="80010" tIns="80010" rIns="80010" bIns="80010" numCol="1" spcCol="1270" anchor="ctr" anchorCtr="0">
+          <a:noAutofit/>
+        </a:bodyPr>
+        <a:lstStyle/>
+        <a:p>
+          <a:pPr marL="171450" lvl="1" indent="-171450" algn="l" defTabSz="711200">
+            <a:lnSpc>
+              <a:spcPct val="90000"/>
+            </a:lnSpc>
+            <a:spcBef>
+              <a:spcPct val="0"/>
+            </a:spcBef>
+            <a:spcAft>
+              <a:spcPct val="15000"/>
+            </a:spcAft>
+            <a:buChar char="•"/>
+          </a:pPr>
+          <a:r>
+            <a:rPr lang="es-MX" sz="1600" kern="1200" dirty="0"/>
+            <a:t>Selenium IDE grabará los pasos</a:t>
+          </a:r>
+          <a:endParaRPr lang="en-US" sz="1600" kern="1200" dirty="0"/>
+        </a:p>
+      </dsp:txBody>
+      <dsp:txXfrm>
+        <a:off x="3470836" y="183502"/>
+        <a:ext cx="1669758" cy="1298846"/>
+      </dsp:txXfrm>
+    </dsp:sp>
+    <dsp:sp modelId="{F07AC1CB-C135-4D89-8C80-38BE2EC75948}">
+      <dsp:nvSpPr>
+        <dsp:cNvPr id="0" name=""/>
+        <dsp:cNvSpPr/>
+      </dsp:nvSpPr>
+      <dsp:spPr>
+        <a:xfrm rot="5400000">
+          <a:off x="3439816" y="3347214"/>
+          <a:ext cx="1363788" cy="1552625"/>
+        </a:xfrm>
+        <a:prstGeom prst="bentUpArrow">
+          <a:avLst>
+            <a:gd name="adj1" fmla="val 32840"/>
+            <a:gd name="adj2" fmla="val 25000"/>
+            <a:gd name="adj3" fmla="val 35780"/>
+          </a:avLst>
+        </a:prstGeom>
+        <a:solidFill>
+          <a:schemeClr val="accent1">
+            <a:tint val="50000"/>
+            <a:hueOff val="0"/>
+            <a:satOff val="0"/>
+            <a:lumOff val="0"/>
+            <a:alphaOff val="0"/>
+          </a:schemeClr>
+        </a:solidFill>
+        <a:ln w="25400" cap="flat" cmpd="sng" algn="ctr">
+          <a:solidFill>
+            <a:schemeClr val="lt1">
+              <a:hueOff val="0"/>
+              <a:satOff val="0"/>
+              <a:lumOff val="0"/>
+              <a:alphaOff val="0"/>
+            </a:schemeClr>
+          </a:solidFill>
+          <a:prstDash val="solid"/>
+        </a:ln>
+        <a:effectLst/>
+      </dsp:spPr>
+      <dsp:style>
+        <a:lnRef idx="2">
+          <a:scrgbClr r="0" g="0" b="0"/>
+        </a:lnRef>
+        <a:fillRef idx="1">
+          <a:scrgbClr r="0" g="0" b="0"/>
+        </a:fillRef>
+        <a:effectRef idx="0">
+          <a:scrgbClr r="0" g="0" b="0"/>
+        </a:effectRef>
+        <a:fontRef idx="minor"/>
+      </dsp:style>
+    </dsp:sp>
+    <dsp:sp modelId="{A9C0108B-C283-4FAE-8067-072C4662730C}">
+      <dsp:nvSpPr>
+        <dsp:cNvPr id="0" name=""/>
+        <dsp:cNvSpPr/>
+      </dsp:nvSpPr>
+      <dsp:spPr>
+        <a:xfrm>
+          <a:off x="3078495" y="1835427"/>
+          <a:ext cx="2295817" cy="1606997"/>
+        </a:xfrm>
+        <a:prstGeom prst="roundRect">
+          <a:avLst>
+            <a:gd name="adj" fmla="val 16670"/>
+          </a:avLst>
+        </a:prstGeom>
+        <a:solidFill>
+          <a:schemeClr val="accent1">
+            <a:hueOff val="0"/>
+            <a:satOff val="0"/>
+            <a:lumOff val="0"/>
+            <a:alphaOff val="0"/>
+          </a:schemeClr>
+        </a:solidFill>
+        <a:ln w="25400" cap="flat" cmpd="sng" algn="ctr">
+          <a:solidFill>
+            <a:schemeClr val="lt1">
+              <a:hueOff val="0"/>
+              <a:satOff val="0"/>
+              <a:lumOff val="0"/>
+              <a:alphaOff val="0"/>
+            </a:schemeClr>
+          </a:solidFill>
+          <a:prstDash val="solid"/>
+        </a:ln>
+        <a:effectLst/>
+      </dsp:spPr>
+      <dsp:style>
+        <a:lnRef idx="2">
+          <a:scrgbClr r="0" g="0" b="0"/>
+        </a:lnRef>
+        <a:fillRef idx="1">
+          <a:scrgbClr r="0" g="0" b="0"/>
+        </a:fillRef>
+        <a:effectRef idx="0">
+          <a:scrgbClr r="0" g="0" b="0"/>
+        </a:effectRef>
+        <a:fontRef idx="minor">
+          <a:schemeClr val="lt1"/>
+        </a:fontRef>
+      </dsp:style>
+      <dsp:txBody>
+        <a:bodyPr spcFirstLastPara="0" vert="horz" wrap="square" lIns="87630" tIns="87630" rIns="87630" bIns="87630" numCol="1" spcCol="1270" anchor="ctr" anchorCtr="0">
+          <a:noAutofit/>
+        </a:bodyPr>
+        <a:lstStyle/>
+        <a:p>
+          <a:pPr marL="0" lvl="0" indent="0" algn="ctr" defTabSz="1022350">
+            <a:lnSpc>
+              <a:spcPct val="90000"/>
+            </a:lnSpc>
+            <a:spcBef>
+              <a:spcPct val="0"/>
+            </a:spcBef>
+            <a:spcAft>
+              <a:spcPct val="35000"/>
+            </a:spcAft>
+            <a:buNone/>
+          </a:pPr>
+          <a:r>
+            <a:rPr lang="es-MX" sz="2300" kern="1200" dirty="0"/>
+            <a:t>Complementar pruebas</a:t>
+          </a:r>
+          <a:endParaRPr lang="en-US" sz="2300" kern="1200" dirty="0"/>
+        </a:p>
+      </dsp:txBody>
+      <dsp:txXfrm>
+        <a:off x="3156956" y="1913888"/>
+        <a:ext cx="2138895" cy="1450075"/>
+      </dsp:txXfrm>
+    </dsp:sp>
+    <dsp:sp modelId="{7BCE3CA1-DBCB-439A-A037-E03B038A96FF}">
+      <dsp:nvSpPr>
+        <dsp:cNvPr id="0" name=""/>
+        <dsp:cNvSpPr/>
+      </dsp:nvSpPr>
+      <dsp:spPr>
+        <a:xfrm>
+          <a:off x="5374312" y="1988691"/>
+          <a:ext cx="1669758" cy="1298846"/>
+        </a:xfrm>
+        <a:prstGeom prst="rect">
+          <a:avLst/>
+        </a:prstGeom>
+        <a:noFill/>
+        <a:ln>
+          <a:noFill/>
+        </a:ln>
+        <a:effectLst/>
+      </dsp:spPr>
+      <dsp:style>
+        <a:lnRef idx="0">
+          <a:scrgbClr r="0" g="0" b="0"/>
+        </a:lnRef>
+        <a:fillRef idx="0">
+          <a:scrgbClr r="0" g="0" b="0"/>
+        </a:fillRef>
+        <a:effectRef idx="0">
+          <a:scrgbClr r="0" g="0" b="0"/>
+        </a:effectRef>
+        <a:fontRef idx="minor"/>
+      </dsp:style>
+      <dsp:txBody>
+        <a:bodyPr spcFirstLastPara="0" vert="horz" wrap="square" lIns="80010" tIns="80010" rIns="80010" bIns="80010" numCol="1" spcCol="1270" anchor="ctr" anchorCtr="0">
+          <a:noAutofit/>
+        </a:bodyPr>
+        <a:lstStyle/>
+        <a:p>
+          <a:pPr marL="171450" lvl="1" indent="-171450" algn="l" defTabSz="711200">
+            <a:lnSpc>
+              <a:spcPct val="90000"/>
+            </a:lnSpc>
+            <a:spcBef>
+              <a:spcPct val="0"/>
+            </a:spcBef>
+            <a:spcAft>
+              <a:spcPct val="15000"/>
+            </a:spcAft>
+            <a:buChar char="•"/>
+          </a:pPr>
+          <a:r>
+            <a:rPr lang="es-MX" sz="1600" kern="1200" dirty="0"/>
+            <a:t>Eliminar pasos irrelevantes</a:t>
+          </a:r>
+          <a:endParaRPr lang="en-US" sz="1600" kern="1200" dirty="0"/>
+        </a:p>
+        <a:p>
+          <a:pPr marL="171450" lvl="1" indent="-171450" algn="l" defTabSz="711200">
+            <a:lnSpc>
+              <a:spcPct val="90000"/>
+            </a:lnSpc>
+            <a:spcBef>
+              <a:spcPct val="0"/>
+            </a:spcBef>
+            <a:spcAft>
+              <a:spcPct val="15000"/>
+            </a:spcAft>
+            <a:buChar char="•"/>
+          </a:pPr>
+          <a:r>
+            <a:rPr lang="es-MX" sz="1600" kern="1200" dirty="0"/>
+            <a:t>Insertar Validaciones</a:t>
+          </a:r>
+          <a:endParaRPr lang="en-US" sz="1600" kern="1200" dirty="0"/>
+        </a:p>
+      </dsp:txBody>
+      <dsp:txXfrm>
+        <a:off x="5374312" y="1988691"/>
+        <a:ext cx="1669758" cy="1298846"/>
+      </dsp:txXfrm>
+    </dsp:sp>
+    <dsp:sp modelId="{2AC1CD74-B296-4CDB-A8F2-7C537DA8238C}">
+      <dsp:nvSpPr>
+        <dsp:cNvPr id="0" name=""/>
+        <dsp:cNvSpPr/>
+      </dsp:nvSpPr>
+      <dsp:spPr>
+        <a:xfrm>
+          <a:off x="4981971" y="3640615"/>
+          <a:ext cx="2295817" cy="1606997"/>
+        </a:xfrm>
+        <a:prstGeom prst="roundRect">
+          <a:avLst>
+            <a:gd name="adj" fmla="val 16670"/>
+          </a:avLst>
+        </a:prstGeom>
+        <a:solidFill>
+          <a:schemeClr val="accent1">
+            <a:hueOff val="0"/>
+            <a:satOff val="0"/>
+            <a:lumOff val="0"/>
+            <a:alphaOff val="0"/>
+          </a:schemeClr>
+        </a:solidFill>
+        <a:ln w="25400" cap="flat" cmpd="sng" algn="ctr">
+          <a:solidFill>
+            <a:schemeClr val="lt1">
+              <a:hueOff val="0"/>
+              <a:satOff val="0"/>
+              <a:lumOff val="0"/>
+              <a:alphaOff val="0"/>
+            </a:schemeClr>
+          </a:solidFill>
+          <a:prstDash val="solid"/>
+        </a:ln>
+        <a:effectLst/>
+      </dsp:spPr>
+      <dsp:style>
+        <a:lnRef idx="2">
+          <a:scrgbClr r="0" g="0" b="0"/>
+        </a:lnRef>
+        <a:fillRef idx="1">
+          <a:scrgbClr r="0" g="0" b="0"/>
+        </a:fillRef>
+        <a:effectRef idx="0">
+          <a:scrgbClr r="0" g="0" b="0"/>
+        </a:effectRef>
+        <a:fontRef idx="minor">
+          <a:schemeClr val="lt1"/>
+        </a:fontRef>
+      </dsp:style>
+      <dsp:txBody>
+        <a:bodyPr spcFirstLastPara="0" vert="horz" wrap="square" lIns="87630" tIns="87630" rIns="87630" bIns="87630" numCol="1" spcCol="1270" anchor="ctr" anchorCtr="0">
+          <a:noAutofit/>
+        </a:bodyPr>
+        <a:lstStyle/>
+        <a:p>
+          <a:pPr marL="0" lvl="0" indent="0" algn="ctr" defTabSz="1022350">
+            <a:lnSpc>
+              <a:spcPct val="90000"/>
+            </a:lnSpc>
+            <a:spcBef>
+              <a:spcPct val="0"/>
+            </a:spcBef>
+            <a:spcAft>
+              <a:spcPct val="35000"/>
+            </a:spcAft>
+            <a:buNone/>
+          </a:pPr>
+          <a:r>
+            <a:rPr lang="es-MX" sz="2300" kern="1200" dirty="0"/>
+            <a:t>Ejecución y Depuración</a:t>
+          </a:r>
+          <a:endParaRPr lang="en-US" sz="2300" kern="1200" dirty="0"/>
+        </a:p>
+      </dsp:txBody>
+      <dsp:txXfrm>
+        <a:off x="5060432" y="3719076"/>
+        <a:ext cx="2138895" cy="1450075"/>
+      </dsp:txXfrm>
+    </dsp:sp>
+    <dsp:sp modelId="{F0C6F719-2FB3-48B7-A4E6-0CD220848589}">
+      <dsp:nvSpPr>
+        <dsp:cNvPr id="0" name=""/>
+        <dsp:cNvSpPr/>
+      </dsp:nvSpPr>
+      <dsp:spPr>
+        <a:xfrm>
+          <a:off x="7277789" y="3793879"/>
+          <a:ext cx="1669758" cy="1298846"/>
+        </a:xfrm>
+        <a:prstGeom prst="rect">
+          <a:avLst/>
+        </a:prstGeom>
+        <a:noFill/>
+        <a:ln>
+          <a:noFill/>
+        </a:ln>
+        <a:effectLst/>
+      </dsp:spPr>
+      <dsp:style>
+        <a:lnRef idx="0">
+          <a:scrgbClr r="0" g="0" b="0"/>
+        </a:lnRef>
+        <a:fillRef idx="0">
+          <a:scrgbClr r="0" g="0" b="0"/>
+        </a:fillRef>
+        <a:effectRef idx="0">
+          <a:scrgbClr r="0" g="0" b="0"/>
+        </a:effectRef>
+        <a:fontRef idx="minor"/>
+      </dsp:style>
+      <dsp:txBody>
+        <a:bodyPr spcFirstLastPara="0" vert="horz" wrap="square" lIns="72390" tIns="72390" rIns="72390" bIns="72390" numCol="1" spcCol="1270" anchor="ctr" anchorCtr="0">
+          <a:noAutofit/>
+        </a:bodyPr>
+        <a:lstStyle/>
+        <a:p>
+          <a:pPr marL="114300" lvl="1" indent="-114300" algn="l" defTabSz="666750">
+            <a:lnSpc>
+              <a:spcPct val="90000"/>
+            </a:lnSpc>
+            <a:spcBef>
+              <a:spcPct val="0"/>
+            </a:spcBef>
+            <a:spcAft>
+              <a:spcPct val="15000"/>
+            </a:spcAft>
+            <a:buChar char="•"/>
+          </a:pPr>
+          <a:r>
+            <a:rPr lang="es-MX" sz="1500" kern="1200" dirty="0"/>
+            <a:t>Ejecución de CP</a:t>
+          </a:r>
+          <a:endParaRPr lang="en-US" sz="1500" kern="1200" dirty="0"/>
+        </a:p>
+        <a:p>
+          <a:pPr marL="114300" lvl="1" indent="-114300" algn="l" defTabSz="666750">
+            <a:lnSpc>
+              <a:spcPct val="90000"/>
+            </a:lnSpc>
+            <a:spcBef>
+              <a:spcPct val="0"/>
+            </a:spcBef>
+            <a:spcAft>
+              <a:spcPct val="15000"/>
+            </a:spcAft>
+            <a:buChar char="•"/>
+          </a:pPr>
+          <a:r>
+            <a:rPr lang="es-MX" sz="1500" kern="1200" dirty="0"/>
+            <a:t>Ejecución paso a paso</a:t>
+          </a:r>
+          <a:endParaRPr lang="en-US" sz="1500" kern="1200" dirty="0"/>
+        </a:p>
+        <a:p>
+          <a:pPr marL="114300" lvl="1" indent="-114300" algn="l" defTabSz="666750">
+            <a:lnSpc>
+              <a:spcPct val="90000"/>
+            </a:lnSpc>
+            <a:spcBef>
+              <a:spcPct val="0"/>
+            </a:spcBef>
+            <a:spcAft>
+              <a:spcPct val="15000"/>
+            </a:spcAft>
+            <a:buChar char="•"/>
+          </a:pPr>
+          <a:r>
+            <a:rPr lang="es-MX" sz="1500" kern="1200" dirty="0"/>
+            <a:t>Inserción esperas</a:t>
+          </a:r>
+          <a:endParaRPr lang="en-US" sz="1500" kern="1200" dirty="0"/>
+        </a:p>
+      </dsp:txBody>
+      <dsp:txXfrm>
+        <a:off x="7277789" y="3793879"/>
+        <a:ext cx="1669758" cy="1298846"/>
+      </dsp:txXfrm>
+    </dsp:sp>
+  </dsp:spTree>
+</dsp:drawing>
+</file>
+
+<file path=ppt/diagrams/layout1.xml><?xml version="1.0" encoding="utf-8"?>
+<dgm:layoutDef xmlns:dgm="http://schemas.openxmlformats.org/drawingml/2006/diagram" xmlns:a="http://schemas.openxmlformats.org/drawingml/2006/main" uniqueId="urn:microsoft.com/office/officeart/2005/8/layout/process5">
+  <dgm:title val=""/>
+  <dgm:desc val=""/>
+  <dgm:catLst>
+    <dgm:cat type="process" pri="17000"/>
+  </dgm:catLst>
+  <dgm:sampData>
+    <dgm:dataModel>
+      <dgm:ptLst>
+        <dgm:pt modelId="0" type="doc"/>
+        <dgm:pt modelId="1">
+          <dgm:prSet phldr="1"/>
+        </dgm:pt>
+        <dgm:pt modelId="2">
+          <dgm:prSet phldr="1"/>
+        </dgm:pt>
+        <dgm:pt modelId="3">
+          <dgm:prSet phldr="1"/>
+        </dgm:pt>
+        <dgm:pt modelId="4">
+          <dgm:prSet phldr="1"/>
+        </dgm:pt>
+        <dgm:pt modelId="5">
+          <dgm:prSet phldr="1"/>
+        </dgm:pt>
+      </dgm:ptLst>
+      <dgm:cxnLst>
+        <dgm:cxn modelId="7" srcId="0" destId="1" srcOrd="0" destOrd="0"/>
+        <dgm:cxn modelId="8" srcId="0" destId="2" srcOrd="1" destOrd="0"/>
+        <dgm:cxn modelId="9" srcId="0" destId="3" srcOrd="2" destOrd="0"/>
+        <dgm:cxn modelId="10" srcId="0" destId="4" srcOrd="3" destOrd="0"/>
+        <dgm:cxn modelId="11" srcId="0" destId="5" srcOrd="4" destOrd="0"/>
+      </dgm:cxnLst>
+      <dgm:bg/>
+      <dgm:whole/>
+    </dgm:dataModel>
+  </dgm:sampData>
+  <dgm:styleData>
+    <dgm:dataModel>
+      <dgm:ptLst>
+        <dgm:pt modelId="0" type="doc"/>
+        <dgm:pt modelId="1"/>
+        <dgm:pt modelId="2"/>
+      </dgm:ptLst>
+      <dgm:cxnLst>
+        <dgm:cxn modelId="3" srcId="0" destId="1" srcOrd="0" destOrd="0"/>
+        <dgm:cxn modelId="4" srcId="0" destId="2" srcOrd="1" destOrd="0"/>
+      </dgm:cxnLst>
+      <dgm:bg/>
+      <dgm:whole/>
+    </dgm:dataModel>
+  </dgm:styleData>
+  <dgm:clrData>
+    <dgm:dataModel>
+      <dgm:ptLst>
+        <dgm:pt modelId="0" type="doc"/>
+        <dgm:pt modelId="1"/>
+        <dgm:pt modelId="2"/>
+        <dgm:pt modelId="3"/>
+        <dgm:pt modelId="4"/>
+      </dgm:ptLst>
+      <dgm:cxnLst>
+        <dgm:cxn modelId="5" srcId="0" destId="1" srcOrd="0" destOrd="0"/>
+        <dgm:cxn modelId="6" srcId="0" destId="2" srcOrd="1" destOrd="0"/>
+        <dgm:cxn modelId="7" srcId="0" destId="3" srcOrd="2" destOrd="0"/>
+        <dgm:cxn modelId="8" srcId="0" destId="4" srcOrd="3" destOrd="0"/>
+      </dgm:cxnLst>
+      <dgm:bg/>
+      <dgm:whole/>
+    </dgm:dataModel>
+  </dgm:clrData>
+  <dgm:layoutNode name="diagram">
+    <dgm:varLst>
+      <dgm:dir/>
+      <dgm:resizeHandles val="exact"/>
+    </dgm:varLst>
+    <dgm:choose name="Name0">
+      <dgm:if name="Name1" axis="self" func="var" arg="dir" op="equ" val="norm">
+        <dgm:alg type="snake">
+          <dgm:param type="grDir" val="tL"/>
+          <dgm:param type="flowDir" val="row"/>
+          <dgm:param type="contDir" val="revDir"/>
+          <dgm:param type="bkpt" val="endCnv"/>
+        </dgm:alg>
+      </dgm:if>
+      <dgm:else name="Name2">
+        <dgm:alg type="snake">
+          <dgm:param type="grDir" val="tR"/>
+          <dgm:param type="flowDir" val="row"/>
+          <dgm:param type="contDir" val="revDir"/>
+          <dgm:param type="bkpt" val="endCnv"/>
+        </dgm:alg>
+      </dgm:else>
+    </dgm:choose>
+    <dgm:shape xmlns:r="http://schemas.openxmlformats.org/officeDocument/2006/relationships" r:blip="">
+      <dgm:adjLst/>
+    </dgm:shape>
+    <dgm:presOf/>
+    <dgm:constrLst>
+      <dgm:constr type="w" for="ch" ptType="node" refType="w"/>
+      <dgm:constr type="w" for="ch" forName="sibTrans" refType="w" refFor="ch" refPtType="node" op="equ" fact="0.4"/>
+      <dgm:constr type="sp" refType="w" refFor="ch" refForName="sibTrans" op="equ"/>
+      <dgm:constr type="primFontSz" for="ch" ptType="node" op="equ" val="65"/>
+      <dgm:constr type="primFontSz" for="des" forName="connectorText" op="equ" val="55"/>
+      <dgm:constr type="primFontSz" for="des" forName="connectorText" refType="primFontSz" refFor="ch" refPtType="node" op="lte" fact="0.8"/>
+    </dgm:constrLst>
+    <dgm:ruleLst/>
+    <dgm:forEach name="nodesForEach" axis="ch" ptType="node">
+      <dgm:layoutNode name="node">
+        <dgm:varLst>
+          <dgm:bulletEnabled val="1"/>
+        </dgm:varLst>
+        <dgm:alg type="tx"/>
+        <dgm:shape xmlns:r="http://schemas.openxmlformats.org/officeDocument/2006/relationships" type="roundRect" r:blip="">
+          <dgm:adjLst>
+            <dgm:adj idx="1" val="0.1"/>
+          </dgm:adjLst>
+        </dgm:shape>
+        <dgm:presOf axis="desOrSelf" ptType="node"/>
+        <dgm:constrLst>
+          <dgm:constr type="h" refType="w" fact="0.6"/>
+          <dgm:constr type="tMarg" refType="primFontSz" fact="0.3"/>
+          <dgm:constr type="bMarg" refType="primFontSz" fact="0.3"/>
+          <dgm:constr type="lMarg" refType="primFontSz" fact="0.3"/>
+          <dgm:constr type="rMarg" refType="primFontSz" fact="0.3"/>
+        </dgm:constrLst>
+        <dgm:ruleLst>
+          <dgm:rule type="primFontSz" val="5" fact="NaN" max="NaN"/>
+        </dgm:ruleLst>
+      </dgm:layoutNode>
+      <dgm:forEach name="sibTransForEach" axis="followSib" ptType="sibTrans" cnt="1">
+        <dgm:layoutNode name="sibTrans">
+          <dgm:alg type="conn">
+            <dgm:param type="begPts" val="auto"/>
+            <dgm:param type="endPts" val="auto"/>
+          </dgm:alg>
+          <dgm:shape xmlns:r="http://schemas.openxmlformats.org/officeDocument/2006/relationships" type="conn" r:blip="">
+            <dgm:adjLst/>
+          </dgm:shape>
+          <dgm:presOf axis="self"/>
+          <dgm:constrLst>
+            <dgm:constr type="h" refType="w" fact="0.62"/>
+            <dgm:constr type="connDist"/>
+          </dgm:constrLst>
+          <dgm:ruleLst/>
+          <dgm:layoutNode name="connectorText">
+            <dgm:alg type="tx">
+              <dgm:param type="autoTxRot" val="upr"/>
+            </dgm:alg>
+            <dgm:shape xmlns:r="http://schemas.openxmlformats.org/officeDocument/2006/relationships" type="conn" r:blip="" hideGeom="1">
+              <dgm:adjLst/>
+            </dgm:shape>
+            <dgm:presOf axis="self"/>
+            <dgm:constrLst>
+              <dgm:constr type="lMarg"/>
+              <dgm:constr type="rMarg"/>
+              <dgm:constr type="tMarg"/>
+              <dgm:constr type="bMarg"/>
+            </dgm:constrLst>
+            <dgm:ruleLst>
+              <dgm:rule type="primFontSz" val="5" fact="NaN" max="NaN"/>
+            </dgm:ruleLst>
+          </dgm:layoutNode>
+        </dgm:layoutNode>
+      </dgm:forEach>
+    </dgm:forEach>
+  </dgm:layoutNode>
+</dgm:layoutDef>
+</file>
+
+<file path=ppt/diagrams/layout2.xml><?xml version="1.0" encoding="utf-8"?>
+<dgm:layoutDef xmlns:dgm="http://schemas.openxmlformats.org/drawingml/2006/diagram" xmlns:a="http://schemas.openxmlformats.org/drawingml/2006/main" uniqueId="urn:microsoft.com/office/officeart/2005/8/layout/StepDownProcess">
+  <dgm:title val=""/>
+  <dgm:desc val=""/>
+  <dgm:catLst>
+    <dgm:cat type="process" pri="1600"/>
+  </dgm:catLst>
+  <dgm:sampData>
+    <dgm:dataModel>
+      <dgm:ptLst>
+        <dgm:pt modelId="0" type="doc"/>
+        <dgm:pt modelId="10">
+          <dgm:prSet phldr="1"/>
+        </dgm:pt>
+        <dgm:pt modelId="11">
+          <dgm:prSet phldr="1"/>
+        </dgm:pt>
+        <dgm:pt modelId="20">
+          <dgm:prSet phldr="1"/>
+        </dgm:pt>
+        <dgm:pt modelId="21">
+          <dgm:prSet phldr="1"/>
+        </dgm:pt>
+        <dgm:pt modelId="30">
+          <dgm:prSet phldr="1"/>
+        </dgm:pt>
+        <dgm:pt modelId="31">
+          <dgm:prSet phldr="1"/>
+        </dgm:pt>
+      </dgm:ptLst>
+      <dgm:cxnLst>
+        <dgm:cxn modelId="60" srcId="0" destId="10" srcOrd="0" destOrd="0"/>
+        <dgm:cxn modelId="12" srcId="10" destId="11" srcOrd="0" destOrd="0"/>
+        <dgm:cxn modelId="70" srcId="0" destId="20" srcOrd="1" destOrd="0"/>
+        <dgm:cxn modelId="22" srcId="20" destId="21" srcOrd="0" destOrd="0"/>
+        <dgm:cxn modelId="80" srcId="0" destId="30" srcOrd="2" destOrd="0"/>
+        <dgm:cxn modelId="32" srcId="30" destId="31" srcOrd="0" destOrd="0"/>
+      </dgm:cxnLst>
+      <dgm:bg/>
+      <dgm:whole/>
+    </dgm:dataModel>
+  </dgm:sampData>
+  <dgm:styleData>
+    <dgm:dataModel>
+      <dgm:ptLst>
+        <dgm:pt modelId="0" type="doc"/>
+        <dgm:pt modelId="10">
+          <dgm:prSet phldr="1"/>
+        </dgm:pt>
+        <dgm:pt modelId="20">
+          <dgm:prSet phldr="1"/>
+        </dgm:pt>
+      </dgm:ptLst>
+      <dgm:cxnLst>
+        <dgm:cxn modelId="60" srcId="0" destId="10" srcOrd="0" destOrd="0"/>
+        <dgm:cxn modelId="70" srcId="0" destId="20" srcOrd="1" destOrd="0"/>
+      </dgm:cxnLst>
+      <dgm:bg/>
+      <dgm:whole/>
+    </dgm:dataModel>
+  </dgm:styleData>
+  <dgm:clrData>
+    <dgm:dataModel>
+      <dgm:ptLst>
+        <dgm:pt modelId="0" type="doc"/>
+        <dgm:pt modelId="10">
+          <dgm:prSet phldr="1"/>
+        </dgm:pt>
+        <dgm:pt modelId="20">
+          <dgm:prSet phldr="1"/>
+        </dgm:pt>
+        <dgm:pt modelId="30">
+          <dgm:prSet phldr="1"/>
+        </dgm:pt>
+        <dgm:pt modelId="40">
+          <dgm:prSet phldr="1"/>
+        </dgm:pt>
+      </dgm:ptLst>
+      <dgm:cxnLst>
+        <dgm:cxn modelId="60" srcId="0" destId="10" srcOrd="0" destOrd="0"/>
+        <dgm:cxn modelId="70" srcId="0" destId="20" srcOrd="1" destOrd="0"/>
+        <dgm:cxn modelId="80" srcId="0" destId="30" srcOrd="2" destOrd="0"/>
+        <dgm:cxn modelId="90" srcId="0" destId="40" srcOrd="3" destOrd="0"/>
+      </dgm:cxnLst>
+      <dgm:bg/>
+      <dgm:whole/>
+    </dgm:dataModel>
+  </dgm:clrData>
+  <dgm:layoutNode name="rootnode">
+    <dgm:varLst>
+      <dgm:chMax/>
+      <dgm:chPref/>
+      <dgm:dir/>
+      <dgm:animLvl val="lvl"/>
+    </dgm:varLst>
+    <dgm:choose name="Name0">
+      <dgm:if name="Name1" func="var" arg="dir" op="equ" val="norm">
+        <dgm:alg type="snake">
+          <dgm:param type="grDir" val="tL"/>
+          <dgm:param type="flowDir" val="row"/>
+          <dgm:param type="off" val="off"/>
+          <dgm:param type="bkpt" val="fixed"/>
+          <dgm:param type="bkPtFixedVal" val="1"/>
+        </dgm:alg>
+      </dgm:if>
+      <dgm:else name="Name2">
+        <dgm:alg type="snake">
+          <dgm:param type="grDir" val="tR"/>
+          <dgm:param type="flowDir" val="row"/>
+          <dgm:param type="off" val="off"/>
+          <dgm:param type="bkpt" val="fixed"/>
+          <dgm:param type="bkPtFixedVal" val="1"/>
+        </dgm:alg>
+      </dgm:else>
+    </dgm:choose>
+    <dgm:shape xmlns:r="http://schemas.openxmlformats.org/officeDocument/2006/relationships" r:blip="">
+      <dgm:adjLst/>
+    </dgm:shape>
+    <dgm:choose name="Name3">
+      <dgm:if name="Name4" func="var" arg="dir" op="equ" val="norm">
+        <dgm:constrLst>
+          <dgm:constr type="alignOff" forName="rootnode" val="0.48"/>
+          <dgm:constr type="primFontSz" for="des" forName="ParentText" val="65"/>
+          <dgm:constr type="primFontSz" for="des" forName="ChildText" refType="primFontSz" refFor="des" refForName="ParentText" op="lte"/>
+          <dgm:constr type="w" for="ch" forName="composite" refType="w"/>
+          <dgm:constr type="h" for="ch" forName="composite" refType="h"/>
+          <dgm:constr type="sp" refType="h" refFor="ch" refForName="composite" op="equ" fact="-0.38"/>
+        </dgm:constrLst>
+      </dgm:if>
+      <dgm:else name="Name5">
+        <dgm:constrLst>
+          <dgm:constr type="alignOff" forName="rootnode" val="0.48"/>
+          <dgm:constr type="primFontSz" for="des" forName="ParentText" val="65"/>
+          <dgm:constr type="primFontSz" for="des" forName="ChildText" refType="primFontSz" refFor="des" refForName="ParentText" op="lte"/>
+          <dgm:constr type="w" for="ch" forName="composite" refType="w"/>
+          <dgm:constr type="h" for="ch" forName="composite" refType="h"/>
+          <dgm:constr type="sp" refType="h" refFor="ch" refForName="composite" op="equ" fact="-0.38"/>
+        </dgm:constrLst>
+      </dgm:else>
+    </dgm:choose>
+    <dgm:forEach name="nodesForEach" axis="ch" ptType="node">
+      <dgm:layoutNode name="composite">
+        <dgm:alg type="composite">
+          <dgm:param type="ar" val="1.2439"/>
+        </dgm:alg>
+        <dgm:shape xmlns:r="http://schemas.openxmlformats.org/officeDocument/2006/relationships" r:blip="">
+          <dgm:adjLst/>
+        </dgm:shape>
+        <dgm:choose name="Name6">
+          <dgm:if name="Name7" func="var" arg="dir" op="equ" val="norm">
+            <dgm:constrLst>
+              <dgm:constr type="l" for="ch" forName="bentUpArrow1" refType="w" fact="0.07"/>
+              <dgm:constr type="t" for="ch" forName="bentUpArrow1" refType="h" fact="0.524"/>
+              <dgm:constr type="w" for="ch" forName="bentUpArrow1" refType="w" fact="0.3844"/>
+              <dgm:constr type="h" for="ch" forName="bentUpArrow1" refType="h" fact="0.42"/>
+              <dgm:constr type="l" for="ch" forName="ParentText" refType="w" fact="0"/>
+              <dgm:constr type="t" for="ch" forName="ParentText" refType="h" fact="0"/>
+              <dgm:constr type="w" for="ch" forName="ParentText" refType="w" fact="0.5684"/>
+              <dgm:constr type="h" for="ch" forName="ParentText" refType="h" fact="0.4949"/>
+              <dgm:constr type="l" for="ch" forName="ChildText" refType="w" refFor="ch" refForName="ParentText"/>
+              <dgm:constr type="t" for="ch" forName="ChildText" refType="h" fact="0.05"/>
+              <dgm:constr type="w" for="ch" forName="ChildText" refType="w" fact="0.4134"/>
+              <dgm:constr type="h" for="ch" forName="ChildText" refType="h" fact="0.4"/>
+              <dgm:constr type="l" for="ch" forName="FinalChildText" refType="w" refFor="ch" refForName="ParentText"/>
+              <dgm:constr type="t" for="ch" forName="FinalChildText" refType="h" fact="0.05"/>
+              <dgm:constr type="w" for="ch" forName="FinalChildText" refType="w" fact="0.4134"/>
+              <dgm:constr type="h" for="ch" forName="FinalChildText" refType="h" fact="0.4"/>
+            </dgm:constrLst>
+          </dgm:if>
+          <dgm:else name="Name8">
+            <dgm:constrLst>
+              <dgm:constr type="r" for="ch" forName="bentUpArrow1" refType="w" fact="0.97"/>
+              <dgm:constr type="t" for="ch" forName="bentUpArrow1" refType="h" fact="0.524"/>
+              <dgm:constr type="w" for="ch" forName="bentUpArrow1" refType="w" fact="0.3844"/>
+              <dgm:constr type="h" for="ch" forName="bentUpArrow1" refType="h" fact="0.42"/>
+              <dgm:constr type="l" for="ch" forName="ParentText" refType="w" fact="0.4316"/>
+              <dgm:constr type="t" for="ch" forName="ParentText" refType="h" fact="0"/>
+              <dgm:constr type="w" for="ch" forName="ParentText" refType="w" fact="0.5684"/>
+              <dgm:constr type="h" for="ch" forName="ParentText" refType="h" fact="0.4949"/>
+              <dgm:constr type="l" for="ch" forName="ChildText" refType="w" fact="0"/>
+              <dgm:constr type="t" for="ch" forName="ChildText" refType="h" fact="0.05"/>
+              <dgm:constr type="w" for="ch" forName="ChildText" refType="w" fact="0.4134"/>
+              <dgm:constr type="h" for="ch" forName="ChildText" refType="h" fact="0.4"/>
+              <dgm:constr type="l" for="ch" forName="FinalChildText" refType="w" fact="0"/>
+              <dgm:constr type="t" for="ch" forName="FinalChildText" refType="h" fact="0.05"/>
+              <dgm:constr type="w" for="ch" forName="FinalChildText" refType="w" fact="0.4134"/>
+              <dgm:constr type="h" for="ch" forName="FinalChildText" refType="h" fact="0.4"/>
+            </dgm:constrLst>
+          </dgm:else>
+        </dgm:choose>
+        <dgm:choose name="Name9">
+          <dgm:if name="Name10" axis="followSib" ptType="node" func="cnt" op="gte" val="1">
+            <dgm:layoutNode name="bentUpArrow1" styleLbl="alignImgPlace1">
+              <dgm:alg type="sp"/>
+              <dgm:choose name="Name11">
+                <dgm:if name="Name12" func="var" arg="dir" op="equ" val="norm">
+                  <dgm:shape xmlns:r="http://schemas.openxmlformats.org/officeDocument/2006/relationships" rot="90" type="bentUpArrow" r:blip="">
+                    <dgm:adjLst>
+                      <dgm:adj idx="1" val="0.3284"/>
+                      <dgm:adj idx="2" val="0.25"/>
+                      <dgm:adj idx="3" val="0.3578"/>
+                    </dgm:adjLst>
+                  </dgm:shape>
+                </dgm:if>
+                <dgm:else name="Name13">
+                  <dgm:shape xmlns:r="http://schemas.openxmlformats.org/officeDocument/2006/relationships" rot="180" type="bentArrow" r:blip="">
+                    <dgm:adjLst>
+                      <dgm:adj idx="1" val="0.3284"/>
+                      <dgm:adj idx="2" val="0.25"/>
+                      <dgm:adj idx="3" val="0.3578"/>
+                      <dgm:adj idx="4" val="0"/>
+                    </dgm:adjLst>
+                  </dgm:shape>
+                </dgm:else>
+              </dgm:choose>
+              <dgm:presOf/>
+            </dgm:layoutNode>
+          </dgm:if>
+          <dgm:else name="Name14"/>
+        </dgm:choose>
+        <dgm:layoutNode name="ParentText" styleLbl="node1">
+          <dgm:varLst>
+            <dgm:chMax val="1"/>
+            <dgm:chPref val="1"/>
+            <dgm:bulletEnabled val="1"/>
+          </dgm:varLst>
+          <dgm:alg type="tx"/>
+          <dgm:shape xmlns:r="http://schemas.openxmlformats.org/officeDocument/2006/relationships" type="roundRect" r:blip="">
+            <dgm:adjLst>
+              <dgm:adj idx="1" val="0.1667"/>
+            </dgm:adjLst>
+          </dgm:shape>
+          <dgm:presOf axis="self" ptType="node"/>
+          <dgm:constrLst>
+            <dgm:constr type="lMarg" refType="primFontSz" fact="0.3"/>
+            <dgm:constr type="rMarg" refType="primFontSz" fact="0.3"/>
+            <dgm:constr type="tMarg" refType="primFontSz" fact="0.3"/>
+            <dgm:constr type="bMarg" refType="primFontSz" fact="0.3"/>
+          </dgm:constrLst>
+          <dgm:ruleLst>
+            <dgm:rule type="primFontSz" val="5" fact="NaN" max="NaN"/>
+          </dgm:ruleLst>
+        </dgm:layoutNode>
+        <dgm:choose name="Name15">
+          <dgm:if name="Name16" axis="followSib" ptType="node" func="cnt" op="equ" val="0">
+            <dgm:choose name="Name17">
+              <dgm:if name="Name18" axis="ch" ptType="node" func="cnt" op="gte" val="1">
+                <dgm:layoutNode name="FinalChildText" styleLbl="revTx">
+                  <dgm:varLst>
+                    <dgm:chMax val="0"/>
+                    <dgm:chPref val="0"/>
+                    <dgm:bulletEnabled val="1"/>
+                  </dgm:varLst>
+                  <dgm:alg type="tx">
+                    <dgm:param type="stBulletLvl" val="1"/>
+                    <dgm:param type="txAnchorVertCh" val="mid"/>
+                    <dgm:param type="parTxLTRAlign" val="l"/>
+                  </dgm:alg>
+                  <dgm:shape xmlns:r="http://schemas.openxmlformats.org/officeDocument/2006/relationships" type="rect" r:blip="">
+                    <dgm:adjLst/>
+                  </dgm:shape>
+                  <dgm:presOf axis="des" ptType="node"/>
+                  <dgm:constrLst>
+                    <dgm:constr type="lMarg" refType="primFontSz" fact="0.3"/>
+                    <dgm:constr type="rMarg" refType="primFontSz" fact="0.3"/>
+                    <dgm:constr type="tMarg" refType="primFontSz" fact="0.3"/>
+                    <dgm:constr type="bMarg" refType="primFontSz" fact="0.3"/>
+                  </dgm:constrLst>
+                  <dgm:ruleLst>
+                    <dgm:rule type="primFontSz" val="5" fact="NaN" max="NaN"/>
+                  </dgm:ruleLst>
+                </dgm:layoutNode>
+              </dgm:if>
+              <dgm:else name="Name19"/>
+            </dgm:choose>
+          </dgm:if>
+          <dgm:else name="Name20">
+            <dgm:layoutNode name="ChildText" styleLbl="revTx">
+              <dgm:varLst>
+                <dgm:chMax val="0"/>
+                <dgm:chPref val="0"/>
+                <dgm:bulletEnabled val="1"/>
+              </dgm:varLst>
+              <dgm:alg type="tx">
+                <dgm:param type="stBulletLvl" val="1"/>
+                <dgm:param type="txAnchorVertCh" val="mid"/>
+                <dgm:param type="parTxLTRAlign" val="l"/>
+              </dgm:alg>
+              <dgm:shape xmlns:r="http://schemas.openxmlformats.org/officeDocument/2006/relationships" type="rect" r:blip="">
+                <dgm:adjLst/>
+              </dgm:shape>
+              <dgm:presOf axis="des" ptType="node"/>
+              <dgm:constrLst>
+                <dgm:constr type="lMarg" refType="primFontSz" fact="0.3"/>
+                <dgm:constr type="rMarg" refType="primFontSz" fact="0.3"/>
+                <dgm:constr type="tMarg" refType="primFontSz" fact="0.3"/>
+                <dgm:constr type="bMarg" refType="primFontSz" fact="0.3"/>
+              </dgm:constrLst>
+              <dgm:ruleLst>
+                <dgm:rule type="primFontSz" val="5" fact="NaN" max="NaN"/>
+              </dgm:ruleLst>
+            </dgm:layoutNode>
+          </dgm:else>
+        </dgm:choose>
+      </dgm:layoutNode>
+      <dgm:forEach name="sibTransForEach" axis="followSib" ptType="sibTrans" cnt="1">
+        <dgm:layoutNode name="sibTrans">
+          <dgm:alg type="sp"/>
+          <dgm:shape xmlns:r="http://schemas.openxmlformats.org/officeDocument/2006/relationships" r:blip="">
+            <dgm:adjLst/>
+          </dgm:shape>
+        </dgm:layoutNode>
+      </dgm:forEach>
+    </dgm:forEach>
+  </dgm:layoutNode>
+</dgm:layoutDef>
+</file>
+
+<file path=ppt/diagrams/quickStyle1.xml><?xml version="1.0" encoding="utf-8"?>
+<dgm:styleDef xmlns:dgm="http://schemas.openxmlformats.org/drawingml/2006/diagram" xmlns:a="http://schemas.openxmlformats.org/drawingml/2006/main" uniqueId="urn:microsoft.com/office/officeart/2005/8/quickstyle/simple1">
+  <dgm:title val=""/>
+  <dgm:desc val=""/>
+  <dgm:catLst>
+    <dgm:cat type="simple" pri="10100"/>
+  </dgm:catLst>
+  <dgm:scene3d>
+    <a:camera prst="orthographicFront"/>
+    <a:lightRig rig="threePt" dir="t"/>
+  </dgm:scene3d>
+  <dgm:styleLbl name="node0">
+    <dgm:scene3d>
+      <a:camera prst="orthographicFront"/>
+      <a:lightRig rig="threePt" dir="t"/>
+    </dgm:scene3d>
+    <dgm:sp3d/>
+    <dgm:txPr/>
+    <dgm:style>
+      <a:lnRef idx="2">
+        <a:scrgbClr r="0" g="0" b="0"/>
+      </a:lnRef>
+      <a:fillRef idx="1">
+        <a:scrgbClr r="0" g="0" b="0"/>
+      </a:fillRef>
+      <a:effectRef idx="0">
+        <a:scrgbClr r="0" g="0" b="0"/>
+      </a:effectRef>
+      <a:fontRef idx="minor">
+        <a:schemeClr val="lt1"/>
+      </a:fontRef>
+    </dgm:style>
+  </dgm:styleLbl>
+  <dgm:styleLbl name="lnNode1">
+    <dgm:scene3d>
+      <a:camera prst="orthographicFront"/>
+      <a:lightRig rig="threePt" dir="t"/>
+    </dgm:scene3d>
+    <dgm:sp3d/>
+    <dgm:txPr/>
+    <dgm:style>
+      <a:lnRef idx="2">
+        <a:scrgbClr r="0" g="0" b="0"/>
+      </a:lnRef>
+      <a:fillRef idx="1">
+        <a:scrgbClr r="0" g="0" b="0"/>
+      </a:fillRef>
+      <a:effectRef idx="0">
+        <a:scrgbClr r="0" g="0" b="0"/>
+      </a:effectRef>
+      <a:fontRef idx="minor">
+        <a:schemeClr val="lt1"/>
+      </a:fontRef>
+    </dgm:style>
+  </dgm:styleLbl>
+  <dgm:styleLbl name="vennNode1">
+    <dgm:scene3d>
+      <a:camera prst="orthographicFront"/>
+      <a:lightRig rig="threePt" dir="t"/>
+    </dgm:scene3d>
+    <dgm:sp3d/>
+    <dgm:txPr/>
+    <dgm:style>
+      <a:lnRef idx="2">
+        <a:scrgbClr r="0" g="0" b="0"/>
+      </a:lnRef>
+      <a:fillRef idx="1">
+        <a:scrgbClr r="0" g="0" b="0"/>
+      </a:fillRef>
+      <a:effectRef idx="0">
+        <a:scrgbClr r="0" g="0" b="0"/>
+      </a:effectRef>
+      <a:fontRef idx="minor">
+        <a:schemeClr val="tx1"/>
+      </a:fontRef>
+    </dgm:style>
+  </dgm:styleLbl>
+  <dgm:styleLbl name="alignNode1">
+    <dgm:scene3d>
+      <a:camera prst="orthographicFront"/>
+      <a:lightRig rig="threePt" dir="t"/>
+    </dgm:scene3d>
+    <dgm:sp3d/>
+    <dgm:txPr/>
+    <dgm:style>
+      <a:lnRef idx="2">
+        <a:scrgbClr r="0" g="0" b="0"/>
+      </a:lnRef>
+      <a:fillRef idx="1">
+        <a:scrgbClr r="0" g="0" b="0"/>
+      </a:fillRef>
+      <a:effectRef idx="0">
+        <a:scrgbClr r="0" g="0" b="0"/>
+      </a:effectRef>
+      <a:fontRef idx="minor">
+        <a:schemeClr val="lt1"/>
+      </a:fontRef>
+    </dgm:style>
+  </dgm:styleLbl>
+  <dgm:styleLbl name="node1">
+    <dgm:scene3d>
+      <a:camera prst="orthographicFront"/>
+      <a:lightRig rig="threePt" dir="t"/>
+    </dgm:scene3d>
+    <dgm:sp3d/>
+    <dgm:txPr/>
+    <dgm:style>
+      <a:lnRef idx="2">
+        <a:scrgbClr r="0" g="0" b="0"/>
+      </a:lnRef>
+      <a:fillRef idx="1">
+        <a:scrgbClr r="0" g="0" b="0"/>
+      </a:fillRef>
+      <a:effectRef idx="0">
+        <a:scrgbClr r="0" g="0" b="0"/>
+      </a:effectRef>
+      <a:fontRef idx="minor">
+        <a:schemeClr val="lt1"/>
+      </a:fontRef>
+    </dgm:style>
+  </dgm:styleLbl>
+  <dgm:styleLbl name="node2">
+    <dgm:scene3d>
+      <a:camera prst="orthographicFront"/>
+      <a:lightRig rig="threePt" dir="t"/>
+    </dgm:scene3d>
+    <dgm:sp3d/>
+    <dgm:txPr/>
+    <dgm:style>
+      <a:lnRef idx="2">
+        <a:scrgbClr r="0" g="0" b="0"/>
+      </a:lnRef>
+      <a:fillRef idx="1">
+        <a:scrgbClr r="0" g="0" b="0"/>
+      </a:fillRef>
+      <a:effectRef idx="0">
+        <a:scrgbClr r="0" g="0" b="0"/>
+      </a:effectRef>
+      <a:fontRef idx="minor">
+        <a:schemeClr val="lt1"/>
+      </a:fontRef>
+    </dgm:style>
+  </dgm:styleLbl>
+  <dgm:styleLbl name="node3">
+    <dgm:scene3d>
+      <a:camera prst="orthographicFront"/>
+      <a:lightRig rig="threePt" dir="t"/>
+    </dgm:scene3d>
+    <dgm:sp3d/>
+    <dgm:txPr/>
+    <dgm:style>
+      <a:lnRef idx="2">
+        <a:scrgbClr r="0" g="0" b="0"/>
+      </a:lnRef>
+      <a:fillRef idx="1">
+        <a:scrgbClr r="0" g="0" b="0"/>
+      </a:fillRef>
+      <a:effectRef idx="0">
+        <a:scrgbClr r="0" g="0" b="0"/>
+      </a:effectRef>
+      <a:fontRef idx="minor">
+        <a:schemeClr val="lt1"/>
+      </a:fontRef>
+    </dgm:style>
+  </dgm:styleLbl>
+  <dgm:styleLbl name="node4">
+    <dgm:scene3d>
+      <a:camera prst="orthographicFront"/>
+      <a:lightRig rig="threePt" dir="t"/>
+    </dgm:scene3d>
+    <dgm:sp3d/>
+    <dgm:txPr/>
+    <dgm:style>
+      <a:lnRef idx="2">
+        <a:scrgbClr r="0" g="0" b="0"/>
+      </a:lnRef>
+      <a:fillRef idx="1">
+        <a:scrgbClr r="0" g="0" b="0"/>
+      </a:fillRef>
+      <a:effectRef idx="0">
+        <a:scrgbClr r="0" g="0" b="0"/>
+      </a:effectRef>
+      <a:fontRef idx="minor">
+        <a:schemeClr val="lt1"/>
+      </a:fontRef>
+    </dgm:style>
+  </dgm:styleLbl>
+  <dgm:styleLbl name="fgImgPlace1">
+    <dgm:scene3d>
+      <a:camera prst="orthographicFront"/>
+      <a:lightRig rig="threePt" dir="t"/>
+    </dgm:scene3d>
+    <dgm:sp3d/>
+    <dgm:txPr/>
+    <dgm:style>
+      <a:lnRef idx="2">
+        <a:scrgbClr r="0" g="0" b="0"/>
+      </a:lnRef>
+      <a:fillRef idx="1">
+        <a:scrgbClr r="0" g="0" b="0"/>
+      </a:fillRef>
+      <a:effectRef idx="0">
+        <a:scrgbClr r="0" g="0" b="0"/>
+      </a:effectRef>
+      <a:fontRef idx="minor"/>
+    </dgm:style>
+  </dgm:styleLbl>
+  <dgm:styleLbl name="alignImgPlace1">
+    <dgm:scene3d>
+      <a:camera prst="orthographicFront"/>
+      <a:lightRig rig="threePt" dir="t"/>
+    </dgm:scene3d>
+    <dgm:sp3d/>
+    <dgm:txPr/>
+    <dgm:style>
+      <a:lnRef idx="2">
+        <a:scrgbClr r="0" g="0" b="0"/>
+      </a:lnRef>
+      <a:fillRef idx="1">
+        <a:scrgbClr r="0" g="0" b="0"/>
+      </a:fillRef>
+      <a:effectRef idx="0">
+        <a:scrgbClr r="0" g="0" b="0"/>
+      </a:effectRef>
+      <a:fontRef idx="minor"/>
+    </dgm:style>
+  </dgm:styleLbl>
+  <dgm:styleLbl name="bgImgPlace1">
+    <dgm:scene3d>
+      <a:camera prst="orthographicFront"/>
+      <a:lightRig rig="threePt" dir="t"/>
+    </dgm:scene3d>
+    <dgm:sp3d/>
+    <dgm:txPr/>
+    <dgm:style>
+      <a:lnRef idx="2">
+        <a:scrgbClr r="0" g="0" b="0"/>
+      </a:lnRef>
+      <a:fillRef idx="1">
+        <a:scrgbClr r="0" g="0" b="0"/>
+      </a:fillRef>
+      <a:effectRef idx="0">
+        <a:scrgbClr r="0" g="0" b="0"/>
+      </a:effectRef>
+      <a:fontRef idx="minor"/>
+    </dgm:style>
+  </dgm:styleLbl>
+  <dgm:styleLbl name="sibTrans2D1">
+    <dgm:scene3d>
+      <a:camera prst="orthographicFront"/>
+      <a:lightRig rig="threePt" dir="t"/>
+    </dgm:scene3d>
+    <dgm:sp3d/>
+    <dgm:txPr/>
+    <dgm:style>
+      <a:lnRef idx="0">
+        <a:scrgbClr r="0" g="0" b="0"/>
+      </a:lnRef>
+      <a:fillRef idx="1">
+        <a:scrgbClr r="0" g="0" b="0"/>
+      </a:fillRef>
+      <a:effectRef idx="0">
+        <a:scrgbClr r="0" g="0" b="0"/>
+      </a:effectRef>
+      <a:fontRef idx="minor">
+        <a:schemeClr val="lt1"/>
+      </a:fontRef>
+    </dgm:style>
+  </dgm:styleLbl>
+  <dgm:styleLbl name="fgSibTrans2D1">
+    <dgm:scene3d>
+      <a:camera prst="orthographicFront"/>
+      <a:lightRig rig="threePt" dir="t"/>
+    </dgm:scene3d>
+    <dgm:sp3d/>
+    <dgm:txPr/>
+    <dgm:style>
+      <a:lnRef idx="0">
+        <a:scrgbClr r="0" g="0" b="0"/>
+      </a:lnRef>
+      <a:fillRef idx="1">
+        <a:scrgbClr r="0" g="0" b="0"/>
+      </a:fillRef>
+      <a:effectRef idx="0">
+        <a:scrgbClr r="0" g="0" b="0"/>
+      </a:effectRef>
+      <a:fontRef idx="minor">
+        <a:schemeClr val="lt1"/>
+      </a:fontRef>
+    </dgm:style>
+  </dgm:styleLbl>
+  <dgm:styleLbl name="bgSibTrans2D1">
+    <dgm:scene3d>
+      <a:camera prst="orthographicFront"/>
+      <a:lightRig rig="threePt" dir="t"/>
+    </dgm:scene3d>
+    <dgm:sp3d/>
+    <dgm:txPr/>
+    <dgm:style>
+      <a:lnRef idx="0">
+        <a:scrgbClr r="0" g="0" b="0"/>
+      </a:lnRef>
+      <a:fillRef idx="1">
+        <a:scrgbClr r="0" g="0" b="0"/>
+      </a:fillRef>
+      <a:effectRef idx="0">
+        <a:scrgbClr r="0" g="0" b="0"/>
+      </a:effectRef>
+      <a:fontRef idx="minor">
+        <a:schemeClr val="lt1"/>
+      </a:fontRef>
+    </dgm:style>
+  </dgm:styleLbl>
+  <dgm:styleLbl name="sibTrans1D1">
+    <dgm:scene3d>
+      <a:camera prst="orthographicFront"/>
+      <a:lightRig rig="threePt" dir="t"/>
+    </dgm:scene3d>
+    <dgm:sp3d/>
+    <dgm:txPr/>
+    <dgm:style>
+      <a:lnRef idx="1">
+        <a:scrgbClr r="0" g="0" b="0"/>
+      </a:lnRef>
+      <a:fillRef idx="0">
+        <a:scrgbClr r="0" g="0" b="0"/>
+      </a:fillRef>
+      <a:effectRef idx="0">
+        <a:scrgbClr r="0" g="0" b="0"/>
+      </a:effectRef>
+      <a:fontRef idx="minor"/>
+    </dgm:style>
+  </dgm:styleLbl>
+  <dgm:styleLbl name="callout">
+    <dgm:scene3d>
+      <a:camera prst="orthographicFront"/>
+      <a:lightRig rig="threePt" dir="t"/>
+    </dgm:scene3d>
+    <dgm:sp3d/>
+    <dgm:txPr/>
+    <dgm:style>
+      <a:lnRef idx="2">
+        <a:scrgbClr r="0" g="0" b="0"/>
+      </a:lnRef>
+      <a:fillRef idx="1">
+        <a:scrgbClr r="0" g="0" b="0"/>
+      </a:fillRef>
+      <a:effectRef idx="0">
+        <a:scrgbClr r="0" g="0" b="0"/>
+      </a:effectRef>
+      <a:fontRef idx="minor"/>
+    </dgm:style>
+  </dgm:styleLbl>
+  <dgm:styleLbl name="asst0">
+    <dgm:scene3d>
+      <a:camera prst="orthographicFront"/>
+      <a:lightRig rig="threePt" dir="t"/>
+    </dgm:scene3d>
+    <dgm:sp3d/>
+    <dgm:txPr/>
+    <dgm:style>
+      <a:lnRef idx="2">
+        <a:scrgbClr r="0" g="0" b="0"/>
+      </a:lnRef>
+      <a:fillRef idx="1">
+        <a:scrgbClr r="0" g="0" b="0"/>
+      </a:fillRef>
+      <a:effectRef idx="0">
+        <a:scrgbClr r="0" g="0" b="0"/>
+      </a:effectRef>
+      <a:fontRef idx="minor">
+        <a:schemeClr val="lt1"/>
+      </a:fontRef>
+    </dgm:style>
+  </dgm:styleLbl>
+  <dgm:styleLbl name="asst1">
+    <dgm:scene3d>
+      <a:camera prst="orthographicFront"/>
+      <a:lightRig rig="threePt" dir="t"/>
+    </dgm:scene3d>
+    <dgm:sp3d/>
+    <dgm:txPr/>
+    <dgm:style>
+      <a:lnRef idx="2">
+        <a:scrgbClr r="0" g="0" b="0"/>
+      </a:lnRef>
+      <a:fillRef idx="1">
+        <a:scrgbClr r="0" g="0" b="0"/>
+      </a:fillRef>
+      <a:effectRef idx="0">
+        <a:scrgbClr r="0" g="0" b="0"/>
+      </a:effectRef>
+      <a:fontRef idx="minor">
+        <a:schemeClr val="lt1"/>
+      </a:fontRef>
+    </dgm:style>
+  </dgm:styleLbl>
+  <dgm:styleLbl name="asst2">
+    <dgm:scene3d>
+      <a:camera prst="orthographicFront"/>
+      <a:lightRig rig="threePt" dir="t"/>
+    </dgm:scene3d>
+    <dgm:sp3d/>
+    <dgm:txPr/>
+    <dgm:style>
+      <a:lnRef idx="2">
+        <a:scrgbClr r="0" g="0" b="0"/>
+      </a:lnRef>
+      <a:fillRef idx="1">
+        <a:scrgbClr r="0" g="0" b="0"/>
+      </a:fillRef>
+      <a:effectRef idx="0">
+        <a:scrgbClr r="0" g="0" b="0"/>
+      </a:effectRef>
+      <a:fontRef idx="minor">
+        <a:schemeClr val="lt1"/>
+      </a:fontRef>
+    </dgm:style>
+  </dgm:styleLbl>
+  <dgm:styleLbl name="asst3">
+    <dgm:scene3d>
+      <a:camera prst="orthographicFront"/>
+      <a:lightRig rig="threePt" dir="t"/>
+    </dgm:scene3d>
+    <dgm:sp3d/>
+    <dgm:txPr/>
+    <dgm:style>
+      <a:lnRef idx="2">
+        <a:scrgbClr r="0" g="0" b="0"/>
+      </a:lnRef>
+      <a:fillRef idx="1">
+        <a:scrgbClr r="0" g="0" b="0"/>
+      </a:fillRef>
+      <a:effectRef idx="0">
+        <a:scrgbClr r="0" g="0" b="0"/>
+      </a:effectRef>
+      <a:fontRef idx="minor">
+        <a:schemeClr val="lt1"/>
+      </a:fontRef>
+    </dgm:style>
+  </dgm:styleLbl>
+  <dgm:styleLbl name="asst4">
+    <dgm:scene3d>
+      <a:camera prst="orthographicFront"/>
+      <a:lightRig rig="threePt" dir="t"/>
+    </dgm:scene3d>
+    <dgm:sp3d/>
+    <dgm:txPr/>
+    <dgm:style>
+      <a:lnRef idx="2">
+        <a:scrgbClr r="0" g="0" b="0"/>
+      </a:lnRef>
+      <a:fillRef idx="1">
+        <a:scrgbClr r="0" g="0" b="0"/>
+      </a:fillRef>
+      <a:effectRef idx="0">
+        <a:scrgbClr r="0" g="0" b="0"/>
+      </a:effectRef>
+      <a:fontRef idx="minor">
+        <a:schemeClr val="lt1"/>
+      </a:fontRef>
+    </dgm:style>
+  </dgm:styleLbl>
+  <dgm:styleLbl name="parChTrans2D1">
+    <dgm:scene3d>
+      <a:camera prst="orthographicFront"/>
+      <a:lightRig rig="threePt" dir="t"/>
+    </dgm:scene3d>
+    <dgm:sp3d/>
+    <dgm:txPr/>
+    <dgm:style>
+      <a:lnRef idx="2">
+        <a:scrgbClr r="0" g="0" b="0"/>
+      </a:lnRef>
+      <a:fillRef idx="1">
+        <a:scrgbClr r="0" g="0" b="0"/>
+      </a:fillRef>
+      <a:effectRef idx="0">
+        <a:scrgbClr r="0" g="0" b="0"/>
+      </a:effectRef>
+      <a:fontRef idx="minor">
+        <a:schemeClr val="lt1"/>
+      </a:fontRef>
+    </dgm:style>
+  </dgm:styleLbl>
+  <dgm:styleLbl name="parChTrans2D2">
+    <dgm:scene3d>
+      <a:camera prst="orthographicFront"/>
+      <a:lightRig rig="threePt" dir="t"/>
+    </dgm:scene3d>
+    <dgm:sp3d/>
+    <dgm:txPr/>
+    <dgm:style>
+      <a:lnRef idx="2">
+        <a:scrgbClr r="0" g="0" b="0"/>
+      </a:lnRef>
+      <a:fillRef idx="1">
+        <a:scrgbClr r="0" g="0" b="0"/>
+      </a:fillRef>
+      <a:effectRef idx="0">
+        <a:scrgbClr r="0" g="0" b="0"/>
+      </a:effectRef>
+      <a:fontRef idx="minor">
+        <a:schemeClr val="lt1"/>
+      </a:fontRef>
+    </dgm:style>
+  </dgm:styleLbl>
+  <dgm:styleLbl name="parChTrans2D3">
+    <dgm:scene3d>
+      <a:camera prst="orthographicFront"/>
+      <a:lightRig rig="threePt" dir="t"/>
+    </dgm:scene3d>
+    <dgm:sp3d/>
+    <dgm:txPr/>
+    <dgm:style>
+      <a:lnRef idx="2">
+        <a:scrgbClr r="0" g="0" b="0"/>
+      </a:lnRef>
+      <a:fillRef idx="1">
+        <a:scrgbClr r="0" g="0" b="0"/>
+      </a:fillRef>
+      <a:effectRef idx="0">
+        <a:scrgbClr r="0" g="0" b="0"/>
+      </a:effectRef>
+      <a:fontRef idx="minor">
+        <a:schemeClr val="lt1"/>
+      </a:fontRef>
+    </dgm:style>
+  </dgm:styleLbl>
+  <dgm:styleLbl name="parChTrans2D4">
+    <dgm:scene3d>
+      <a:camera prst="orthographicFront"/>
+      <a:lightRig rig="threePt" dir="t"/>
+    </dgm:scene3d>
+    <dgm:sp3d/>
+    <dgm:txPr/>
+    <dgm:style>
+      <a:lnRef idx="2">
+        <a:scrgbClr r="0" g="0" b="0"/>
+      </a:lnRef>
+      <a:fillRef idx="1">
+        <a:scrgbClr r="0" g="0" b="0"/>
+      </a:fillRef>
+      <a:effectRef idx="0">
+        <a:scrgbClr r="0" g="0" b="0"/>
+      </a:effectRef>
+      <a:fontRef idx="minor">
+        <a:schemeClr val="lt1"/>
+      </a:fontRef>
+    </dgm:style>
+  </dgm:styleLbl>
+  <dgm:styleLbl name="parChTrans1D1">
+    <dgm:scene3d>
+      <a:camera prst="orthographicFront"/>
+      <a:lightRig rig="threePt" dir="t"/>
+    </dgm:scene3d>
+    <dgm:sp3d/>
+    <dgm:txPr/>
+    <dgm:style>
+      <a:lnRef idx="2">
+        <a:scrgbClr r="0" g="0" b="0"/>
+      </a:lnRef>
+      <a:fillRef idx="0">
+        <a:scrgbClr r="0" g="0" b="0"/>
+      </a:fillRef>
+      <a:effectRef idx="0">
+        <a:scrgbClr r="0" g="0" b="0"/>
+      </a:effectRef>
+      <a:fontRef idx="minor"/>
+    </dgm:style>
+  </dgm:styleLbl>
+  <dgm:styleLbl name="parChTrans1D2">
+    <dgm:scene3d>
+      <a:camera prst="orthographicFront"/>
+      <a:lightRig rig="threePt" dir="t"/>
+    </dgm:scene3d>
+    <dgm:sp3d/>
+    <dgm:txPr/>
+    <dgm:style>
+      <a:lnRef idx="2">
+        <a:scrgbClr r="0" g="0" b="0"/>
+      </a:lnRef>
+      <a:fillRef idx="0">
+        <a:scrgbClr r="0" g="0" b="0"/>
+      </a:fillRef>
+      <a:effectRef idx="0">
+        <a:scrgbClr r="0" g="0" b="0"/>
+      </a:effectRef>
+      <a:fontRef idx="minor"/>
+    </dgm:style>
+  </dgm:styleLbl>
+  <dgm:styleLbl name="parChTrans1D3">
+    <dgm:scene3d>
+      <a:camera prst="orthographicFront"/>
+      <a:lightRig rig="threePt" dir="t"/>
+    </dgm:scene3d>
+    <dgm:sp3d/>
+    <dgm:txPr/>
+    <dgm:style>
+      <a:lnRef idx="2">
+        <a:scrgbClr r="0" g="0" b="0"/>
+      </a:lnRef>
+      <a:fillRef idx="0">
+        <a:scrgbClr r="0" g="0" b="0"/>
+      </a:fillRef>
+      <a:effectRef idx="0">
+        <a:scrgbClr r="0" g="0" b="0"/>
+      </a:effectRef>
+      <a:fontRef idx="minor"/>
+    </dgm:style>
+  </dgm:styleLbl>
+  <dgm:styleLbl name="parChTrans1D4">
+    <dgm:scene3d>
+      <a:camera prst="orthographicFront"/>
+      <a:lightRig rig="threePt" dir="t"/>
+    </dgm:scene3d>
+    <dgm:sp3d/>
+    <dgm:txPr/>
+    <dgm:style>
+      <a:lnRef idx="2">
+        <a:scrgbClr r="0" g="0" b="0"/>
+      </a:lnRef>
+      <a:fillRef idx="0">
+        <a:scrgbClr r="0" g="0" b="0"/>
+      </a:fillRef>
+      <a:effectRef idx="0">
+        <a:scrgbClr r="0" g="0" b="0"/>
+      </a:effectRef>
+      <a:fontRef idx="minor"/>
+    </dgm:style>
+  </dgm:styleLbl>
+  <dgm:styleLbl name="fgAcc1">
+    <dgm:scene3d>
+      <a:camera prst="orthographicFront"/>
+      <a:lightRig rig="threePt" dir="t"/>
+    </dgm:scene3d>
+    <dgm:sp3d/>
+    <dgm:txPr/>
+    <dgm:style>
+      <a:lnRef idx="2">
+        <a:scrgbClr r="0" g="0" b="0"/>
+      </a:lnRef>
+      <a:fillRef idx="1">
+        <a:scrgbClr r="0" g="0" b="0"/>
+      </a:fillRef>
+      <a:effectRef idx="0">
+        <a:scrgbClr r="0" g="0" b="0"/>
+      </a:effectRef>
+      <a:fontRef idx="minor"/>
+    </dgm:style>
+  </dgm:styleLbl>
+  <dgm:styleLbl name="conFgAcc1">
+    <dgm:scene3d>
+      <a:camera prst="orthographicFront"/>
+      <a:lightRig rig="threePt" dir="t"/>
+    </dgm:scene3d>
+    <dgm:sp3d/>
+    <dgm:txPr/>
+    <dgm:style>
+      <a:lnRef idx="2">
+        <a:scrgbClr r="0" g="0" b="0"/>
+      </a:lnRef>
+      <a:fillRef idx="1">
+        <a:scrgbClr r="0" g="0" b="0"/>
+      </a:fillRef>
+      <a:effectRef idx="0">
+        <a:scrgbClr r="0" g="0" b="0"/>
+      </a:effectRef>
+      <a:fontRef idx="minor"/>
+    </dgm:style>
+  </dgm:styleLbl>
+  <dgm:styleLbl name="alignAcc1">
+    <dgm:scene3d>
+      <a:camera prst="orthographicFront"/>
+      <a:lightRig rig="threePt" dir="t"/>
+    </dgm:scene3d>
+    <dgm:sp3d/>
+    <dgm:txPr/>
+    <dgm:style>
+      <a:lnRef idx="2">
+        <a:scrgbClr r="0" g="0" b="0"/>
+      </a:lnRef>
+      <a:fillRef idx="1">
+        <a:scrgbClr r="0" g="0" b="0"/>
+      </a:fillRef>
+      <a:effectRef idx="0">
+        <a:scrgbClr r="0" g="0" b="0"/>
+      </a:effectRef>
+      <a:fontRef idx="minor"/>
+    </dgm:style>
+  </dgm:styleLbl>
+  <dgm:styleLbl name="trAlignAcc1">
+    <dgm:scene3d>
+      <a:camera prst="orthographicFront"/>
+      <a:lightRig rig="threePt" dir="t"/>
+    </dgm:scene3d>
+    <dgm:sp3d/>
+    <dgm:txPr/>
+    <dgm:style>
+      <a:lnRef idx="1">
+        <a:scrgbClr r="0" g="0" b="0"/>
+      </a:lnRef>
+      <a:fillRef idx="1">
+        <a:scrgbClr r="0" g="0" b="0"/>
+      </a:fillRef>
+      <a:effectRef idx="0">
+        <a:scrgbClr r="0" g="0" b="0"/>
+      </a:effectRef>
+      <a:fontRef idx="minor"/>
+    </dgm:style>
+  </dgm:styleLbl>
+  <dgm:styleLbl name="bgAcc1">
+    <dgm:scene3d>
+      <a:camera prst="orthographicFront"/>
+      <a:lightRig rig="threePt" dir="t"/>
+    </dgm:scene3d>
+    <dgm:sp3d/>
+    <dgm:txPr/>
+    <dgm:style>
+      <a:lnRef idx="2">
+        <a:scrgbClr r="0" g="0" b="0"/>
+      </a:lnRef>
+      <a:fillRef idx="1">
+        <a:scrgbClr r="0" g="0" b="0"/>
+      </a:fillRef>
+      <a:effectRef idx="0">
+        <a:scrgbClr r="0" g="0" b="0"/>
+      </a:effectRef>
+      <a:fontRef idx="minor"/>
+    </dgm:style>
+  </dgm:styleLbl>
+  <dgm:styleLbl name="solidFgAcc1">
+    <dgm:scene3d>
+      <a:camera prst="orthographicFront"/>
+      <a:lightRig rig="threePt" dir="t"/>
+    </dgm:scene3d>
+    <dgm:sp3d/>
+    <dgm:txPr/>
+    <dgm:style>
+      <a:lnRef idx="2">
+        <a:scrgbClr r="0" g="0" b="0"/>
+      </a:lnRef>
+      <a:fillRef idx="1">
+        <a:scrgbClr r="0" g="0" b="0"/>
+      </a:fillRef>
+      <a:effectRef idx="0">
+        <a:scrgbClr r="0" g="0" b="0"/>
+      </a:effectRef>
+      <a:fontRef idx="minor"/>
+    </dgm:style>
+  </dgm:styleLbl>
+  <dgm:styleLbl name="solidAlignAcc1">
+    <dgm:scene3d>
+      <a:camera prst="orthographicFront"/>
+      <a:lightRig rig="threePt" dir="t"/>
+    </dgm:scene3d>
+    <dgm:sp3d/>
+    <dgm:txPr/>
+    <dgm:style>
+      <a:lnRef idx="2">
+        <a:scrgbClr r="0" g="0" b="0"/>
+      </a:lnRef>
+      <a:fillRef idx="1">
+        <a:scrgbClr r="0" g="0" b="0"/>
+      </a:fillRef>
+      <a:effectRef idx="0">
+        <a:scrgbClr r="0" g="0" b="0"/>
+      </a:effectRef>
+      <a:fontRef idx="minor"/>
+    </dgm:style>
+  </dgm:styleLbl>
+  <dgm:styleLbl name="solidBgAcc1">
+    <dgm:scene3d>
+      <a:camera prst="orthographicFront"/>
+      <a:lightRig rig="threePt" dir="t"/>
+    </dgm:scene3d>
+    <dgm:sp3d/>
+    <dgm:txPr/>
+    <dgm:style>
+      <a:lnRef idx="2">
+        <a:scrgbClr r="0" g="0" b="0"/>
+      </a:lnRef>
+      <a:fillRef idx="1">
+        <a:scrgbClr r="0" g="0" b="0"/>
+      </a:fillRef>
+      <a:effectRef idx="0">
+        <a:scrgbClr r="0" g="0" b="0"/>
+      </a:effectRef>
+      <a:fontRef idx="minor"/>
+    </dgm:style>
+  </dgm:styleLbl>
+  <dgm:styleLbl name="fgAccFollowNode1">
+    <dgm:scene3d>
+      <a:camera prst="orthographicFront"/>
+      <a:lightRig rig="threePt" dir="t"/>
+    </dgm:scene3d>
+    <dgm:sp3d/>
+    <dgm:txPr/>
+    <dgm:style>
+      <a:lnRef idx="2">
+        <a:scrgbClr r="0" g="0" b="0"/>
+      </a:lnRef>
+      <a:fillRef idx="1">
+        <a:scrgbClr r="0" g="0" b="0"/>
+      </a:fillRef>
+      <a:effectRef idx="0">
+        <a:scrgbClr r="0" g="0" b="0"/>
+      </a:effectRef>
+      <a:fontRef idx="minor"/>
+    </dgm:style>
+  </dgm:styleLbl>
+  <dgm:styleLbl name="alignAccFollowNode1">
+    <dgm:scene3d>
+      <a:camera prst="orthographicFront"/>
+      <a:lightRig rig="threePt" dir="t"/>
+    </dgm:scene3d>
+    <dgm:sp3d/>
+    <dgm:txPr/>
+    <dgm:style>
+      <a:lnRef idx="2">
+        <a:scrgbClr r="0" g="0" b="0"/>
+      </a:lnRef>
+      <a:fillRef idx="1">
+        <a:scrgbClr r="0" g="0" b="0"/>
+      </a:fillRef>
+      <a:effectRef idx="0">
+        <a:scrgbClr r="0" g="0" b="0"/>
+      </a:effectRef>
+      <a:fontRef idx="minor"/>
+    </dgm:style>
+  </dgm:styleLbl>
+  <dgm:styleLbl name="bgAccFollowNode1">
+    <dgm:scene3d>
+      <a:camera prst="orthographicFront"/>
+      <a:lightRig rig="threePt" dir="t"/>
+    </dgm:scene3d>
+    <dgm:sp3d/>
+    <dgm:txPr/>
+    <dgm:style>
+      <a:lnRef idx="2">
+        <a:scrgbClr r="0" g="0" b="0"/>
+      </a:lnRef>
+      <a:fillRef idx="1">
+        <a:scrgbClr r="0" g="0" b="0"/>
+      </a:fillRef>
+      <a:effectRef idx="0">
+        <a:scrgbClr r="0" g="0" b="0"/>
+      </a:effectRef>
+      <a:fontRef idx="minor"/>
+    </dgm:style>
+  </dgm:styleLbl>
+  <dgm:styleLbl name="fgAcc0">
+    <dgm:scene3d>
+      <a:camera prst="orthographicFront"/>
+      <a:lightRig rig="threePt" dir="t"/>
+    </dgm:scene3d>
+    <dgm:sp3d/>
+    <dgm:txPr/>
+    <dgm:style>
+      <a:lnRef idx="2">
+        <a:scrgbClr r="0" g="0" b="0"/>
+      </a:lnRef>
+      <a:fillRef idx="1">
+        <a:scrgbClr r="0" g="0" b="0"/>
+      </a:fillRef>
+      <a:effectRef idx="0">
+        <a:scrgbClr r="0" g="0" b="0"/>
+      </a:effectRef>
+      <a:fontRef idx="minor"/>
+    </dgm:style>
+  </dgm:styleLbl>
+  <dgm:styleLbl name="fgAcc2">
+    <dgm:scene3d>
+      <a:camera prst="orthographicFront"/>
+      <a:lightRig rig="threePt" dir="t"/>
+    </dgm:scene3d>
+    <dgm:sp3d/>
+    <dgm:txPr/>
+    <dgm:style>
+      <a:lnRef idx="2">
+        <a:scrgbClr r="0" g="0" b="0"/>
+      </a:lnRef>
+      <a:fillRef idx="1">
+        <a:scrgbClr r="0" g="0" b="0"/>
+      </a:fillRef>
+      <a:effectRef idx="0">
+        <a:scrgbClr r="0" g="0" b="0"/>
+      </a:effectRef>
+      <a:fontRef idx="minor"/>
+    </dgm:style>
+  </dgm:styleLbl>
+  <dgm:styleLbl name="fgAcc3">
+    <dgm:scene3d>
+      <a:camera prst="orthographicFront"/>
+      <a:lightRig rig="threePt" dir="t"/>
+    </dgm:scene3d>
+    <dgm:sp3d/>
+    <dgm:txPr/>
+    <dgm:style>
+      <a:lnRef idx="2">
+        <a:scrgbClr r="0" g="0" b="0"/>
+      </a:lnRef>
+      <a:fillRef idx="1">
+        <a:scrgbClr r="0" g="0" b="0"/>
+      </a:fillRef>
+      <a:effectRef idx="0">
+        <a:scrgbClr r="0" g="0" b="0"/>
+      </a:effectRef>
+      <a:fontRef idx="minor"/>
+    </dgm:style>
+  </dgm:styleLbl>
+  <dgm:styleLbl name="fgAcc4">
+    <dgm:scene3d>
+      <a:camera prst="orthographicFront"/>
+      <a:lightRig rig="threePt" dir="t"/>
+    </dgm:scene3d>
+    <dgm:sp3d/>
+    <dgm:txPr/>
+    <dgm:style>
+      <a:lnRef idx="2">
+        <a:scrgbClr r="0" g="0" b="0"/>
+      </a:lnRef>
+      <a:fillRef idx="1">
+        <a:scrgbClr r="0" g="0" b="0"/>
+      </a:fillRef>
+      <a:effectRef idx="0">
+        <a:scrgbClr r="0" g="0" b="0"/>
+      </a:effectRef>
+      <a:fontRef idx="minor"/>
+    </dgm:style>
+  </dgm:styleLbl>
+  <dgm:styleLbl name="bgShp">
+    <dgm:scene3d>
+      <a:camera prst="orthographicFront"/>
+      <a:lightRig rig="threePt" dir="t"/>
+    </dgm:scene3d>
+    <dgm:sp3d/>
+    <dgm:txPr/>
+    <dgm:style>
+      <a:lnRef idx="0">
+        <a:scrgbClr r="0" g="0" b="0"/>
+      </a:lnRef>
+      <a:fillRef idx="1">
+        <a:scrgbClr r="0" g="0" b="0"/>
+      </a:fillRef>
+      <a:effectRef idx="0">
+        <a:scrgbClr r="0" g="0" b="0"/>
+      </a:effectRef>
+      <a:fontRef idx="minor"/>
+    </dgm:style>
+  </dgm:styleLbl>
+  <dgm:styleLbl name="dkBgShp">
+    <dgm:scene3d>
+      <a:camera prst="orthographicFront"/>
+      <a:lightRig rig="threePt" dir="t"/>
+    </dgm:scene3d>
+    <dgm:sp3d/>
+    <dgm:txPr/>
+    <dgm:style>
+      <a:lnRef idx="0">
+        <a:scrgbClr r="0" g="0" b="0"/>
+      </a:lnRef>
+      <a:fillRef idx="1">
+        <a:scrgbClr r="0" g="0" b="0"/>
+      </a:fillRef>
+      <a:effectRef idx="0">
+        <a:scrgbClr r="0" g="0" b="0"/>
+      </a:effectRef>
+      <a:fontRef idx="minor"/>
+    </dgm:style>
+  </dgm:styleLbl>
+  <dgm:styleLbl name="trBgShp">
+    <dgm:scene3d>
+      <a:camera prst="orthographicFront"/>
+      <a:lightRig rig="threePt" dir="t"/>
+    </dgm:scene3d>
+    <dgm:sp3d/>
+    <dgm:txPr/>
+    <dgm:style>
+      <a:lnRef idx="0">
+        <a:scrgbClr r="0" g="0" b="0"/>
+      </a:lnRef>
+      <a:fillRef idx="1">
+        <a:scrgbClr r="0" g="0" b="0"/>
+      </a:fillRef>
+      <a:effectRef idx="0">
+        <a:scrgbClr r="0" g="0" b="0"/>
+      </a:effectRef>
+      <a:fontRef idx="minor"/>
+    </dgm:style>
+  </dgm:styleLbl>
+  <dgm:styleLbl name="fgShp">
+    <dgm:scene3d>
+      <a:camera prst="orthographicFront"/>
+      <a:lightRig rig="threePt" dir="t"/>
+    </dgm:scene3d>
+    <dgm:sp3d/>
+    <dgm:txPr/>
+    <dgm:style>
+      <a:lnRef idx="2">
+        <a:scrgbClr r="0" g="0" b="0"/>
+      </a:lnRef>
+      <a:fillRef idx="1">
+        <a:scrgbClr r="0" g="0" b="0"/>
+      </a:fillRef>
+      <a:effectRef idx="0">
+        <a:scrgbClr r="0" g="0" b="0"/>
+      </a:effectRef>
+      <a:fontRef idx="minor"/>
+    </dgm:style>
+  </dgm:styleLbl>
+  <dgm:styleLbl name="revTx">
+    <dgm:scene3d>
+      <a:camera prst="orthographicFront"/>
+      <a:lightRig rig="threePt" dir="t"/>
+    </dgm:scene3d>
+    <dgm:sp3d/>
+    <dgm:txPr/>
+    <dgm:style>
+      <a:lnRef idx="0">
+        <a:scrgbClr r="0" g="0" b="0"/>
+      </a:lnRef>
+      <a:fillRef idx="0">
+        <a:scrgbClr r="0" g="0" b="0"/>
+      </a:fillRef>
+      <a:effectRef idx="0">
+        <a:scrgbClr r="0" g="0" b="0"/>
+      </a:effectRef>
+      <a:fontRef idx="minor"/>
+    </dgm:style>
+  </dgm:styleLbl>
+</dgm:styleDef>
+</file>
+
+<file path=ppt/diagrams/quickStyle2.xml><?xml version="1.0" encoding="utf-8"?>
+<dgm:styleDef xmlns:dgm="http://schemas.openxmlformats.org/drawingml/2006/diagram" xmlns:a="http://schemas.openxmlformats.org/drawingml/2006/main" uniqueId="urn:microsoft.com/office/officeart/2005/8/quickstyle/simple1">
+  <dgm:title val=""/>
+  <dgm:desc val=""/>
+  <dgm:catLst>
+    <dgm:cat type="simple" pri="10100"/>
+  </dgm:catLst>
+  <dgm:scene3d>
+    <a:camera prst="orthographicFront"/>
+    <a:lightRig rig="threePt" dir="t"/>
+  </dgm:scene3d>
+  <dgm:styleLbl name="node0">
+    <dgm:scene3d>
+      <a:camera prst="orthographicFront"/>
+      <a:lightRig rig="threePt" dir="t"/>
+    </dgm:scene3d>
+    <dgm:sp3d/>
+    <dgm:txPr/>
+    <dgm:style>
+      <a:lnRef idx="2">
+        <a:scrgbClr r="0" g="0" b="0"/>
+      </a:lnRef>
+      <a:fillRef idx="1">
+        <a:scrgbClr r="0" g="0" b="0"/>
+      </a:fillRef>
+      <a:effectRef idx="0">
+        <a:scrgbClr r="0" g="0" b="0"/>
+      </a:effectRef>
+      <a:fontRef idx="minor">
+        <a:schemeClr val="lt1"/>
+      </a:fontRef>
+    </dgm:style>
+  </dgm:styleLbl>
+  <dgm:styleLbl name="lnNode1">
+    <dgm:scene3d>
+      <a:camera prst="orthographicFront"/>
+      <a:lightRig rig="threePt" dir="t"/>
+    </dgm:scene3d>
+    <dgm:sp3d/>
+    <dgm:txPr/>
+    <dgm:style>
+      <a:lnRef idx="2">
+        <a:scrgbClr r="0" g="0" b="0"/>
+      </a:lnRef>
+      <a:fillRef idx="1">
+        <a:scrgbClr r="0" g="0" b="0"/>
+      </a:fillRef>
+      <a:effectRef idx="0">
+        <a:scrgbClr r="0" g="0" b="0"/>
+      </a:effectRef>
+      <a:fontRef idx="minor">
+        <a:schemeClr val="lt1"/>
+      </a:fontRef>
+    </dgm:style>
+  </dgm:styleLbl>
+  <dgm:styleLbl name="vennNode1">
+    <dgm:scene3d>
+      <a:camera prst="orthographicFront"/>
+      <a:lightRig rig="threePt" dir="t"/>
+    </dgm:scene3d>
+    <dgm:sp3d/>
+    <dgm:txPr/>
+    <dgm:style>
+      <a:lnRef idx="2">
+        <a:scrgbClr r="0" g="0" b="0"/>
+      </a:lnRef>
+      <a:fillRef idx="1">
+        <a:scrgbClr r="0" g="0" b="0"/>
+      </a:fillRef>
+      <a:effectRef idx="0">
+        <a:scrgbClr r="0" g="0" b="0"/>
+      </a:effectRef>
+      <a:fontRef idx="minor">
+        <a:schemeClr val="tx1"/>
+      </a:fontRef>
+    </dgm:style>
+  </dgm:styleLbl>
+  <dgm:styleLbl name="alignNode1">
+    <dgm:scene3d>
+      <a:camera prst="orthographicFront"/>
+      <a:lightRig rig="threePt" dir="t"/>
+    </dgm:scene3d>
+    <dgm:sp3d/>
+    <dgm:txPr/>
+    <dgm:style>
+      <a:lnRef idx="2">
+        <a:scrgbClr r="0" g="0" b="0"/>
+      </a:lnRef>
+      <a:fillRef idx="1">
+        <a:scrgbClr r="0" g="0" b="0"/>
+      </a:fillRef>
+      <a:effectRef idx="0">
+        <a:scrgbClr r="0" g="0" b="0"/>
+      </a:effectRef>
+      <a:fontRef idx="minor">
+        <a:schemeClr val="lt1"/>
+      </a:fontRef>
+    </dgm:style>
+  </dgm:styleLbl>
+  <dgm:styleLbl name="node1">
+    <dgm:scene3d>
+      <a:camera prst="orthographicFront"/>
+      <a:lightRig rig="threePt" dir="t"/>
+    </dgm:scene3d>
+    <dgm:sp3d/>
+    <dgm:txPr/>
+    <dgm:style>
+      <a:lnRef idx="2">
+        <a:scrgbClr r="0" g="0" b="0"/>
+      </a:lnRef>
+      <a:fillRef idx="1">
+        <a:scrgbClr r="0" g="0" b="0"/>
+      </a:fillRef>
+      <a:effectRef idx="0">
+        <a:scrgbClr r="0" g="0" b="0"/>
+      </a:effectRef>
+      <a:fontRef idx="minor">
+        <a:schemeClr val="lt1"/>
+      </a:fontRef>
+    </dgm:style>
+  </dgm:styleLbl>
+  <dgm:styleLbl name="node2">
+    <dgm:scene3d>
+      <a:camera prst="orthographicFront"/>
+      <a:lightRig rig="threePt" dir="t"/>
+    </dgm:scene3d>
+    <dgm:sp3d/>
+    <dgm:txPr/>
+    <dgm:style>
+      <a:lnRef idx="2">
+        <a:scrgbClr r="0" g="0" b="0"/>
+      </a:lnRef>
+      <a:fillRef idx="1">
+        <a:scrgbClr r="0" g="0" b="0"/>
+      </a:fillRef>
+      <a:effectRef idx="0">
+        <a:scrgbClr r="0" g="0" b="0"/>
+      </a:effectRef>
+      <a:fontRef idx="minor">
+        <a:schemeClr val="lt1"/>
+      </a:fontRef>
+    </dgm:style>
+  </dgm:styleLbl>
+  <dgm:styleLbl name="node3">
+    <dgm:scene3d>
+      <a:camera prst="orthographicFront"/>
+      <a:lightRig rig="threePt" dir="t"/>
+    </dgm:scene3d>
+    <dgm:sp3d/>
+    <dgm:txPr/>
+    <dgm:style>
+      <a:lnRef idx="2">
+        <a:scrgbClr r="0" g="0" b="0"/>
+      </a:lnRef>
+      <a:fillRef idx="1">
+        <a:scrgbClr r="0" g="0" b="0"/>
+      </a:fillRef>
+      <a:effectRef idx="0">
+        <a:scrgbClr r="0" g="0" b="0"/>
+      </a:effectRef>
+      <a:fontRef idx="minor">
+        <a:schemeClr val="lt1"/>
+      </a:fontRef>
+    </dgm:style>
+  </dgm:styleLbl>
+  <dgm:styleLbl name="node4">
+    <dgm:scene3d>
+      <a:camera prst="orthographicFront"/>
+      <a:lightRig rig="threePt" dir="t"/>
+    </dgm:scene3d>
+    <dgm:sp3d/>
+    <dgm:txPr/>
+    <dgm:style>
+      <a:lnRef idx="2">
+        <a:scrgbClr r="0" g="0" b="0"/>
+      </a:lnRef>
+      <a:fillRef idx="1">
+        <a:scrgbClr r="0" g="0" b="0"/>
+      </a:fillRef>
+      <a:effectRef idx="0">
+        <a:scrgbClr r="0" g="0" b="0"/>
+      </a:effectRef>
+      <a:fontRef idx="minor">
+        <a:schemeClr val="lt1"/>
+      </a:fontRef>
+    </dgm:style>
+  </dgm:styleLbl>
+  <dgm:styleLbl name="fgImgPlace1">
+    <dgm:scene3d>
+      <a:camera prst="orthographicFront"/>
+      <a:lightRig rig="threePt" dir="t"/>
+    </dgm:scene3d>
+    <dgm:sp3d/>
+    <dgm:txPr/>
+    <dgm:style>
+      <a:lnRef idx="2">
+        <a:scrgbClr r="0" g="0" b="0"/>
+      </a:lnRef>
+      <a:fillRef idx="1">
+        <a:scrgbClr r="0" g="0" b="0"/>
+      </a:fillRef>
+      <a:effectRef idx="0">
+        <a:scrgbClr r="0" g="0" b="0"/>
+      </a:effectRef>
+      <a:fontRef idx="minor"/>
+    </dgm:style>
+  </dgm:styleLbl>
+  <dgm:styleLbl name="alignImgPlace1">
+    <dgm:scene3d>
+      <a:camera prst="orthographicFront"/>
+      <a:lightRig rig="threePt" dir="t"/>
+    </dgm:scene3d>
+    <dgm:sp3d/>
+    <dgm:txPr/>
+    <dgm:style>
+      <a:lnRef idx="2">
+        <a:scrgbClr r="0" g="0" b="0"/>
+      </a:lnRef>
+      <a:fillRef idx="1">
+        <a:scrgbClr r="0" g="0" b="0"/>
+      </a:fillRef>
+      <a:effectRef idx="0">
+        <a:scrgbClr r="0" g="0" b="0"/>
+      </a:effectRef>
+      <a:fontRef idx="minor"/>
+    </dgm:style>
+  </dgm:styleLbl>
+  <dgm:styleLbl name="bgImgPlace1">
+    <dgm:scene3d>
+      <a:camera prst="orthographicFront"/>
+      <a:lightRig rig="threePt" dir="t"/>
+    </dgm:scene3d>
+    <dgm:sp3d/>
+    <dgm:txPr/>
+    <dgm:style>
+      <a:lnRef idx="2">
+        <a:scrgbClr r="0" g="0" b="0"/>
+      </a:lnRef>
+      <a:fillRef idx="1">
+        <a:scrgbClr r="0" g="0" b="0"/>
+      </a:fillRef>
+      <a:effectRef idx="0">
+        <a:scrgbClr r="0" g="0" b="0"/>
+      </a:effectRef>
+      <a:fontRef idx="minor"/>
+    </dgm:style>
+  </dgm:styleLbl>
+  <dgm:styleLbl name="sibTrans2D1">
+    <dgm:scene3d>
+      <a:camera prst="orthographicFront"/>
+      <a:lightRig rig="threePt" dir="t"/>
+    </dgm:scene3d>
+    <dgm:sp3d/>
+    <dgm:txPr/>
+    <dgm:style>
+      <a:lnRef idx="0">
+        <a:scrgbClr r="0" g="0" b="0"/>
+      </a:lnRef>
+      <a:fillRef idx="1">
+        <a:scrgbClr r="0" g="0" b="0"/>
+      </a:fillRef>
+      <a:effectRef idx="0">
+        <a:scrgbClr r="0" g="0" b="0"/>
+      </a:effectRef>
+      <a:fontRef idx="minor">
+        <a:schemeClr val="lt1"/>
+      </a:fontRef>
+    </dgm:style>
+  </dgm:styleLbl>
+  <dgm:styleLbl name="fgSibTrans2D1">
+    <dgm:scene3d>
+      <a:camera prst="orthographicFront"/>
+      <a:lightRig rig="threePt" dir="t"/>
+    </dgm:scene3d>
+    <dgm:sp3d/>
+    <dgm:txPr/>
+    <dgm:style>
+      <a:lnRef idx="0">
+        <a:scrgbClr r="0" g="0" b="0"/>
+      </a:lnRef>
+      <a:fillRef idx="1">
+        <a:scrgbClr r="0" g="0" b="0"/>
+      </a:fillRef>
+      <a:effectRef idx="0">
+        <a:scrgbClr r="0" g="0" b="0"/>
+      </a:effectRef>
+      <a:fontRef idx="minor">
+        <a:schemeClr val="lt1"/>
+      </a:fontRef>
+    </dgm:style>
+  </dgm:styleLbl>
+  <dgm:styleLbl name="bgSibTrans2D1">
+    <dgm:scene3d>
+      <a:camera prst="orthographicFront"/>
+      <a:lightRig rig="threePt" dir="t"/>
+    </dgm:scene3d>
+    <dgm:sp3d/>
+    <dgm:txPr/>
+    <dgm:style>
+      <a:lnRef idx="0">
+        <a:scrgbClr r="0" g="0" b="0"/>
+      </a:lnRef>
+      <a:fillRef idx="1">
+        <a:scrgbClr r="0" g="0" b="0"/>
+      </a:fillRef>
+      <a:effectRef idx="0">
+        <a:scrgbClr r="0" g="0" b="0"/>
+      </a:effectRef>
+      <a:fontRef idx="minor">
+        <a:schemeClr val="lt1"/>
+      </a:fontRef>
+    </dgm:style>
+  </dgm:styleLbl>
+  <dgm:styleLbl name="sibTrans1D1">
+    <dgm:scene3d>
+      <a:camera prst="orthographicFront"/>
+      <a:lightRig rig="threePt" dir="t"/>
+    </dgm:scene3d>
+    <dgm:sp3d/>
+    <dgm:txPr/>
+    <dgm:style>
+      <a:lnRef idx="1">
+        <a:scrgbClr r="0" g="0" b="0"/>
+      </a:lnRef>
+      <a:fillRef idx="0">
+        <a:scrgbClr r="0" g="0" b="0"/>
+      </a:fillRef>
+      <a:effectRef idx="0">
+        <a:scrgbClr r="0" g="0" b="0"/>
+      </a:effectRef>
+      <a:fontRef idx="minor"/>
+    </dgm:style>
+  </dgm:styleLbl>
+  <dgm:styleLbl name="callout">
+    <dgm:scene3d>
+      <a:camera prst="orthographicFront"/>
+      <a:lightRig rig="threePt" dir="t"/>
+    </dgm:scene3d>
+    <dgm:sp3d/>
+    <dgm:txPr/>
+    <dgm:style>
+      <a:lnRef idx="2">
+        <a:scrgbClr r="0" g="0" b="0"/>
+      </a:lnRef>
+      <a:fillRef idx="1">
+        <a:scrgbClr r="0" g="0" b="0"/>
+      </a:fillRef>
+      <a:effectRef idx="0">
+        <a:scrgbClr r="0" g="0" b="0"/>
+      </a:effectRef>
+      <a:fontRef idx="minor"/>
+    </dgm:style>
+  </dgm:styleLbl>
+  <dgm:styleLbl name="asst0">
+    <dgm:scene3d>
+      <a:camera prst="orthographicFront"/>
+      <a:lightRig rig="threePt" dir="t"/>
+    </dgm:scene3d>
+    <dgm:sp3d/>
+    <dgm:txPr/>
+    <dgm:style>
+      <a:lnRef idx="2">
+        <a:scrgbClr r="0" g="0" b="0"/>
+      </a:lnRef>
+      <a:fillRef idx="1">
+        <a:scrgbClr r="0" g="0" b="0"/>
+      </a:fillRef>
+      <a:effectRef idx="0">
+        <a:scrgbClr r="0" g="0" b="0"/>
+      </a:effectRef>
+      <a:fontRef idx="minor">
+        <a:schemeClr val="lt1"/>
+      </a:fontRef>
+    </dgm:style>
+  </dgm:styleLbl>
+  <dgm:styleLbl name="asst1">
+    <dgm:scene3d>
+      <a:camera prst="orthographicFront"/>
+      <a:lightRig rig="threePt" dir="t"/>
+    </dgm:scene3d>
+    <dgm:sp3d/>
+    <dgm:txPr/>
+    <dgm:style>
+      <a:lnRef idx="2">
+        <a:scrgbClr r="0" g="0" b="0"/>
+      </a:lnRef>
+      <a:fillRef idx="1">
+        <a:scrgbClr r="0" g="0" b="0"/>
+      </a:fillRef>
+      <a:effectRef idx="0">
+        <a:scrgbClr r="0" g="0" b="0"/>
+      </a:effectRef>
+      <a:fontRef idx="minor">
+        <a:schemeClr val="lt1"/>
+      </a:fontRef>
+    </dgm:style>
+  </dgm:styleLbl>
+  <dgm:styleLbl name="asst2">
+    <dgm:scene3d>
+      <a:camera prst="orthographicFront"/>
+      <a:lightRig rig="threePt" dir="t"/>
+    </dgm:scene3d>
+    <dgm:sp3d/>
+    <dgm:txPr/>
+    <dgm:style>
+      <a:lnRef idx="2">
+        <a:scrgbClr r="0" g="0" b="0"/>
+      </a:lnRef>
+      <a:fillRef idx="1">
+        <a:scrgbClr r="0" g="0" b="0"/>
+      </a:fillRef>
+      <a:effectRef idx="0">
+        <a:scrgbClr r="0" g="0" b="0"/>
+      </a:effectRef>
+      <a:fontRef idx="minor">
+        <a:schemeClr val="lt1"/>
+      </a:fontRef>
+    </dgm:style>
+  </dgm:styleLbl>
+  <dgm:styleLbl name="asst3">
+    <dgm:scene3d>
+      <a:camera prst="orthographicFront"/>
+      <a:lightRig rig="threePt" dir="t"/>
+    </dgm:scene3d>
+    <dgm:sp3d/>
+    <dgm:txPr/>
+    <dgm:style>
+      <a:lnRef idx="2">
+        <a:scrgbClr r="0" g="0" b="0"/>
+      </a:lnRef>
+      <a:fillRef idx="1">
+        <a:scrgbClr r="0" g="0" b="0"/>
+      </a:fillRef>
+      <a:effectRef idx="0">
+        <a:scrgbClr r="0" g="0" b="0"/>
+      </a:effectRef>
+      <a:fontRef idx="minor">
+        <a:schemeClr val="lt1"/>
+      </a:fontRef>
+    </dgm:style>
+  </dgm:styleLbl>
+  <dgm:styleLbl name="asst4">
+    <dgm:scene3d>
+      <a:camera prst="orthographicFront"/>
+      <a:lightRig rig="threePt" dir="t"/>
+    </dgm:scene3d>
+    <dgm:sp3d/>
+    <dgm:txPr/>
+    <dgm:style>
+      <a:lnRef idx="2">
+        <a:scrgbClr r="0" g="0" b="0"/>
+      </a:lnRef>
+      <a:fillRef idx="1">
+        <a:scrgbClr r="0" g="0" b="0"/>
+      </a:fillRef>
+      <a:effectRef idx="0">
+        <a:scrgbClr r="0" g="0" b="0"/>
+      </a:effectRef>
+      <a:fontRef idx="minor">
+        <a:schemeClr val="lt1"/>
+      </a:fontRef>
+    </dgm:style>
+  </dgm:styleLbl>
+  <dgm:styleLbl name="parChTrans2D1">
+    <dgm:scene3d>
+      <a:camera prst="orthographicFront"/>
+      <a:lightRig rig="threePt" dir="t"/>
+    </dgm:scene3d>
+    <dgm:sp3d/>
+    <dgm:txPr/>
+    <dgm:style>
+      <a:lnRef idx="2">
+        <a:scrgbClr r="0" g="0" b="0"/>
+      </a:lnRef>
+      <a:fillRef idx="1">
+        <a:scrgbClr r="0" g="0" b="0"/>
+      </a:fillRef>
+      <a:effectRef idx="0">
+        <a:scrgbClr r="0" g="0" b="0"/>
+      </a:effectRef>
+      <a:fontRef idx="minor">
+        <a:schemeClr val="lt1"/>
+      </a:fontRef>
+    </dgm:style>
+  </dgm:styleLbl>
+  <dgm:styleLbl name="parChTrans2D2">
+    <dgm:scene3d>
+      <a:camera prst="orthographicFront"/>
+      <a:lightRig rig="threePt" dir="t"/>
+    </dgm:scene3d>
+    <dgm:sp3d/>
+    <dgm:txPr/>
+    <dgm:style>
+      <a:lnRef idx="2">
+        <a:scrgbClr r="0" g="0" b="0"/>
+      </a:lnRef>
+      <a:fillRef idx="1">
+        <a:scrgbClr r="0" g="0" b="0"/>
+      </a:fillRef>
+      <a:effectRef idx="0">
+        <a:scrgbClr r="0" g="0" b="0"/>
+      </a:effectRef>
+      <a:fontRef idx="minor">
+        <a:schemeClr val="lt1"/>
+      </a:fontRef>
+    </dgm:style>
+  </dgm:styleLbl>
+  <dgm:styleLbl name="parChTrans2D3">
+    <dgm:scene3d>
+      <a:camera prst="orthographicFront"/>
+      <a:lightRig rig="threePt" dir="t"/>
+    </dgm:scene3d>
+    <dgm:sp3d/>
+    <dgm:txPr/>
+    <dgm:style>
+      <a:lnRef idx="2">
+        <a:scrgbClr r="0" g="0" b="0"/>
+      </a:lnRef>
+      <a:fillRef idx="1">
+        <a:scrgbClr r="0" g="0" b="0"/>
+      </a:fillRef>
+      <a:effectRef idx="0">
+        <a:scrgbClr r="0" g="0" b="0"/>
+      </a:effectRef>
+      <a:fontRef idx="minor">
+        <a:schemeClr val="lt1"/>
+      </a:fontRef>
+    </dgm:style>
+  </dgm:styleLbl>
+  <dgm:styleLbl name="parChTrans2D4">
+    <dgm:scene3d>
+      <a:camera prst="orthographicFront"/>
+      <a:lightRig rig="threePt" dir="t"/>
+    </dgm:scene3d>
+    <dgm:sp3d/>
+    <dgm:txPr/>
+    <dgm:style>
+      <a:lnRef idx="2">
+        <a:scrgbClr r="0" g="0" b="0"/>
+      </a:lnRef>
+      <a:fillRef idx="1">
+        <a:scrgbClr r="0" g="0" b="0"/>
+      </a:fillRef>
+      <a:effectRef idx="0">
+        <a:scrgbClr r="0" g="0" b="0"/>
+      </a:effectRef>
+      <a:fontRef idx="minor">
+        <a:schemeClr val="lt1"/>
+      </a:fontRef>
+    </dgm:style>
+  </dgm:styleLbl>
+  <dgm:styleLbl name="parChTrans1D1">
+    <dgm:scene3d>
+      <a:camera prst="orthographicFront"/>
+      <a:lightRig rig="threePt" dir="t"/>
+    </dgm:scene3d>
+    <dgm:sp3d/>
+    <dgm:txPr/>
+    <dgm:style>
+      <a:lnRef idx="2">
+        <a:scrgbClr r="0" g="0" b="0"/>
+      </a:lnRef>
+      <a:fillRef idx="0">
+        <a:scrgbClr r="0" g="0" b="0"/>
+      </a:fillRef>
+      <a:effectRef idx="0">
+        <a:scrgbClr r="0" g="0" b="0"/>
+      </a:effectRef>
+      <a:fontRef idx="minor"/>
+    </dgm:style>
+  </dgm:styleLbl>
+  <dgm:styleLbl name="parChTrans1D2">
+    <dgm:scene3d>
+      <a:camera prst="orthographicFront"/>
+      <a:lightRig rig="threePt" dir="t"/>
+    </dgm:scene3d>
+    <dgm:sp3d/>
+    <dgm:txPr/>
+    <dgm:style>
+      <a:lnRef idx="2">
+        <a:scrgbClr r="0" g="0" b="0"/>
+      </a:lnRef>
+      <a:fillRef idx="0">
+        <a:scrgbClr r="0" g="0" b="0"/>
+      </a:fillRef>
+      <a:effectRef idx="0">
+        <a:scrgbClr r="0" g="0" b="0"/>
+      </a:effectRef>
+      <a:fontRef idx="minor"/>
+    </dgm:style>
+  </dgm:styleLbl>
+  <dgm:styleLbl name="parChTrans1D3">
+    <dgm:scene3d>
+      <a:camera prst="orthographicFront"/>
+      <a:lightRig rig="threePt" dir="t"/>
+    </dgm:scene3d>
+    <dgm:sp3d/>
+    <dgm:txPr/>
+    <dgm:style>
+      <a:lnRef idx="2">
+        <a:scrgbClr r="0" g="0" b="0"/>
+      </a:lnRef>
+      <a:fillRef idx="0">
+        <a:scrgbClr r="0" g="0" b="0"/>
+      </a:fillRef>
+      <a:effectRef idx="0">
+        <a:scrgbClr r="0" g="0" b="0"/>
+      </a:effectRef>
+      <a:fontRef idx="minor"/>
+    </dgm:style>
+  </dgm:styleLbl>
+  <dgm:styleLbl name="parChTrans1D4">
+    <dgm:scene3d>
+      <a:camera prst="orthographicFront"/>
+      <a:lightRig rig="threePt" dir="t"/>
+    </dgm:scene3d>
+    <dgm:sp3d/>
+    <dgm:txPr/>
+    <dgm:style>
+      <a:lnRef idx="2">
+        <a:scrgbClr r="0" g="0" b="0"/>
+      </a:lnRef>
+      <a:fillRef idx="0">
+        <a:scrgbClr r="0" g="0" b="0"/>
+      </a:fillRef>
+      <a:effectRef idx="0">
+        <a:scrgbClr r="0" g="0" b="0"/>
+      </a:effectRef>
+      <a:fontRef idx="minor"/>
+    </dgm:style>
+  </dgm:styleLbl>
+  <dgm:styleLbl name="fgAcc1">
+    <dgm:scene3d>
+      <a:camera prst="orthographicFront"/>
+      <a:lightRig rig="threePt" dir="t"/>
+    </dgm:scene3d>
+    <dgm:sp3d/>
+    <dgm:txPr/>
+    <dgm:style>
+      <a:lnRef idx="2">
+        <a:scrgbClr r="0" g="0" b="0"/>
+      </a:lnRef>
+      <a:fillRef idx="1">
+        <a:scrgbClr r="0" g="0" b="0"/>
+      </a:fillRef>
+      <a:effectRef idx="0">
+        <a:scrgbClr r="0" g="0" b="0"/>
+      </a:effectRef>
+      <a:fontRef idx="minor"/>
+    </dgm:style>
+  </dgm:styleLbl>
+  <dgm:styleLbl name="conFgAcc1">
+    <dgm:scene3d>
+      <a:camera prst="orthographicFront"/>
+      <a:lightRig rig="threePt" dir="t"/>
+    </dgm:scene3d>
+    <dgm:sp3d/>
+    <dgm:txPr/>
+    <dgm:style>
+      <a:lnRef idx="2">
+        <a:scrgbClr r="0" g="0" b="0"/>
+      </a:lnRef>
+      <a:fillRef idx="1">
+        <a:scrgbClr r="0" g="0" b="0"/>
+      </a:fillRef>
+      <a:effectRef idx="0">
+        <a:scrgbClr r="0" g="0" b="0"/>
+      </a:effectRef>
+      <a:fontRef idx="minor"/>
+    </dgm:style>
+  </dgm:styleLbl>
+  <dgm:styleLbl name="alignAcc1">
+    <dgm:scene3d>
+      <a:camera prst="orthographicFront"/>
+      <a:lightRig rig="threePt" dir="t"/>
+    </dgm:scene3d>
+    <dgm:sp3d/>
+    <dgm:txPr/>
+    <dgm:style>
+      <a:lnRef idx="2">
+        <a:scrgbClr r="0" g="0" b="0"/>
+      </a:lnRef>
+      <a:fillRef idx="1">
+        <a:scrgbClr r="0" g="0" b="0"/>
+      </a:fillRef>
+      <a:effectRef idx="0">
+        <a:scrgbClr r="0" g="0" b="0"/>
+      </a:effectRef>
+      <a:fontRef idx="minor"/>
+    </dgm:style>
+  </dgm:styleLbl>
+  <dgm:styleLbl name="trAlignAcc1">
+    <dgm:scene3d>
+      <a:camera prst="orthographicFront"/>
+      <a:lightRig rig="threePt" dir="t"/>
+    </dgm:scene3d>
+    <dgm:sp3d/>
+    <dgm:txPr/>
+    <dgm:style>
+      <a:lnRef idx="1">
+        <a:scrgbClr r="0" g="0" b="0"/>
+      </a:lnRef>
+      <a:fillRef idx="1">
+        <a:scrgbClr r="0" g="0" b="0"/>
+      </a:fillRef>
+      <a:effectRef idx="0">
+        <a:scrgbClr r="0" g="0" b="0"/>
+      </a:effectRef>
+      <a:fontRef idx="minor"/>
+    </dgm:style>
+  </dgm:styleLbl>
+  <dgm:styleLbl name="bgAcc1">
+    <dgm:scene3d>
+      <a:camera prst="orthographicFront"/>
+      <a:lightRig rig="threePt" dir="t"/>
+    </dgm:scene3d>
+    <dgm:sp3d/>
+    <dgm:txPr/>
+    <dgm:style>
+      <a:lnRef idx="2">
+        <a:scrgbClr r="0" g="0" b="0"/>
+      </a:lnRef>
+      <a:fillRef idx="1">
+        <a:scrgbClr r="0" g="0" b="0"/>
+      </a:fillRef>
+      <a:effectRef idx="0">
+        <a:scrgbClr r="0" g="0" b="0"/>
+      </a:effectRef>
+      <a:fontRef idx="minor"/>
+    </dgm:style>
+  </dgm:styleLbl>
+  <dgm:styleLbl name="solidFgAcc1">
+    <dgm:scene3d>
+      <a:camera prst="orthographicFront"/>
+      <a:lightRig rig="threePt" dir="t"/>
+    </dgm:scene3d>
+    <dgm:sp3d/>
+    <dgm:txPr/>
+    <dgm:style>
+      <a:lnRef idx="2">
+        <a:scrgbClr r="0" g="0" b="0"/>
+      </a:lnRef>
+      <a:fillRef idx="1">
+        <a:scrgbClr r="0" g="0" b="0"/>
+      </a:fillRef>
+      <a:effectRef idx="0">
+        <a:scrgbClr r="0" g="0" b="0"/>
+      </a:effectRef>
+      <a:fontRef idx="minor"/>
+    </dgm:style>
+  </dgm:styleLbl>
+  <dgm:styleLbl name="solidAlignAcc1">
+    <dgm:scene3d>
+      <a:camera prst="orthographicFront"/>
+      <a:lightRig rig="threePt" dir="t"/>
+    </dgm:scene3d>
+    <dgm:sp3d/>
+    <dgm:txPr/>
+    <dgm:style>
+      <a:lnRef idx="2">
+        <a:scrgbClr r="0" g="0" b="0"/>
+      </a:lnRef>
+      <a:fillRef idx="1">
+        <a:scrgbClr r="0" g="0" b="0"/>
+      </a:fillRef>
+      <a:effectRef idx="0">
+        <a:scrgbClr r="0" g="0" b="0"/>
+      </a:effectRef>
+      <a:fontRef idx="minor"/>
+    </dgm:style>
+  </dgm:styleLbl>
+  <dgm:styleLbl name="solidBgAcc1">
+    <dgm:scene3d>
+      <a:camera prst="orthographicFront"/>
+      <a:lightRig rig="threePt" dir="t"/>
+    </dgm:scene3d>
+    <dgm:sp3d/>
+    <dgm:txPr/>
+    <dgm:style>
+      <a:lnRef idx="2">
+        <a:scrgbClr r="0" g="0" b="0"/>
+      </a:lnRef>
+      <a:fillRef idx="1">
+        <a:scrgbClr r="0" g="0" b="0"/>
+      </a:fillRef>
+      <a:effectRef idx="0">
+        <a:scrgbClr r="0" g="0" b="0"/>
+      </a:effectRef>
+      <a:fontRef idx="minor"/>
+    </dgm:style>
+  </dgm:styleLbl>
+  <dgm:styleLbl name="fgAccFollowNode1">
+    <dgm:scene3d>
+      <a:camera prst="orthographicFront"/>
+      <a:lightRig rig="threePt" dir="t"/>
+    </dgm:scene3d>
+    <dgm:sp3d/>
+    <dgm:txPr/>
+    <dgm:style>
+      <a:lnRef idx="2">
+        <a:scrgbClr r="0" g="0" b="0"/>
+      </a:lnRef>
+      <a:fillRef idx="1">
+        <a:scrgbClr r="0" g="0" b="0"/>
+      </a:fillRef>
+      <a:effectRef idx="0">
+        <a:scrgbClr r="0" g="0" b="0"/>
+      </a:effectRef>
+      <a:fontRef idx="minor"/>
+    </dgm:style>
+  </dgm:styleLbl>
+  <dgm:styleLbl name="alignAccFollowNode1">
+    <dgm:scene3d>
+      <a:camera prst="orthographicFront"/>
+      <a:lightRig rig="threePt" dir="t"/>
+    </dgm:scene3d>
+    <dgm:sp3d/>
+    <dgm:txPr/>
+    <dgm:style>
+      <a:lnRef idx="2">
+        <a:scrgbClr r="0" g="0" b="0"/>
+      </a:lnRef>
+      <a:fillRef idx="1">
+        <a:scrgbClr r="0" g="0" b="0"/>
+      </a:fillRef>
+      <a:effectRef idx="0">
+        <a:scrgbClr r="0" g="0" b="0"/>
+      </a:effectRef>
+      <a:fontRef idx="minor"/>
+    </dgm:style>
+  </dgm:styleLbl>
+  <dgm:styleLbl name="bgAccFollowNode1">
+    <dgm:scene3d>
+      <a:camera prst="orthographicFront"/>
+      <a:lightRig rig="threePt" dir="t"/>
+    </dgm:scene3d>
+    <dgm:sp3d/>
+    <dgm:txPr/>
+    <dgm:style>
+      <a:lnRef idx="2">
+        <a:scrgbClr r="0" g="0" b="0"/>
+      </a:lnRef>
+      <a:fillRef idx="1">
+        <a:scrgbClr r="0" g="0" b="0"/>
+      </a:fillRef>
+      <a:effectRef idx="0">
+        <a:scrgbClr r="0" g="0" b="0"/>
+      </a:effectRef>
+      <a:fontRef idx="minor"/>
+    </dgm:style>
+  </dgm:styleLbl>
+  <dgm:styleLbl name="fgAcc0">
+    <dgm:scene3d>
+      <a:camera prst="orthographicFront"/>
+      <a:lightRig rig="threePt" dir="t"/>
+    </dgm:scene3d>
+    <dgm:sp3d/>
+    <dgm:txPr/>
+    <dgm:style>
+      <a:lnRef idx="2">
+        <a:scrgbClr r="0" g="0" b="0"/>
+      </a:lnRef>
+      <a:fillRef idx="1">
+        <a:scrgbClr r="0" g="0" b="0"/>
+      </a:fillRef>
+      <a:effectRef idx="0">
+        <a:scrgbClr r="0" g="0" b="0"/>
+      </a:effectRef>
+      <a:fontRef idx="minor"/>
+    </dgm:style>
+  </dgm:styleLbl>
+  <dgm:styleLbl name="fgAcc2">
+    <dgm:scene3d>
+      <a:camera prst="orthographicFront"/>
+      <a:lightRig rig="threePt" dir="t"/>
+    </dgm:scene3d>
+    <dgm:sp3d/>
+    <dgm:txPr/>
+    <dgm:style>
+      <a:lnRef idx="2">
+        <a:scrgbClr r="0" g="0" b="0"/>
+      </a:lnRef>
+      <a:fillRef idx="1">
+        <a:scrgbClr r="0" g="0" b="0"/>
+      </a:fillRef>
+      <a:effectRef idx="0">
+        <a:scrgbClr r="0" g="0" b="0"/>
+      </a:effectRef>
+      <a:fontRef idx="minor"/>
+    </dgm:style>
+  </dgm:styleLbl>
+  <dgm:styleLbl name="fgAcc3">
+    <dgm:scene3d>
+      <a:camera prst="orthographicFront"/>
+      <a:lightRig rig="threePt" dir="t"/>
+    </dgm:scene3d>
+    <dgm:sp3d/>
+    <dgm:txPr/>
+    <dgm:style>
+      <a:lnRef idx="2">
+        <a:scrgbClr r="0" g="0" b="0"/>
+      </a:lnRef>
+      <a:fillRef idx="1">
+        <a:scrgbClr r="0" g="0" b="0"/>
+      </a:fillRef>
+      <a:effectRef idx="0">
+        <a:scrgbClr r="0" g="0" b="0"/>
+      </a:effectRef>
+      <a:fontRef idx="minor"/>
+    </dgm:style>
+  </dgm:styleLbl>
+  <dgm:styleLbl name="fgAcc4">
+    <dgm:scene3d>
+      <a:camera prst="orthographicFront"/>
+      <a:lightRig rig="threePt" dir="t"/>
+    </dgm:scene3d>
+    <dgm:sp3d/>
+    <dgm:txPr/>
+    <dgm:style>
+      <a:lnRef idx="2">
+        <a:scrgbClr r="0" g="0" b="0"/>
+      </a:lnRef>
+      <a:fillRef idx="1">
+        <a:scrgbClr r="0" g="0" b="0"/>
+      </a:fillRef>
+      <a:effectRef idx="0">
+        <a:scrgbClr r="0" g="0" b="0"/>
+      </a:effectRef>
+      <a:fontRef idx="minor"/>
+    </dgm:style>
+  </dgm:styleLbl>
+  <dgm:styleLbl name="bgShp">
+    <dgm:scene3d>
+      <a:camera prst="orthographicFront"/>
+      <a:lightRig rig="threePt" dir="t"/>
+    </dgm:scene3d>
+    <dgm:sp3d/>
+    <dgm:txPr/>
+    <dgm:style>
+      <a:lnRef idx="0">
+        <a:scrgbClr r="0" g="0" b="0"/>
+      </a:lnRef>
+      <a:fillRef idx="1">
+        <a:scrgbClr r="0" g="0" b="0"/>
+      </a:fillRef>
+      <a:effectRef idx="0">
+        <a:scrgbClr r="0" g="0" b="0"/>
+      </a:effectRef>
+      <a:fontRef idx="minor"/>
+    </dgm:style>
+  </dgm:styleLbl>
+  <dgm:styleLbl name="dkBgShp">
+    <dgm:scene3d>
+      <a:camera prst="orthographicFront"/>
+      <a:lightRig rig="threePt" dir="t"/>
+    </dgm:scene3d>
+    <dgm:sp3d/>
+    <dgm:txPr/>
+    <dgm:style>
+      <a:lnRef idx="0">
+        <a:scrgbClr r="0" g="0" b="0"/>
+      </a:lnRef>
+      <a:fillRef idx="1">
+        <a:scrgbClr r="0" g="0" b="0"/>
+      </a:fillRef>
+      <a:effectRef idx="0">
+        <a:scrgbClr r="0" g="0" b="0"/>
+      </a:effectRef>
+      <a:fontRef idx="minor"/>
+    </dgm:style>
+  </dgm:styleLbl>
+  <dgm:styleLbl name="trBgShp">
+    <dgm:scene3d>
+      <a:camera prst="orthographicFront"/>
+      <a:lightRig rig="threePt" dir="t"/>
+    </dgm:scene3d>
+    <dgm:sp3d/>
+    <dgm:txPr/>
+    <dgm:style>
+      <a:lnRef idx="0">
+        <a:scrgbClr r="0" g="0" b="0"/>
+      </a:lnRef>
+      <a:fillRef idx="1">
+        <a:scrgbClr r="0" g="0" b="0"/>
+      </a:fillRef>
+      <a:effectRef idx="0">
+        <a:scrgbClr r="0" g="0" b="0"/>
+      </a:effectRef>
+      <a:fontRef idx="minor"/>
+    </dgm:style>
+  </dgm:styleLbl>
+  <dgm:styleLbl name="fgShp">
+    <dgm:scene3d>
+      <a:camera prst="orthographicFront"/>
+      <a:lightRig rig="threePt" dir="t"/>
+    </dgm:scene3d>
+    <dgm:sp3d/>
+    <dgm:txPr/>
+    <dgm:style>
+      <a:lnRef idx="2">
+        <a:scrgbClr r="0" g="0" b="0"/>
+      </a:lnRef>
+      <a:fillRef idx="1">
+        <a:scrgbClr r="0" g="0" b="0"/>
+      </a:fillRef>
+      <a:effectRef idx="0">
+        <a:scrgbClr r="0" g="0" b="0"/>
+      </a:effectRef>
+      <a:fontRef idx="minor"/>
+    </dgm:style>
+  </dgm:styleLbl>
+  <dgm:styleLbl name="revTx">
+    <dgm:scene3d>
+      <a:camera prst="orthographicFront"/>
+      <a:lightRig rig="threePt" dir="t"/>
+    </dgm:scene3d>
+    <dgm:sp3d/>
+    <dgm:txPr/>
+    <dgm:style>
+      <a:lnRef idx="0">
+        <a:scrgbClr r="0" g="0" b="0"/>
+      </a:lnRef>
+      <a:fillRef idx="0">
+        <a:scrgbClr r="0" g="0" b="0"/>
+      </a:fillRef>
+      <a:effectRef idx="0">
+        <a:scrgbClr r="0" g="0" b="0"/>
+      </a:effectRef>
+      <a:fontRef idx="minor"/>
+    </dgm:style>
+  </dgm:styleLbl>
+</dgm:styleDef>
 </file>
 
 <file path=ppt/notesMasters/notesMaster1.xml><?xml version="1.0" encoding="utf-8"?>
@@ -1782,8 +7932,8 @@
         </p:nvSpPr>
         <p:spPr>
           <a:xfrm>
-            <a:off x="1143225" y="685800"/>
-            <a:ext cx="4572225" cy="3429000"/>
+            <a:off x="381000" y="685800"/>
+            <a:ext cx="6096000" cy="3429000"/>
           </a:xfrm>
           <a:custGeom>
             <a:avLst/>
@@ -25740,6 +31890,109 @@
   <p:cSld>
     <p:spTree>
       <p:nvGrpSpPr>
+        <p:cNvPr id="1" name=""/>
+        <p:cNvGrpSpPr/>
+        <p:nvPr/>
+      </p:nvGrpSpPr>
+      <p:grpSpPr>
+        <a:xfrm>
+          <a:off x="0" y="0"/>
+          <a:ext cx="0" cy="0"/>
+          <a:chOff x="0" y="0"/>
+          <a:chExt cx="0" cy="0"/>
+        </a:xfrm>
+      </p:grpSpPr>
+      <p:sp>
+        <p:nvSpPr>
+          <p:cNvPr id="2" name="Título 1">
+            <a:extLst>
+              <a:ext uri="{FF2B5EF4-FFF2-40B4-BE49-F238E27FC236}">
+                <a16:creationId xmlns:a16="http://schemas.microsoft.com/office/drawing/2014/main" id="{2DFD2BFA-5CB7-46C0-BFB1-70AC6941A9A6}"/>
+              </a:ext>
+            </a:extLst>
+          </p:cNvPr>
+          <p:cNvSpPr>
+            <a:spLocks noGrp="1"/>
+          </p:cNvSpPr>
+          <p:nvPr>
+            <p:ph type="title"/>
+          </p:nvPr>
+        </p:nvSpPr>
+        <p:spPr/>
+        <p:txBody>
+          <a:bodyPr/>
+          <a:lstStyle/>
+          <a:p>
+            <a:r>
+              <a:rPr lang="en-US" dirty="0" err="1"/>
+              <a:t>Análisis</a:t>
+            </a:r>
+            <a:r>
+              <a:rPr lang="en-US" dirty="0"/>
+              <a:t> de la </a:t>
+            </a:r>
+            <a:r>
+              <a:rPr lang="en-US" dirty="0" err="1"/>
+              <a:t>aplicación</a:t>
+            </a:r>
+            <a:r>
+              <a:rPr lang="en-US" dirty="0"/>
+              <a:t>: </a:t>
+            </a:r>
+            <a:r>
+              <a:rPr lang="en-US" dirty="0" err="1"/>
+              <a:t>Resumen</a:t>
+            </a:r>
+            <a:endParaRPr lang="en-US" dirty="0"/>
+          </a:p>
+        </p:txBody>
+      </p:sp>
+      <p:graphicFrame>
+        <p:nvGraphicFramePr>
+          <p:cNvPr id="6" name="Diagrama 5">
+            <a:extLst>
+              <a:ext uri="{FF2B5EF4-FFF2-40B4-BE49-F238E27FC236}">
+                <a16:creationId xmlns:a16="http://schemas.microsoft.com/office/drawing/2014/main" id="{1A398C50-C358-43D7-9ADB-31C99A26355B}"/>
+              </a:ext>
+            </a:extLst>
+          </p:cNvPr>
+          <p:cNvGraphicFramePr/>
+          <p:nvPr>
+            <p:extLst>
+              <p:ext uri="{D42A27DB-BD31-4B8C-83A1-F6EECF244321}">
+                <p14:modId xmlns:p14="http://schemas.microsoft.com/office/powerpoint/2010/main" val="2753902074"/>
+              </p:ext>
+            </p:extLst>
+          </p:nvPr>
+        </p:nvGraphicFramePr>
+        <p:xfrm>
+          <a:off x="677334" y="513347"/>
+          <a:ext cx="8128000" cy="5418667"/>
+        </p:xfrm>
+        <a:graphic>
+          <a:graphicData uri="http://schemas.openxmlformats.org/drawingml/2006/diagram">
+            <dgm:relIds xmlns:dgm="http://schemas.openxmlformats.org/drawingml/2006/diagram" xmlns:r="http://schemas.openxmlformats.org/officeDocument/2006/relationships" r:dm="rId2" r:lo="rId3" r:qs="rId4" r:cs="rId5"/>
+          </a:graphicData>
+        </a:graphic>
+      </p:graphicFrame>
+    </p:spTree>
+    <p:extLst>
+      <p:ext uri="{BB962C8B-B14F-4D97-AF65-F5344CB8AC3E}">
+        <p14:creationId xmlns:p14="http://schemas.microsoft.com/office/powerpoint/2010/main" val="1120734092"/>
+      </p:ext>
+    </p:extLst>
+  </p:cSld>
+  <p:clrMapOvr>
+    <a:masterClrMapping/>
+  </p:clrMapOvr>
+</p:sld>
+</file>
+
+<file path=ppt/slides/slide19.xml><?xml version="1.0" encoding="utf-8"?>
+<p:sld xmlns:a="http://schemas.openxmlformats.org/drawingml/2006/main" xmlns:r="http://schemas.openxmlformats.org/officeDocument/2006/relationships" xmlns:p="http://schemas.openxmlformats.org/presentationml/2006/main">
+  <p:cSld>
+    <p:spTree>
+      <p:nvGrpSpPr>
         <p:cNvPr id="1" name="Shape 290"/>
         <p:cNvGrpSpPr/>
         <p:nvPr/>
@@ -26051,552 +32304,6 @@
           </a:p>
         </p:txBody>
       </p:sp>
-    </p:spTree>
-  </p:cSld>
-  <p:clrMapOvr>
-    <a:masterClrMapping/>
-  </p:clrMapOvr>
-</p:sld>
-</file>
-
-<file path=ppt/slides/slide19.xml><?xml version="1.0" encoding="utf-8"?>
-<p:sld xmlns:a="http://schemas.openxmlformats.org/drawingml/2006/main" xmlns:r="http://schemas.openxmlformats.org/officeDocument/2006/relationships" xmlns:p="http://schemas.openxmlformats.org/presentationml/2006/main">
-  <p:cSld>
-    <p:spTree>
-      <p:nvGrpSpPr>
-        <p:cNvPr id="1" name="Shape 296"/>
-        <p:cNvGrpSpPr/>
-        <p:nvPr/>
-      </p:nvGrpSpPr>
-      <p:grpSpPr>
-        <a:xfrm>
-          <a:off x="0" y="0"/>
-          <a:ext cx="0" cy="0"/>
-          <a:chOff x="0" y="0"/>
-          <a:chExt cx="0" cy="0"/>
-        </a:xfrm>
-      </p:grpSpPr>
-      <p:sp>
-        <p:nvSpPr>
-          <p:cNvPr id="297" name="Shape 297"/>
-          <p:cNvSpPr txBox="1">
-            <a:spLocks noGrp="1"/>
-          </p:cNvSpPr>
-          <p:nvPr>
-            <p:ph type="title"/>
-          </p:nvPr>
-        </p:nvSpPr>
-        <p:spPr>
-          <a:xfrm>
-            <a:off x="677334" y="609600"/>
-            <a:ext cx="8596668" cy="1320800"/>
-          </a:xfrm>
-          <a:prstGeom prst="rect">
-            <a:avLst/>
-          </a:prstGeom>
-          <a:noFill/>
-          <a:ln>
-            <a:noFill/>
-          </a:ln>
-        </p:spPr>
-        <p:txBody>
-          <a:bodyPr spcFirstLastPara="1" wrap="square" lIns="91425" tIns="45700" rIns="91425" bIns="45700" anchor="t" anchorCtr="0">
-            <a:noAutofit/>
-          </a:bodyPr>
-          <a:lstStyle/>
-          <a:p>
-            <a:pPr marL="0" marR="0" lvl="0" indent="0" algn="l" rtl="0">
-              <a:spcBef>
-                <a:spcPts val="0"/>
-              </a:spcBef>
-              <a:spcAft>
-                <a:spcPts val="0"/>
-              </a:spcAft>
-              <a:buClr>
-                <a:schemeClr val="accent1"/>
-              </a:buClr>
-              <a:buFont typeface="Trebuchet MS"/>
-              <a:buNone/>
-            </a:pPr>
-            <a:r>
-              <a:rPr lang="es-ES" sz="3600" b="0" i="0" u="none" strike="noStrike" cap="none" dirty="0">
-                <a:solidFill>
-                  <a:schemeClr val="accent1"/>
-                </a:solidFill>
-                <a:latin typeface="Trebuchet MS"/>
-                <a:ea typeface="Trebuchet MS"/>
-                <a:cs typeface="Trebuchet MS"/>
-                <a:sym typeface="Trebuchet MS"/>
-              </a:rPr>
-              <a:t>Componentes de Selenium</a:t>
-            </a:r>
-            <a:endParaRPr sz="3600" b="0" i="0" u="none" strike="noStrike" cap="none" dirty="0">
-              <a:solidFill>
-                <a:schemeClr val="accent1"/>
-              </a:solidFill>
-              <a:latin typeface="Trebuchet MS"/>
-              <a:ea typeface="Trebuchet MS"/>
-              <a:cs typeface="Trebuchet MS"/>
-              <a:sym typeface="Trebuchet MS"/>
-            </a:endParaRPr>
-          </a:p>
-        </p:txBody>
-      </p:sp>
-      <p:grpSp>
-        <p:nvGrpSpPr>
-          <p:cNvPr id="298" name="Shape 298"/>
-          <p:cNvGrpSpPr/>
-          <p:nvPr/>
-        </p:nvGrpSpPr>
-        <p:grpSpPr>
-          <a:xfrm>
-            <a:off x="1842436" y="2161469"/>
-            <a:ext cx="6267165" cy="3879673"/>
-            <a:chOff x="1164573" y="881"/>
-            <a:chExt cx="6267165" cy="3879673"/>
-          </a:xfrm>
-        </p:grpSpPr>
-        <p:sp>
-          <p:nvSpPr>
-            <p:cNvPr id="299" name="Shape 299"/>
-            <p:cNvSpPr/>
-            <p:nvPr/>
-          </p:nvSpPr>
-          <p:spPr>
-            <a:xfrm>
-              <a:off x="1164573" y="15188"/>
-              <a:ext cx="2984364" cy="1790618"/>
-            </a:xfrm>
-            <a:prstGeom prst="rect">
-              <a:avLst/>
-            </a:prstGeom>
-            <a:solidFill>
-              <a:srgbClr val="90C223"/>
-            </a:solidFill>
-            <a:ln w="19050" cap="rnd" cmpd="sng">
-              <a:solidFill>
-                <a:schemeClr val="lt1"/>
-              </a:solidFill>
-              <a:prstDash val="solid"/>
-              <a:round/>
-              <a:headEnd type="none" w="sm" len="sm"/>
-              <a:tailEnd type="none" w="sm" len="sm"/>
-            </a:ln>
-          </p:spPr>
-          <p:txBody>
-            <a:bodyPr spcFirstLastPara="1" wrap="square" lIns="91425" tIns="91425" rIns="91425" bIns="91425" anchor="ctr" anchorCtr="0">
-              <a:noAutofit/>
-            </a:bodyPr>
-            <a:lstStyle/>
-            <a:p>
-              <a:pPr marL="0" lvl="0" indent="0">
-                <a:spcBef>
-                  <a:spcPts val="0"/>
-                </a:spcBef>
-                <a:spcAft>
-                  <a:spcPts val="0"/>
-                </a:spcAft>
-                <a:buNone/>
-              </a:pPr>
-              <a:endParaRPr/>
-            </a:p>
-          </p:txBody>
-        </p:sp>
-        <p:sp>
-          <p:nvSpPr>
-            <p:cNvPr id="300" name="Shape 300"/>
-            <p:cNvSpPr txBox="1"/>
-            <p:nvPr/>
-          </p:nvSpPr>
-          <p:spPr>
-            <a:xfrm>
-              <a:off x="1164573" y="15188"/>
-              <a:ext cx="2984364" cy="1790618"/>
-            </a:xfrm>
-            <a:prstGeom prst="rect">
-              <a:avLst/>
-            </a:prstGeom>
-            <a:noFill/>
-            <a:ln>
-              <a:noFill/>
-            </a:ln>
-          </p:spPr>
-          <p:txBody>
-            <a:bodyPr spcFirstLastPara="1" wrap="square" lIns="171450" tIns="171450" rIns="171450" bIns="171450" anchor="ctr" anchorCtr="0">
-              <a:noAutofit/>
-            </a:bodyPr>
-            <a:lstStyle/>
-            <a:p>
-              <a:pPr marL="0" marR="0" lvl="0" indent="0" algn="ctr" rtl="0">
-                <a:lnSpc>
-                  <a:spcPct val="90000"/>
-                </a:lnSpc>
-                <a:spcBef>
-                  <a:spcPts val="0"/>
-                </a:spcBef>
-                <a:spcAft>
-                  <a:spcPts val="0"/>
-                </a:spcAft>
-                <a:buNone/>
-              </a:pPr>
-              <a:r>
-                <a:rPr lang="es-ES" sz="4500" b="0" i="0" u="none" strike="noStrike" cap="none" dirty="0">
-                  <a:solidFill>
-                    <a:schemeClr val="lt1"/>
-                  </a:solidFill>
-                  <a:latin typeface="Trebuchet MS"/>
-                  <a:ea typeface="Trebuchet MS"/>
-                  <a:cs typeface="Trebuchet MS"/>
-                  <a:sym typeface="Trebuchet MS"/>
-                </a:rPr>
-                <a:t>Selenium IDE</a:t>
-              </a:r>
-              <a:endParaRPr sz="4500" b="0" i="0" u="none" strike="noStrike" cap="none" dirty="0">
-                <a:solidFill>
-                  <a:schemeClr val="lt1"/>
-                </a:solidFill>
-                <a:latin typeface="Trebuchet MS"/>
-                <a:ea typeface="Trebuchet MS"/>
-                <a:cs typeface="Trebuchet MS"/>
-                <a:sym typeface="Trebuchet MS"/>
-              </a:endParaRPr>
-            </a:p>
-          </p:txBody>
-        </p:sp>
-        <p:sp>
-          <p:nvSpPr>
-            <p:cNvPr id="301" name="Shape 301"/>
-            <p:cNvSpPr/>
-            <p:nvPr/>
-          </p:nvSpPr>
-          <p:spPr>
-            <a:xfrm>
-              <a:off x="4447374" y="881"/>
-              <a:ext cx="2984364" cy="1790618"/>
-            </a:xfrm>
-            <a:prstGeom prst="rect">
-              <a:avLst/>
-            </a:prstGeom>
-            <a:solidFill>
-              <a:srgbClr val="90C223"/>
-            </a:solidFill>
-            <a:ln w="19050" cap="rnd" cmpd="sng">
-              <a:solidFill>
-                <a:schemeClr val="lt1"/>
-              </a:solidFill>
-              <a:prstDash val="solid"/>
-              <a:round/>
-              <a:headEnd type="none" w="sm" len="sm"/>
-              <a:tailEnd type="none" w="sm" len="sm"/>
-            </a:ln>
-          </p:spPr>
-          <p:txBody>
-            <a:bodyPr spcFirstLastPara="1" wrap="square" lIns="91425" tIns="91425" rIns="91425" bIns="91425" anchor="ctr" anchorCtr="0">
-              <a:noAutofit/>
-            </a:bodyPr>
-            <a:lstStyle/>
-            <a:p>
-              <a:pPr marL="0" lvl="0" indent="0">
-                <a:spcBef>
-                  <a:spcPts val="0"/>
-                </a:spcBef>
-                <a:spcAft>
-                  <a:spcPts val="0"/>
-                </a:spcAft>
-                <a:buNone/>
-              </a:pPr>
-              <a:endParaRPr/>
-            </a:p>
-          </p:txBody>
-        </p:sp>
-        <p:sp>
-          <p:nvSpPr>
-            <p:cNvPr id="302" name="Shape 302"/>
-            <p:cNvSpPr txBox="1"/>
-            <p:nvPr/>
-          </p:nvSpPr>
-          <p:spPr>
-            <a:xfrm>
-              <a:off x="4447374" y="881"/>
-              <a:ext cx="2984364" cy="1790618"/>
-            </a:xfrm>
-            <a:prstGeom prst="rect">
-              <a:avLst/>
-            </a:prstGeom>
-            <a:noFill/>
-            <a:ln>
-              <a:noFill/>
-            </a:ln>
-          </p:spPr>
-          <p:txBody>
-            <a:bodyPr spcFirstLastPara="1" wrap="square" lIns="171450" tIns="171450" rIns="171450" bIns="171450" anchor="ctr" anchorCtr="0">
-              <a:noAutofit/>
-            </a:bodyPr>
-            <a:lstStyle/>
-            <a:p>
-              <a:pPr marL="0" marR="0" lvl="0" indent="0" algn="ctr" rtl="0">
-                <a:lnSpc>
-                  <a:spcPct val="90000"/>
-                </a:lnSpc>
-                <a:spcBef>
-                  <a:spcPts val="0"/>
-                </a:spcBef>
-                <a:spcAft>
-                  <a:spcPts val="0"/>
-                </a:spcAft>
-                <a:buNone/>
-              </a:pPr>
-              <a:r>
-                <a:rPr lang="es-ES" sz="4500" b="0" i="0" u="none" strike="noStrike" cap="none" dirty="0">
-                  <a:solidFill>
-                    <a:schemeClr val="lt1"/>
-                  </a:solidFill>
-                  <a:latin typeface="Trebuchet MS"/>
-                  <a:ea typeface="Trebuchet MS"/>
-                  <a:cs typeface="Trebuchet MS"/>
-                  <a:sym typeface="Trebuchet MS"/>
-                </a:rPr>
-                <a:t>Selenium RC</a:t>
-              </a:r>
-              <a:endParaRPr sz="4500" b="0" i="0" u="none" strike="noStrike" cap="none" dirty="0">
-                <a:solidFill>
-                  <a:schemeClr val="lt1"/>
-                </a:solidFill>
-                <a:latin typeface="Trebuchet MS"/>
-                <a:ea typeface="Trebuchet MS"/>
-                <a:cs typeface="Trebuchet MS"/>
-                <a:sym typeface="Trebuchet MS"/>
-              </a:endParaRPr>
-            </a:p>
-          </p:txBody>
-        </p:sp>
-        <p:sp>
-          <p:nvSpPr>
-            <p:cNvPr id="303" name="Shape 303"/>
-            <p:cNvSpPr/>
-            <p:nvPr/>
-          </p:nvSpPr>
-          <p:spPr>
-            <a:xfrm>
-              <a:off x="1164573" y="2089936"/>
-              <a:ext cx="2984364" cy="1790618"/>
-            </a:xfrm>
-            <a:prstGeom prst="rect">
-              <a:avLst/>
-            </a:prstGeom>
-            <a:solidFill>
-              <a:srgbClr val="90C223"/>
-            </a:solidFill>
-            <a:ln w="19050" cap="rnd" cmpd="sng">
-              <a:solidFill>
-                <a:schemeClr val="lt1"/>
-              </a:solidFill>
-              <a:prstDash val="solid"/>
-              <a:round/>
-              <a:headEnd type="none" w="sm" len="sm"/>
-              <a:tailEnd type="none" w="sm" len="sm"/>
-            </a:ln>
-          </p:spPr>
-          <p:txBody>
-            <a:bodyPr spcFirstLastPara="1" wrap="square" lIns="91425" tIns="91425" rIns="91425" bIns="91425" anchor="ctr" anchorCtr="0">
-              <a:noAutofit/>
-            </a:bodyPr>
-            <a:lstStyle/>
-            <a:p>
-              <a:pPr marL="0" lvl="0" indent="0">
-                <a:spcBef>
-                  <a:spcPts val="0"/>
-                </a:spcBef>
-                <a:spcAft>
-                  <a:spcPts val="0"/>
-                </a:spcAft>
-                <a:buNone/>
-              </a:pPr>
-              <a:endParaRPr/>
-            </a:p>
-          </p:txBody>
-        </p:sp>
-        <p:sp>
-          <p:nvSpPr>
-            <p:cNvPr id="304" name="Shape 304"/>
-            <p:cNvSpPr txBox="1"/>
-            <p:nvPr/>
-          </p:nvSpPr>
-          <p:spPr>
-            <a:xfrm>
-              <a:off x="1164573" y="2089936"/>
-              <a:ext cx="2984364" cy="1790618"/>
-            </a:xfrm>
-            <a:prstGeom prst="rect">
-              <a:avLst/>
-            </a:prstGeom>
-            <a:noFill/>
-            <a:ln>
-              <a:noFill/>
-            </a:ln>
-          </p:spPr>
-          <p:txBody>
-            <a:bodyPr spcFirstLastPara="1" wrap="square" lIns="171450" tIns="171450" rIns="171450" bIns="171450" anchor="ctr" anchorCtr="0">
-              <a:noAutofit/>
-            </a:bodyPr>
-            <a:lstStyle/>
-            <a:p>
-              <a:pPr marL="0" marR="0" lvl="0" indent="0" algn="ctr" rtl="0">
-                <a:lnSpc>
-                  <a:spcPct val="90000"/>
-                </a:lnSpc>
-                <a:spcBef>
-                  <a:spcPts val="0"/>
-                </a:spcBef>
-                <a:spcAft>
-                  <a:spcPts val="0"/>
-                </a:spcAft>
-                <a:buNone/>
-              </a:pPr>
-              <a:r>
-                <a:rPr lang="es-ES" sz="4500" b="0" i="0" u="none" strike="noStrike" cap="none" dirty="0">
-                  <a:solidFill>
-                    <a:schemeClr val="lt1"/>
-                  </a:solidFill>
-                  <a:latin typeface="Trebuchet MS"/>
-                  <a:ea typeface="Trebuchet MS"/>
-                  <a:cs typeface="Trebuchet MS"/>
-                  <a:sym typeface="Trebuchet MS"/>
-                </a:rPr>
-                <a:t>Selenium </a:t>
-              </a:r>
-              <a:r>
-                <a:rPr lang="es-ES" sz="4500" b="0" i="0" u="none" strike="noStrike" cap="none" dirty="0" err="1">
-                  <a:solidFill>
-                    <a:schemeClr val="lt1"/>
-                  </a:solidFill>
-                  <a:latin typeface="Trebuchet MS"/>
-                  <a:ea typeface="Trebuchet MS"/>
-                  <a:cs typeface="Trebuchet MS"/>
-                  <a:sym typeface="Trebuchet MS"/>
-                </a:rPr>
-                <a:t>WebDriver</a:t>
-              </a:r>
-              <a:endParaRPr sz="4500" b="0" i="0" u="none" strike="noStrike" cap="none" dirty="0">
-                <a:solidFill>
-                  <a:schemeClr val="lt1"/>
-                </a:solidFill>
-                <a:latin typeface="Trebuchet MS"/>
-                <a:ea typeface="Trebuchet MS"/>
-                <a:cs typeface="Trebuchet MS"/>
-                <a:sym typeface="Trebuchet MS"/>
-              </a:endParaRPr>
-            </a:p>
-          </p:txBody>
-        </p:sp>
-        <p:sp>
-          <p:nvSpPr>
-            <p:cNvPr id="305" name="Shape 305"/>
-            <p:cNvSpPr/>
-            <p:nvPr/>
-          </p:nvSpPr>
-          <p:spPr>
-            <a:xfrm>
-              <a:off x="4447374" y="2089936"/>
-              <a:ext cx="2984364" cy="1790618"/>
-            </a:xfrm>
-            <a:prstGeom prst="rect">
-              <a:avLst/>
-            </a:prstGeom>
-            <a:solidFill>
-              <a:srgbClr val="90C223"/>
-            </a:solidFill>
-            <a:ln w="19050" cap="rnd" cmpd="sng">
-              <a:solidFill>
-                <a:schemeClr val="lt1"/>
-              </a:solidFill>
-              <a:prstDash val="solid"/>
-              <a:round/>
-              <a:headEnd type="none" w="sm" len="sm"/>
-              <a:tailEnd type="none" w="sm" len="sm"/>
-            </a:ln>
-          </p:spPr>
-          <p:txBody>
-            <a:bodyPr spcFirstLastPara="1" wrap="square" lIns="91425" tIns="91425" rIns="91425" bIns="91425" anchor="ctr" anchorCtr="0">
-              <a:noAutofit/>
-            </a:bodyPr>
-            <a:lstStyle/>
-            <a:p>
-              <a:pPr marL="0" lvl="0" indent="0">
-                <a:spcBef>
-                  <a:spcPts val="0"/>
-                </a:spcBef>
-                <a:spcAft>
-                  <a:spcPts val="0"/>
-                </a:spcAft>
-                <a:buNone/>
-              </a:pPr>
-              <a:endParaRPr/>
-            </a:p>
-          </p:txBody>
-        </p:sp>
-        <p:sp>
-          <p:nvSpPr>
-            <p:cNvPr id="306" name="Shape 306"/>
-            <p:cNvSpPr txBox="1"/>
-            <p:nvPr/>
-          </p:nvSpPr>
-          <p:spPr>
-            <a:xfrm>
-              <a:off x="4447374" y="2089936"/>
-              <a:ext cx="2984364" cy="1790618"/>
-            </a:xfrm>
-            <a:prstGeom prst="rect">
-              <a:avLst/>
-            </a:prstGeom>
-            <a:noFill/>
-            <a:ln>
-              <a:noFill/>
-            </a:ln>
-          </p:spPr>
-          <p:txBody>
-            <a:bodyPr spcFirstLastPara="1" wrap="square" lIns="171450" tIns="171450" rIns="171450" bIns="171450" anchor="ctr" anchorCtr="0">
-              <a:noAutofit/>
-            </a:bodyPr>
-            <a:lstStyle/>
-            <a:p>
-              <a:pPr marL="0" marR="0" lvl="0" indent="0" algn="ctr" rtl="0">
-                <a:lnSpc>
-                  <a:spcPct val="90000"/>
-                </a:lnSpc>
-                <a:spcBef>
-                  <a:spcPts val="0"/>
-                </a:spcBef>
-                <a:spcAft>
-                  <a:spcPts val="0"/>
-                </a:spcAft>
-                <a:buNone/>
-              </a:pPr>
-              <a:r>
-                <a:rPr lang="es-ES" sz="4500" b="0" i="0" u="none" strike="noStrike" cap="none" dirty="0">
-                  <a:solidFill>
-                    <a:schemeClr val="lt1"/>
-                  </a:solidFill>
-                  <a:latin typeface="Trebuchet MS"/>
-                  <a:ea typeface="Trebuchet MS"/>
-                  <a:cs typeface="Trebuchet MS"/>
-                  <a:sym typeface="Trebuchet MS"/>
-                </a:rPr>
-                <a:t>Selenium GRID</a:t>
-              </a:r>
-              <a:endParaRPr sz="4500" b="0" i="0" u="none" strike="noStrike" cap="none" dirty="0">
-                <a:solidFill>
-                  <a:schemeClr val="lt1"/>
-                </a:solidFill>
-                <a:latin typeface="Trebuchet MS"/>
-                <a:ea typeface="Trebuchet MS"/>
-                <a:cs typeface="Trebuchet MS"/>
-                <a:sym typeface="Trebuchet MS"/>
-              </a:endParaRPr>
-            </a:p>
-          </p:txBody>
-        </p:sp>
-      </p:grpSp>
     </p:spTree>
   </p:cSld>
   <p:clrMapOvr>
@@ -27670,6 +33377,552 @@
   <p:cSld>
     <p:spTree>
       <p:nvGrpSpPr>
+        <p:cNvPr id="1" name="Shape 296"/>
+        <p:cNvGrpSpPr/>
+        <p:nvPr/>
+      </p:nvGrpSpPr>
+      <p:grpSpPr>
+        <a:xfrm>
+          <a:off x="0" y="0"/>
+          <a:ext cx="0" cy="0"/>
+          <a:chOff x="0" y="0"/>
+          <a:chExt cx="0" cy="0"/>
+        </a:xfrm>
+      </p:grpSpPr>
+      <p:sp>
+        <p:nvSpPr>
+          <p:cNvPr id="297" name="Shape 297"/>
+          <p:cNvSpPr txBox="1">
+            <a:spLocks noGrp="1"/>
+          </p:cNvSpPr>
+          <p:nvPr>
+            <p:ph type="title"/>
+          </p:nvPr>
+        </p:nvSpPr>
+        <p:spPr>
+          <a:xfrm>
+            <a:off x="677334" y="609600"/>
+            <a:ext cx="8596668" cy="1320800"/>
+          </a:xfrm>
+          <a:prstGeom prst="rect">
+            <a:avLst/>
+          </a:prstGeom>
+          <a:noFill/>
+          <a:ln>
+            <a:noFill/>
+          </a:ln>
+        </p:spPr>
+        <p:txBody>
+          <a:bodyPr spcFirstLastPara="1" wrap="square" lIns="91425" tIns="45700" rIns="91425" bIns="45700" anchor="t" anchorCtr="0">
+            <a:noAutofit/>
+          </a:bodyPr>
+          <a:lstStyle/>
+          <a:p>
+            <a:pPr marL="0" marR="0" lvl="0" indent="0" algn="l" rtl="0">
+              <a:spcBef>
+                <a:spcPts val="0"/>
+              </a:spcBef>
+              <a:spcAft>
+                <a:spcPts val="0"/>
+              </a:spcAft>
+              <a:buClr>
+                <a:schemeClr val="accent1"/>
+              </a:buClr>
+              <a:buFont typeface="Trebuchet MS"/>
+              <a:buNone/>
+            </a:pPr>
+            <a:r>
+              <a:rPr lang="es-ES" sz="3600" b="0" i="0" u="none" strike="noStrike" cap="none" dirty="0">
+                <a:solidFill>
+                  <a:schemeClr val="accent1"/>
+                </a:solidFill>
+                <a:latin typeface="Trebuchet MS"/>
+                <a:ea typeface="Trebuchet MS"/>
+                <a:cs typeface="Trebuchet MS"/>
+                <a:sym typeface="Trebuchet MS"/>
+              </a:rPr>
+              <a:t>Componentes de Selenium</a:t>
+            </a:r>
+            <a:endParaRPr sz="3600" b="0" i="0" u="none" strike="noStrike" cap="none" dirty="0">
+              <a:solidFill>
+                <a:schemeClr val="accent1"/>
+              </a:solidFill>
+              <a:latin typeface="Trebuchet MS"/>
+              <a:ea typeface="Trebuchet MS"/>
+              <a:cs typeface="Trebuchet MS"/>
+              <a:sym typeface="Trebuchet MS"/>
+            </a:endParaRPr>
+          </a:p>
+        </p:txBody>
+      </p:sp>
+      <p:grpSp>
+        <p:nvGrpSpPr>
+          <p:cNvPr id="298" name="Shape 298"/>
+          <p:cNvGrpSpPr/>
+          <p:nvPr/>
+        </p:nvGrpSpPr>
+        <p:grpSpPr>
+          <a:xfrm>
+            <a:off x="1778267" y="1823453"/>
+            <a:ext cx="6852385" cy="4086931"/>
+            <a:chOff x="1164573" y="881"/>
+            <a:chExt cx="6267165" cy="3879673"/>
+          </a:xfrm>
+        </p:grpSpPr>
+        <p:sp>
+          <p:nvSpPr>
+            <p:cNvPr id="299" name="Shape 299"/>
+            <p:cNvSpPr/>
+            <p:nvPr/>
+          </p:nvSpPr>
+          <p:spPr>
+            <a:xfrm>
+              <a:off x="1164573" y="15188"/>
+              <a:ext cx="2984364" cy="1790618"/>
+            </a:xfrm>
+            <a:prstGeom prst="rect">
+              <a:avLst/>
+            </a:prstGeom>
+            <a:solidFill>
+              <a:srgbClr val="90C223"/>
+            </a:solidFill>
+            <a:ln w="19050" cap="rnd" cmpd="sng">
+              <a:solidFill>
+                <a:schemeClr val="lt1"/>
+              </a:solidFill>
+              <a:prstDash val="solid"/>
+              <a:round/>
+              <a:headEnd type="none" w="sm" len="sm"/>
+              <a:tailEnd type="none" w="sm" len="sm"/>
+            </a:ln>
+          </p:spPr>
+          <p:txBody>
+            <a:bodyPr spcFirstLastPara="1" wrap="square" lIns="91425" tIns="91425" rIns="91425" bIns="91425" anchor="ctr" anchorCtr="0">
+              <a:noAutofit/>
+            </a:bodyPr>
+            <a:lstStyle/>
+            <a:p>
+              <a:pPr marL="0" lvl="0" indent="0">
+                <a:spcBef>
+                  <a:spcPts val="0"/>
+                </a:spcBef>
+                <a:spcAft>
+                  <a:spcPts val="0"/>
+                </a:spcAft>
+                <a:buNone/>
+              </a:pPr>
+              <a:endParaRPr/>
+            </a:p>
+          </p:txBody>
+        </p:sp>
+        <p:sp>
+          <p:nvSpPr>
+            <p:cNvPr id="300" name="Shape 300"/>
+            <p:cNvSpPr txBox="1"/>
+            <p:nvPr/>
+          </p:nvSpPr>
+          <p:spPr>
+            <a:xfrm>
+              <a:off x="1164573" y="15188"/>
+              <a:ext cx="2984364" cy="1790618"/>
+            </a:xfrm>
+            <a:prstGeom prst="rect">
+              <a:avLst/>
+            </a:prstGeom>
+            <a:noFill/>
+            <a:ln>
+              <a:noFill/>
+            </a:ln>
+          </p:spPr>
+          <p:txBody>
+            <a:bodyPr spcFirstLastPara="1" wrap="square" lIns="171450" tIns="171450" rIns="171450" bIns="171450" anchor="ctr" anchorCtr="0">
+              <a:noAutofit/>
+            </a:bodyPr>
+            <a:lstStyle/>
+            <a:p>
+              <a:pPr marL="0" marR="0" lvl="0" indent="0" algn="ctr" rtl="0">
+                <a:lnSpc>
+                  <a:spcPct val="90000"/>
+                </a:lnSpc>
+                <a:spcBef>
+                  <a:spcPts val="0"/>
+                </a:spcBef>
+                <a:spcAft>
+                  <a:spcPts val="0"/>
+                </a:spcAft>
+                <a:buNone/>
+              </a:pPr>
+              <a:r>
+                <a:rPr lang="es-ES" sz="4500" b="0" i="0" u="none" strike="noStrike" cap="none" dirty="0">
+                  <a:solidFill>
+                    <a:schemeClr val="lt1"/>
+                  </a:solidFill>
+                  <a:latin typeface="Trebuchet MS"/>
+                  <a:ea typeface="Trebuchet MS"/>
+                  <a:cs typeface="Trebuchet MS"/>
+                  <a:sym typeface="Trebuchet MS"/>
+                </a:rPr>
+                <a:t>Selenium IDE</a:t>
+              </a:r>
+              <a:endParaRPr sz="4500" b="0" i="0" u="none" strike="noStrike" cap="none" dirty="0">
+                <a:solidFill>
+                  <a:schemeClr val="lt1"/>
+                </a:solidFill>
+                <a:latin typeface="Trebuchet MS"/>
+                <a:ea typeface="Trebuchet MS"/>
+                <a:cs typeface="Trebuchet MS"/>
+                <a:sym typeface="Trebuchet MS"/>
+              </a:endParaRPr>
+            </a:p>
+          </p:txBody>
+        </p:sp>
+        <p:sp>
+          <p:nvSpPr>
+            <p:cNvPr id="301" name="Shape 301"/>
+            <p:cNvSpPr/>
+            <p:nvPr/>
+          </p:nvSpPr>
+          <p:spPr>
+            <a:xfrm>
+              <a:off x="4447374" y="881"/>
+              <a:ext cx="2984364" cy="1790618"/>
+            </a:xfrm>
+            <a:prstGeom prst="rect">
+              <a:avLst/>
+            </a:prstGeom>
+            <a:solidFill>
+              <a:srgbClr val="90C223"/>
+            </a:solidFill>
+            <a:ln w="19050" cap="rnd" cmpd="sng">
+              <a:solidFill>
+                <a:schemeClr val="lt1"/>
+              </a:solidFill>
+              <a:prstDash val="solid"/>
+              <a:round/>
+              <a:headEnd type="none" w="sm" len="sm"/>
+              <a:tailEnd type="none" w="sm" len="sm"/>
+            </a:ln>
+          </p:spPr>
+          <p:txBody>
+            <a:bodyPr spcFirstLastPara="1" wrap="square" lIns="91425" tIns="91425" rIns="91425" bIns="91425" anchor="ctr" anchorCtr="0">
+              <a:noAutofit/>
+            </a:bodyPr>
+            <a:lstStyle/>
+            <a:p>
+              <a:pPr marL="0" lvl="0" indent="0">
+                <a:spcBef>
+                  <a:spcPts val="0"/>
+                </a:spcBef>
+                <a:spcAft>
+                  <a:spcPts val="0"/>
+                </a:spcAft>
+                <a:buNone/>
+              </a:pPr>
+              <a:endParaRPr/>
+            </a:p>
+          </p:txBody>
+        </p:sp>
+        <p:sp>
+          <p:nvSpPr>
+            <p:cNvPr id="302" name="Shape 302"/>
+            <p:cNvSpPr txBox="1"/>
+            <p:nvPr/>
+          </p:nvSpPr>
+          <p:spPr>
+            <a:xfrm>
+              <a:off x="4447374" y="881"/>
+              <a:ext cx="2984364" cy="1790618"/>
+            </a:xfrm>
+            <a:prstGeom prst="rect">
+              <a:avLst/>
+            </a:prstGeom>
+            <a:noFill/>
+            <a:ln>
+              <a:noFill/>
+            </a:ln>
+          </p:spPr>
+          <p:txBody>
+            <a:bodyPr spcFirstLastPara="1" wrap="square" lIns="171450" tIns="171450" rIns="171450" bIns="171450" anchor="ctr" anchorCtr="0">
+              <a:noAutofit/>
+            </a:bodyPr>
+            <a:lstStyle/>
+            <a:p>
+              <a:pPr marL="0" marR="0" lvl="0" indent="0" algn="ctr" rtl="0">
+                <a:lnSpc>
+                  <a:spcPct val="90000"/>
+                </a:lnSpc>
+                <a:spcBef>
+                  <a:spcPts val="0"/>
+                </a:spcBef>
+                <a:spcAft>
+                  <a:spcPts val="0"/>
+                </a:spcAft>
+                <a:buNone/>
+              </a:pPr>
+              <a:r>
+                <a:rPr lang="es-ES" sz="4500" b="0" i="0" u="none" strike="noStrike" cap="none" dirty="0">
+                  <a:solidFill>
+                    <a:schemeClr val="lt1"/>
+                  </a:solidFill>
+                  <a:latin typeface="Trebuchet MS"/>
+                  <a:ea typeface="Trebuchet MS"/>
+                  <a:cs typeface="Trebuchet MS"/>
+                  <a:sym typeface="Trebuchet MS"/>
+                </a:rPr>
+                <a:t>Selenium RC</a:t>
+              </a:r>
+              <a:endParaRPr sz="4500" b="0" i="0" u="none" strike="noStrike" cap="none" dirty="0">
+                <a:solidFill>
+                  <a:schemeClr val="lt1"/>
+                </a:solidFill>
+                <a:latin typeface="Trebuchet MS"/>
+                <a:ea typeface="Trebuchet MS"/>
+                <a:cs typeface="Trebuchet MS"/>
+                <a:sym typeface="Trebuchet MS"/>
+              </a:endParaRPr>
+            </a:p>
+          </p:txBody>
+        </p:sp>
+        <p:sp>
+          <p:nvSpPr>
+            <p:cNvPr id="303" name="Shape 303"/>
+            <p:cNvSpPr/>
+            <p:nvPr/>
+          </p:nvSpPr>
+          <p:spPr>
+            <a:xfrm>
+              <a:off x="1164573" y="2089936"/>
+              <a:ext cx="2984364" cy="1790618"/>
+            </a:xfrm>
+            <a:prstGeom prst="rect">
+              <a:avLst/>
+            </a:prstGeom>
+            <a:solidFill>
+              <a:srgbClr val="90C223"/>
+            </a:solidFill>
+            <a:ln w="19050" cap="rnd" cmpd="sng">
+              <a:solidFill>
+                <a:schemeClr val="lt1"/>
+              </a:solidFill>
+              <a:prstDash val="solid"/>
+              <a:round/>
+              <a:headEnd type="none" w="sm" len="sm"/>
+              <a:tailEnd type="none" w="sm" len="sm"/>
+            </a:ln>
+          </p:spPr>
+          <p:txBody>
+            <a:bodyPr spcFirstLastPara="1" wrap="square" lIns="91425" tIns="91425" rIns="91425" bIns="91425" anchor="ctr" anchorCtr="0">
+              <a:noAutofit/>
+            </a:bodyPr>
+            <a:lstStyle/>
+            <a:p>
+              <a:pPr marL="0" lvl="0" indent="0">
+                <a:spcBef>
+                  <a:spcPts val="0"/>
+                </a:spcBef>
+                <a:spcAft>
+                  <a:spcPts val="0"/>
+                </a:spcAft>
+                <a:buNone/>
+              </a:pPr>
+              <a:endParaRPr/>
+            </a:p>
+          </p:txBody>
+        </p:sp>
+        <p:sp>
+          <p:nvSpPr>
+            <p:cNvPr id="304" name="Shape 304"/>
+            <p:cNvSpPr txBox="1"/>
+            <p:nvPr/>
+          </p:nvSpPr>
+          <p:spPr>
+            <a:xfrm>
+              <a:off x="1164573" y="2089936"/>
+              <a:ext cx="2984364" cy="1790618"/>
+            </a:xfrm>
+            <a:prstGeom prst="rect">
+              <a:avLst/>
+            </a:prstGeom>
+            <a:noFill/>
+            <a:ln>
+              <a:noFill/>
+            </a:ln>
+          </p:spPr>
+          <p:txBody>
+            <a:bodyPr spcFirstLastPara="1" wrap="square" lIns="171450" tIns="171450" rIns="171450" bIns="171450" anchor="ctr" anchorCtr="0">
+              <a:noAutofit/>
+            </a:bodyPr>
+            <a:lstStyle/>
+            <a:p>
+              <a:pPr marL="0" marR="0" lvl="0" indent="0" algn="ctr" rtl="0">
+                <a:lnSpc>
+                  <a:spcPct val="90000"/>
+                </a:lnSpc>
+                <a:spcBef>
+                  <a:spcPts val="0"/>
+                </a:spcBef>
+                <a:spcAft>
+                  <a:spcPts val="0"/>
+                </a:spcAft>
+                <a:buNone/>
+              </a:pPr>
+              <a:r>
+                <a:rPr lang="es-ES" sz="4500" b="0" i="0" u="none" strike="noStrike" cap="none" dirty="0">
+                  <a:solidFill>
+                    <a:schemeClr val="lt1"/>
+                  </a:solidFill>
+                  <a:latin typeface="Trebuchet MS"/>
+                  <a:ea typeface="Trebuchet MS"/>
+                  <a:cs typeface="Trebuchet MS"/>
+                  <a:sym typeface="Trebuchet MS"/>
+                </a:rPr>
+                <a:t>Selenium </a:t>
+              </a:r>
+              <a:r>
+                <a:rPr lang="es-ES" sz="4500" b="0" i="0" u="none" strike="noStrike" cap="none" dirty="0" err="1">
+                  <a:solidFill>
+                    <a:schemeClr val="lt1"/>
+                  </a:solidFill>
+                  <a:latin typeface="Trebuchet MS"/>
+                  <a:ea typeface="Trebuchet MS"/>
+                  <a:cs typeface="Trebuchet MS"/>
+                  <a:sym typeface="Trebuchet MS"/>
+                </a:rPr>
+                <a:t>WebDriver</a:t>
+              </a:r>
+              <a:endParaRPr sz="4500" b="0" i="0" u="none" strike="noStrike" cap="none" dirty="0">
+                <a:solidFill>
+                  <a:schemeClr val="lt1"/>
+                </a:solidFill>
+                <a:latin typeface="Trebuchet MS"/>
+                <a:ea typeface="Trebuchet MS"/>
+                <a:cs typeface="Trebuchet MS"/>
+                <a:sym typeface="Trebuchet MS"/>
+              </a:endParaRPr>
+            </a:p>
+          </p:txBody>
+        </p:sp>
+        <p:sp>
+          <p:nvSpPr>
+            <p:cNvPr id="305" name="Shape 305"/>
+            <p:cNvSpPr/>
+            <p:nvPr/>
+          </p:nvSpPr>
+          <p:spPr>
+            <a:xfrm>
+              <a:off x="4447374" y="2089936"/>
+              <a:ext cx="2984364" cy="1790618"/>
+            </a:xfrm>
+            <a:prstGeom prst="rect">
+              <a:avLst/>
+            </a:prstGeom>
+            <a:solidFill>
+              <a:srgbClr val="90C223"/>
+            </a:solidFill>
+            <a:ln w="19050" cap="rnd" cmpd="sng">
+              <a:solidFill>
+                <a:schemeClr val="lt1"/>
+              </a:solidFill>
+              <a:prstDash val="solid"/>
+              <a:round/>
+              <a:headEnd type="none" w="sm" len="sm"/>
+              <a:tailEnd type="none" w="sm" len="sm"/>
+            </a:ln>
+          </p:spPr>
+          <p:txBody>
+            <a:bodyPr spcFirstLastPara="1" wrap="square" lIns="91425" tIns="91425" rIns="91425" bIns="91425" anchor="ctr" anchorCtr="0">
+              <a:noAutofit/>
+            </a:bodyPr>
+            <a:lstStyle/>
+            <a:p>
+              <a:pPr marL="0" lvl="0" indent="0">
+                <a:spcBef>
+                  <a:spcPts val="0"/>
+                </a:spcBef>
+                <a:spcAft>
+                  <a:spcPts val="0"/>
+                </a:spcAft>
+                <a:buNone/>
+              </a:pPr>
+              <a:endParaRPr/>
+            </a:p>
+          </p:txBody>
+        </p:sp>
+        <p:sp>
+          <p:nvSpPr>
+            <p:cNvPr id="306" name="Shape 306"/>
+            <p:cNvSpPr txBox="1"/>
+            <p:nvPr/>
+          </p:nvSpPr>
+          <p:spPr>
+            <a:xfrm>
+              <a:off x="4447374" y="2089936"/>
+              <a:ext cx="2984364" cy="1790618"/>
+            </a:xfrm>
+            <a:prstGeom prst="rect">
+              <a:avLst/>
+            </a:prstGeom>
+            <a:noFill/>
+            <a:ln>
+              <a:noFill/>
+            </a:ln>
+          </p:spPr>
+          <p:txBody>
+            <a:bodyPr spcFirstLastPara="1" wrap="square" lIns="171450" tIns="171450" rIns="171450" bIns="171450" anchor="ctr" anchorCtr="0">
+              <a:noAutofit/>
+            </a:bodyPr>
+            <a:lstStyle/>
+            <a:p>
+              <a:pPr marL="0" marR="0" lvl="0" indent="0" algn="ctr" rtl="0">
+                <a:lnSpc>
+                  <a:spcPct val="90000"/>
+                </a:lnSpc>
+                <a:spcBef>
+                  <a:spcPts val="0"/>
+                </a:spcBef>
+                <a:spcAft>
+                  <a:spcPts val="0"/>
+                </a:spcAft>
+                <a:buNone/>
+              </a:pPr>
+              <a:r>
+                <a:rPr lang="es-ES" sz="4500" b="0" i="0" u="none" strike="noStrike" cap="none" dirty="0">
+                  <a:solidFill>
+                    <a:schemeClr val="lt1"/>
+                  </a:solidFill>
+                  <a:latin typeface="Trebuchet MS"/>
+                  <a:ea typeface="Trebuchet MS"/>
+                  <a:cs typeface="Trebuchet MS"/>
+                  <a:sym typeface="Trebuchet MS"/>
+                </a:rPr>
+                <a:t>Selenium GRID</a:t>
+              </a:r>
+              <a:endParaRPr sz="4500" b="0" i="0" u="none" strike="noStrike" cap="none" dirty="0">
+                <a:solidFill>
+                  <a:schemeClr val="lt1"/>
+                </a:solidFill>
+                <a:latin typeface="Trebuchet MS"/>
+                <a:ea typeface="Trebuchet MS"/>
+                <a:cs typeface="Trebuchet MS"/>
+                <a:sym typeface="Trebuchet MS"/>
+              </a:endParaRPr>
+            </a:p>
+          </p:txBody>
+        </p:sp>
+      </p:grpSp>
+    </p:spTree>
+  </p:cSld>
+  <p:clrMapOvr>
+    <a:masterClrMapping/>
+  </p:clrMapOvr>
+</p:sld>
+</file>
+
+<file path=ppt/slides/slide21.xml><?xml version="1.0" encoding="utf-8"?>
+<p:sld xmlns:a="http://schemas.openxmlformats.org/drawingml/2006/main" xmlns:r="http://schemas.openxmlformats.org/officeDocument/2006/relationships" xmlns:p="http://schemas.openxmlformats.org/presentationml/2006/main">
+  <p:cSld>
+    <p:spTree>
+      <p:nvGrpSpPr>
         <p:cNvPr id="1" name="Shape 310"/>
         <p:cNvGrpSpPr/>
         <p:nvPr/>
@@ -28047,7 +34300,7 @@
 </p:sld>
 </file>
 
-<file path=ppt/slides/slide21.xml><?xml version="1.0" encoding="utf-8"?>
+<file path=ppt/slides/slide22.xml><?xml version="1.0" encoding="utf-8"?>
 <p:sld xmlns:a="http://schemas.openxmlformats.org/drawingml/2006/main" xmlns:r="http://schemas.openxmlformats.org/officeDocument/2006/relationships" xmlns:p="http://schemas.openxmlformats.org/presentationml/2006/main">
   <p:cSld>
     <p:spTree>
@@ -28408,7 +34661,7 @@
 </p:sld>
 </file>
 
-<file path=ppt/slides/slide22.xml><?xml version="1.0" encoding="utf-8"?>
+<file path=ppt/slides/slide23.xml><?xml version="1.0" encoding="utf-8"?>
 <p:sld xmlns:a="http://schemas.openxmlformats.org/drawingml/2006/main" xmlns:r="http://schemas.openxmlformats.org/officeDocument/2006/relationships" xmlns:p="http://schemas.openxmlformats.org/presentationml/2006/main">
   <p:cSld>
     <p:spTree>
@@ -28561,7 +34814,7 @@
 </p:sld>
 </file>
 
-<file path=ppt/slides/slide23.xml><?xml version="1.0" encoding="utf-8"?>
+<file path=ppt/slides/slide24.xml><?xml version="1.0" encoding="utf-8"?>
 <p:sld xmlns:a="http://schemas.openxmlformats.org/drawingml/2006/main" xmlns:r="http://schemas.openxmlformats.org/officeDocument/2006/relationships" xmlns:p="http://schemas.openxmlformats.org/presentationml/2006/main">
   <p:cSld>
     <p:spTree>
@@ -28670,7 +34923,7 @@
 </p:sld>
 </file>
 
-<file path=ppt/slides/slide24.xml><?xml version="1.0" encoding="utf-8"?>
+<file path=ppt/slides/slide25.xml><?xml version="1.0" encoding="utf-8"?>
 <p:sld xmlns:a="http://schemas.openxmlformats.org/drawingml/2006/main" xmlns:r="http://schemas.openxmlformats.org/officeDocument/2006/relationships" xmlns:p="http://schemas.openxmlformats.org/presentationml/2006/main">
   <p:cSld>
     <p:spTree>
@@ -28771,7 +35024,7 @@
 </p:sld>
 </file>
 
-<file path=ppt/slides/slide25.xml><?xml version="1.0" encoding="utf-8"?>
+<file path=ppt/slides/slide26.xml><?xml version="1.0" encoding="utf-8"?>
 <p:sld xmlns:a="http://schemas.openxmlformats.org/drawingml/2006/main" xmlns:r="http://schemas.openxmlformats.org/officeDocument/2006/relationships" xmlns:p="http://schemas.openxmlformats.org/presentationml/2006/main">
   <p:cSld>
     <p:spTree>
@@ -28872,7 +35125,7 @@
 </p:sld>
 </file>
 
-<file path=ppt/slides/slide26.xml><?xml version="1.0" encoding="utf-8"?>
+<file path=ppt/slides/slide27.xml><?xml version="1.0" encoding="utf-8"?>
 <p:sld xmlns:a="http://schemas.openxmlformats.org/drawingml/2006/main" xmlns:r="http://schemas.openxmlformats.org/officeDocument/2006/relationships" xmlns:p="http://schemas.openxmlformats.org/presentationml/2006/main">
   <p:cSld>
     <p:spTree>
@@ -28973,7 +35226,94 @@
 </p:sld>
 </file>
 
-<file path=ppt/slides/slide27.xml><?xml version="1.0" encoding="utf-8"?>
+<file path=ppt/slides/slide28.xml><?xml version="1.0" encoding="utf-8"?>
+<p:sld xmlns:a="http://schemas.openxmlformats.org/drawingml/2006/main" xmlns:r="http://schemas.openxmlformats.org/officeDocument/2006/relationships" xmlns:p="http://schemas.openxmlformats.org/presentationml/2006/main">
+  <p:cSld>
+    <p:spTree>
+      <p:nvGrpSpPr>
+        <p:cNvPr id="1" name=""/>
+        <p:cNvGrpSpPr/>
+        <p:nvPr/>
+      </p:nvGrpSpPr>
+      <p:grpSpPr>
+        <a:xfrm>
+          <a:off x="0" y="0"/>
+          <a:ext cx="0" cy="0"/>
+          <a:chOff x="0" y="0"/>
+          <a:chExt cx="0" cy="0"/>
+        </a:xfrm>
+      </p:grpSpPr>
+      <p:sp>
+        <p:nvSpPr>
+          <p:cNvPr id="2" name="Título 1">
+            <a:extLst>
+              <a:ext uri="{FF2B5EF4-FFF2-40B4-BE49-F238E27FC236}">
+                <a16:creationId xmlns:a16="http://schemas.microsoft.com/office/drawing/2014/main" id="{D64D91DE-9718-439E-81F8-89DC055A45E3}"/>
+              </a:ext>
+            </a:extLst>
+          </p:cNvPr>
+          <p:cNvSpPr>
+            <a:spLocks noGrp="1"/>
+          </p:cNvSpPr>
+          <p:nvPr>
+            <p:ph type="title"/>
+          </p:nvPr>
+        </p:nvSpPr>
+        <p:spPr/>
+        <p:txBody>
+          <a:bodyPr/>
+          <a:lstStyle/>
+          <a:p>
+            <a:r>
+              <a:rPr lang="es-MX" dirty="0"/>
+              <a:t>Resumen: Implementación de CP</a:t>
+            </a:r>
+            <a:endParaRPr lang="en-US" dirty="0"/>
+          </a:p>
+        </p:txBody>
+      </p:sp>
+      <p:graphicFrame>
+        <p:nvGraphicFramePr>
+          <p:cNvPr id="4" name="Diagrama 3">
+            <a:extLst>
+              <a:ext uri="{FF2B5EF4-FFF2-40B4-BE49-F238E27FC236}">
+                <a16:creationId xmlns:a16="http://schemas.microsoft.com/office/drawing/2014/main" id="{81B9064F-5D85-4BDC-9F3C-6A122F4C0000}"/>
+              </a:ext>
+            </a:extLst>
+          </p:cNvPr>
+          <p:cNvGraphicFramePr/>
+          <p:nvPr>
+            <p:extLst>
+              <p:ext uri="{D42A27DB-BD31-4B8C-83A1-F6EECF244321}">
+                <p14:modId xmlns:p14="http://schemas.microsoft.com/office/powerpoint/2010/main" val="178201986"/>
+              </p:ext>
+            </p:extLst>
+          </p:nvPr>
+        </p:nvGraphicFramePr>
+        <p:xfrm>
+          <a:off x="914400" y="1331495"/>
+          <a:ext cx="10122567" cy="5277852"/>
+        </p:xfrm>
+        <a:graphic>
+          <a:graphicData uri="http://schemas.openxmlformats.org/drawingml/2006/diagram">
+            <dgm:relIds xmlns:dgm="http://schemas.openxmlformats.org/drawingml/2006/diagram" xmlns:r="http://schemas.openxmlformats.org/officeDocument/2006/relationships" r:dm="rId2" r:lo="rId3" r:qs="rId4" r:cs="rId5"/>
+          </a:graphicData>
+        </a:graphic>
+      </p:graphicFrame>
+    </p:spTree>
+    <p:extLst>
+      <p:ext uri="{BB962C8B-B14F-4D97-AF65-F5344CB8AC3E}">
+        <p14:creationId xmlns:p14="http://schemas.microsoft.com/office/powerpoint/2010/main" val="324165320"/>
+      </p:ext>
+    </p:extLst>
+  </p:cSld>
+  <p:clrMapOvr>
+    <a:masterClrMapping/>
+  </p:clrMapOvr>
+</p:sld>
+</file>
+
+<file path=ppt/slides/slide29.xml><?xml version="1.0" encoding="utf-8"?>
 <p:sld xmlns:a="http://schemas.openxmlformats.org/drawingml/2006/main" xmlns:r="http://schemas.openxmlformats.org/officeDocument/2006/relationships" xmlns:p="http://schemas.openxmlformats.org/presentationml/2006/main">
   <p:cSld>
     <p:spTree>
@@ -29041,8 +35381,13 @@
           <a:p>
             <a:r>
               <a:rPr lang="en-US" dirty="0"/>
-              <a:t>Sistema de control de versions</a:t>
+              <a:t>Sistema de control de </a:t>
             </a:r>
+            <a:r>
+              <a:rPr lang="en-US" dirty="0" err="1"/>
+              <a:t>versiones</a:t>
+            </a:r>
+            <a:endParaRPr lang="en-US" dirty="0"/>
           </a:p>
           <a:p>
             <a:r>
@@ -29097,7 +35442,7 @@
             </a:r>
             <a:r>
               <a:rPr lang="en-US" dirty="0" err="1"/>
-              <a:t>coordinacion</a:t>
+              <a:t>coordinación</a:t>
             </a:r>
             <a:r>
               <a:rPr lang="en-US" dirty="0"/>
@@ -29109,7 +35454,15 @@
             </a:r>
             <a:r>
               <a:rPr lang="en-US" dirty="0"/>
-              <a:t> entre multiples </a:t>
+              <a:t> entre </a:t>
+            </a:r>
+            <a:r>
+              <a:rPr lang="en-US" dirty="0" err="1"/>
+              <a:t>múltiples</a:t>
+            </a:r>
+            <a:r>
+              <a:rPr lang="en-US" dirty="0"/>
+              <a:t> </a:t>
             </a:r>
             <a:r>
               <a:rPr lang="en-US" dirty="0" err="1"/>
@@ -29184,7 +35537,621 @@
 </p:sld>
 </file>
 
-<file path=ppt/slides/slide28.xml><?xml version="1.0" encoding="utf-8"?>
+<file path=ppt/slides/slide3.xml><?xml version="1.0" encoding="utf-8"?>
+<p:sld xmlns:a="http://schemas.openxmlformats.org/drawingml/2006/main" xmlns:r="http://schemas.openxmlformats.org/officeDocument/2006/relationships" xmlns:p="http://schemas.openxmlformats.org/presentationml/2006/main">
+  <p:cSld>
+    <p:spTree>
+      <p:nvGrpSpPr>
+        <p:cNvPr id="1" name="Shape 173"/>
+        <p:cNvGrpSpPr/>
+        <p:nvPr/>
+      </p:nvGrpSpPr>
+      <p:grpSpPr>
+        <a:xfrm>
+          <a:off x="0" y="0"/>
+          <a:ext cx="0" cy="0"/>
+          <a:chOff x="0" y="0"/>
+          <a:chExt cx="0" cy="0"/>
+        </a:xfrm>
+      </p:grpSpPr>
+      <p:sp>
+        <p:nvSpPr>
+          <p:cNvPr id="174" name="Shape 174"/>
+          <p:cNvSpPr txBox="1">
+            <a:spLocks noGrp="1"/>
+          </p:cNvSpPr>
+          <p:nvPr>
+            <p:ph type="title"/>
+          </p:nvPr>
+        </p:nvSpPr>
+        <p:spPr>
+          <a:xfrm>
+            <a:off x="677334" y="609600"/>
+            <a:ext cx="8596668" cy="845713"/>
+          </a:xfrm>
+          <a:prstGeom prst="rect">
+            <a:avLst/>
+          </a:prstGeom>
+          <a:noFill/>
+          <a:ln>
+            <a:noFill/>
+          </a:ln>
+        </p:spPr>
+        <p:txBody>
+          <a:bodyPr spcFirstLastPara="1" wrap="square" lIns="91425" tIns="45700" rIns="91425" bIns="45700" anchor="t" anchorCtr="0">
+            <a:noAutofit/>
+          </a:bodyPr>
+          <a:lstStyle/>
+          <a:p>
+            <a:pPr marL="0" marR="0" lvl="0" indent="0" algn="l" rtl="0">
+              <a:spcBef>
+                <a:spcPts val="0"/>
+              </a:spcBef>
+              <a:spcAft>
+                <a:spcPts val="0"/>
+              </a:spcAft>
+              <a:buClr>
+                <a:schemeClr val="accent1"/>
+              </a:buClr>
+              <a:buFont typeface="Trebuchet MS"/>
+              <a:buNone/>
+            </a:pPr>
+            <a:r>
+              <a:rPr lang="es-ES" sz="3600" b="0" i="0" u="none" strike="noStrike" cap="none">
+                <a:solidFill>
+                  <a:schemeClr val="accent1"/>
+                </a:solidFill>
+                <a:latin typeface="Trebuchet MS"/>
+                <a:ea typeface="Trebuchet MS"/>
+                <a:cs typeface="Trebuchet MS"/>
+                <a:sym typeface="Trebuchet MS"/>
+              </a:rPr>
+              <a:t>Visión general de automatización</a:t>
+            </a:r>
+            <a:endParaRPr sz="3600" b="0" i="0" u="none" strike="noStrike" cap="none">
+              <a:solidFill>
+                <a:schemeClr val="accent1"/>
+              </a:solidFill>
+              <a:latin typeface="Trebuchet MS"/>
+              <a:ea typeface="Trebuchet MS"/>
+              <a:cs typeface="Trebuchet MS"/>
+              <a:sym typeface="Trebuchet MS"/>
+            </a:endParaRPr>
+          </a:p>
+        </p:txBody>
+      </p:sp>
+      <p:grpSp>
+        <p:nvGrpSpPr>
+          <p:cNvPr id="175" name="Shape 175"/>
+          <p:cNvGrpSpPr/>
+          <p:nvPr/>
+        </p:nvGrpSpPr>
+        <p:grpSpPr>
+          <a:xfrm>
+            <a:off x="677863" y="1700012"/>
+            <a:ext cx="8596312" cy="4342014"/>
+            <a:chOff x="0" y="0"/>
+            <a:chExt cx="8596312" cy="4342014"/>
+          </a:xfrm>
+        </p:grpSpPr>
+        <p:cxnSp>
+          <p:nvCxnSpPr>
+            <p:cNvPr id="176" name="Shape 176"/>
+            <p:cNvCxnSpPr/>
+            <p:nvPr/>
+          </p:nvCxnSpPr>
+          <p:spPr>
+            <a:xfrm>
+              <a:off x="0" y="0"/>
+              <a:ext cx="8596312" cy="0"/>
+            </a:xfrm>
+            <a:prstGeom prst="straightConnector1">
+              <a:avLst/>
+            </a:prstGeom>
+            <a:solidFill>
+              <a:srgbClr val="90C223"/>
+            </a:solidFill>
+            <a:ln w="19050" cap="rnd" cmpd="sng">
+              <a:solidFill>
+                <a:srgbClr val="90C223"/>
+              </a:solidFill>
+              <a:prstDash val="solid"/>
+              <a:round/>
+              <a:headEnd type="none" w="sm" len="sm"/>
+              <a:tailEnd type="none" w="sm" len="sm"/>
+            </a:ln>
+          </p:spPr>
+        </p:cxnSp>
+        <p:sp>
+          <p:nvSpPr>
+            <p:cNvPr id="177" name="Shape 177"/>
+            <p:cNvSpPr/>
+            <p:nvPr/>
+          </p:nvSpPr>
+          <p:spPr>
+            <a:xfrm>
+              <a:off x="0" y="0"/>
+              <a:ext cx="1719262" cy="4342014"/>
+            </a:xfrm>
+            <a:prstGeom prst="rect">
+              <a:avLst/>
+            </a:prstGeom>
+            <a:noFill/>
+            <a:ln>
+              <a:noFill/>
+            </a:ln>
+          </p:spPr>
+          <p:txBody>
+            <a:bodyPr spcFirstLastPara="1" wrap="square" lIns="91425" tIns="91425" rIns="91425" bIns="91425" anchor="ctr" anchorCtr="0">
+              <a:noAutofit/>
+            </a:bodyPr>
+            <a:lstStyle/>
+            <a:p>
+              <a:pPr marL="0" lvl="0" indent="0">
+                <a:spcBef>
+                  <a:spcPts val="0"/>
+                </a:spcBef>
+                <a:spcAft>
+                  <a:spcPts val="0"/>
+                </a:spcAft>
+                <a:buNone/>
+              </a:pPr>
+              <a:endParaRPr/>
+            </a:p>
+          </p:txBody>
+        </p:sp>
+        <p:sp>
+          <p:nvSpPr>
+            <p:cNvPr id="178" name="Shape 178"/>
+            <p:cNvSpPr txBox="1"/>
+            <p:nvPr/>
+          </p:nvSpPr>
+          <p:spPr>
+            <a:xfrm>
+              <a:off x="0" y="0"/>
+              <a:ext cx="1719262" cy="4342014"/>
+            </a:xfrm>
+            <a:prstGeom prst="rect">
+              <a:avLst/>
+            </a:prstGeom>
+            <a:noFill/>
+            <a:ln>
+              <a:noFill/>
+            </a:ln>
+          </p:spPr>
+          <p:txBody>
+            <a:bodyPr spcFirstLastPara="1" wrap="square" lIns="64750" tIns="64750" rIns="64750" bIns="64750" anchor="t" anchorCtr="0">
+              <a:noAutofit/>
+            </a:bodyPr>
+            <a:lstStyle/>
+            <a:p>
+              <a:pPr marL="0" marR="0" lvl="0" indent="0" algn="l" rtl="0">
+                <a:lnSpc>
+                  <a:spcPct val="90000"/>
+                </a:lnSpc>
+                <a:spcBef>
+                  <a:spcPts val="0"/>
+                </a:spcBef>
+                <a:spcAft>
+                  <a:spcPts val="0"/>
+                </a:spcAft>
+                <a:buNone/>
+              </a:pPr>
+              <a:r>
+                <a:rPr lang="es-ES" sz="1700" b="0" i="0" u="none" strike="noStrike" cap="none">
+                  <a:solidFill>
+                    <a:schemeClr val="dk1"/>
+                  </a:solidFill>
+                  <a:latin typeface="Trebuchet MS"/>
+                  <a:ea typeface="Trebuchet MS"/>
+                  <a:cs typeface="Trebuchet MS"/>
+                  <a:sym typeface="Trebuchet MS"/>
+                </a:rPr>
+                <a:t>Visión general de Automatización</a:t>
+              </a:r>
+              <a:endParaRPr sz="1700" b="0" i="0" u="none" strike="noStrike" cap="none">
+                <a:solidFill>
+                  <a:schemeClr val="dk1"/>
+                </a:solidFill>
+                <a:latin typeface="Trebuchet MS"/>
+                <a:ea typeface="Trebuchet MS"/>
+                <a:cs typeface="Trebuchet MS"/>
+                <a:sym typeface="Trebuchet MS"/>
+              </a:endParaRPr>
+            </a:p>
+          </p:txBody>
+        </p:sp>
+        <p:sp>
+          <p:nvSpPr>
+            <p:cNvPr id="179" name="Shape 179"/>
+            <p:cNvSpPr/>
+            <p:nvPr/>
+          </p:nvSpPr>
+          <p:spPr>
+            <a:xfrm>
+              <a:off x="1848207" y="67843"/>
+              <a:ext cx="6748104" cy="1356879"/>
+            </a:xfrm>
+            <a:prstGeom prst="rect">
+              <a:avLst/>
+            </a:prstGeom>
+            <a:noFill/>
+            <a:ln>
+              <a:noFill/>
+            </a:ln>
+          </p:spPr>
+          <p:txBody>
+            <a:bodyPr spcFirstLastPara="1" wrap="square" lIns="91425" tIns="91425" rIns="91425" bIns="91425" anchor="ctr" anchorCtr="0">
+              <a:noAutofit/>
+            </a:bodyPr>
+            <a:lstStyle/>
+            <a:p>
+              <a:pPr marL="0" lvl="0" indent="0">
+                <a:spcBef>
+                  <a:spcPts val="0"/>
+                </a:spcBef>
+                <a:spcAft>
+                  <a:spcPts val="0"/>
+                </a:spcAft>
+                <a:buNone/>
+              </a:pPr>
+              <a:endParaRPr/>
+            </a:p>
+          </p:txBody>
+        </p:sp>
+        <p:sp>
+          <p:nvSpPr>
+            <p:cNvPr id="180" name="Shape 180"/>
+            <p:cNvSpPr txBox="1"/>
+            <p:nvPr/>
+          </p:nvSpPr>
+          <p:spPr>
+            <a:xfrm>
+              <a:off x="1848207" y="67843"/>
+              <a:ext cx="6748104" cy="1356879"/>
+            </a:xfrm>
+            <a:prstGeom prst="rect">
+              <a:avLst/>
+            </a:prstGeom>
+            <a:noFill/>
+            <a:ln>
+              <a:noFill/>
+            </a:ln>
+          </p:spPr>
+          <p:txBody>
+            <a:bodyPr spcFirstLastPara="1" wrap="square" lIns="129525" tIns="129525" rIns="129525" bIns="129525" anchor="t" anchorCtr="0">
+              <a:noAutofit/>
+            </a:bodyPr>
+            <a:lstStyle/>
+            <a:p>
+              <a:pPr marL="0" marR="0" lvl="0" indent="0" algn="l" rtl="0">
+                <a:lnSpc>
+                  <a:spcPct val="90000"/>
+                </a:lnSpc>
+                <a:spcBef>
+                  <a:spcPts val="0"/>
+                </a:spcBef>
+                <a:spcAft>
+                  <a:spcPts val="0"/>
+                </a:spcAft>
+                <a:buNone/>
+              </a:pPr>
+              <a:r>
+                <a:rPr lang="es-ES" sz="3400" b="0" i="0" u="none" strike="noStrike" cap="none">
+                  <a:solidFill>
+                    <a:schemeClr val="dk1"/>
+                  </a:solidFill>
+                  <a:latin typeface="Trebuchet MS"/>
+                  <a:ea typeface="Trebuchet MS"/>
+                  <a:cs typeface="Trebuchet MS"/>
+                  <a:sym typeface="Trebuchet MS"/>
+                </a:rPr>
+                <a:t>* Beneficios</a:t>
+              </a:r>
+              <a:endParaRPr sz="3400" b="0" i="0" u="none" strike="noStrike" cap="none">
+                <a:solidFill>
+                  <a:schemeClr val="dk1"/>
+                </a:solidFill>
+                <a:latin typeface="Trebuchet MS"/>
+                <a:ea typeface="Trebuchet MS"/>
+                <a:cs typeface="Trebuchet MS"/>
+                <a:sym typeface="Trebuchet MS"/>
+              </a:endParaRPr>
+            </a:p>
+          </p:txBody>
+        </p:sp>
+        <p:cxnSp>
+          <p:nvCxnSpPr>
+            <p:cNvPr id="181" name="Shape 181"/>
+            <p:cNvCxnSpPr/>
+            <p:nvPr/>
+          </p:nvCxnSpPr>
+          <p:spPr>
+            <a:xfrm>
+              <a:off x="1719262" y="1424723"/>
+              <a:ext cx="6877049" cy="0"/>
+            </a:xfrm>
+            <a:prstGeom prst="straightConnector1">
+              <a:avLst/>
+            </a:prstGeom>
+            <a:solidFill>
+              <a:srgbClr val="90C223"/>
+            </a:solidFill>
+            <a:ln w="19050" cap="rnd" cmpd="sng">
+              <a:solidFill>
+                <a:srgbClr val="D1E3BB"/>
+              </a:solidFill>
+              <a:prstDash val="solid"/>
+              <a:round/>
+              <a:headEnd type="none" w="sm" len="sm"/>
+              <a:tailEnd type="none" w="sm" len="sm"/>
+            </a:ln>
+          </p:spPr>
+        </p:cxnSp>
+        <p:sp>
+          <p:nvSpPr>
+            <p:cNvPr id="182" name="Shape 182"/>
+            <p:cNvSpPr/>
+            <p:nvPr/>
+          </p:nvSpPr>
+          <p:spPr>
+            <a:xfrm>
+              <a:off x="1848207" y="1492567"/>
+              <a:ext cx="6748104" cy="1356879"/>
+            </a:xfrm>
+            <a:prstGeom prst="rect">
+              <a:avLst/>
+            </a:prstGeom>
+            <a:noFill/>
+            <a:ln>
+              <a:noFill/>
+            </a:ln>
+          </p:spPr>
+          <p:txBody>
+            <a:bodyPr spcFirstLastPara="1" wrap="square" lIns="91425" tIns="91425" rIns="91425" bIns="91425" anchor="ctr" anchorCtr="0">
+              <a:noAutofit/>
+            </a:bodyPr>
+            <a:lstStyle/>
+            <a:p>
+              <a:pPr marL="0" lvl="0" indent="0">
+                <a:spcBef>
+                  <a:spcPts val="0"/>
+                </a:spcBef>
+                <a:spcAft>
+                  <a:spcPts val="0"/>
+                </a:spcAft>
+                <a:buNone/>
+              </a:pPr>
+              <a:endParaRPr/>
+            </a:p>
+          </p:txBody>
+        </p:sp>
+        <p:sp>
+          <p:nvSpPr>
+            <p:cNvPr id="183" name="Shape 183"/>
+            <p:cNvSpPr txBox="1"/>
+            <p:nvPr/>
+          </p:nvSpPr>
+          <p:spPr>
+            <a:xfrm>
+              <a:off x="1848207" y="1492567"/>
+              <a:ext cx="6748104" cy="1356879"/>
+            </a:xfrm>
+            <a:prstGeom prst="rect">
+              <a:avLst/>
+            </a:prstGeom>
+            <a:noFill/>
+            <a:ln>
+              <a:noFill/>
+            </a:ln>
+          </p:spPr>
+          <p:txBody>
+            <a:bodyPr spcFirstLastPara="1" wrap="square" lIns="129525" tIns="129525" rIns="129525" bIns="129525" anchor="t" anchorCtr="0">
+              <a:noAutofit/>
+            </a:bodyPr>
+            <a:lstStyle/>
+            <a:p>
+              <a:pPr marL="0" marR="0" lvl="0" indent="0" algn="l" rtl="0">
+                <a:lnSpc>
+                  <a:spcPct val="90000"/>
+                </a:lnSpc>
+                <a:spcBef>
+                  <a:spcPts val="0"/>
+                </a:spcBef>
+                <a:spcAft>
+                  <a:spcPts val="0"/>
+                </a:spcAft>
+                <a:buNone/>
+              </a:pPr>
+              <a:r>
+                <a:rPr lang="es-ES" sz="3400" b="0" i="0" u="none" strike="noStrike" cap="none">
+                  <a:solidFill>
+                    <a:schemeClr val="dk1"/>
+                  </a:solidFill>
+                  <a:latin typeface="Trebuchet MS"/>
+                  <a:ea typeface="Trebuchet MS"/>
+                  <a:cs typeface="Trebuchet MS"/>
+                  <a:sym typeface="Trebuchet MS"/>
+                </a:rPr>
+                <a:t>* Proceso de la Automatización</a:t>
+              </a:r>
+              <a:endParaRPr sz="3400" b="0" i="0" u="none" strike="noStrike" cap="none">
+                <a:solidFill>
+                  <a:schemeClr val="dk1"/>
+                </a:solidFill>
+                <a:latin typeface="Trebuchet MS"/>
+                <a:ea typeface="Trebuchet MS"/>
+                <a:cs typeface="Trebuchet MS"/>
+                <a:sym typeface="Trebuchet MS"/>
+              </a:endParaRPr>
+            </a:p>
+          </p:txBody>
+        </p:sp>
+        <p:cxnSp>
+          <p:nvCxnSpPr>
+            <p:cNvPr id="184" name="Shape 184"/>
+            <p:cNvCxnSpPr/>
+            <p:nvPr/>
+          </p:nvCxnSpPr>
+          <p:spPr>
+            <a:xfrm>
+              <a:off x="1719262" y="2849446"/>
+              <a:ext cx="6877049" cy="0"/>
+            </a:xfrm>
+            <a:prstGeom prst="straightConnector1">
+              <a:avLst/>
+            </a:prstGeom>
+            <a:solidFill>
+              <a:srgbClr val="90C223"/>
+            </a:solidFill>
+            <a:ln w="19050" cap="rnd" cmpd="sng">
+              <a:solidFill>
+                <a:srgbClr val="D1E3BB"/>
+              </a:solidFill>
+              <a:prstDash val="solid"/>
+              <a:round/>
+              <a:headEnd type="none" w="sm" len="sm"/>
+              <a:tailEnd type="none" w="sm" len="sm"/>
+            </a:ln>
+          </p:spPr>
+        </p:cxnSp>
+        <p:sp>
+          <p:nvSpPr>
+            <p:cNvPr id="185" name="Shape 185"/>
+            <p:cNvSpPr/>
+            <p:nvPr/>
+          </p:nvSpPr>
+          <p:spPr>
+            <a:xfrm>
+              <a:off x="1848207" y="2917290"/>
+              <a:ext cx="6748104" cy="1356879"/>
+            </a:xfrm>
+            <a:prstGeom prst="rect">
+              <a:avLst/>
+            </a:prstGeom>
+            <a:noFill/>
+            <a:ln>
+              <a:noFill/>
+            </a:ln>
+          </p:spPr>
+          <p:txBody>
+            <a:bodyPr spcFirstLastPara="1" wrap="square" lIns="91425" tIns="91425" rIns="91425" bIns="91425" anchor="ctr" anchorCtr="0">
+              <a:noAutofit/>
+            </a:bodyPr>
+            <a:lstStyle/>
+            <a:p>
+              <a:pPr marL="0" lvl="0" indent="0">
+                <a:spcBef>
+                  <a:spcPts val="0"/>
+                </a:spcBef>
+                <a:spcAft>
+                  <a:spcPts val="0"/>
+                </a:spcAft>
+                <a:buNone/>
+              </a:pPr>
+              <a:endParaRPr/>
+            </a:p>
+          </p:txBody>
+        </p:sp>
+        <p:sp>
+          <p:nvSpPr>
+            <p:cNvPr id="186" name="Shape 186"/>
+            <p:cNvSpPr txBox="1"/>
+            <p:nvPr/>
+          </p:nvSpPr>
+          <p:spPr>
+            <a:xfrm>
+              <a:off x="1848207" y="2917290"/>
+              <a:ext cx="6748104" cy="1356879"/>
+            </a:xfrm>
+            <a:prstGeom prst="rect">
+              <a:avLst/>
+            </a:prstGeom>
+            <a:noFill/>
+            <a:ln>
+              <a:noFill/>
+            </a:ln>
+          </p:spPr>
+          <p:txBody>
+            <a:bodyPr spcFirstLastPara="1" wrap="square" lIns="129525" tIns="129525" rIns="129525" bIns="129525" anchor="t" anchorCtr="0">
+              <a:noAutofit/>
+            </a:bodyPr>
+            <a:lstStyle/>
+            <a:p>
+              <a:pPr marL="0" marR="0" lvl="0" indent="0" algn="l" rtl="0">
+                <a:lnSpc>
+                  <a:spcPct val="90000"/>
+                </a:lnSpc>
+                <a:spcBef>
+                  <a:spcPts val="0"/>
+                </a:spcBef>
+                <a:spcAft>
+                  <a:spcPts val="0"/>
+                </a:spcAft>
+                <a:buNone/>
+              </a:pPr>
+              <a:r>
+                <a:rPr lang="es-ES" sz="3400" b="0" i="0" u="none" strike="noStrike" cap="none">
+                  <a:solidFill>
+                    <a:schemeClr val="dk1"/>
+                  </a:solidFill>
+                  <a:latin typeface="Trebuchet MS"/>
+                  <a:ea typeface="Trebuchet MS"/>
+                  <a:cs typeface="Trebuchet MS"/>
+                  <a:sym typeface="Trebuchet MS"/>
+                </a:rPr>
+                <a:t>* Creación de una infraestructura de automatización.</a:t>
+              </a:r>
+              <a:endParaRPr sz="3400" b="0" i="0" u="none" strike="noStrike" cap="none">
+                <a:solidFill>
+                  <a:schemeClr val="dk1"/>
+                </a:solidFill>
+                <a:latin typeface="Trebuchet MS"/>
+                <a:ea typeface="Trebuchet MS"/>
+                <a:cs typeface="Trebuchet MS"/>
+                <a:sym typeface="Trebuchet MS"/>
+              </a:endParaRPr>
+            </a:p>
+          </p:txBody>
+        </p:sp>
+        <p:cxnSp>
+          <p:nvCxnSpPr>
+            <p:cNvPr id="187" name="Shape 187"/>
+            <p:cNvCxnSpPr/>
+            <p:nvPr/>
+          </p:nvCxnSpPr>
+          <p:spPr>
+            <a:xfrm>
+              <a:off x="1719262" y="4274170"/>
+              <a:ext cx="6877049" cy="0"/>
+            </a:xfrm>
+            <a:prstGeom prst="straightConnector1">
+              <a:avLst/>
+            </a:prstGeom>
+            <a:solidFill>
+              <a:srgbClr val="90C223"/>
+            </a:solidFill>
+            <a:ln w="19050" cap="rnd" cmpd="sng">
+              <a:solidFill>
+                <a:srgbClr val="D1E3BB"/>
+              </a:solidFill>
+              <a:prstDash val="solid"/>
+              <a:round/>
+              <a:headEnd type="none" w="sm" len="sm"/>
+              <a:tailEnd type="none" w="sm" len="sm"/>
+            </a:ln>
+          </p:spPr>
+        </p:cxnSp>
+      </p:grpSp>
+    </p:spTree>
+  </p:cSld>
+  <p:clrMapOvr>
+    <a:masterClrMapping/>
+  </p:clrMapOvr>
+</p:sld>
+</file>
+
+<file path=ppt/slides/slide30.xml><?xml version="1.0" encoding="utf-8"?>
 <p:sld xmlns:a="http://schemas.openxmlformats.org/drawingml/2006/main" xmlns:r="http://schemas.openxmlformats.org/officeDocument/2006/relationships" xmlns:p="http://schemas.openxmlformats.org/presentationml/2006/main">
   <p:cSld>
     <p:spTree>
@@ -29362,7 +36329,7 @@
 </p:sld>
 </file>
 
-<file path=ppt/slides/slide29.xml><?xml version="1.0" encoding="utf-8"?>
+<file path=ppt/slides/slide31.xml><?xml version="1.0" encoding="utf-8"?>
 <p:sld xmlns:a="http://schemas.openxmlformats.org/drawingml/2006/main" xmlns:r="http://schemas.openxmlformats.org/officeDocument/2006/relationships" xmlns:p="http://schemas.openxmlformats.org/presentationml/2006/main">
   <p:cSld>
     <p:spTree>
@@ -29408,31 +36375,6 @@
           </a:p>
         </p:txBody>
       </p:sp>
-      <p:sp>
-        <p:nvSpPr>
-          <p:cNvPr id="3" name="Marcador de texto 2">
-            <a:extLst>
-              <a:ext uri="{FF2B5EF4-FFF2-40B4-BE49-F238E27FC236}">
-                <a16:creationId xmlns:a16="http://schemas.microsoft.com/office/drawing/2014/main" id="{E2018D07-2A1B-4ED2-8AD7-7295BB94EBFB}"/>
-              </a:ext>
-            </a:extLst>
-          </p:cNvPr>
-          <p:cNvSpPr>
-            <a:spLocks noGrp="1"/>
-          </p:cNvSpPr>
-          <p:nvPr>
-            <p:ph type="body" idx="1"/>
-          </p:nvPr>
-        </p:nvSpPr>
-        <p:spPr/>
-        <p:txBody>
-          <a:bodyPr/>
-          <a:lstStyle/>
-          <a:p>
-            <a:endParaRPr lang="en-US" dirty="0"/>
-          </a:p>
-        </p:txBody>
-      </p:sp>
       <p:pic>
         <p:nvPicPr>
           <p:cNvPr id="5" name="Imagen 4">
@@ -29455,8 +36397,8 @@
         </p:blipFill>
         <p:spPr>
           <a:xfrm>
-            <a:off x="2569995" y="1454568"/>
-            <a:ext cx="4581525" cy="4333875"/>
+            <a:off x="2650205" y="644359"/>
+            <a:ext cx="6060658" cy="5733055"/>
           </a:xfrm>
           <a:prstGeom prst="rect">
             <a:avLst/>
@@ -29476,621 +36418,7 @@
 </p:sld>
 </file>
 
-<file path=ppt/slides/slide3.xml><?xml version="1.0" encoding="utf-8"?>
-<p:sld xmlns:a="http://schemas.openxmlformats.org/drawingml/2006/main" xmlns:r="http://schemas.openxmlformats.org/officeDocument/2006/relationships" xmlns:p="http://schemas.openxmlformats.org/presentationml/2006/main">
-  <p:cSld>
-    <p:spTree>
-      <p:nvGrpSpPr>
-        <p:cNvPr id="1" name="Shape 173"/>
-        <p:cNvGrpSpPr/>
-        <p:nvPr/>
-      </p:nvGrpSpPr>
-      <p:grpSpPr>
-        <a:xfrm>
-          <a:off x="0" y="0"/>
-          <a:ext cx="0" cy="0"/>
-          <a:chOff x="0" y="0"/>
-          <a:chExt cx="0" cy="0"/>
-        </a:xfrm>
-      </p:grpSpPr>
-      <p:sp>
-        <p:nvSpPr>
-          <p:cNvPr id="174" name="Shape 174"/>
-          <p:cNvSpPr txBox="1">
-            <a:spLocks noGrp="1"/>
-          </p:cNvSpPr>
-          <p:nvPr>
-            <p:ph type="title"/>
-          </p:nvPr>
-        </p:nvSpPr>
-        <p:spPr>
-          <a:xfrm>
-            <a:off x="677334" y="609600"/>
-            <a:ext cx="8596668" cy="845713"/>
-          </a:xfrm>
-          <a:prstGeom prst="rect">
-            <a:avLst/>
-          </a:prstGeom>
-          <a:noFill/>
-          <a:ln>
-            <a:noFill/>
-          </a:ln>
-        </p:spPr>
-        <p:txBody>
-          <a:bodyPr spcFirstLastPara="1" wrap="square" lIns="91425" tIns="45700" rIns="91425" bIns="45700" anchor="t" anchorCtr="0">
-            <a:noAutofit/>
-          </a:bodyPr>
-          <a:lstStyle/>
-          <a:p>
-            <a:pPr marL="0" marR="0" lvl="0" indent="0" algn="l" rtl="0">
-              <a:spcBef>
-                <a:spcPts val="0"/>
-              </a:spcBef>
-              <a:spcAft>
-                <a:spcPts val="0"/>
-              </a:spcAft>
-              <a:buClr>
-                <a:schemeClr val="accent1"/>
-              </a:buClr>
-              <a:buFont typeface="Trebuchet MS"/>
-              <a:buNone/>
-            </a:pPr>
-            <a:r>
-              <a:rPr lang="es-ES" sz="3600" b="0" i="0" u="none" strike="noStrike" cap="none">
-                <a:solidFill>
-                  <a:schemeClr val="accent1"/>
-                </a:solidFill>
-                <a:latin typeface="Trebuchet MS"/>
-                <a:ea typeface="Trebuchet MS"/>
-                <a:cs typeface="Trebuchet MS"/>
-                <a:sym typeface="Trebuchet MS"/>
-              </a:rPr>
-              <a:t>Visión general de automatización</a:t>
-            </a:r>
-            <a:endParaRPr sz="3600" b="0" i="0" u="none" strike="noStrike" cap="none">
-              <a:solidFill>
-                <a:schemeClr val="accent1"/>
-              </a:solidFill>
-              <a:latin typeface="Trebuchet MS"/>
-              <a:ea typeface="Trebuchet MS"/>
-              <a:cs typeface="Trebuchet MS"/>
-              <a:sym typeface="Trebuchet MS"/>
-            </a:endParaRPr>
-          </a:p>
-        </p:txBody>
-      </p:sp>
-      <p:grpSp>
-        <p:nvGrpSpPr>
-          <p:cNvPr id="175" name="Shape 175"/>
-          <p:cNvGrpSpPr/>
-          <p:nvPr/>
-        </p:nvGrpSpPr>
-        <p:grpSpPr>
-          <a:xfrm>
-            <a:off x="677863" y="1700012"/>
-            <a:ext cx="8596312" cy="4342014"/>
-            <a:chOff x="0" y="0"/>
-            <a:chExt cx="8596312" cy="4342014"/>
-          </a:xfrm>
-        </p:grpSpPr>
-        <p:cxnSp>
-          <p:nvCxnSpPr>
-            <p:cNvPr id="176" name="Shape 176"/>
-            <p:cNvCxnSpPr/>
-            <p:nvPr/>
-          </p:nvCxnSpPr>
-          <p:spPr>
-            <a:xfrm>
-              <a:off x="0" y="0"/>
-              <a:ext cx="8596312" cy="0"/>
-            </a:xfrm>
-            <a:prstGeom prst="straightConnector1">
-              <a:avLst/>
-            </a:prstGeom>
-            <a:solidFill>
-              <a:srgbClr val="90C223"/>
-            </a:solidFill>
-            <a:ln w="19050" cap="rnd" cmpd="sng">
-              <a:solidFill>
-                <a:srgbClr val="90C223"/>
-              </a:solidFill>
-              <a:prstDash val="solid"/>
-              <a:round/>
-              <a:headEnd type="none" w="sm" len="sm"/>
-              <a:tailEnd type="none" w="sm" len="sm"/>
-            </a:ln>
-          </p:spPr>
-        </p:cxnSp>
-        <p:sp>
-          <p:nvSpPr>
-            <p:cNvPr id="177" name="Shape 177"/>
-            <p:cNvSpPr/>
-            <p:nvPr/>
-          </p:nvSpPr>
-          <p:spPr>
-            <a:xfrm>
-              <a:off x="0" y="0"/>
-              <a:ext cx="1719262" cy="4342014"/>
-            </a:xfrm>
-            <a:prstGeom prst="rect">
-              <a:avLst/>
-            </a:prstGeom>
-            <a:noFill/>
-            <a:ln>
-              <a:noFill/>
-            </a:ln>
-          </p:spPr>
-          <p:txBody>
-            <a:bodyPr spcFirstLastPara="1" wrap="square" lIns="91425" tIns="91425" rIns="91425" bIns="91425" anchor="ctr" anchorCtr="0">
-              <a:noAutofit/>
-            </a:bodyPr>
-            <a:lstStyle/>
-            <a:p>
-              <a:pPr marL="0" lvl="0" indent="0">
-                <a:spcBef>
-                  <a:spcPts val="0"/>
-                </a:spcBef>
-                <a:spcAft>
-                  <a:spcPts val="0"/>
-                </a:spcAft>
-                <a:buNone/>
-              </a:pPr>
-              <a:endParaRPr/>
-            </a:p>
-          </p:txBody>
-        </p:sp>
-        <p:sp>
-          <p:nvSpPr>
-            <p:cNvPr id="178" name="Shape 178"/>
-            <p:cNvSpPr txBox="1"/>
-            <p:nvPr/>
-          </p:nvSpPr>
-          <p:spPr>
-            <a:xfrm>
-              <a:off x="0" y="0"/>
-              <a:ext cx="1719262" cy="4342014"/>
-            </a:xfrm>
-            <a:prstGeom prst="rect">
-              <a:avLst/>
-            </a:prstGeom>
-            <a:noFill/>
-            <a:ln>
-              <a:noFill/>
-            </a:ln>
-          </p:spPr>
-          <p:txBody>
-            <a:bodyPr spcFirstLastPara="1" wrap="square" lIns="64750" tIns="64750" rIns="64750" bIns="64750" anchor="t" anchorCtr="0">
-              <a:noAutofit/>
-            </a:bodyPr>
-            <a:lstStyle/>
-            <a:p>
-              <a:pPr marL="0" marR="0" lvl="0" indent="0" algn="l" rtl="0">
-                <a:lnSpc>
-                  <a:spcPct val="90000"/>
-                </a:lnSpc>
-                <a:spcBef>
-                  <a:spcPts val="0"/>
-                </a:spcBef>
-                <a:spcAft>
-                  <a:spcPts val="0"/>
-                </a:spcAft>
-                <a:buNone/>
-              </a:pPr>
-              <a:r>
-                <a:rPr lang="es-ES" sz="1700" b="0" i="0" u="none" strike="noStrike" cap="none">
-                  <a:solidFill>
-                    <a:schemeClr val="dk1"/>
-                  </a:solidFill>
-                  <a:latin typeface="Trebuchet MS"/>
-                  <a:ea typeface="Trebuchet MS"/>
-                  <a:cs typeface="Trebuchet MS"/>
-                  <a:sym typeface="Trebuchet MS"/>
-                </a:rPr>
-                <a:t>Visión general de Automatización</a:t>
-              </a:r>
-              <a:endParaRPr sz="1700" b="0" i="0" u="none" strike="noStrike" cap="none">
-                <a:solidFill>
-                  <a:schemeClr val="dk1"/>
-                </a:solidFill>
-                <a:latin typeface="Trebuchet MS"/>
-                <a:ea typeface="Trebuchet MS"/>
-                <a:cs typeface="Trebuchet MS"/>
-                <a:sym typeface="Trebuchet MS"/>
-              </a:endParaRPr>
-            </a:p>
-          </p:txBody>
-        </p:sp>
-        <p:sp>
-          <p:nvSpPr>
-            <p:cNvPr id="179" name="Shape 179"/>
-            <p:cNvSpPr/>
-            <p:nvPr/>
-          </p:nvSpPr>
-          <p:spPr>
-            <a:xfrm>
-              <a:off x="1848207" y="67843"/>
-              <a:ext cx="6748104" cy="1356879"/>
-            </a:xfrm>
-            <a:prstGeom prst="rect">
-              <a:avLst/>
-            </a:prstGeom>
-            <a:noFill/>
-            <a:ln>
-              <a:noFill/>
-            </a:ln>
-          </p:spPr>
-          <p:txBody>
-            <a:bodyPr spcFirstLastPara="1" wrap="square" lIns="91425" tIns="91425" rIns="91425" bIns="91425" anchor="ctr" anchorCtr="0">
-              <a:noAutofit/>
-            </a:bodyPr>
-            <a:lstStyle/>
-            <a:p>
-              <a:pPr marL="0" lvl="0" indent="0">
-                <a:spcBef>
-                  <a:spcPts val="0"/>
-                </a:spcBef>
-                <a:spcAft>
-                  <a:spcPts val="0"/>
-                </a:spcAft>
-                <a:buNone/>
-              </a:pPr>
-              <a:endParaRPr/>
-            </a:p>
-          </p:txBody>
-        </p:sp>
-        <p:sp>
-          <p:nvSpPr>
-            <p:cNvPr id="180" name="Shape 180"/>
-            <p:cNvSpPr txBox="1"/>
-            <p:nvPr/>
-          </p:nvSpPr>
-          <p:spPr>
-            <a:xfrm>
-              <a:off x="1848207" y="67843"/>
-              <a:ext cx="6748104" cy="1356879"/>
-            </a:xfrm>
-            <a:prstGeom prst="rect">
-              <a:avLst/>
-            </a:prstGeom>
-            <a:noFill/>
-            <a:ln>
-              <a:noFill/>
-            </a:ln>
-          </p:spPr>
-          <p:txBody>
-            <a:bodyPr spcFirstLastPara="1" wrap="square" lIns="129525" tIns="129525" rIns="129525" bIns="129525" anchor="t" anchorCtr="0">
-              <a:noAutofit/>
-            </a:bodyPr>
-            <a:lstStyle/>
-            <a:p>
-              <a:pPr marL="0" marR="0" lvl="0" indent="0" algn="l" rtl="0">
-                <a:lnSpc>
-                  <a:spcPct val="90000"/>
-                </a:lnSpc>
-                <a:spcBef>
-                  <a:spcPts val="0"/>
-                </a:spcBef>
-                <a:spcAft>
-                  <a:spcPts val="0"/>
-                </a:spcAft>
-                <a:buNone/>
-              </a:pPr>
-              <a:r>
-                <a:rPr lang="es-ES" sz="3400" b="0" i="0" u="none" strike="noStrike" cap="none">
-                  <a:solidFill>
-                    <a:schemeClr val="dk1"/>
-                  </a:solidFill>
-                  <a:latin typeface="Trebuchet MS"/>
-                  <a:ea typeface="Trebuchet MS"/>
-                  <a:cs typeface="Trebuchet MS"/>
-                  <a:sym typeface="Trebuchet MS"/>
-                </a:rPr>
-                <a:t>* Beneficios</a:t>
-              </a:r>
-              <a:endParaRPr sz="3400" b="0" i="0" u="none" strike="noStrike" cap="none">
-                <a:solidFill>
-                  <a:schemeClr val="dk1"/>
-                </a:solidFill>
-                <a:latin typeface="Trebuchet MS"/>
-                <a:ea typeface="Trebuchet MS"/>
-                <a:cs typeface="Trebuchet MS"/>
-                <a:sym typeface="Trebuchet MS"/>
-              </a:endParaRPr>
-            </a:p>
-          </p:txBody>
-        </p:sp>
-        <p:cxnSp>
-          <p:nvCxnSpPr>
-            <p:cNvPr id="181" name="Shape 181"/>
-            <p:cNvCxnSpPr/>
-            <p:nvPr/>
-          </p:nvCxnSpPr>
-          <p:spPr>
-            <a:xfrm>
-              <a:off x="1719262" y="1424723"/>
-              <a:ext cx="6877049" cy="0"/>
-            </a:xfrm>
-            <a:prstGeom prst="straightConnector1">
-              <a:avLst/>
-            </a:prstGeom>
-            <a:solidFill>
-              <a:srgbClr val="90C223"/>
-            </a:solidFill>
-            <a:ln w="19050" cap="rnd" cmpd="sng">
-              <a:solidFill>
-                <a:srgbClr val="D1E3BB"/>
-              </a:solidFill>
-              <a:prstDash val="solid"/>
-              <a:round/>
-              <a:headEnd type="none" w="sm" len="sm"/>
-              <a:tailEnd type="none" w="sm" len="sm"/>
-            </a:ln>
-          </p:spPr>
-        </p:cxnSp>
-        <p:sp>
-          <p:nvSpPr>
-            <p:cNvPr id="182" name="Shape 182"/>
-            <p:cNvSpPr/>
-            <p:nvPr/>
-          </p:nvSpPr>
-          <p:spPr>
-            <a:xfrm>
-              <a:off x="1848207" y="1492567"/>
-              <a:ext cx="6748104" cy="1356879"/>
-            </a:xfrm>
-            <a:prstGeom prst="rect">
-              <a:avLst/>
-            </a:prstGeom>
-            <a:noFill/>
-            <a:ln>
-              <a:noFill/>
-            </a:ln>
-          </p:spPr>
-          <p:txBody>
-            <a:bodyPr spcFirstLastPara="1" wrap="square" lIns="91425" tIns="91425" rIns="91425" bIns="91425" anchor="ctr" anchorCtr="0">
-              <a:noAutofit/>
-            </a:bodyPr>
-            <a:lstStyle/>
-            <a:p>
-              <a:pPr marL="0" lvl="0" indent="0">
-                <a:spcBef>
-                  <a:spcPts val="0"/>
-                </a:spcBef>
-                <a:spcAft>
-                  <a:spcPts val="0"/>
-                </a:spcAft>
-                <a:buNone/>
-              </a:pPr>
-              <a:endParaRPr/>
-            </a:p>
-          </p:txBody>
-        </p:sp>
-        <p:sp>
-          <p:nvSpPr>
-            <p:cNvPr id="183" name="Shape 183"/>
-            <p:cNvSpPr txBox="1"/>
-            <p:nvPr/>
-          </p:nvSpPr>
-          <p:spPr>
-            <a:xfrm>
-              <a:off x="1848207" y="1492567"/>
-              <a:ext cx="6748104" cy="1356879"/>
-            </a:xfrm>
-            <a:prstGeom prst="rect">
-              <a:avLst/>
-            </a:prstGeom>
-            <a:noFill/>
-            <a:ln>
-              <a:noFill/>
-            </a:ln>
-          </p:spPr>
-          <p:txBody>
-            <a:bodyPr spcFirstLastPara="1" wrap="square" lIns="129525" tIns="129525" rIns="129525" bIns="129525" anchor="t" anchorCtr="0">
-              <a:noAutofit/>
-            </a:bodyPr>
-            <a:lstStyle/>
-            <a:p>
-              <a:pPr marL="0" marR="0" lvl="0" indent="0" algn="l" rtl="0">
-                <a:lnSpc>
-                  <a:spcPct val="90000"/>
-                </a:lnSpc>
-                <a:spcBef>
-                  <a:spcPts val="0"/>
-                </a:spcBef>
-                <a:spcAft>
-                  <a:spcPts val="0"/>
-                </a:spcAft>
-                <a:buNone/>
-              </a:pPr>
-              <a:r>
-                <a:rPr lang="es-ES" sz="3400" b="0" i="0" u="none" strike="noStrike" cap="none">
-                  <a:solidFill>
-                    <a:schemeClr val="dk1"/>
-                  </a:solidFill>
-                  <a:latin typeface="Trebuchet MS"/>
-                  <a:ea typeface="Trebuchet MS"/>
-                  <a:cs typeface="Trebuchet MS"/>
-                  <a:sym typeface="Trebuchet MS"/>
-                </a:rPr>
-                <a:t>* Proceso de la Automatización</a:t>
-              </a:r>
-              <a:endParaRPr sz="3400" b="0" i="0" u="none" strike="noStrike" cap="none">
-                <a:solidFill>
-                  <a:schemeClr val="dk1"/>
-                </a:solidFill>
-                <a:latin typeface="Trebuchet MS"/>
-                <a:ea typeface="Trebuchet MS"/>
-                <a:cs typeface="Trebuchet MS"/>
-                <a:sym typeface="Trebuchet MS"/>
-              </a:endParaRPr>
-            </a:p>
-          </p:txBody>
-        </p:sp>
-        <p:cxnSp>
-          <p:nvCxnSpPr>
-            <p:cNvPr id="184" name="Shape 184"/>
-            <p:cNvCxnSpPr/>
-            <p:nvPr/>
-          </p:nvCxnSpPr>
-          <p:spPr>
-            <a:xfrm>
-              <a:off x="1719262" y="2849446"/>
-              <a:ext cx="6877049" cy="0"/>
-            </a:xfrm>
-            <a:prstGeom prst="straightConnector1">
-              <a:avLst/>
-            </a:prstGeom>
-            <a:solidFill>
-              <a:srgbClr val="90C223"/>
-            </a:solidFill>
-            <a:ln w="19050" cap="rnd" cmpd="sng">
-              <a:solidFill>
-                <a:srgbClr val="D1E3BB"/>
-              </a:solidFill>
-              <a:prstDash val="solid"/>
-              <a:round/>
-              <a:headEnd type="none" w="sm" len="sm"/>
-              <a:tailEnd type="none" w="sm" len="sm"/>
-            </a:ln>
-          </p:spPr>
-        </p:cxnSp>
-        <p:sp>
-          <p:nvSpPr>
-            <p:cNvPr id="185" name="Shape 185"/>
-            <p:cNvSpPr/>
-            <p:nvPr/>
-          </p:nvSpPr>
-          <p:spPr>
-            <a:xfrm>
-              <a:off x="1848207" y="2917290"/>
-              <a:ext cx="6748104" cy="1356879"/>
-            </a:xfrm>
-            <a:prstGeom prst="rect">
-              <a:avLst/>
-            </a:prstGeom>
-            <a:noFill/>
-            <a:ln>
-              <a:noFill/>
-            </a:ln>
-          </p:spPr>
-          <p:txBody>
-            <a:bodyPr spcFirstLastPara="1" wrap="square" lIns="91425" tIns="91425" rIns="91425" bIns="91425" anchor="ctr" anchorCtr="0">
-              <a:noAutofit/>
-            </a:bodyPr>
-            <a:lstStyle/>
-            <a:p>
-              <a:pPr marL="0" lvl="0" indent="0">
-                <a:spcBef>
-                  <a:spcPts val="0"/>
-                </a:spcBef>
-                <a:spcAft>
-                  <a:spcPts val="0"/>
-                </a:spcAft>
-                <a:buNone/>
-              </a:pPr>
-              <a:endParaRPr/>
-            </a:p>
-          </p:txBody>
-        </p:sp>
-        <p:sp>
-          <p:nvSpPr>
-            <p:cNvPr id="186" name="Shape 186"/>
-            <p:cNvSpPr txBox="1"/>
-            <p:nvPr/>
-          </p:nvSpPr>
-          <p:spPr>
-            <a:xfrm>
-              <a:off x="1848207" y="2917290"/>
-              <a:ext cx="6748104" cy="1356879"/>
-            </a:xfrm>
-            <a:prstGeom prst="rect">
-              <a:avLst/>
-            </a:prstGeom>
-            <a:noFill/>
-            <a:ln>
-              <a:noFill/>
-            </a:ln>
-          </p:spPr>
-          <p:txBody>
-            <a:bodyPr spcFirstLastPara="1" wrap="square" lIns="129525" tIns="129525" rIns="129525" bIns="129525" anchor="t" anchorCtr="0">
-              <a:noAutofit/>
-            </a:bodyPr>
-            <a:lstStyle/>
-            <a:p>
-              <a:pPr marL="0" marR="0" lvl="0" indent="0" algn="l" rtl="0">
-                <a:lnSpc>
-                  <a:spcPct val="90000"/>
-                </a:lnSpc>
-                <a:spcBef>
-                  <a:spcPts val="0"/>
-                </a:spcBef>
-                <a:spcAft>
-                  <a:spcPts val="0"/>
-                </a:spcAft>
-                <a:buNone/>
-              </a:pPr>
-              <a:r>
-                <a:rPr lang="es-ES" sz="3400" b="0" i="0" u="none" strike="noStrike" cap="none">
-                  <a:solidFill>
-                    <a:schemeClr val="dk1"/>
-                  </a:solidFill>
-                  <a:latin typeface="Trebuchet MS"/>
-                  <a:ea typeface="Trebuchet MS"/>
-                  <a:cs typeface="Trebuchet MS"/>
-                  <a:sym typeface="Trebuchet MS"/>
-                </a:rPr>
-                <a:t>* Creación de una infraestructura de automatización.</a:t>
-              </a:r>
-              <a:endParaRPr sz="3400" b="0" i="0" u="none" strike="noStrike" cap="none">
-                <a:solidFill>
-                  <a:schemeClr val="dk1"/>
-                </a:solidFill>
-                <a:latin typeface="Trebuchet MS"/>
-                <a:ea typeface="Trebuchet MS"/>
-                <a:cs typeface="Trebuchet MS"/>
-                <a:sym typeface="Trebuchet MS"/>
-              </a:endParaRPr>
-            </a:p>
-          </p:txBody>
-        </p:sp>
-        <p:cxnSp>
-          <p:nvCxnSpPr>
-            <p:cNvPr id="187" name="Shape 187"/>
-            <p:cNvCxnSpPr/>
-            <p:nvPr/>
-          </p:nvCxnSpPr>
-          <p:spPr>
-            <a:xfrm>
-              <a:off x="1719262" y="4274170"/>
-              <a:ext cx="6877049" cy="0"/>
-            </a:xfrm>
-            <a:prstGeom prst="straightConnector1">
-              <a:avLst/>
-            </a:prstGeom>
-            <a:solidFill>
-              <a:srgbClr val="90C223"/>
-            </a:solidFill>
-            <a:ln w="19050" cap="rnd" cmpd="sng">
-              <a:solidFill>
-                <a:srgbClr val="D1E3BB"/>
-              </a:solidFill>
-              <a:prstDash val="solid"/>
-              <a:round/>
-              <a:headEnd type="none" w="sm" len="sm"/>
-              <a:tailEnd type="none" w="sm" len="sm"/>
-            </a:ln>
-          </p:spPr>
-        </p:cxnSp>
-      </p:grpSp>
-    </p:spTree>
-  </p:cSld>
-  <p:clrMapOvr>
-    <a:masterClrMapping/>
-  </p:clrMapOvr>
-</p:sld>
-</file>
-
-<file path=ppt/slides/slide30.xml><?xml version="1.0" encoding="utf-8"?>
+<file path=ppt/slides/slide32.xml><?xml version="1.0" encoding="utf-8"?>
 <p:sld xmlns:a="http://schemas.openxmlformats.org/drawingml/2006/main" xmlns:r="http://schemas.openxmlformats.org/officeDocument/2006/relationships" xmlns:p="http://schemas.openxmlformats.org/presentationml/2006/main">
   <p:cSld>
     <p:spTree>
@@ -30218,7 +36546,7 @@
             </a:r>
             <a:r>
               <a:rPr lang="en-US" dirty="0" err="1"/>
-              <a:t>codigo</a:t>
+              <a:t>código</a:t>
             </a:r>
             <a:r>
               <a:rPr lang="en-US" dirty="0"/>
@@ -30356,7 +36684,7 @@
 </p:sld>
 </file>
 
-<file path=ppt/slides/slide31.xml><?xml version="1.0" encoding="utf-8"?>
+<file path=ppt/slides/slide33.xml><?xml version="1.0" encoding="utf-8"?>
 <p:sld xmlns:a="http://schemas.openxmlformats.org/drawingml/2006/main" xmlns:r="http://schemas.openxmlformats.org/officeDocument/2006/relationships" xmlns:p="http://schemas.openxmlformats.org/presentationml/2006/main">
   <p:cSld>
     <p:spTree>
